--- a/documentation/Prezentare_Licenta_Matragociu_Bogdan.pptx
+++ b/documentation/Prezentare_Licenta_Matragociu_Bogdan.pptx
@@ -10,6 +10,17 @@
     <p:sldId id="258" r:id="rId4"/>
     <p:sldId id="259" r:id="rId5"/>
     <p:sldId id="260" r:id="rId6"/>
+    <p:sldId id="261" r:id="rId7"/>
+    <p:sldId id="262" r:id="rId8"/>
+    <p:sldId id="263" r:id="rId9"/>
+    <p:sldId id="265" r:id="rId10"/>
+    <p:sldId id="270" r:id="rId11"/>
+    <p:sldId id="271" r:id="rId12"/>
+    <p:sldId id="266" r:id="rId13"/>
+    <p:sldId id="272" r:id="rId14"/>
+    <p:sldId id="267" r:id="rId15"/>
+    <p:sldId id="268" r:id="rId16"/>
+    <p:sldId id="269" r:id="rId17"/>
   </p:sldIdLst>
   <p:sldSz cx="12192000" cy="6858000"/>
   <p:notesSz cx="6858000" cy="9144000"/>
@@ -108,6 +119,11 @@
       </a:defRPr>
     </a:lvl9pPr>
   </p:defaultTextStyle>
+  <p:extLst>
+    <p:ext uri="{EFAFB233-063F-42B5-8137-9DF3F51BA10A}">
+      <p15:sldGuideLst xmlns:p15="http://schemas.microsoft.com/office/powerpoint/2012/main"/>
+    </p:ext>
+  </p:extLst>
 </p:presentation>
 </file>
 
@@ -297,9 +313,9 @@
           <a:p>
             <a:fld id="{A4A4BF8C-F7B3-4F9F-B0A2-43022B6A3DD2}" type="datetimeFigureOut">
               <a:rPr lang="en-US" smtClean="0"/>
-              <a:t>6/27/2014</a:t>
+              <a:t>7/1/2014</a:t>
             </a:fld>
-            <a:endParaRPr lang="en-US"/>
+            <a:endParaRPr lang="en-US" dirty="0"/>
           </a:p>
         </p:txBody>
       </p:sp>
@@ -318,7 +334,7 @@
           <a:bodyPr/>
           <a:lstStyle/>
           <a:p>
-            <a:endParaRPr lang="en-US"/>
+            <a:endParaRPr lang="en-US" dirty="0"/>
           </a:p>
         </p:txBody>
       </p:sp>
@@ -341,7 +357,7 @@
               <a:rPr lang="en-US" smtClean="0"/>
               <a:t>‹#›</a:t>
             </a:fld>
-            <a:endParaRPr lang="en-US"/>
+            <a:endParaRPr lang="en-US" dirty="0"/>
           </a:p>
         </p:txBody>
       </p:sp>
@@ -481,7 +497,7 @@
           </a:lstStyle>
           <a:p>
             <a:r>
-              <a:rPr lang="en-US" smtClean="0"/>
+              <a:rPr lang="en-US" dirty="0" smtClean="0"/>
               <a:t>Click icon to add picture</a:t>
             </a:r>
             <a:endParaRPr lang="en-US" dirty="0"/>
@@ -572,9 +588,9 @@
           <a:p>
             <a:fld id="{A4A4BF8C-F7B3-4F9F-B0A2-43022B6A3DD2}" type="datetimeFigureOut">
               <a:rPr lang="en-US" smtClean="0"/>
-              <a:t>6/27/2014</a:t>
+              <a:t>7/1/2014</a:t>
             </a:fld>
-            <a:endParaRPr lang="en-US"/>
+            <a:endParaRPr lang="en-US" dirty="0"/>
           </a:p>
         </p:txBody>
       </p:sp>
@@ -593,7 +609,7 @@
           <a:bodyPr/>
           <a:lstStyle/>
           <a:p>
-            <a:endParaRPr lang="en-US"/>
+            <a:endParaRPr lang="en-US" dirty="0"/>
           </a:p>
         </p:txBody>
       </p:sp>
@@ -616,7 +632,7 @@
               <a:rPr lang="en-US" smtClean="0"/>
               <a:t>‹#›</a:t>
             </a:fld>
-            <a:endParaRPr lang="en-US"/>
+            <a:endParaRPr lang="en-US" dirty="0"/>
           </a:p>
         </p:txBody>
       </p:sp>
@@ -766,9 +782,9 @@
           <a:p>
             <a:fld id="{A4A4BF8C-F7B3-4F9F-B0A2-43022B6A3DD2}" type="datetimeFigureOut">
               <a:rPr lang="en-US" smtClean="0"/>
-              <a:t>6/27/2014</a:t>
+              <a:t>7/1/2014</a:t>
             </a:fld>
-            <a:endParaRPr lang="en-US"/>
+            <a:endParaRPr lang="en-US" dirty="0"/>
           </a:p>
         </p:txBody>
       </p:sp>
@@ -787,7 +803,7 @@
           <a:bodyPr/>
           <a:lstStyle/>
           <a:p>
-            <a:endParaRPr lang="en-US"/>
+            <a:endParaRPr lang="en-US" dirty="0"/>
           </a:p>
         </p:txBody>
       </p:sp>
@@ -810,7 +826,7 @@
               <a:rPr lang="en-US" smtClean="0"/>
               <a:t>‹#›</a:t>
             </a:fld>
-            <a:endParaRPr lang="en-US"/>
+            <a:endParaRPr lang="en-US" dirty="0"/>
           </a:p>
         </p:txBody>
       </p:sp>
@@ -1039,9 +1055,9 @@
           <a:p>
             <a:fld id="{A4A4BF8C-F7B3-4F9F-B0A2-43022B6A3DD2}" type="datetimeFigureOut">
               <a:rPr lang="en-US" smtClean="0"/>
-              <a:t>6/27/2014</a:t>
+              <a:t>7/1/2014</a:t>
             </a:fld>
-            <a:endParaRPr lang="en-US"/>
+            <a:endParaRPr lang="en-US" dirty="0"/>
           </a:p>
         </p:txBody>
       </p:sp>
@@ -1060,7 +1076,7 @@
           <a:bodyPr/>
           <a:lstStyle/>
           <a:p>
-            <a:endParaRPr lang="en-US"/>
+            <a:endParaRPr lang="en-US" dirty="0"/>
           </a:p>
         </p:txBody>
       </p:sp>
@@ -1083,7 +1099,7 @@
               <a:rPr lang="en-US" smtClean="0"/>
               <a:t>‹#›</a:t>
             </a:fld>
-            <a:endParaRPr lang="en-US"/>
+            <a:endParaRPr lang="en-US" dirty="0"/>
           </a:p>
         </p:txBody>
       </p:sp>
@@ -1380,9 +1396,9 @@
           <a:p>
             <a:fld id="{A4A4BF8C-F7B3-4F9F-B0A2-43022B6A3DD2}" type="datetimeFigureOut">
               <a:rPr lang="en-US" smtClean="0"/>
-              <a:t>6/27/2014</a:t>
+              <a:t>7/1/2014</a:t>
             </a:fld>
-            <a:endParaRPr lang="en-US"/>
+            <a:endParaRPr lang="en-US" dirty="0"/>
           </a:p>
         </p:txBody>
       </p:sp>
@@ -1401,7 +1417,7 @@
           <a:bodyPr/>
           <a:lstStyle/>
           <a:p>
-            <a:endParaRPr lang="en-US"/>
+            <a:endParaRPr lang="en-US" dirty="0"/>
           </a:p>
         </p:txBody>
       </p:sp>
@@ -1424,7 +1440,7 @@
               <a:rPr lang="en-US" smtClean="0"/>
               <a:t>‹#›</a:t>
             </a:fld>
-            <a:endParaRPr lang="en-US"/>
+            <a:endParaRPr lang="en-US" dirty="0"/>
           </a:p>
         </p:txBody>
       </p:sp>
@@ -2003,9 +2019,9 @@
           <a:p>
             <a:fld id="{A4A4BF8C-F7B3-4F9F-B0A2-43022B6A3DD2}" type="datetimeFigureOut">
               <a:rPr lang="en-US" smtClean="0"/>
-              <a:t>6/27/2014</a:t>
+              <a:t>7/1/2014</a:t>
             </a:fld>
-            <a:endParaRPr lang="en-US"/>
+            <a:endParaRPr lang="en-US" dirty="0"/>
           </a:p>
         </p:txBody>
       </p:sp>
@@ -2024,7 +2040,7 @@
           <a:bodyPr/>
           <a:lstStyle/>
           <a:p>
-            <a:endParaRPr lang="en-US"/>
+            <a:endParaRPr lang="en-US" dirty="0"/>
           </a:p>
         </p:txBody>
       </p:sp>
@@ -2047,7 +2063,7 @@
               <a:rPr lang="en-US" smtClean="0"/>
               <a:t>‹#›</a:t>
             </a:fld>
-            <a:endParaRPr lang="en-US"/>
+            <a:endParaRPr lang="en-US" dirty="0"/>
           </a:p>
         </p:txBody>
       </p:sp>
@@ -2254,7 +2270,7 @@
           </a:lstStyle>
           <a:p>
             <a:r>
-              <a:rPr lang="en-US" smtClean="0"/>
+              <a:rPr lang="en-US" dirty="0" smtClean="0"/>
               <a:t>Click icon to add picture</a:t>
             </a:r>
             <a:endParaRPr lang="en-US" dirty="0"/>
@@ -2474,7 +2490,7 @@
           </a:lstStyle>
           <a:p>
             <a:r>
-              <a:rPr lang="en-US" smtClean="0"/>
+              <a:rPr lang="en-US" dirty="0" smtClean="0"/>
               <a:t>Click icon to add picture</a:t>
             </a:r>
             <a:endParaRPr lang="en-US" dirty="0"/>
@@ -2694,7 +2710,7 @@
           </a:lstStyle>
           <a:p>
             <a:r>
-              <a:rPr lang="en-US" smtClean="0"/>
+              <a:rPr lang="en-US" dirty="0" smtClean="0"/>
               <a:t>Click icon to add picture</a:t>
             </a:r>
             <a:endParaRPr lang="en-US" dirty="0"/>
@@ -2863,9 +2879,9 @@
           <a:p>
             <a:fld id="{A4A4BF8C-F7B3-4F9F-B0A2-43022B6A3DD2}" type="datetimeFigureOut">
               <a:rPr lang="en-US" smtClean="0"/>
-              <a:t>6/27/2014</a:t>
+              <a:t>7/1/2014</a:t>
             </a:fld>
-            <a:endParaRPr lang="en-US"/>
+            <a:endParaRPr lang="en-US" dirty="0"/>
           </a:p>
         </p:txBody>
       </p:sp>
@@ -2884,7 +2900,7 @@
           <a:bodyPr/>
           <a:lstStyle/>
           <a:p>
-            <a:endParaRPr lang="en-US"/>
+            <a:endParaRPr lang="en-US" dirty="0"/>
           </a:p>
         </p:txBody>
       </p:sp>
@@ -2907,7 +2923,7 @@
               <a:rPr lang="en-US" smtClean="0"/>
               <a:t>‹#›</a:t>
             </a:fld>
-            <a:endParaRPr lang="en-US"/>
+            <a:endParaRPr lang="en-US" dirty="0"/>
           </a:p>
         </p:txBody>
       </p:sp>
@@ -3033,9 +3049,9 @@
           <a:p>
             <a:fld id="{A4A4BF8C-F7B3-4F9F-B0A2-43022B6A3DD2}" type="datetimeFigureOut">
               <a:rPr lang="en-US" smtClean="0"/>
-              <a:t>6/27/2014</a:t>
+              <a:t>7/1/2014</a:t>
             </a:fld>
-            <a:endParaRPr lang="en-US"/>
+            <a:endParaRPr lang="en-US" dirty="0"/>
           </a:p>
         </p:txBody>
       </p:sp>
@@ -3054,7 +3070,7 @@
           <a:bodyPr/>
           <a:lstStyle/>
           <a:p>
-            <a:endParaRPr lang="en-US"/>
+            <a:endParaRPr lang="en-US" dirty="0"/>
           </a:p>
         </p:txBody>
       </p:sp>
@@ -3077,7 +3093,7 @@
               <a:rPr lang="en-US" smtClean="0"/>
               <a:t>‹#›</a:t>
             </a:fld>
-            <a:endParaRPr lang="en-US"/>
+            <a:endParaRPr lang="en-US" dirty="0"/>
           </a:p>
         </p:txBody>
       </p:sp>
@@ -3213,9 +3229,9 @@
           <a:p>
             <a:fld id="{A4A4BF8C-F7B3-4F9F-B0A2-43022B6A3DD2}" type="datetimeFigureOut">
               <a:rPr lang="en-US" smtClean="0"/>
-              <a:t>6/27/2014</a:t>
+              <a:t>7/1/2014</a:t>
             </a:fld>
-            <a:endParaRPr lang="en-US"/>
+            <a:endParaRPr lang="en-US" dirty="0"/>
           </a:p>
         </p:txBody>
       </p:sp>
@@ -3234,7 +3250,7 @@
           <a:bodyPr/>
           <a:lstStyle/>
           <a:p>
-            <a:endParaRPr lang="en-US"/>
+            <a:endParaRPr lang="en-US" dirty="0"/>
           </a:p>
         </p:txBody>
       </p:sp>
@@ -3257,7 +3273,7 @@
               <a:rPr lang="en-US" smtClean="0"/>
               <a:t>‹#›</a:t>
             </a:fld>
-            <a:endParaRPr lang="en-US"/>
+            <a:endParaRPr lang="en-US" dirty="0"/>
           </a:p>
         </p:txBody>
       </p:sp>
@@ -3383,9 +3399,9 @@
           <a:p>
             <a:fld id="{A4A4BF8C-F7B3-4F9F-B0A2-43022B6A3DD2}" type="datetimeFigureOut">
               <a:rPr lang="en-US" smtClean="0"/>
-              <a:t>6/27/2014</a:t>
+              <a:t>7/1/2014</a:t>
             </a:fld>
-            <a:endParaRPr lang="en-US"/>
+            <a:endParaRPr lang="en-US" dirty="0"/>
           </a:p>
         </p:txBody>
       </p:sp>
@@ -3404,7 +3420,7 @@
           <a:bodyPr/>
           <a:lstStyle/>
           <a:p>
-            <a:endParaRPr lang="en-US"/>
+            <a:endParaRPr lang="en-US" dirty="0"/>
           </a:p>
         </p:txBody>
       </p:sp>
@@ -3427,7 +3443,7 @@
               <a:rPr lang="en-US" smtClean="0"/>
               <a:t>‹#›</a:t>
             </a:fld>
-            <a:endParaRPr lang="en-US"/>
+            <a:endParaRPr lang="en-US" dirty="0"/>
           </a:p>
         </p:txBody>
       </p:sp>
@@ -3630,9 +3646,9 @@
           <a:p>
             <a:fld id="{A4A4BF8C-F7B3-4F9F-B0A2-43022B6A3DD2}" type="datetimeFigureOut">
               <a:rPr lang="en-US" smtClean="0"/>
-              <a:t>6/27/2014</a:t>
+              <a:t>7/1/2014</a:t>
             </a:fld>
-            <a:endParaRPr lang="en-US"/>
+            <a:endParaRPr lang="en-US" dirty="0"/>
           </a:p>
         </p:txBody>
       </p:sp>
@@ -3651,7 +3667,7 @@
           <a:bodyPr/>
           <a:lstStyle/>
           <a:p>
-            <a:endParaRPr lang="en-US"/>
+            <a:endParaRPr lang="en-US" dirty="0"/>
           </a:p>
         </p:txBody>
       </p:sp>
@@ -3674,7 +3690,7 @@
               <a:rPr lang="en-US" smtClean="0"/>
               <a:t>‹#›</a:t>
             </a:fld>
-            <a:endParaRPr lang="en-US"/>
+            <a:endParaRPr lang="en-US" dirty="0"/>
           </a:p>
         </p:txBody>
       </p:sp>
@@ -3922,9 +3938,9 @@
           <a:p>
             <a:fld id="{A4A4BF8C-F7B3-4F9F-B0A2-43022B6A3DD2}" type="datetimeFigureOut">
               <a:rPr lang="en-US" smtClean="0"/>
-              <a:t>6/27/2014</a:t>
+              <a:t>7/1/2014</a:t>
             </a:fld>
-            <a:endParaRPr lang="en-US"/>
+            <a:endParaRPr lang="en-US" dirty="0"/>
           </a:p>
         </p:txBody>
       </p:sp>
@@ -3943,7 +3959,7 @@
           <a:bodyPr/>
           <a:lstStyle/>
           <a:p>
-            <a:endParaRPr lang="en-US"/>
+            <a:endParaRPr lang="en-US" dirty="0"/>
           </a:p>
         </p:txBody>
       </p:sp>
@@ -3966,7 +3982,7 @@
               <a:rPr lang="en-US" smtClean="0"/>
               <a:t>‹#›</a:t>
             </a:fld>
-            <a:endParaRPr lang="en-US"/>
+            <a:endParaRPr lang="en-US" dirty="0"/>
           </a:p>
         </p:txBody>
       </p:sp>
@@ -4366,9 +4382,9 @@
           <a:p>
             <a:fld id="{A4A4BF8C-F7B3-4F9F-B0A2-43022B6A3DD2}" type="datetimeFigureOut">
               <a:rPr lang="en-US" smtClean="0"/>
-              <a:t>6/27/2014</a:t>
+              <a:t>7/1/2014</a:t>
             </a:fld>
-            <a:endParaRPr lang="en-US"/>
+            <a:endParaRPr lang="en-US" dirty="0"/>
           </a:p>
         </p:txBody>
       </p:sp>
@@ -4387,7 +4403,7 @@
           <a:bodyPr/>
           <a:lstStyle/>
           <a:p>
-            <a:endParaRPr lang="en-US"/>
+            <a:endParaRPr lang="en-US" dirty="0"/>
           </a:p>
         </p:txBody>
       </p:sp>
@@ -4410,7 +4426,7 @@
               <a:rPr lang="en-US" smtClean="0"/>
               <a:t>‹#›</a:t>
             </a:fld>
-            <a:endParaRPr lang="en-US"/>
+            <a:endParaRPr lang="en-US" dirty="0"/>
           </a:p>
         </p:txBody>
       </p:sp>
@@ -4484,9 +4500,9 @@
           <a:p>
             <a:fld id="{A4A4BF8C-F7B3-4F9F-B0A2-43022B6A3DD2}" type="datetimeFigureOut">
               <a:rPr lang="en-US" smtClean="0"/>
-              <a:t>6/27/2014</a:t>
+              <a:t>7/1/2014</a:t>
             </a:fld>
-            <a:endParaRPr lang="en-US"/>
+            <a:endParaRPr lang="en-US" dirty="0"/>
           </a:p>
         </p:txBody>
       </p:sp>
@@ -4505,7 +4521,7 @@
           <a:bodyPr/>
           <a:lstStyle/>
           <a:p>
-            <a:endParaRPr lang="en-US"/>
+            <a:endParaRPr lang="en-US" dirty="0"/>
           </a:p>
         </p:txBody>
       </p:sp>
@@ -4528,7 +4544,7 @@
               <a:rPr lang="en-US" smtClean="0"/>
               <a:t>‹#›</a:t>
             </a:fld>
-            <a:endParaRPr lang="en-US"/>
+            <a:endParaRPr lang="en-US" dirty="0"/>
           </a:p>
         </p:txBody>
       </p:sp>
@@ -4579,9 +4595,9 @@
           <a:p>
             <a:fld id="{A4A4BF8C-F7B3-4F9F-B0A2-43022B6A3DD2}" type="datetimeFigureOut">
               <a:rPr lang="en-US" smtClean="0"/>
-              <a:t>6/27/2014</a:t>
+              <a:t>7/1/2014</a:t>
             </a:fld>
-            <a:endParaRPr lang="en-US"/>
+            <a:endParaRPr lang="en-US" dirty="0"/>
           </a:p>
         </p:txBody>
       </p:sp>
@@ -4600,7 +4616,7 @@
           <a:bodyPr/>
           <a:lstStyle/>
           <a:p>
-            <a:endParaRPr lang="en-US"/>
+            <a:endParaRPr lang="en-US" dirty="0"/>
           </a:p>
         </p:txBody>
       </p:sp>
@@ -4623,7 +4639,7 @@
               <a:rPr lang="en-US" smtClean="0"/>
               <a:t>‹#›</a:t>
             </a:fld>
-            <a:endParaRPr lang="en-US"/>
+            <a:endParaRPr lang="en-US" dirty="0"/>
           </a:p>
         </p:txBody>
       </p:sp>
@@ -4858,9 +4874,9 @@
           <a:p>
             <a:fld id="{A4A4BF8C-F7B3-4F9F-B0A2-43022B6A3DD2}" type="datetimeFigureOut">
               <a:rPr lang="en-US" smtClean="0"/>
-              <a:t>6/27/2014</a:t>
+              <a:t>7/1/2014</a:t>
             </a:fld>
-            <a:endParaRPr lang="en-US"/>
+            <a:endParaRPr lang="en-US" dirty="0"/>
           </a:p>
         </p:txBody>
       </p:sp>
@@ -4879,7 +4895,7 @@
           <a:bodyPr/>
           <a:lstStyle/>
           <a:p>
-            <a:endParaRPr lang="en-US"/>
+            <a:endParaRPr lang="en-US" dirty="0"/>
           </a:p>
         </p:txBody>
       </p:sp>
@@ -4902,7 +4918,7 @@
               <a:rPr lang="en-US" smtClean="0"/>
               <a:t>‹#›</a:t>
             </a:fld>
-            <a:endParaRPr lang="en-US"/>
+            <a:endParaRPr lang="en-US" dirty="0"/>
           </a:p>
         </p:txBody>
       </p:sp>
@@ -5042,7 +5058,7 @@
           </a:lstStyle>
           <a:p>
             <a:r>
-              <a:rPr lang="en-US" smtClean="0"/>
+              <a:rPr lang="en-US" dirty="0" smtClean="0"/>
               <a:t>Click icon to add picture</a:t>
             </a:r>
             <a:endParaRPr lang="en-US" dirty="0"/>
@@ -5133,9 +5149,9 @@
           <a:p>
             <a:fld id="{A4A4BF8C-F7B3-4F9F-B0A2-43022B6A3DD2}" type="datetimeFigureOut">
               <a:rPr lang="en-US" smtClean="0"/>
-              <a:t>6/27/2014</a:t>
+              <a:t>7/1/2014</a:t>
             </a:fld>
-            <a:endParaRPr lang="en-US"/>
+            <a:endParaRPr lang="en-US" dirty="0"/>
           </a:p>
         </p:txBody>
       </p:sp>
@@ -5154,7 +5170,7 @@
           <a:bodyPr/>
           <a:lstStyle/>
           <a:p>
-            <a:endParaRPr lang="en-US"/>
+            <a:endParaRPr lang="en-US" dirty="0"/>
           </a:p>
         </p:txBody>
       </p:sp>
@@ -5177,7 +5193,7 @@
               <a:rPr lang="en-US" smtClean="0"/>
               <a:t>‹#›</a:t>
             </a:fld>
-            <a:endParaRPr lang="en-US"/>
+            <a:endParaRPr lang="en-US" dirty="0"/>
           </a:p>
         </p:txBody>
       </p:sp>
@@ -5562,9 +5578,9 @@
           <a:p>
             <a:fld id="{A4A4BF8C-F7B3-4F9F-B0A2-43022B6A3DD2}" type="datetimeFigureOut">
               <a:rPr lang="en-US" smtClean="0"/>
-              <a:t>6/27/2014</a:t>
+              <a:t>7/1/2014</a:t>
             </a:fld>
-            <a:endParaRPr lang="en-US"/>
+            <a:endParaRPr lang="en-US" dirty="0"/>
           </a:p>
         </p:txBody>
       </p:sp>
@@ -5602,7 +5618,7 @@
             </a:lvl1pPr>
           </a:lstStyle>
           <a:p>
-            <a:endParaRPr lang="en-US"/>
+            <a:endParaRPr lang="en-US" dirty="0"/>
           </a:p>
         </p:txBody>
       </p:sp>
@@ -5643,7 +5659,7 @@
               <a:rPr lang="en-US" smtClean="0"/>
               <a:t>‹#›</a:t>
             </a:fld>
-            <a:endParaRPr lang="en-US"/>
+            <a:endParaRPr lang="en-US" dirty="0"/>
           </a:p>
         </p:txBody>
       </p:sp>
@@ -6111,66 +6127,10 @@
           <a:lstStyle/>
           <a:p>
             <a:r>
-              <a:rPr lang="en-US" sz="4000" dirty="0" err="1"/>
-              <a:t>Studiul</a:t>
-            </a:r>
-            <a:r>
-              <a:rPr lang="en-US" sz="4000" dirty="0"/>
-              <a:t> </a:t>
-            </a:r>
-            <a:r>
-              <a:rPr lang="en-US" sz="4000" dirty="0" err="1"/>
-              <a:t>bazelor</a:t>
-            </a:r>
-            <a:r>
-              <a:rPr lang="en-US" sz="4000" dirty="0"/>
-              <a:t> de date </a:t>
-            </a:r>
-            <a:r>
-              <a:rPr lang="en-US" sz="4000" dirty="0" err="1"/>
-              <a:t>distribuite</a:t>
-            </a:r>
-            <a:r>
-              <a:rPr lang="en-US" sz="4000" dirty="0"/>
-              <a:t> </a:t>
-            </a:r>
-            <a:r>
-              <a:rPr lang="en-US" sz="4000" dirty="0" err="1"/>
-              <a:t>în</a:t>
-            </a:r>
-            <a:r>
-              <a:rPr lang="en-US" sz="4000" dirty="0"/>
-              <a:t> </a:t>
-            </a:r>
-            <a:r>
-              <a:rPr lang="en-US" sz="4000" dirty="0" err="1"/>
-              <a:t>sistemul</a:t>
-            </a:r>
-            <a:r>
-              <a:rPr lang="en-US" sz="4000" dirty="0"/>
-              <a:t> de </a:t>
-            </a:r>
-            <a:r>
-              <a:rPr lang="en-US" sz="4000" dirty="0" err="1"/>
-              <a:t>gestiune</a:t>
-            </a:r>
-            <a:r>
-              <a:rPr lang="en-US" sz="4000" dirty="0"/>
-              <a:t> al </a:t>
-            </a:r>
-            <a:r>
-              <a:rPr lang="en-US" sz="4000" dirty="0" err="1"/>
-              <a:t>bazelor</a:t>
-            </a:r>
-            <a:r>
-              <a:rPr lang="en-US" sz="4000" dirty="0"/>
-              <a:t> de date </a:t>
-            </a:r>
-            <a:r>
-              <a:rPr lang="en-US" sz="4000" dirty="0" err="1"/>
-              <a:t>MariaDB</a:t>
-            </a:r>
-            <a:endParaRPr lang="en-US" sz="4000" dirty="0"/>
+              <a:rPr lang="ro-RO" sz="4000" dirty="0" smtClean="0"/>
+              <a:t>Studiul bazelor de date distribuite în sistemul de gestiune al bazelor de date MariaDB</a:t>
+            </a:r>
+            <a:endParaRPr lang="ro-RO" sz="4000" dirty="0"/>
           </a:p>
         </p:txBody>
       </p:sp>
@@ -6195,75 +6155,18 @@
           <a:lstStyle/>
           <a:p>
             <a:r>
-              <a:rPr lang="es-ES" dirty="0" err="1"/>
-              <a:t>Conducător</a:t>
-            </a:r>
-            <a:r>
-              <a:rPr lang="es-ES" dirty="0"/>
-              <a:t> </a:t>
-            </a:r>
-            <a:r>
-              <a:rPr lang="es-ES" dirty="0" err="1"/>
-              <a:t>științific</a:t>
-            </a:r>
-            <a:r>
-              <a:rPr lang="es-ES" dirty="0"/>
-              <a:t> 						</a:t>
-            </a:r>
-            <a:r>
-              <a:rPr lang="es-ES" dirty="0" smtClean="0"/>
-              <a:t>						   </a:t>
-            </a:r>
-            <a:r>
-              <a:rPr lang="es-ES" dirty="0" err="1" smtClean="0"/>
-              <a:t>Absolvent</a:t>
-            </a:r>
-            <a:endParaRPr lang="es-ES" dirty="0"/>
-          </a:p>
-          <a:p>
-            <a:r>
-              <a:rPr lang="es-ES" dirty="0" err="1"/>
-              <a:t>Ș.l</a:t>
-            </a:r>
-            <a:r>
-              <a:rPr lang="es-ES" dirty="0"/>
-              <a:t>. Dr. Ing. </a:t>
-            </a:r>
-            <a:r>
-              <a:rPr lang="es-ES" dirty="0" err="1"/>
-              <a:t>Valentin</a:t>
-            </a:r>
-            <a:r>
-              <a:rPr lang="es-ES" dirty="0"/>
-              <a:t> </a:t>
-            </a:r>
-            <a:r>
-              <a:rPr lang="es-ES" dirty="0" smtClean="0"/>
-              <a:t>PUPEZESCU			</a:t>
-            </a:r>
-            <a:r>
-              <a:rPr lang="es-ES" dirty="0"/>
-              <a:t>	</a:t>
-            </a:r>
-            <a:r>
-              <a:rPr lang="es-ES" dirty="0" err="1"/>
-              <a:t>Bogdan</a:t>
-            </a:r>
-            <a:r>
-              <a:rPr lang="es-ES" dirty="0"/>
-              <a:t> - </a:t>
-            </a:r>
-            <a:r>
-              <a:rPr lang="es-ES" dirty="0" err="1"/>
-              <a:t>Petru</a:t>
-            </a:r>
-            <a:r>
-              <a:rPr lang="es-ES" dirty="0"/>
-              <a:t> MATRAGOCIU</a:t>
-            </a:r>
-          </a:p>
-          <a:p>
-            <a:endParaRPr lang="en-US" dirty="0"/>
+              <a:rPr lang="ro-RO" dirty="0" smtClean="0"/>
+              <a:t>Conducător științific 												   Absolvent</a:t>
+            </a:r>
+          </a:p>
+          <a:p>
+            <a:r>
+              <a:rPr lang="ro-RO" dirty="0" smtClean="0"/>
+              <a:t>Ș.l. Dr. Ing. Valentin PUPEZESCU				Bogdan - Petru MATRAGOCIU</a:t>
+            </a:r>
+          </a:p>
+          <a:p>
+            <a:endParaRPr lang="ro-RO" dirty="0"/>
           </a:p>
         </p:txBody>
       </p:sp>
@@ -6271,6 +6174,1212 @@
     <p:extLst>
       <p:ext uri="{BB962C8B-B14F-4D97-AF65-F5344CB8AC3E}">
         <p14:creationId xmlns:p14="http://schemas.microsoft.com/office/powerpoint/2010/main" val="2269184489"/>
+      </p:ext>
+    </p:extLst>
+  </p:cSld>
+  <p:clrMapOvr>
+    <a:masterClrMapping/>
+  </p:clrMapOvr>
+  <p:timing>
+    <p:tnLst>
+      <p:par>
+        <p:cTn id="1" dur="indefinite" restart="never" nodeType="tmRoot"/>
+      </p:par>
+    </p:tnLst>
+  </p:timing>
+</p:sld>
+</file>
+
+<file path=ppt/slides/slide10.xml><?xml version="1.0" encoding="utf-8"?>
+<p:sld xmlns:a="http://schemas.openxmlformats.org/drawingml/2006/main" xmlns:r="http://schemas.openxmlformats.org/officeDocument/2006/relationships" xmlns:p="http://schemas.openxmlformats.org/presentationml/2006/main">
+  <p:cSld>
+    <p:spTree>
+      <p:nvGrpSpPr>
+        <p:cNvPr id="1" name=""/>
+        <p:cNvGrpSpPr/>
+        <p:nvPr/>
+      </p:nvGrpSpPr>
+      <p:grpSpPr>
+        <a:xfrm>
+          <a:off x="0" y="0"/>
+          <a:ext cx="0" cy="0"/>
+          <a:chOff x="0" y="0"/>
+          <a:chExt cx="0" cy="0"/>
+        </a:xfrm>
+      </p:grpSpPr>
+      <p:sp>
+        <p:nvSpPr>
+          <p:cNvPr id="2" name="Title 1"/>
+          <p:cNvSpPr>
+            <a:spLocks noGrp="1"/>
+          </p:cNvSpPr>
+          <p:nvPr>
+            <p:ph type="title"/>
+          </p:nvPr>
+        </p:nvSpPr>
+        <p:spPr/>
+        <p:txBody>
+          <a:bodyPr/>
+          <a:lstStyle/>
+          <a:p>
+            <a:r>
+              <a:rPr lang="ro-RO" dirty="0"/>
+              <a:t>Topologii</a:t>
+            </a:r>
+            <a:r>
+              <a:rPr lang="en-US" dirty="0"/>
+              <a:t> de </a:t>
+            </a:r>
+            <a:r>
+              <a:rPr lang="ro-RO" dirty="0"/>
+              <a:t>replicare</a:t>
+            </a:r>
+          </a:p>
+        </p:txBody>
+      </p:sp>
+      <p:sp>
+        <p:nvSpPr>
+          <p:cNvPr id="3" name="Content Placeholder 2"/>
+          <p:cNvSpPr>
+            <a:spLocks noGrp="1"/>
+          </p:cNvSpPr>
+          <p:nvPr>
+            <p:ph idx="1"/>
+          </p:nvPr>
+        </p:nvSpPr>
+        <p:spPr>
+          <a:xfrm>
+            <a:off x="1225231" y="2331592"/>
+            <a:ext cx="8946541" cy="3328979"/>
+          </a:xfrm>
+        </p:spPr>
+        <p:txBody>
+          <a:bodyPr/>
+          <a:lstStyle/>
+          <a:p>
+            <a:r>
+              <a:rPr lang="ro-RO" dirty="0" smtClean="0"/>
+              <a:t>Principiul</a:t>
+            </a:r>
+            <a:r>
+              <a:rPr lang="en-US" dirty="0" smtClean="0"/>
+              <a:t> master-slave</a:t>
+            </a:r>
+          </a:p>
+          <a:p>
+            <a:pPr lvl="1"/>
+            <a:endParaRPr lang="ro-RO" dirty="0" smtClean="0"/>
+          </a:p>
+          <a:p>
+            <a:endParaRPr lang="en-US" dirty="0"/>
+          </a:p>
+          <a:p>
+            <a:endParaRPr lang="ro-RO" dirty="0"/>
+          </a:p>
+          <a:p>
+            <a:endParaRPr lang="ro-RO" dirty="0"/>
+          </a:p>
+          <a:p>
+            <a:endParaRPr lang="en-US" dirty="0" smtClean="0"/>
+          </a:p>
+          <a:p>
+            <a:endParaRPr lang="en-US" dirty="0"/>
+          </a:p>
+          <a:p>
+            <a:endParaRPr lang="en-US" dirty="0" smtClean="0"/>
+          </a:p>
+          <a:p>
+            <a:pPr marL="0" indent="0">
+              <a:buNone/>
+            </a:pPr>
+            <a:endParaRPr lang="ro-RO" dirty="0" smtClean="0"/>
+          </a:p>
+          <a:p>
+            <a:endParaRPr lang="ro-RO" dirty="0" smtClean="0"/>
+          </a:p>
+        </p:txBody>
+      </p:sp>
+      <p:pic>
+        <p:nvPicPr>
+          <p:cNvPr id="6" name="Picture 5"/>
+          <p:cNvPicPr/>
+          <p:nvPr/>
+        </p:nvPicPr>
+        <p:blipFill>
+          <a:blip r:embed="rId2">
+            <a:extLst>
+              <a:ext uri="{28A0092B-C50C-407E-A947-70E740481C1C}">
+                <a14:useLocalDpi xmlns:a14="http://schemas.microsoft.com/office/drawing/2010/main" val="0"/>
+              </a:ext>
+            </a:extLst>
+          </a:blip>
+          <a:stretch>
+            <a:fillRect/>
+          </a:stretch>
+        </p:blipFill>
+        <p:spPr>
+          <a:xfrm>
+            <a:off x="2507626" y="3385366"/>
+            <a:ext cx="6381750" cy="2275205"/>
+          </a:xfrm>
+          <a:prstGeom prst="rect">
+            <a:avLst/>
+          </a:prstGeom>
+          <a:effectLst>
+            <a:softEdge rad="25400"/>
+          </a:effectLst>
+        </p:spPr>
+      </p:pic>
+    </p:spTree>
+    <p:extLst>
+      <p:ext uri="{BB962C8B-B14F-4D97-AF65-F5344CB8AC3E}">
+        <p14:creationId xmlns:p14="http://schemas.microsoft.com/office/powerpoint/2010/main" val="1302811389"/>
+      </p:ext>
+    </p:extLst>
+  </p:cSld>
+  <p:clrMapOvr>
+    <a:masterClrMapping/>
+  </p:clrMapOvr>
+  <p:timing>
+    <p:tnLst>
+      <p:par>
+        <p:cTn id="1" dur="indefinite" restart="never" nodeType="tmRoot"/>
+      </p:par>
+    </p:tnLst>
+  </p:timing>
+</p:sld>
+</file>
+
+<file path=ppt/slides/slide11.xml><?xml version="1.0" encoding="utf-8"?>
+<p:sld xmlns:a="http://schemas.openxmlformats.org/drawingml/2006/main" xmlns:r="http://schemas.openxmlformats.org/officeDocument/2006/relationships" xmlns:p="http://schemas.openxmlformats.org/presentationml/2006/main">
+  <p:cSld>
+    <p:spTree>
+      <p:nvGrpSpPr>
+        <p:cNvPr id="1" name=""/>
+        <p:cNvGrpSpPr/>
+        <p:nvPr/>
+      </p:nvGrpSpPr>
+      <p:grpSpPr>
+        <a:xfrm>
+          <a:off x="0" y="0"/>
+          <a:ext cx="0" cy="0"/>
+          <a:chOff x="0" y="0"/>
+          <a:chExt cx="0" cy="0"/>
+        </a:xfrm>
+      </p:grpSpPr>
+      <p:sp>
+        <p:nvSpPr>
+          <p:cNvPr id="2" name="Title 1"/>
+          <p:cNvSpPr>
+            <a:spLocks noGrp="1"/>
+          </p:cNvSpPr>
+          <p:nvPr>
+            <p:ph type="title"/>
+          </p:nvPr>
+        </p:nvSpPr>
+        <p:spPr/>
+        <p:txBody>
+          <a:bodyPr/>
+          <a:lstStyle/>
+          <a:p>
+            <a:r>
+              <a:rPr lang="ro-RO" dirty="0"/>
+              <a:t>Topologii</a:t>
+            </a:r>
+            <a:r>
+              <a:rPr lang="en-US" dirty="0"/>
+              <a:t> de </a:t>
+            </a:r>
+            <a:r>
+              <a:rPr lang="ro-RO" dirty="0"/>
+              <a:t>replicare</a:t>
+            </a:r>
+            <a:endParaRPr lang="en-US" dirty="0"/>
+          </a:p>
+        </p:txBody>
+      </p:sp>
+      <p:sp>
+        <p:nvSpPr>
+          <p:cNvPr id="3" name="Content Placeholder 2"/>
+          <p:cNvSpPr>
+            <a:spLocks noGrp="1"/>
+          </p:cNvSpPr>
+          <p:nvPr>
+            <p:ph idx="1"/>
+          </p:nvPr>
+        </p:nvSpPr>
+        <p:spPr/>
+        <p:txBody>
+          <a:bodyPr/>
+          <a:lstStyle/>
+          <a:p>
+            <a:r>
+              <a:rPr lang="en-US" dirty="0" smtClean="0"/>
+              <a:t>Un master </a:t>
+            </a:r>
+            <a:r>
+              <a:rPr lang="ro-RO" dirty="0" smtClean="0"/>
+              <a:t>mai</a:t>
+            </a:r>
+            <a:r>
+              <a:rPr lang="en-US" dirty="0" smtClean="0"/>
+              <a:t> </a:t>
+            </a:r>
+            <a:r>
+              <a:rPr lang="ro-RO" dirty="0" smtClean="0"/>
+              <a:t>multe</a:t>
+            </a:r>
+            <a:r>
+              <a:rPr lang="en-US" dirty="0" smtClean="0"/>
+              <a:t> slave-</a:t>
+            </a:r>
+            <a:r>
+              <a:rPr lang="ro-RO" dirty="0" smtClean="0"/>
+              <a:t>uri</a:t>
+            </a:r>
+          </a:p>
+          <a:p>
+            <a:r>
+              <a:rPr lang="en-US" dirty="0" smtClean="0"/>
+              <a:t>Master-master – mod </a:t>
+            </a:r>
+            <a:r>
+              <a:rPr lang="ro-RO" dirty="0" smtClean="0"/>
+              <a:t>activ-activ</a:t>
+            </a:r>
+          </a:p>
+          <a:p>
+            <a:r>
+              <a:rPr lang="en-US" dirty="0" smtClean="0"/>
+              <a:t>Master-master – mod </a:t>
+            </a:r>
+            <a:r>
+              <a:rPr lang="ro-RO" dirty="0" smtClean="0"/>
+              <a:t>pasiv-pasiv</a:t>
+            </a:r>
+          </a:p>
+          <a:p>
+            <a:r>
+              <a:rPr lang="en-US" dirty="0" smtClean="0"/>
+              <a:t>Master-master – cu </a:t>
+            </a:r>
+            <a:r>
+              <a:rPr lang="ro-RO" dirty="0" smtClean="0"/>
+              <a:t>mai</a:t>
+            </a:r>
+            <a:r>
+              <a:rPr lang="en-US" dirty="0" smtClean="0"/>
+              <a:t> </a:t>
+            </a:r>
+            <a:r>
+              <a:rPr lang="ro-RO" dirty="0" smtClean="0"/>
+              <a:t>multe</a:t>
+            </a:r>
+            <a:r>
+              <a:rPr lang="en-US" dirty="0" smtClean="0"/>
+              <a:t> slave-</a:t>
+            </a:r>
+            <a:r>
+              <a:rPr lang="ro-RO" dirty="0" smtClean="0"/>
+              <a:t>uri</a:t>
+            </a:r>
+          </a:p>
+          <a:p>
+            <a:r>
+              <a:rPr lang="ro-RO" dirty="0" smtClean="0"/>
+              <a:t>Inel</a:t>
+            </a:r>
+          </a:p>
+          <a:p>
+            <a:r>
+              <a:rPr lang="en-US" dirty="0" smtClean="0"/>
+              <a:t>Master de </a:t>
+            </a:r>
+            <a:r>
+              <a:rPr lang="ro-RO" dirty="0" smtClean="0"/>
+              <a:t>distribuție</a:t>
+            </a:r>
+          </a:p>
+          <a:p>
+            <a:r>
+              <a:rPr lang="en-US" dirty="0" smtClean="0"/>
+              <a:t>Arbore </a:t>
+            </a:r>
+            <a:r>
+              <a:rPr lang="ro-RO" dirty="0" smtClean="0"/>
+              <a:t>sau</a:t>
+            </a:r>
+            <a:r>
+              <a:rPr lang="en-US" dirty="0" smtClean="0"/>
+              <a:t> </a:t>
+            </a:r>
+            <a:r>
+              <a:rPr lang="ro-RO" dirty="0" smtClean="0"/>
+              <a:t>piramida</a:t>
+            </a:r>
+          </a:p>
+          <a:p>
+            <a:endParaRPr lang="en-US" dirty="0" smtClean="0"/>
+          </a:p>
+          <a:p>
+            <a:endParaRPr lang="en-US" dirty="0"/>
+          </a:p>
+        </p:txBody>
+      </p:sp>
+    </p:spTree>
+    <p:extLst>
+      <p:ext uri="{BB962C8B-B14F-4D97-AF65-F5344CB8AC3E}">
+        <p14:creationId xmlns:p14="http://schemas.microsoft.com/office/powerpoint/2010/main" val="976531277"/>
+      </p:ext>
+    </p:extLst>
+  </p:cSld>
+  <p:clrMapOvr>
+    <a:masterClrMapping/>
+  </p:clrMapOvr>
+</p:sld>
+</file>
+
+<file path=ppt/slides/slide12.xml><?xml version="1.0" encoding="utf-8"?>
+<p:sld xmlns:a="http://schemas.openxmlformats.org/drawingml/2006/main" xmlns:r="http://schemas.openxmlformats.org/officeDocument/2006/relationships" xmlns:p="http://schemas.openxmlformats.org/presentationml/2006/main">
+  <p:cSld>
+    <p:spTree>
+      <p:nvGrpSpPr>
+        <p:cNvPr id="1" name=""/>
+        <p:cNvGrpSpPr/>
+        <p:nvPr/>
+      </p:nvGrpSpPr>
+      <p:grpSpPr>
+        <a:xfrm>
+          <a:off x="0" y="0"/>
+          <a:ext cx="0" cy="0"/>
+          <a:chOff x="0" y="0"/>
+          <a:chExt cx="0" cy="0"/>
+        </a:xfrm>
+      </p:grpSpPr>
+      <p:sp>
+        <p:nvSpPr>
+          <p:cNvPr id="2" name="Title 1"/>
+          <p:cNvSpPr>
+            <a:spLocks noGrp="1"/>
+          </p:cNvSpPr>
+          <p:nvPr>
+            <p:ph type="title"/>
+          </p:nvPr>
+        </p:nvSpPr>
+        <p:spPr/>
+        <p:txBody>
+          <a:bodyPr/>
+          <a:lstStyle/>
+          <a:p>
+            <a:r>
+              <a:rPr lang="ro-RO" dirty="0"/>
+              <a:t>Implementare</a:t>
+            </a:r>
+            <a:r>
+              <a:rPr lang="en-US" dirty="0"/>
+              <a:t> </a:t>
+            </a:r>
+            <a:r>
+              <a:rPr lang="ro-RO" dirty="0"/>
+              <a:t>topologiei</a:t>
+            </a:r>
+            <a:r>
+              <a:rPr lang="en-US" dirty="0"/>
+              <a:t> in cloud</a:t>
+            </a:r>
+          </a:p>
+        </p:txBody>
+      </p:sp>
+      <p:sp>
+        <p:nvSpPr>
+          <p:cNvPr id="3" name="Content Placeholder 2"/>
+          <p:cNvSpPr>
+            <a:spLocks noGrp="1"/>
+          </p:cNvSpPr>
+          <p:nvPr>
+            <p:ph idx="1"/>
+          </p:nvPr>
+        </p:nvSpPr>
+        <p:spPr>
+          <a:xfrm>
+            <a:off x="336956" y="3124072"/>
+            <a:ext cx="2885215" cy="3328979"/>
+          </a:xfrm>
+        </p:spPr>
+        <p:txBody>
+          <a:bodyPr/>
+          <a:lstStyle/>
+          <a:p>
+            <a:r>
+              <a:rPr lang="ro-RO" dirty="0" smtClean="0"/>
+              <a:t>Topologia</a:t>
+            </a:r>
+            <a:r>
+              <a:rPr lang="en-US" dirty="0" smtClean="0"/>
+              <a:t> </a:t>
+            </a:r>
+            <a:r>
+              <a:rPr lang="ro-RO" dirty="0" smtClean="0"/>
+              <a:t>implementata</a:t>
+            </a:r>
+            <a:endParaRPr lang="ro-RO" dirty="0" smtClean="0"/>
+          </a:p>
+        </p:txBody>
+      </p:sp>
+      <p:pic>
+        <p:nvPicPr>
+          <p:cNvPr id="4" name="Picture 3"/>
+          <p:cNvPicPr>
+            <a:picLocks noChangeAspect="1"/>
+          </p:cNvPicPr>
+          <p:nvPr/>
+        </p:nvPicPr>
+        <p:blipFill>
+          <a:blip r:embed="rId2"/>
+          <a:stretch>
+            <a:fillRect/>
+          </a:stretch>
+        </p:blipFill>
+        <p:spPr>
+          <a:xfrm>
+            <a:off x="2856411" y="1185869"/>
+            <a:ext cx="8987245" cy="5440786"/>
+          </a:xfrm>
+          <a:prstGeom prst="rect">
+            <a:avLst/>
+          </a:prstGeom>
+          <a:effectLst>
+            <a:softEdge rad="38100"/>
+          </a:effectLst>
+        </p:spPr>
+      </p:pic>
+    </p:spTree>
+    <p:extLst>
+      <p:ext uri="{BB962C8B-B14F-4D97-AF65-F5344CB8AC3E}">
+        <p14:creationId xmlns:p14="http://schemas.microsoft.com/office/powerpoint/2010/main" val="3247952930"/>
+      </p:ext>
+    </p:extLst>
+  </p:cSld>
+  <p:clrMapOvr>
+    <a:masterClrMapping/>
+  </p:clrMapOvr>
+  <p:timing>
+    <p:tnLst>
+      <p:par>
+        <p:cTn id="1" dur="indefinite" restart="never" nodeType="tmRoot"/>
+      </p:par>
+    </p:tnLst>
+  </p:timing>
+</p:sld>
+</file>
+
+<file path=ppt/slides/slide13.xml><?xml version="1.0" encoding="utf-8"?>
+<p:sld xmlns:a="http://schemas.openxmlformats.org/drawingml/2006/main" xmlns:r="http://schemas.openxmlformats.org/officeDocument/2006/relationships" xmlns:p="http://schemas.openxmlformats.org/presentationml/2006/main">
+  <p:cSld>
+    <p:spTree>
+      <p:nvGrpSpPr>
+        <p:cNvPr id="1" name=""/>
+        <p:cNvGrpSpPr/>
+        <p:nvPr/>
+      </p:nvGrpSpPr>
+      <p:grpSpPr>
+        <a:xfrm>
+          <a:off x="0" y="0"/>
+          <a:ext cx="0" cy="0"/>
+          <a:chOff x="0" y="0"/>
+          <a:chExt cx="0" cy="0"/>
+        </a:xfrm>
+      </p:grpSpPr>
+      <p:sp>
+        <p:nvSpPr>
+          <p:cNvPr id="2" name="Title 1"/>
+          <p:cNvSpPr>
+            <a:spLocks noGrp="1"/>
+          </p:cNvSpPr>
+          <p:nvPr>
+            <p:ph type="title"/>
+          </p:nvPr>
+        </p:nvSpPr>
+        <p:spPr/>
+        <p:txBody>
+          <a:bodyPr/>
+          <a:lstStyle/>
+          <a:p>
+            <a:r>
+              <a:rPr lang="ro-RO" dirty="0"/>
+              <a:t>Implementare</a:t>
+            </a:r>
+            <a:r>
+              <a:rPr lang="en-US" dirty="0"/>
+              <a:t> </a:t>
+            </a:r>
+            <a:r>
+              <a:rPr lang="ro-RO" dirty="0"/>
+              <a:t>topologiei</a:t>
+            </a:r>
+            <a:r>
+              <a:rPr lang="en-US" dirty="0"/>
+              <a:t> in cloud</a:t>
+            </a:r>
+          </a:p>
+        </p:txBody>
+      </p:sp>
+      <p:sp>
+        <p:nvSpPr>
+          <p:cNvPr id="3" name="Content Placeholder 2"/>
+          <p:cNvSpPr>
+            <a:spLocks noGrp="1"/>
+          </p:cNvSpPr>
+          <p:nvPr>
+            <p:ph idx="1"/>
+          </p:nvPr>
+        </p:nvSpPr>
+        <p:spPr/>
+        <p:txBody>
+          <a:bodyPr/>
+          <a:lstStyle/>
+          <a:p>
+            <a:r>
+              <a:rPr lang="ro-RO" dirty="0" smtClean="0"/>
+              <a:t>Configurație</a:t>
+            </a:r>
+            <a:r>
+              <a:rPr lang="en-US" dirty="0" smtClean="0"/>
+              <a:t> </a:t>
+            </a:r>
+            <a:r>
+              <a:rPr lang="ro-RO" dirty="0" smtClean="0"/>
+              <a:t>mașini</a:t>
+            </a:r>
+            <a:r>
+              <a:rPr lang="en-US" dirty="0" smtClean="0"/>
+              <a:t> </a:t>
+            </a:r>
+            <a:r>
+              <a:rPr lang="ro-RO" dirty="0" smtClean="0"/>
+              <a:t>virtuale</a:t>
+            </a:r>
+            <a:endParaRPr lang="en-US" dirty="0" smtClean="0"/>
+          </a:p>
+          <a:p>
+            <a:pPr lvl="1"/>
+            <a:r>
+              <a:rPr lang="en-US" dirty="0" smtClean="0"/>
+              <a:t>1 core - 1.6 GHz</a:t>
+            </a:r>
+          </a:p>
+          <a:p>
+            <a:pPr lvl="1"/>
+            <a:r>
+              <a:rPr lang="en-US" dirty="0" smtClean="0"/>
+              <a:t>1.75 GB RAM</a:t>
+            </a:r>
+          </a:p>
+          <a:p>
+            <a:pPr marL="0" indent="0">
+              <a:buNone/>
+            </a:pPr>
+            <a:endParaRPr lang="en-US" dirty="0"/>
+          </a:p>
+          <a:p>
+            <a:r>
+              <a:rPr lang="ro-RO" dirty="0" smtClean="0"/>
+              <a:t>Rețea</a:t>
+            </a:r>
+            <a:r>
+              <a:rPr lang="en-US" dirty="0" smtClean="0"/>
+              <a:t> </a:t>
+            </a:r>
+            <a:r>
+              <a:rPr lang="ro-RO" dirty="0" smtClean="0"/>
+              <a:t>virtuală</a:t>
+            </a:r>
+          </a:p>
+          <a:p>
+            <a:pPr lvl="1"/>
+            <a:r>
+              <a:rPr lang="ro-RO" dirty="0" smtClean="0"/>
+              <a:t>Clas</a:t>
+            </a:r>
+            <a:r>
+              <a:rPr lang="ro-RO" dirty="0"/>
+              <a:t>ă</a:t>
+            </a:r>
+            <a:r>
+              <a:rPr lang="en-US" dirty="0" smtClean="0"/>
+              <a:t> IP-</a:t>
+            </a:r>
+            <a:r>
+              <a:rPr lang="ro-RO" dirty="0" smtClean="0"/>
+              <a:t>uri</a:t>
+            </a:r>
+            <a:r>
+              <a:rPr lang="en-US" dirty="0" smtClean="0"/>
+              <a:t> </a:t>
+            </a:r>
+            <a:r>
+              <a:rPr lang="ro-RO" dirty="0" smtClean="0"/>
+              <a:t>folosite</a:t>
+            </a:r>
+            <a:r>
+              <a:rPr lang="en-US" dirty="0" smtClean="0"/>
+              <a:t>: 172.16.0.4 -&gt; 172.16.0.8</a:t>
+            </a:r>
+          </a:p>
+          <a:p>
+            <a:pPr lvl="1"/>
+            <a:r>
+              <a:rPr lang="en-US" smtClean="0"/>
+              <a:t>Lungie </a:t>
+            </a:r>
+            <a:r>
+              <a:rPr lang="en-US" dirty="0" smtClean="0"/>
+              <a:t>de ban</a:t>
+            </a:r>
+            <a:r>
+              <a:rPr lang="ro-RO" dirty="0" smtClean="0"/>
+              <a:t>ă</a:t>
+            </a:r>
+            <a:r>
+              <a:rPr lang="en-US" dirty="0" smtClean="0"/>
+              <a:t> : 100 </a:t>
+            </a:r>
+            <a:r>
+              <a:rPr lang="en-US" dirty="0"/>
+              <a:t>Mbps</a:t>
+            </a:r>
+            <a:endParaRPr lang="en-US" dirty="0" smtClean="0"/>
+          </a:p>
+          <a:p>
+            <a:pPr marL="457200" lvl="1" indent="0">
+              <a:buNone/>
+            </a:pPr>
+            <a:endParaRPr lang="en-US" dirty="0"/>
+          </a:p>
+          <a:p>
+            <a:pPr marL="457200" lvl="1" indent="0" algn="r">
+              <a:buNone/>
+            </a:pPr>
+            <a:endParaRPr lang="en-US" dirty="0"/>
+          </a:p>
+        </p:txBody>
+      </p:sp>
+    </p:spTree>
+    <p:extLst>
+      <p:ext uri="{BB962C8B-B14F-4D97-AF65-F5344CB8AC3E}">
+        <p14:creationId xmlns:p14="http://schemas.microsoft.com/office/powerpoint/2010/main" val="1367706050"/>
+      </p:ext>
+    </p:extLst>
+  </p:cSld>
+  <p:clrMapOvr>
+    <a:masterClrMapping/>
+  </p:clrMapOvr>
+</p:sld>
+</file>
+
+<file path=ppt/slides/slide14.xml><?xml version="1.0" encoding="utf-8"?>
+<p:sld xmlns:a="http://schemas.openxmlformats.org/drawingml/2006/main" xmlns:r="http://schemas.openxmlformats.org/officeDocument/2006/relationships" xmlns:p="http://schemas.openxmlformats.org/presentationml/2006/main">
+  <p:cSld>
+    <p:spTree>
+      <p:nvGrpSpPr>
+        <p:cNvPr id="1" name=""/>
+        <p:cNvGrpSpPr/>
+        <p:nvPr/>
+      </p:nvGrpSpPr>
+      <p:grpSpPr>
+        <a:xfrm>
+          <a:off x="0" y="0"/>
+          <a:ext cx="0" cy="0"/>
+          <a:chOff x="0" y="0"/>
+          <a:chExt cx="0" cy="0"/>
+        </a:xfrm>
+      </p:grpSpPr>
+      <p:sp>
+        <p:nvSpPr>
+          <p:cNvPr id="2" name="Title 1"/>
+          <p:cNvSpPr>
+            <a:spLocks noGrp="1"/>
+          </p:cNvSpPr>
+          <p:nvPr>
+            <p:ph type="title"/>
+          </p:nvPr>
+        </p:nvSpPr>
+        <p:spPr/>
+        <p:txBody>
+          <a:bodyPr/>
+          <a:lstStyle/>
+          <a:p>
+            <a:r>
+              <a:rPr lang="ro-RO" dirty="0"/>
+              <a:t>Implementare</a:t>
+            </a:r>
+            <a:r>
+              <a:rPr lang="en-US" dirty="0"/>
+              <a:t> </a:t>
+            </a:r>
+            <a:r>
+              <a:rPr lang="ro-RO" dirty="0"/>
+              <a:t>topologiei</a:t>
+            </a:r>
+            <a:r>
+              <a:rPr lang="en-US" dirty="0"/>
+              <a:t> in cloud</a:t>
+            </a:r>
+            <a:endParaRPr lang="ro-RO" dirty="0"/>
+          </a:p>
+        </p:txBody>
+      </p:sp>
+      <p:sp>
+        <p:nvSpPr>
+          <p:cNvPr id="3" name="Content Placeholder 2"/>
+          <p:cNvSpPr>
+            <a:spLocks noGrp="1"/>
+          </p:cNvSpPr>
+          <p:nvPr>
+            <p:ph idx="1"/>
+          </p:nvPr>
+        </p:nvSpPr>
+        <p:spPr>
+          <a:xfrm>
+            <a:off x="748937" y="1375954"/>
+            <a:ext cx="10337074" cy="4833257"/>
+          </a:xfrm>
+        </p:spPr>
+        <p:txBody>
+          <a:bodyPr>
+            <a:normAutofit lnSpcReduction="10000"/>
+          </a:bodyPr>
+          <a:lstStyle/>
+          <a:p>
+            <a:r>
+              <a:rPr lang="ro-RO" dirty="0" smtClean="0"/>
+              <a:t>Crearea</a:t>
+            </a:r>
+            <a:r>
+              <a:rPr lang="en-US" dirty="0" smtClean="0"/>
+              <a:t> </a:t>
+            </a:r>
+            <a:r>
+              <a:rPr lang="ro-RO" dirty="0" smtClean="0"/>
+              <a:t>tabelelor</a:t>
+            </a:r>
+            <a:r>
+              <a:rPr lang="en-US" dirty="0" smtClean="0"/>
+              <a:t> cu </a:t>
+            </a:r>
+            <a:r>
+              <a:rPr lang="ro-RO" dirty="0" smtClean="0"/>
+              <a:t>sume</a:t>
+            </a:r>
+            <a:r>
+              <a:rPr lang="en-US" dirty="0" smtClean="0"/>
+              <a:t> de control</a:t>
+            </a:r>
+            <a:r>
+              <a:rPr lang="ro-RO" dirty="0" smtClean="0"/>
+              <a:t> :</a:t>
+            </a:r>
+            <a:endParaRPr lang="en-US" dirty="0" smtClean="0"/>
+          </a:p>
+          <a:p>
+            <a:pPr lvl="1"/>
+            <a:r>
+              <a:rPr lang="ro-RO" dirty="0" smtClean="0"/>
+              <a:t> </a:t>
+            </a:r>
+            <a:r>
+              <a:rPr lang="ro-RO" dirty="0"/>
+              <a:t>pt-table-checksum --replicate percona.checksums h=localhost</a:t>
+            </a:r>
+          </a:p>
+          <a:p>
+            <a:endParaRPr lang="en-US" dirty="0" smtClean="0"/>
+          </a:p>
+          <a:p>
+            <a:r>
+              <a:rPr lang="ro-RO" dirty="0" smtClean="0"/>
+              <a:t>Sincronizare diferențe: </a:t>
+            </a:r>
+            <a:endParaRPr lang="en-US" dirty="0" smtClean="0"/>
+          </a:p>
+          <a:p>
+            <a:pPr lvl="1"/>
+            <a:r>
+              <a:rPr lang="ro-RO" dirty="0" smtClean="0"/>
+              <a:t>Vizualizare</a:t>
+            </a:r>
+            <a:r>
+              <a:rPr lang="en-US" dirty="0" smtClean="0"/>
+              <a:t> :	</a:t>
+            </a:r>
+            <a:r>
+              <a:rPr lang="ro-RO" dirty="0" smtClean="0"/>
+              <a:t>pt-table-sync </a:t>
+            </a:r>
+            <a:r>
+              <a:rPr lang="ro-RO" dirty="0"/>
+              <a:t>--replicate percona.checksums --print </a:t>
+            </a:r>
+            <a:r>
+              <a:rPr lang="ro-RO" dirty="0" smtClean="0"/>
+              <a:t>h=localhost</a:t>
+            </a:r>
+          </a:p>
+          <a:p>
+            <a:pPr lvl="1"/>
+            <a:r>
+              <a:rPr lang="ro-RO" dirty="0" smtClean="0"/>
+              <a:t>Executare</a:t>
+            </a:r>
+            <a:r>
+              <a:rPr lang="en-US" dirty="0" smtClean="0"/>
+              <a:t> : 	</a:t>
+            </a:r>
+            <a:r>
+              <a:rPr lang="ro-RO" dirty="0" smtClean="0"/>
+              <a:t>pt-table-sync </a:t>
+            </a:r>
+            <a:r>
+              <a:rPr lang="ro-RO" dirty="0"/>
+              <a:t>--replicate percona.checksums --execute h=localhost</a:t>
+            </a:r>
+          </a:p>
+          <a:p>
+            <a:endParaRPr lang="ro-RO" dirty="0"/>
+          </a:p>
+          <a:p>
+            <a:r>
+              <a:rPr lang="ro-RO" dirty="0" smtClean="0"/>
+              <a:t>Update</a:t>
+            </a:r>
+            <a:r>
+              <a:rPr lang="en-US" dirty="0" smtClean="0"/>
+              <a:t> </a:t>
+            </a:r>
+            <a:r>
+              <a:rPr lang="ro-RO" dirty="0" smtClean="0"/>
+              <a:t>timp </a:t>
+            </a:r>
+            <a:r>
+              <a:rPr lang="ro-RO" dirty="0"/>
+              <a:t>pe master </a:t>
+            </a:r>
+            <a:r>
+              <a:rPr lang="ro-RO" dirty="0" smtClean="0"/>
+              <a:t>:</a:t>
+            </a:r>
+            <a:endParaRPr lang="en-US" dirty="0" smtClean="0"/>
+          </a:p>
+          <a:p>
+            <a:pPr lvl="1"/>
+            <a:r>
+              <a:rPr lang="ro-RO" dirty="0" smtClean="0"/>
+              <a:t>pt-heartbeat </a:t>
+            </a:r>
+            <a:r>
+              <a:rPr lang="ro-RO" dirty="0"/>
+              <a:t>-D licenta --update h=localhost</a:t>
+            </a:r>
+          </a:p>
+          <a:p>
+            <a:endParaRPr lang="ro-RO" dirty="0"/>
+          </a:p>
+          <a:p>
+            <a:r>
+              <a:rPr lang="ro-RO" dirty="0"/>
+              <a:t>Verificare timp </a:t>
+            </a:r>
+            <a:r>
+              <a:rPr lang="en-US" dirty="0" smtClean="0"/>
+              <a:t>de </a:t>
+            </a:r>
+            <a:r>
+              <a:rPr lang="ro-RO" dirty="0" smtClean="0"/>
+              <a:t>replicare pe</a:t>
+            </a:r>
+            <a:r>
+              <a:rPr lang="en-US" dirty="0" smtClean="0"/>
+              <a:t> slave-uri</a:t>
+            </a:r>
+            <a:r>
+              <a:rPr lang="ro-RO" dirty="0" smtClean="0"/>
+              <a:t>:</a:t>
+            </a:r>
+            <a:endParaRPr lang="en-US" dirty="0" smtClean="0"/>
+          </a:p>
+          <a:p>
+            <a:pPr lvl="1"/>
+            <a:r>
+              <a:rPr lang="ro-RO" dirty="0" smtClean="0"/>
+              <a:t>pt-heartbeat </a:t>
+            </a:r>
+            <a:r>
+              <a:rPr lang="ro-RO" dirty="0"/>
+              <a:t>-D licenta --check h=172.16.0.8 --master-server-id=1</a:t>
+            </a:r>
+            <a:endParaRPr lang="ro-RO" dirty="0" smtClean="0"/>
+          </a:p>
+          <a:p>
+            <a:endParaRPr lang="ro-RO" dirty="0" smtClean="0"/>
+          </a:p>
+        </p:txBody>
+      </p:sp>
+    </p:spTree>
+    <p:extLst>
+      <p:ext uri="{BB962C8B-B14F-4D97-AF65-F5344CB8AC3E}">
+        <p14:creationId xmlns:p14="http://schemas.microsoft.com/office/powerpoint/2010/main" val="302119784"/>
+      </p:ext>
+    </p:extLst>
+  </p:cSld>
+  <p:clrMapOvr>
+    <a:masterClrMapping/>
+  </p:clrMapOvr>
+  <p:timing>
+    <p:tnLst>
+      <p:par>
+        <p:cTn id="1" dur="indefinite" restart="never" nodeType="tmRoot"/>
+      </p:par>
+    </p:tnLst>
+  </p:timing>
+</p:sld>
+</file>
+
+<file path=ppt/slides/slide15.xml><?xml version="1.0" encoding="utf-8"?>
+<p:sld xmlns:a="http://schemas.openxmlformats.org/drawingml/2006/main" xmlns:r="http://schemas.openxmlformats.org/officeDocument/2006/relationships" xmlns:p="http://schemas.openxmlformats.org/presentationml/2006/main">
+  <p:cSld>
+    <p:spTree>
+      <p:nvGrpSpPr>
+        <p:cNvPr id="1" name=""/>
+        <p:cNvGrpSpPr/>
+        <p:nvPr/>
+      </p:nvGrpSpPr>
+      <p:grpSpPr>
+        <a:xfrm>
+          <a:off x="0" y="0"/>
+          <a:ext cx="0" cy="0"/>
+          <a:chOff x="0" y="0"/>
+          <a:chExt cx="0" cy="0"/>
+        </a:xfrm>
+      </p:grpSpPr>
+      <p:sp>
+        <p:nvSpPr>
+          <p:cNvPr id="2" name="Title 1"/>
+          <p:cNvSpPr>
+            <a:spLocks noGrp="1"/>
+          </p:cNvSpPr>
+          <p:nvPr>
+            <p:ph type="title"/>
+          </p:nvPr>
+        </p:nvSpPr>
+        <p:spPr/>
+        <p:txBody>
+          <a:bodyPr/>
+          <a:lstStyle/>
+          <a:p>
+            <a:r>
+              <a:rPr lang="ro-RO" dirty="0" smtClean="0"/>
+              <a:t>Concluzii</a:t>
+            </a:r>
+            <a:endParaRPr lang="ro-RO" dirty="0"/>
+          </a:p>
+        </p:txBody>
+      </p:sp>
+      <p:sp>
+        <p:nvSpPr>
+          <p:cNvPr id="5" name="Content Placeholder 2"/>
+          <p:cNvSpPr>
+            <a:spLocks noGrp="1"/>
+          </p:cNvSpPr>
+          <p:nvPr>
+            <p:ph idx="1"/>
+          </p:nvPr>
+        </p:nvSpPr>
+        <p:spPr>
+          <a:xfrm>
+            <a:off x="1410789" y="2255520"/>
+            <a:ext cx="8091672" cy="3286583"/>
+          </a:xfrm>
+        </p:spPr>
+        <p:txBody>
+          <a:bodyPr>
+            <a:normAutofit/>
+          </a:bodyPr>
+          <a:lstStyle/>
+          <a:p>
+            <a:r>
+              <a:rPr lang="ro-RO" dirty="0" smtClean="0"/>
+              <a:t>Aplicații</a:t>
+            </a:r>
+            <a:r>
+              <a:rPr lang="en-US" dirty="0" smtClean="0"/>
+              <a:t> web </a:t>
+            </a:r>
+            <a:r>
+              <a:rPr lang="ro-RO" dirty="0" smtClean="0"/>
+              <a:t>moderne</a:t>
+            </a:r>
+            <a:r>
+              <a:rPr lang="en-US" dirty="0" smtClean="0"/>
+              <a:t> </a:t>
+            </a:r>
+          </a:p>
+          <a:p>
+            <a:endParaRPr lang="en-US" dirty="0" smtClean="0"/>
+          </a:p>
+          <a:p>
+            <a:r>
+              <a:rPr lang="en-US" dirty="0" smtClean="0"/>
+              <a:t>MariaDB</a:t>
+            </a:r>
+          </a:p>
+          <a:p>
+            <a:endParaRPr lang="en-US" dirty="0" smtClean="0"/>
+          </a:p>
+          <a:p>
+            <a:r>
+              <a:rPr lang="ro-RO" dirty="0" smtClean="0"/>
+              <a:t>Replicare</a:t>
+            </a:r>
+          </a:p>
+          <a:p>
+            <a:endParaRPr lang="en-US" dirty="0" smtClean="0"/>
+          </a:p>
+          <a:p>
+            <a:endParaRPr lang="ro-RO" dirty="0" smtClean="0"/>
+          </a:p>
+        </p:txBody>
+      </p:sp>
+    </p:spTree>
+    <p:extLst>
+      <p:ext uri="{BB962C8B-B14F-4D97-AF65-F5344CB8AC3E}">
+        <p14:creationId xmlns:p14="http://schemas.microsoft.com/office/powerpoint/2010/main" val="1380150624"/>
+      </p:ext>
+    </p:extLst>
+  </p:cSld>
+  <p:clrMapOvr>
+    <a:masterClrMapping/>
+  </p:clrMapOvr>
+  <p:timing>
+    <p:tnLst>
+      <p:par>
+        <p:cTn id="1" dur="indefinite" restart="never" nodeType="tmRoot"/>
+      </p:par>
+    </p:tnLst>
+  </p:timing>
+</p:sld>
+</file>
+
+<file path=ppt/slides/slide16.xml><?xml version="1.0" encoding="utf-8"?>
+<p:sld xmlns:a="http://schemas.openxmlformats.org/drawingml/2006/main" xmlns:r="http://schemas.openxmlformats.org/officeDocument/2006/relationships" xmlns:p="http://schemas.openxmlformats.org/presentationml/2006/main">
+  <p:cSld>
+    <p:spTree>
+      <p:nvGrpSpPr>
+        <p:cNvPr id="1" name=""/>
+        <p:cNvGrpSpPr/>
+        <p:nvPr/>
+      </p:nvGrpSpPr>
+      <p:grpSpPr>
+        <a:xfrm>
+          <a:off x="0" y="0"/>
+          <a:ext cx="0" cy="0"/>
+          <a:chOff x="0" y="0"/>
+          <a:chExt cx="0" cy="0"/>
+        </a:xfrm>
+      </p:grpSpPr>
+      <p:sp>
+        <p:nvSpPr>
+          <p:cNvPr id="2" name="Title 1"/>
+          <p:cNvSpPr>
+            <a:spLocks noGrp="1"/>
+          </p:cNvSpPr>
+          <p:nvPr>
+            <p:ph type="title"/>
+          </p:nvPr>
+        </p:nvSpPr>
+        <p:spPr/>
+        <p:txBody>
+          <a:bodyPr/>
+          <a:lstStyle/>
+          <a:p>
+            <a:r>
+              <a:rPr lang="en-US" dirty="0" smtClean="0"/>
+              <a:t/>
+            </a:r>
+            <a:br>
+              <a:rPr lang="en-US" dirty="0" smtClean="0"/>
+            </a:br>
+            <a:r>
+              <a:rPr lang="ro-RO" dirty="0" smtClean="0"/>
+              <a:t>Întrebări</a:t>
+            </a:r>
+            <a:r>
+              <a:rPr lang="en-US" dirty="0" smtClean="0"/>
+              <a:t> </a:t>
+            </a:r>
+            <a:r>
+              <a:rPr lang="ro-RO" dirty="0" smtClean="0"/>
+              <a:t>și</a:t>
+            </a:r>
+            <a:r>
+              <a:rPr lang="en-US" dirty="0" smtClean="0"/>
+              <a:t> </a:t>
+            </a:r>
+            <a:r>
+              <a:rPr lang="ro-RO" dirty="0" smtClean="0"/>
+              <a:t>răspunsuri</a:t>
+            </a:r>
+            <a:endParaRPr lang="ro-RO" dirty="0"/>
+          </a:p>
+        </p:txBody>
+      </p:sp>
+      <p:pic>
+        <p:nvPicPr>
+          <p:cNvPr id="4098" name="Picture 2" descr="http://www.rdpusa.com/wp-content/uploads/2012/05/QandA1.jpeg"/>
+          <p:cNvPicPr>
+            <a:picLocks noChangeAspect="1" noChangeArrowheads="1"/>
+          </p:cNvPicPr>
+          <p:nvPr/>
+        </p:nvPicPr>
+        <p:blipFill>
+          <a:blip r:embed="rId2">
+            <a:extLst>
+              <a:ext uri="{28A0092B-C50C-407E-A947-70E740481C1C}">
+                <a14:useLocalDpi xmlns:a14="http://schemas.microsoft.com/office/drawing/2010/main" val="0"/>
+              </a:ext>
+            </a:extLst>
+          </a:blip>
+          <a:srcRect/>
+          <a:stretch>
+            <a:fillRect/>
+          </a:stretch>
+        </p:blipFill>
+        <p:spPr bwMode="auto">
+          <a:xfrm>
+            <a:off x="3754853" y="2601393"/>
+            <a:ext cx="4802306" cy="2919049"/>
+          </a:xfrm>
+          <a:prstGeom prst="rect">
+            <a:avLst/>
+          </a:prstGeom>
+          <a:noFill/>
+          <a:effectLst>
+            <a:softEdge rad="76200"/>
+          </a:effectLst>
+          <a:extLst>
+            <a:ext uri="{909E8E84-426E-40DD-AFC4-6F175D3DCCD1}">
+              <a14:hiddenFill xmlns:a14="http://schemas.microsoft.com/office/drawing/2010/main">
+                <a:solidFill>
+                  <a:srgbClr val="FFFFFF"/>
+                </a:solidFill>
+              </a14:hiddenFill>
+            </a:ext>
+          </a:extLst>
+        </p:spPr>
+      </p:pic>
+    </p:spTree>
+    <p:extLst>
+      <p:ext uri="{BB962C8B-B14F-4D97-AF65-F5344CB8AC3E}">
+        <p14:creationId xmlns:p14="http://schemas.microsoft.com/office/powerpoint/2010/main" val="2589889427"/>
       </p:ext>
     </p:extLst>
   </p:cSld>
@@ -6320,10 +7429,10 @@
           <a:lstStyle/>
           <a:p>
             <a:r>
-              <a:rPr lang="en-US" dirty="0" err="1" smtClean="0"/>
+              <a:rPr lang="ro-RO" dirty="0" smtClean="0"/>
               <a:t>Cuprins</a:t>
             </a:r>
-            <a:endParaRPr lang="en-US" dirty="0"/>
+            <a:endParaRPr lang="ro-RO" dirty="0"/>
           </a:p>
         </p:txBody>
       </p:sp>
@@ -6342,7 +7451,130 @@
           <a:bodyPr/>
           <a:lstStyle/>
           <a:p>
-            <a:endParaRPr lang="en-US" dirty="0"/>
+            <a:r>
+              <a:rPr lang="ro-RO" dirty="0" smtClean="0"/>
+              <a:t>Aplicații web moderne</a:t>
+            </a:r>
+            <a:endParaRPr lang="en-US" dirty="0" smtClean="0"/>
+          </a:p>
+          <a:p>
+            <a:r>
+              <a:rPr lang="ro-RO" dirty="0" smtClean="0"/>
+              <a:t>Tehnologii</a:t>
+            </a:r>
+            <a:r>
+              <a:rPr lang="en-US" dirty="0" smtClean="0"/>
+              <a:t> </a:t>
+            </a:r>
+            <a:r>
+              <a:rPr lang="ro-RO" dirty="0" smtClean="0"/>
+              <a:t>utilizate</a:t>
+            </a:r>
+          </a:p>
+          <a:p>
+            <a:r>
+              <a:rPr lang="ro-RO" dirty="0" smtClean="0"/>
+              <a:t>Baze</a:t>
+            </a:r>
+            <a:r>
+              <a:rPr lang="en-US" dirty="0" smtClean="0"/>
+              <a:t> de date</a:t>
+            </a:r>
+          </a:p>
+          <a:p>
+            <a:r>
+              <a:rPr lang="ro-RO" dirty="0" smtClean="0"/>
+              <a:t>Aplicația</a:t>
+            </a:r>
+            <a:r>
+              <a:rPr lang="en-US" dirty="0" smtClean="0"/>
+              <a:t> </a:t>
+            </a:r>
+            <a:r>
+              <a:rPr lang="ro-RO" dirty="0" smtClean="0"/>
+              <a:t>implementata</a:t>
+            </a:r>
+          </a:p>
+          <a:p>
+            <a:r>
+              <a:rPr lang="ro-RO" dirty="0" smtClean="0"/>
+              <a:t>Topologii</a:t>
+            </a:r>
+            <a:r>
+              <a:rPr lang="en-US" dirty="0" smtClean="0"/>
+              <a:t> de </a:t>
+            </a:r>
+            <a:r>
+              <a:rPr lang="ro-RO" dirty="0" smtClean="0"/>
+              <a:t>replicare</a:t>
+            </a:r>
+          </a:p>
+          <a:p>
+            <a:r>
+              <a:rPr lang="ro-RO" dirty="0" smtClean="0"/>
+              <a:t>Implementare</a:t>
+            </a:r>
+            <a:r>
+              <a:rPr lang="en-US" dirty="0" smtClean="0"/>
+              <a:t> </a:t>
+            </a:r>
+            <a:r>
+              <a:rPr lang="ro-RO" dirty="0" smtClean="0"/>
+              <a:t>topologiei</a:t>
+            </a:r>
+            <a:r>
+              <a:rPr lang="en-US" dirty="0" smtClean="0"/>
+              <a:t> in cloud</a:t>
+            </a:r>
+          </a:p>
+          <a:p>
+            <a:r>
+              <a:rPr lang="ro-RO" dirty="0" smtClean="0"/>
+              <a:t>Testarea</a:t>
+            </a:r>
+            <a:r>
+              <a:rPr lang="en-US" dirty="0" smtClean="0"/>
+              <a:t> </a:t>
+            </a:r>
+            <a:r>
+              <a:rPr lang="ro-RO" dirty="0" smtClean="0"/>
+              <a:t>replicării</a:t>
+            </a:r>
+          </a:p>
+          <a:p>
+            <a:r>
+              <a:rPr lang="ro-RO" dirty="0" smtClean="0"/>
+              <a:t>Testarea</a:t>
+            </a:r>
+            <a:r>
+              <a:rPr lang="en-US" dirty="0" smtClean="0"/>
+              <a:t> </a:t>
+            </a:r>
+            <a:r>
+              <a:rPr lang="ro-RO" dirty="0" smtClean="0"/>
+              <a:t>folosind</a:t>
+            </a:r>
+            <a:r>
+              <a:rPr lang="en-US" dirty="0" smtClean="0"/>
+              <a:t> </a:t>
+            </a:r>
+            <a:r>
+              <a:rPr lang="ro-RO" dirty="0" smtClean="0"/>
+              <a:t>Percona</a:t>
+            </a:r>
+            <a:r>
+              <a:rPr lang="en-US" dirty="0" smtClean="0"/>
+              <a:t> Toolkit</a:t>
+            </a:r>
+          </a:p>
+          <a:p>
+            <a:pPr marL="0" indent="0">
+              <a:buNone/>
+            </a:pPr>
+            <a:endParaRPr lang="ro-RO" dirty="0" smtClean="0"/>
+          </a:p>
+          <a:p>
+            <a:endParaRPr lang="ro-RO" dirty="0"/>
           </a:p>
         </p:txBody>
       </p:sp>
@@ -6398,7 +7630,22 @@
           <a:bodyPr/>
           <a:lstStyle/>
           <a:p>
-            <a:endParaRPr lang="en-US"/>
+            <a:r>
+              <a:rPr lang="ro-RO" dirty="0" smtClean="0"/>
+              <a:t>Aplicații </a:t>
+            </a:r>
+            <a:r>
+              <a:rPr lang="ro-RO" dirty="0"/>
+              <a:t>web moderne</a:t>
+            </a:r>
+            <a:r>
+              <a:rPr lang="en-US" dirty="0"/>
+              <a:t/>
+            </a:r>
+            <a:br>
+              <a:rPr lang="en-US" dirty="0"/>
+            </a:br>
+            <a:endParaRPr lang="ro-RO" dirty="0"/>
           </a:p>
         </p:txBody>
       </p:sp>
@@ -6417,7 +7664,58 @@
           <a:bodyPr/>
           <a:lstStyle/>
           <a:p>
-            <a:endParaRPr lang="en-US"/>
+            <a:r>
+              <a:rPr lang="en-US" dirty="0" smtClean="0"/>
+              <a:t>Spring – Java</a:t>
+            </a:r>
+          </a:p>
+          <a:p>
+            <a:r>
+              <a:rPr lang="en-US" dirty="0" smtClean="0"/>
+              <a:t>Struts – Java</a:t>
+            </a:r>
+          </a:p>
+          <a:p>
+            <a:r>
+              <a:rPr lang="en-US" dirty="0" smtClean="0"/>
+              <a:t>Play – Scala</a:t>
+            </a:r>
+          </a:p>
+          <a:p>
+            <a:r>
+              <a:rPr lang="en-US" dirty="0" smtClean="0"/>
+              <a:t>Zend – PHP</a:t>
+            </a:r>
+          </a:p>
+          <a:p>
+            <a:r>
+              <a:rPr lang="en-US" dirty="0" smtClean="0"/>
+              <a:t>Django – Phyton</a:t>
+            </a:r>
+          </a:p>
+          <a:p>
+            <a:r>
+              <a:rPr lang="en-US" dirty="0" smtClean="0"/>
+              <a:t>Rails – Ruby</a:t>
+            </a:r>
+          </a:p>
+          <a:p>
+            <a:r>
+              <a:rPr lang="en-US" dirty="0" smtClean="0"/>
+              <a:t>Grails – Groovy</a:t>
+            </a:r>
+          </a:p>
+          <a:p>
+            <a:r>
+              <a:rPr lang="en-US" dirty="0" smtClean="0"/>
+              <a:t>Catalyst – Perl</a:t>
+            </a:r>
+          </a:p>
+          <a:p>
+            <a:pPr marL="0" indent="0">
+              <a:buNone/>
+            </a:pPr>
+            <a:endParaRPr lang="ro-RO" dirty="0"/>
           </a:p>
         </p:txBody>
       </p:sp>
@@ -6473,7 +7771,11 @@
           <a:bodyPr/>
           <a:lstStyle/>
           <a:p>
-            <a:endParaRPr lang="en-US"/>
+            <a:r>
+              <a:rPr lang="ro-RO" dirty="0" smtClean="0"/>
+              <a:t>Tehnologii folosite</a:t>
+            </a:r>
+            <a:endParaRPr lang="ro-RO" dirty="0"/>
           </a:p>
         </p:txBody>
       </p:sp>
@@ -6487,19 +7789,729 @@
             <p:ph idx="1"/>
           </p:nvPr>
         </p:nvSpPr>
-        <p:spPr/>
+        <p:spPr>
+          <a:xfrm>
+            <a:off x="7264361" y="1338514"/>
+            <a:ext cx="2075317" cy="565600"/>
+          </a:xfrm>
+        </p:spPr>
         <p:txBody>
           <a:bodyPr/>
           <a:lstStyle/>
           <a:p>
-            <a:endParaRPr lang="en-US"/>
-          </a:p>
-        </p:txBody>
-      </p:sp>
+            <a:r>
+              <a:rPr lang="en-US" dirty="0" smtClean="0"/>
+              <a:t>Client</a:t>
+            </a:r>
+            <a:endParaRPr lang="ro-RO" dirty="0"/>
+          </a:p>
+        </p:txBody>
+      </p:sp>
+      <p:sp>
+        <p:nvSpPr>
+          <p:cNvPr id="6" name="Content Placeholder 2"/>
+          <p:cNvSpPr txBox="1">
+            <a:spLocks/>
+          </p:cNvSpPr>
+          <p:nvPr/>
+        </p:nvSpPr>
+        <p:spPr>
+          <a:xfrm>
+            <a:off x="1569220" y="1338514"/>
+            <a:ext cx="2075317" cy="444764"/>
+          </a:xfrm>
+          <a:prstGeom prst="rect">
+            <a:avLst/>
+          </a:prstGeom>
+        </p:spPr>
+        <p:txBody>
+          <a:bodyPr vert="horz" lIns="91440" tIns="45720" rIns="91440" bIns="45720" rtlCol="0">
+            <a:normAutofit/>
+          </a:bodyPr>
+          <a:lstStyle>
+            <a:lvl1pPr marL="342900" indent="-342900" algn="l" defTabSz="457200" rtl="0" eaLnBrk="1" latinLnBrk="0" hangingPunct="1">
+              <a:spcBef>
+                <a:spcPts val="1000"/>
+              </a:spcBef>
+              <a:spcAft>
+                <a:spcPts val="0"/>
+              </a:spcAft>
+              <a:buClr>
+                <a:schemeClr val="bg2">
+                  <a:lumMod val="40000"/>
+                  <a:lumOff val="60000"/>
+                </a:schemeClr>
+              </a:buClr>
+              <a:buSzPct val="80000"/>
+              <a:buFont typeface="Wingdings 3" charset="2"/>
+              <a:buChar char=""/>
+              <a:defRPr sz="2000" b="0" i="0" kern="1200">
+                <a:solidFill>
+                  <a:schemeClr val="tx1"/>
+                </a:solidFill>
+                <a:latin typeface="+mj-lt"/>
+                <a:ea typeface="+mj-ea"/>
+                <a:cs typeface="+mj-cs"/>
+              </a:defRPr>
+            </a:lvl1pPr>
+            <a:lvl2pPr marL="742950" indent="-285750" algn="l" defTabSz="457200" rtl="0" eaLnBrk="1" latinLnBrk="0" hangingPunct="1">
+              <a:spcBef>
+                <a:spcPts val="1000"/>
+              </a:spcBef>
+              <a:spcAft>
+                <a:spcPts val="0"/>
+              </a:spcAft>
+              <a:buClr>
+                <a:schemeClr val="bg2">
+                  <a:lumMod val="40000"/>
+                  <a:lumOff val="60000"/>
+                </a:schemeClr>
+              </a:buClr>
+              <a:buSzPct val="80000"/>
+              <a:buFont typeface="Wingdings 3" charset="2"/>
+              <a:buChar char=""/>
+              <a:defRPr sz="1800" b="0" i="0" kern="1200">
+                <a:solidFill>
+                  <a:schemeClr val="tx1"/>
+                </a:solidFill>
+                <a:latin typeface="+mj-lt"/>
+                <a:ea typeface="+mj-ea"/>
+                <a:cs typeface="+mj-cs"/>
+              </a:defRPr>
+            </a:lvl2pPr>
+            <a:lvl3pPr marL="1143000" indent="-228600" algn="l" defTabSz="457200" rtl="0" eaLnBrk="1" latinLnBrk="0" hangingPunct="1">
+              <a:spcBef>
+                <a:spcPts val="1000"/>
+              </a:spcBef>
+              <a:spcAft>
+                <a:spcPts val="0"/>
+              </a:spcAft>
+              <a:buClr>
+                <a:schemeClr val="bg2">
+                  <a:lumMod val="40000"/>
+                  <a:lumOff val="60000"/>
+                </a:schemeClr>
+              </a:buClr>
+              <a:buSzPct val="80000"/>
+              <a:buFont typeface="Wingdings 3" charset="2"/>
+              <a:buChar char=""/>
+              <a:defRPr sz="1600" b="0" i="0" kern="1200">
+                <a:solidFill>
+                  <a:schemeClr val="tx1"/>
+                </a:solidFill>
+                <a:latin typeface="+mj-lt"/>
+                <a:ea typeface="+mj-ea"/>
+                <a:cs typeface="+mj-cs"/>
+              </a:defRPr>
+            </a:lvl3pPr>
+            <a:lvl4pPr marL="1600200" indent="-228600" algn="l" defTabSz="457200" rtl="0" eaLnBrk="1" latinLnBrk="0" hangingPunct="1">
+              <a:spcBef>
+                <a:spcPts val="1000"/>
+              </a:spcBef>
+              <a:spcAft>
+                <a:spcPts val="0"/>
+              </a:spcAft>
+              <a:buClr>
+                <a:schemeClr val="bg2">
+                  <a:lumMod val="40000"/>
+                  <a:lumOff val="60000"/>
+                </a:schemeClr>
+              </a:buClr>
+              <a:buSzPct val="80000"/>
+              <a:buFont typeface="Wingdings 3" charset="2"/>
+              <a:buChar char=""/>
+              <a:defRPr sz="1400" b="0" i="0" kern="1200">
+                <a:solidFill>
+                  <a:schemeClr val="tx1"/>
+                </a:solidFill>
+                <a:latin typeface="+mj-lt"/>
+                <a:ea typeface="+mj-ea"/>
+                <a:cs typeface="+mj-cs"/>
+              </a:defRPr>
+            </a:lvl4pPr>
+            <a:lvl5pPr marL="2057400" indent="-228600" algn="l" defTabSz="457200" rtl="0" eaLnBrk="1" latinLnBrk="0" hangingPunct="1">
+              <a:spcBef>
+                <a:spcPts val="1000"/>
+              </a:spcBef>
+              <a:spcAft>
+                <a:spcPts val="0"/>
+              </a:spcAft>
+              <a:buClr>
+                <a:schemeClr val="bg2">
+                  <a:lumMod val="40000"/>
+                  <a:lumOff val="60000"/>
+                </a:schemeClr>
+              </a:buClr>
+              <a:buSzPct val="80000"/>
+              <a:buFont typeface="Wingdings 3" charset="2"/>
+              <a:buChar char=""/>
+              <a:defRPr sz="1400" b="0" i="0" kern="1200">
+                <a:solidFill>
+                  <a:schemeClr val="tx1"/>
+                </a:solidFill>
+                <a:latin typeface="+mj-lt"/>
+                <a:ea typeface="+mj-ea"/>
+                <a:cs typeface="+mj-cs"/>
+              </a:defRPr>
+            </a:lvl5pPr>
+            <a:lvl6pPr marL="2506000" indent="-228600" algn="l" defTabSz="457200" rtl="0" eaLnBrk="1" latinLnBrk="0" hangingPunct="1">
+              <a:spcBef>
+                <a:spcPts val="1000"/>
+              </a:spcBef>
+              <a:spcAft>
+                <a:spcPts val="0"/>
+              </a:spcAft>
+              <a:buClr>
+                <a:schemeClr val="bg2">
+                  <a:lumMod val="40000"/>
+                  <a:lumOff val="60000"/>
+                </a:schemeClr>
+              </a:buClr>
+              <a:buSzPct val="80000"/>
+              <a:buFont typeface="Wingdings 3" charset="2"/>
+              <a:buChar char=""/>
+              <a:defRPr sz="1400" b="0" i="0" kern="1200">
+                <a:solidFill>
+                  <a:schemeClr val="tx1"/>
+                </a:solidFill>
+                <a:latin typeface="+mj-lt"/>
+                <a:ea typeface="+mj-ea"/>
+                <a:cs typeface="+mj-cs"/>
+              </a:defRPr>
+            </a:lvl6pPr>
+            <a:lvl7pPr marL="2971800" indent="-228600" algn="l" defTabSz="457200" rtl="0" eaLnBrk="1" latinLnBrk="0" hangingPunct="1">
+              <a:spcBef>
+                <a:spcPts val="1000"/>
+              </a:spcBef>
+              <a:spcAft>
+                <a:spcPts val="0"/>
+              </a:spcAft>
+              <a:buClr>
+                <a:schemeClr val="bg2">
+                  <a:lumMod val="40000"/>
+                  <a:lumOff val="60000"/>
+                </a:schemeClr>
+              </a:buClr>
+              <a:buSzPct val="80000"/>
+              <a:buFont typeface="Wingdings 3" charset="2"/>
+              <a:buChar char=""/>
+              <a:defRPr sz="1400" b="0" i="0" kern="1200">
+                <a:solidFill>
+                  <a:schemeClr val="tx1"/>
+                </a:solidFill>
+                <a:latin typeface="+mj-lt"/>
+                <a:ea typeface="+mj-ea"/>
+                <a:cs typeface="+mj-cs"/>
+              </a:defRPr>
+            </a:lvl7pPr>
+            <a:lvl8pPr marL="3429000" indent="-228600" algn="l" defTabSz="457200" rtl="0" eaLnBrk="1" latinLnBrk="0" hangingPunct="1">
+              <a:spcBef>
+                <a:spcPts val="1000"/>
+              </a:spcBef>
+              <a:spcAft>
+                <a:spcPts val="0"/>
+              </a:spcAft>
+              <a:buClr>
+                <a:schemeClr val="bg2">
+                  <a:lumMod val="40000"/>
+                  <a:lumOff val="60000"/>
+                </a:schemeClr>
+              </a:buClr>
+              <a:buSzPct val="80000"/>
+              <a:buFont typeface="Wingdings 3" charset="2"/>
+              <a:buChar char=""/>
+              <a:defRPr sz="1400" b="0" i="0" kern="1200">
+                <a:solidFill>
+                  <a:schemeClr val="tx1"/>
+                </a:solidFill>
+                <a:latin typeface="+mj-lt"/>
+                <a:ea typeface="+mj-ea"/>
+                <a:cs typeface="+mj-cs"/>
+              </a:defRPr>
+            </a:lvl8pPr>
+            <a:lvl9pPr marL="3886200" indent="-228600" algn="l" defTabSz="457200" rtl="0" eaLnBrk="1" latinLnBrk="0" hangingPunct="1">
+              <a:spcBef>
+                <a:spcPts val="1000"/>
+              </a:spcBef>
+              <a:spcAft>
+                <a:spcPts val="0"/>
+              </a:spcAft>
+              <a:buClr>
+                <a:schemeClr val="bg2">
+                  <a:lumMod val="40000"/>
+                  <a:lumOff val="60000"/>
+                </a:schemeClr>
+              </a:buClr>
+              <a:buSzPct val="80000"/>
+              <a:buFont typeface="Wingdings 3" charset="2"/>
+              <a:buChar char=""/>
+              <a:defRPr sz="1400" b="0" i="0" kern="1200">
+                <a:solidFill>
+                  <a:schemeClr val="tx1"/>
+                </a:solidFill>
+                <a:latin typeface="+mj-lt"/>
+                <a:ea typeface="+mj-ea"/>
+                <a:cs typeface="+mj-cs"/>
+              </a:defRPr>
+            </a:lvl9pPr>
+          </a:lstStyle>
+          <a:p>
+            <a:r>
+              <a:rPr lang="en-US" dirty="0"/>
+              <a:t>S</a:t>
+            </a:r>
+            <a:r>
+              <a:rPr lang="en-US" dirty="0" smtClean="0"/>
+              <a:t>erver</a:t>
+            </a:r>
+            <a:endParaRPr lang="ro-RO" dirty="0"/>
+          </a:p>
+        </p:txBody>
+      </p:sp>
+      <p:pic>
+        <p:nvPicPr>
+          <p:cNvPr id="1030" name="Picture 6" descr="http://kuniga.files.wordpress.com/2011/09/maven-logo.png"/>
+          <p:cNvPicPr>
+            <a:picLocks noChangeAspect="1" noChangeArrowheads="1"/>
+          </p:cNvPicPr>
+          <p:nvPr/>
+        </p:nvPicPr>
+        <p:blipFill>
+          <a:blip r:embed="rId2">
+            <a:extLst>
+              <a:ext uri="{28A0092B-C50C-407E-A947-70E740481C1C}">
+                <a14:useLocalDpi xmlns:a14="http://schemas.microsoft.com/office/drawing/2010/main" val="0"/>
+              </a:ext>
+            </a:extLst>
+          </a:blip>
+          <a:srcRect/>
+          <a:stretch>
+            <a:fillRect/>
+          </a:stretch>
+        </p:blipFill>
+        <p:spPr bwMode="auto">
+          <a:xfrm>
+            <a:off x="1030708" y="2149994"/>
+            <a:ext cx="1519512" cy="519703"/>
+          </a:xfrm>
+          <a:prstGeom prst="rect">
+            <a:avLst/>
+          </a:prstGeom>
+          <a:noFill/>
+          <a:effectLst>
+            <a:softEdge rad="25400"/>
+          </a:effectLst>
+          <a:extLst>
+            <a:ext uri="{909E8E84-426E-40DD-AFC4-6F175D3DCCD1}">
+              <a14:hiddenFill xmlns:a14="http://schemas.microsoft.com/office/drawing/2010/main">
+                <a:solidFill>
+                  <a:srgbClr val="FFFFFF"/>
+                </a:solidFill>
+              </a14:hiddenFill>
+            </a:ext>
+          </a:extLst>
+        </p:spPr>
+      </p:pic>
+      <p:pic>
+        <p:nvPicPr>
+          <p:cNvPr id="1034" name="Picture 10" descr="http://blog.newrelic.com/wp-content/uploads/java-logo.jpg"/>
+          <p:cNvPicPr>
+            <a:picLocks noChangeAspect="1" noChangeArrowheads="1"/>
+          </p:cNvPicPr>
+          <p:nvPr/>
+        </p:nvPicPr>
+        <p:blipFill>
+          <a:blip r:embed="rId3" cstate="print">
+            <a:extLst>
+              <a:ext uri="{28A0092B-C50C-407E-A947-70E740481C1C}">
+                <a14:useLocalDpi xmlns:a14="http://schemas.microsoft.com/office/drawing/2010/main" val="0"/>
+              </a:ext>
+            </a:extLst>
+          </a:blip>
+          <a:srcRect/>
+          <a:stretch>
+            <a:fillRect/>
+          </a:stretch>
+        </p:blipFill>
+        <p:spPr bwMode="auto">
+          <a:xfrm>
+            <a:off x="1049568" y="3619518"/>
+            <a:ext cx="1249789" cy="767919"/>
+          </a:xfrm>
+          <a:prstGeom prst="rect">
+            <a:avLst/>
+          </a:prstGeom>
+          <a:noFill/>
+          <a:effectLst>
+            <a:softEdge rad="25400"/>
+          </a:effectLst>
+          <a:extLst>
+            <a:ext uri="{909E8E84-426E-40DD-AFC4-6F175D3DCCD1}">
+              <a14:hiddenFill xmlns:a14="http://schemas.microsoft.com/office/drawing/2010/main">
+                <a:solidFill>
+                  <a:srgbClr val="FFFFFF"/>
+                </a:solidFill>
+              </a14:hiddenFill>
+            </a:ext>
+          </a:extLst>
+        </p:spPr>
+      </p:pic>
+      <p:pic>
+        <p:nvPicPr>
+          <p:cNvPr id="1038" name="Picture 14" descr="https://freedomsponsors.org/media/project_images/image3x1_258_20140430015456.png"/>
+          <p:cNvPicPr>
+            <a:picLocks noChangeAspect="1" noChangeArrowheads="1"/>
+          </p:cNvPicPr>
+          <p:nvPr/>
+        </p:nvPicPr>
+        <p:blipFill>
+          <a:blip r:embed="rId4" cstate="print">
+            <a:extLst>
+              <a:ext uri="{28A0092B-C50C-407E-A947-70E740481C1C}">
+                <a14:useLocalDpi xmlns:a14="http://schemas.microsoft.com/office/drawing/2010/main" val="0"/>
+              </a:ext>
+            </a:extLst>
+          </a:blip>
+          <a:srcRect/>
+          <a:stretch>
+            <a:fillRect/>
+          </a:stretch>
+        </p:blipFill>
+        <p:spPr bwMode="auto">
+          <a:xfrm>
+            <a:off x="1049568" y="2834014"/>
+            <a:ext cx="2178322" cy="605846"/>
+          </a:xfrm>
+          <a:prstGeom prst="rect">
+            <a:avLst/>
+          </a:prstGeom>
+          <a:noFill/>
+          <a:effectLst>
+            <a:softEdge rad="25400"/>
+          </a:effectLst>
+          <a:extLst>
+            <a:ext uri="{909E8E84-426E-40DD-AFC4-6F175D3DCCD1}">
+              <a14:hiddenFill xmlns:a14="http://schemas.microsoft.com/office/drawing/2010/main">
+                <a:solidFill>
+                  <a:srgbClr val="FFFFFF"/>
+                </a:solidFill>
+              </a14:hiddenFill>
+            </a:ext>
+          </a:extLst>
+        </p:spPr>
+      </p:pic>
+      <p:pic>
+        <p:nvPicPr>
+          <p:cNvPr id="1040" name="Picture 16" descr="http://git-scm.com/images/logos/1color-orange-lightbg@2x.png"/>
+          <p:cNvPicPr>
+            <a:picLocks noChangeAspect="1" noChangeArrowheads="1"/>
+          </p:cNvPicPr>
+          <p:nvPr/>
+        </p:nvPicPr>
+        <p:blipFill>
+          <a:blip r:embed="rId5" cstate="print">
+            <a:extLst>
+              <a:ext uri="{28A0092B-C50C-407E-A947-70E740481C1C}">
+                <a14:useLocalDpi xmlns:a14="http://schemas.microsoft.com/office/drawing/2010/main" val="0"/>
+              </a:ext>
+            </a:extLst>
+          </a:blip>
+          <a:srcRect/>
+          <a:stretch>
+            <a:fillRect/>
+          </a:stretch>
+        </p:blipFill>
+        <p:spPr bwMode="auto">
+          <a:xfrm>
+            <a:off x="1055019" y="4665621"/>
+            <a:ext cx="1209375" cy="411352"/>
+          </a:xfrm>
+          <a:prstGeom prst="rect">
+            <a:avLst/>
+          </a:prstGeom>
+          <a:noFill/>
+          <a:effectLst>
+            <a:softEdge rad="25400"/>
+          </a:effectLst>
+          <a:extLst>
+            <a:ext uri="{909E8E84-426E-40DD-AFC4-6F175D3DCCD1}">
+              <a14:hiddenFill xmlns:a14="http://schemas.microsoft.com/office/drawing/2010/main">
+                <a:solidFill>
+                  <a:srgbClr val="FFFFFF"/>
+                </a:solidFill>
+              </a14:hiddenFill>
+            </a:ext>
+          </a:extLst>
+        </p:spPr>
+      </p:pic>
+      <p:pic>
+        <p:nvPicPr>
+          <p:cNvPr id="1042" name="Picture 18" descr="http://blogs.vmware.com/tp/.a/6a00d8341c328153ef016766a4de97970b-pi"/>
+          <p:cNvPicPr>
+            <a:picLocks noChangeAspect="1" noChangeArrowheads="1"/>
+          </p:cNvPicPr>
+          <p:nvPr/>
+        </p:nvPicPr>
+        <p:blipFill>
+          <a:blip r:embed="rId6">
+            <a:extLst>
+              <a:ext uri="{28A0092B-C50C-407E-A947-70E740481C1C}">
+                <a14:useLocalDpi xmlns:a14="http://schemas.microsoft.com/office/drawing/2010/main" val="0"/>
+              </a:ext>
+            </a:extLst>
+          </a:blip>
+          <a:srcRect/>
+          <a:stretch>
+            <a:fillRect/>
+          </a:stretch>
+        </p:blipFill>
+        <p:spPr bwMode="auto">
+          <a:xfrm>
+            <a:off x="1049568" y="5296987"/>
+            <a:ext cx="1153160" cy="674911"/>
+          </a:xfrm>
+          <a:prstGeom prst="rect">
+            <a:avLst/>
+          </a:prstGeom>
+          <a:noFill/>
+          <a:effectLst>
+            <a:softEdge rad="25400"/>
+          </a:effectLst>
+          <a:extLst>
+            <a:ext uri="{909E8E84-426E-40DD-AFC4-6F175D3DCCD1}">
+              <a14:hiddenFill xmlns:a14="http://schemas.microsoft.com/office/drawing/2010/main">
+                <a:solidFill>
+                  <a:srgbClr val="FFFFFF"/>
+                </a:solidFill>
+              </a14:hiddenFill>
+            </a:ext>
+          </a:extLst>
+        </p:spPr>
+      </p:pic>
+      <p:pic>
+        <p:nvPicPr>
+          <p:cNvPr id="1044" name="Picture 20" descr="http://megahost.ro/blog/wp-content/uploads/2014/02/tomcat.jpg"/>
+          <p:cNvPicPr>
+            <a:picLocks noChangeAspect="1" noChangeArrowheads="1"/>
+          </p:cNvPicPr>
+          <p:nvPr/>
+        </p:nvPicPr>
+        <p:blipFill>
+          <a:blip r:embed="rId7">
+            <a:extLst>
+              <a:ext uri="{28A0092B-C50C-407E-A947-70E740481C1C}">
+                <a14:useLocalDpi xmlns:a14="http://schemas.microsoft.com/office/drawing/2010/main" val="0"/>
+              </a:ext>
+            </a:extLst>
+          </a:blip>
+          <a:srcRect/>
+          <a:stretch>
+            <a:fillRect/>
+          </a:stretch>
+        </p:blipFill>
+        <p:spPr bwMode="auto">
+          <a:xfrm>
+            <a:off x="3585467" y="2834014"/>
+            <a:ext cx="1281339" cy="616764"/>
+          </a:xfrm>
+          <a:prstGeom prst="rect">
+            <a:avLst/>
+          </a:prstGeom>
+          <a:noFill/>
+          <a:effectLst>
+            <a:softEdge rad="25400"/>
+          </a:effectLst>
+          <a:extLst>
+            <a:ext uri="{909E8E84-426E-40DD-AFC4-6F175D3DCCD1}">
+              <a14:hiddenFill xmlns:a14="http://schemas.microsoft.com/office/drawing/2010/main">
+                <a:solidFill>
+                  <a:srgbClr val="FFFFFF"/>
+                </a:solidFill>
+              </a14:hiddenFill>
+            </a:ext>
+          </a:extLst>
+        </p:spPr>
+      </p:pic>
+      <p:pic>
+        <p:nvPicPr>
+          <p:cNvPr id="1052" name="Picture 28" descr="http://devget.net/wp-content/uploads/2014/05/html-css-js.png"/>
+          <p:cNvPicPr>
+            <a:picLocks noChangeAspect="1" noChangeArrowheads="1"/>
+          </p:cNvPicPr>
+          <p:nvPr/>
+        </p:nvPicPr>
+        <p:blipFill>
+          <a:blip r:embed="rId8">
+            <a:extLst>
+              <a:ext uri="{28A0092B-C50C-407E-A947-70E740481C1C}">
+                <a14:useLocalDpi xmlns:a14="http://schemas.microsoft.com/office/drawing/2010/main" val="0"/>
+              </a:ext>
+            </a:extLst>
+          </a:blip>
+          <a:srcRect/>
+          <a:stretch>
+            <a:fillRect/>
+          </a:stretch>
+        </p:blipFill>
+        <p:spPr bwMode="auto">
+          <a:xfrm>
+            <a:off x="7183393" y="1904114"/>
+            <a:ext cx="2575135" cy="1510746"/>
+          </a:xfrm>
+          <a:prstGeom prst="rect">
+            <a:avLst/>
+          </a:prstGeom>
+          <a:noFill/>
+          <a:effectLst>
+            <a:softEdge rad="0"/>
+          </a:effectLst>
+          <a:extLst>
+            <a:ext uri="{909E8E84-426E-40DD-AFC4-6F175D3DCCD1}">
+              <a14:hiddenFill xmlns:a14="http://schemas.microsoft.com/office/drawing/2010/main">
+                <a:solidFill>
+                  <a:srgbClr val="FFFFFF"/>
+                </a:solidFill>
+              </a14:hiddenFill>
+            </a:ext>
+          </a:extLst>
+        </p:spPr>
+      </p:pic>
+      <p:pic>
+        <p:nvPicPr>
+          <p:cNvPr id="1056" name="Picture 32" descr="http://arrayvelocity.com/wp-content/uploads/2014/02/ajax-jquery.png"/>
+          <p:cNvPicPr>
+            <a:picLocks noChangeAspect="1" noChangeArrowheads="1"/>
+          </p:cNvPicPr>
+          <p:nvPr/>
+        </p:nvPicPr>
+        <p:blipFill>
+          <a:blip r:embed="rId9" cstate="print">
+            <a:extLst>
+              <a:ext uri="{28A0092B-C50C-407E-A947-70E740481C1C}">
+                <a14:useLocalDpi xmlns:a14="http://schemas.microsoft.com/office/drawing/2010/main" val="0"/>
+              </a:ext>
+            </a:extLst>
+          </a:blip>
+          <a:srcRect/>
+          <a:stretch>
+            <a:fillRect/>
+          </a:stretch>
+        </p:blipFill>
+        <p:spPr bwMode="auto">
+          <a:xfrm>
+            <a:off x="7183393" y="3733846"/>
+            <a:ext cx="3044644" cy="664198"/>
+          </a:xfrm>
+          <a:prstGeom prst="rect">
+            <a:avLst/>
+          </a:prstGeom>
+          <a:noFill/>
+          <a:effectLst>
+            <a:softEdge rad="25400"/>
+          </a:effectLst>
+          <a:extLst>
+            <a:ext uri="{909E8E84-426E-40DD-AFC4-6F175D3DCCD1}">
+              <a14:hiddenFill xmlns:a14="http://schemas.microsoft.com/office/drawing/2010/main">
+                <a:solidFill>
+                  <a:srgbClr val="FFFFFF"/>
+                </a:solidFill>
+              </a14:hiddenFill>
+            </a:ext>
+          </a:extLst>
+        </p:spPr>
+      </p:pic>
+      <p:pic>
+        <p:nvPicPr>
+          <p:cNvPr id="1058" name="Picture 34" descr="http://www.revillweb.com/wp-content/uploads/2013/12/twitter-bootstrap.jpg"/>
+          <p:cNvPicPr>
+            <a:picLocks noChangeAspect="1" noChangeArrowheads="1"/>
+          </p:cNvPicPr>
+          <p:nvPr/>
+        </p:nvPicPr>
+        <p:blipFill>
+          <a:blip r:embed="rId10" cstate="print">
+            <a:extLst>
+              <a:ext uri="{28A0092B-C50C-407E-A947-70E740481C1C}">
+                <a14:useLocalDpi xmlns:a14="http://schemas.microsoft.com/office/drawing/2010/main" val="0"/>
+              </a:ext>
+            </a:extLst>
+          </a:blip>
+          <a:srcRect/>
+          <a:stretch>
+            <a:fillRect/>
+          </a:stretch>
+        </p:blipFill>
+        <p:spPr bwMode="auto">
+          <a:xfrm>
+            <a:off x="7183393" y="4717030"/>
+            <a:ext cx="1750581" cy="980326"/>
+          </a:xfrm>
+          <a:prstGeom prst="rect">
+            <a:avLst/>
+          </a:prstGeom>
+          <a:noFill/>
+          <a:effectLst>
+            <a:softEdge rad="25400"/>
+          </a:effectLst>
+          <a:extLst>
+            <a:ext uri="{909E8E84-426E-40DD-AFC4-6F175D3DCCD1}">
+              <a14:hiddenFill xmlns:a14="http://schemas.microsoft.com/office/drawing/2010/main">
+                <a:solidFill>
+                  <a:srgbClr val="FFFFFF"/>
+                </a:solidFill>
+              </a14:hiddenFill>
+            </a:ext>
+          </a:extLst>
+        </p:spPr>
+      </p:pic>
+      <p:pic>
+        <p:nvPicPr>
+          <p:cNvPr id="1060" name="Picture 36" descr="http://badges.mariadb.org/logo/Mariadb-seal-shaded-browntext-alt.png"/>
+          <p:cNvPicPr>
+            <a:picLocks noChangeAspect="1" noChangeArrowheads="1"/>
+          </p:cNvPicPr>
+          <p:nvPr/>
+        </p:nvPicPr>
+        <p:blipFill>
+          <a:blip r:embed="rId11">
+            <a:extLst>
+              <a:ext uri="{28A0092B-C50C-407E-A947-70E740481C1C}">
+                <a14:useLocalDpi xmlns:a14="http://schemas.microsoft.com/office/drawing/2010/main" val="0"/>
+              </a:ext>
+            </a:extLst>
+          </a:blip>
+          <a:srcRect/>
+          <a:stretch>
+            <a:fillRect/>
+          </a:stretch>
+        </p:blipFill>
+        <p:spPr bwMode="auto">
+          <a:xfrm>
+            <a:off x="3508300" y="4758736"/>
+            <a:ext cx="1613177" cy="1213162"/>
+          </a:xfrm>
+          <a:prstGeom prst="rect">
+            <a:avLst/>
+          </a:prstGeom>
+          <a:noFill/>
+          <a:effectLst>
+            <a:softEdge rad="0"/>
+          </a:effectLst>
+          <a:extLst>
+            <a:ext uri="{909E8E84-426E-40DD-AFC4-6F175D3DCCD1}">
+              <a14:hiddenFill xmlns:a14="http://schemas.microsoft.com/office/drawing/2010/main">
+                <a:solidFill>
+                  <a:srgbClr val="FFFFFF"/>
+                </a:solidFill>
+              </a14:hiddenFill>
+            </a:ext>
+          </a:extLst>
+        </p:spPr>
+      </p:pic>
     </p:spTree>
     <p:extLst>
       <p:ext uri="{BB962C8B-B14F-4D97-AF65-F5344CB8AC3E}">
-        <p14:creationId xmlns:p14="http://schemas.microsoft.com/office/powerpoint/2010/main" val="199084775"/>
+        <p14:creationId xmlns:p14="http://schemas.microsoft.com/office/powerpoint/2010/main" val="2722139756"/>
       </p:ext>
     </p:extLst>
   </p:cSld>
@@ -6548,33 +8560,958 @@
           <a:bodyPr/>
           <a:lstStyle/>
           <a:p>
-            <a:endParaRPr lang="en-US"/>
-          </a:p>
-        </p:txBody>
-      </p:sp>
-      <p:sp>
-        <p:nvSpPr>
-          <p:cNvPr id="3" name="Content Placeholder 2"/>
-          <p:cNvSpPr>
-            <a:spLocks noGrp="1"/>
-          </p:cNvSpPr>
+            <a:r>
+              <a:rPr lang="ro-RO" dirty="0" smtClean="0"/>
+              <a:t>Tehnologii folosite</a:t>
+            </a:r>
+            <a:endParaRPr lang="ro-RO" dirty="0"/>
+          </a:p>
+        </p:txBody>
+      </p:sp>
+      <p:pic>
+        <p:nvPicPr>
+          <p:cNvPr id="4" name="Picture 3"/>
+          <p:cNvPicPr>
+            <a:picLocks noChangeAspect="1"/>
+          </p:cNvPicPr>
+          <p:nvPr/>
+        </p:nvPicPr>
+        <p:blipFill>
+          <a:blip r:embed="rId2"/>
+          <a:stretch>
+            <a:fillRect/>
+          </a:stretch>
+        </p:blipFill>
+        <p:spPr>
+          <a:xfrm>
+            <a:off x="4354066" y="2141214"/>
+            <a:ext cx="2360567" cy="454441"/>
+          </a:xfrm>
+          <a:prstGeom prst="rect">
+            <a:avLst/>
+          </a:prstGeom>
+          <a:effectLst>
+            <a:softEdge rad="25400"/>
+          </a:effectLst>
+        </p:spPr>
+      </p:pic>
+      <p:pic>
+        <p:nvPicPr>
+          <p:cNvPr id="2050" name="Picture 2" descr="http://www.tutorial-zone.ro/wp-content/uploads/2013/10/logo-ubuntu.jpg"/>
+          <p:cNvPicPr>
+            <a:picLocks noGrp="1" noChangeAspect="1" noChangeArrowheads="1"/>
+          </p:cNvPicPr>
           <p:nvPr>
             <p:ph idx="1"/>
           </p:nvPr>
-        </p:nvSpPr>
-        <p:spPr/>
-        <p:txBody>
-          <a:bodyPr/>
-          <a:lstStyle/>
-          <a:p>
-            <a:endParaRPr lang="en-US"/>
-          </a:p>
-        </p:txBody>
-      </p:sp>
+        </p:nvPicPr>
+        <p:blipFill>
+          <a:blip r:embed="rId3" cstate="print">
+            <a:extLst>
+              <a:ext uri="{28A0092B-C50C-407E-A947-70E740481C1C}">
+                <a14:useLocalDpi xmlns:a14="http://schemas.microsoft.com/office/drawing/2010/main" val="0"/>
+              </a:ext>
+            </a:extLst>
+          </a:blip>
+          <a:srcRect/>
+          <a:stretch>
+            <a:fillRect/>
+          </a:stretch>
+        </p:blipFill>
+        <p:spPr bwMode="auto">
+          <a:xfrm>
+            <a:off x="4897219" y="3210878"/>
+            <a:ext cx="1274262" cy="1056322"/>
+          </a:xfrm>
+          <a:prstGeom prst="rect">
+            <a:avLst/>
+          </a:prstGeom>
+          <a:noFill/>
+          <a:effectLst>
+            <a:softEdge rad="25400"/>
+          </a:effectLst>
+          <a:extLst>
+            <a:ext uri="{909E8E84-426E-40DD-AFC4-6F175D3DCCD1}">
+              <a14:hiddenFill xmlns:a14="http://schemas.microsoft.com/office/drawing/2010/main">
+                <a:solidFill>
+                  <a:srgbClr val="FFFFFF"/>
+                </a:solidFill>
+              </a14:hiddenFill>
+            </a:ext>
+          </a:extLst>
+        </p:spPr>
+      </p:pic>
+      <p:pic>
+        <p:nvPicPr>
+          <p:cNvPr id="2052" name="Picture 4" descr="http://upload.wikimedia.org/wikipedia/commons/f/ff/Windows_Azure_logo.png"/>
+          <p:cNvPicPr>
+            <a:picLocks noChangeAspect="1" noChangeArrowheads="1"/>
+          </p:cNvPicPr>
+          <p:nvPr/>
+        </p:nvPicPr>
+        <p:blipFill>
+          <a:blip r:embed="rId4">
+            <a:extLst>
+              <a:ext uri="{28A0092B-C50C-407E-A947-70E740481C1C}">
+                <a14:useLocalDpi xmlns:a14="http://schemas.microsoft.com/office/drawing/2010/main" val="0"/>
+              </a:ext>
+            </a:extLst>
+          </a:blip>
+          <a:srcRect/>
+          <a:stretch>
+            <a:fillRect/>
+          </a:stretch>
+        </p:blipFill>
+        <p:spPr bwMode="auto">
+          <a:xfrm>
+            <a:off x="3980133" y="5009607"/>
+            <a:ext cx="3250123" cy="477291"/>
+          </a:xfrm>
+          <a:prstGeom prst="rect">
+            <a:avLst/>
+          </a:prstGeom>
+          <a:noFill/>
+          <a:extLst>
+            <a:ext uri="{909E8E84-426E-40DD-AFC4-6F175D3DCCD1}">
+              <a14:hiddenFill xmlns:a14="http://schemas.microsoft.com/office/drawing/2010/main">
+                <a:solidFill>
+                  <a:srgbClr val="FFFFFF"/>
+                </a:solidFill>
+              </a14:hiddenFill>
+            </a:ext>
+          </a:extLst>
+        </p:spPr>
+      </p:pic>
     </p:spTree>
     <p:extLst>
       <p:ext uri="{BB962C8B-B14F-4D97-AF65-F5344CB8AC3E}">
-        <p14:creationId xmlns:p14="http://schemas.microsoft.com/office/powerpoint/2010/main" val="1328993173"/>
+        <p14:creationId xmlns:p14="http://schemas.microsoft.com/office/powerpoint/2010/main" val="2112928333"/>
+      </p:ext>
+    </p:extLst>
+  </p:cSld>
+  <p:clrMapOvr>
+    <a:masterClrMapping/>
+  </p:clrMapOvr>
+  <p:timing>
+    <p:tnLst>
+      <p:par>
+        <p:cTn id="1" dur="indefinite" restart="never" nodeType="tmRoot"/>
+      </p:par>
+    </p:tnLst>
+  </p:timing>
+</p:sld>
+</file>
+
+<file path=ppt/slides/slide6.xml><?xml version="1.0" encoding="utf-8"?>
+<p:sld xmlns:a="http://schemas.openxmlformats.org/drawingml/2006/main" xmlns:r="http://schemas.openxmlformats.org/officeDocument/2006/relationships" xmlns:p="http://schemas.openxmlformats.org/presentationml/2006/main">
+  <p:cSld>
+    <p:spTree>
+      <p:nvGrpSpPr>
+        <p:cNvPr id="1" name=""/>
+        <p:cNvGrpSpPr/>
+        <p:nvPr/>
+      </p:nvGrpSpPr>
+      <p:grpSpPr>
+        <a:xfrm>
+          <a:off x="0" y="0"/>
+          <a:ext cx="0" cy="0"/>
+          <a:chOff x="0" y="0"/>
+          <a:chExt cx="0" cy="0"/>
+        </a:xfrm>
+      </p:grpSpPr>
+      <p:sp>
+        <p:nvSpPr>
+          <p:cNvPr id="2" name="Title 1"/>
+          <p:cNvSpPr>
+            <a:spLocks noGrp="1"/>
+          </p:cNvSpPr>
+          <p:nvPr>
+            <p:ph type="title"/>
+          </p:nvPr>
+        </p:nvSpPr>
+        <p:spPr/>
+        <p:txBody>
+          <a:bodyPr/>
+          <a:lstStyle/>
+          <a:p>
+            <a:r>
+              <a:rPr lang="ro-RO" dirty="0" smtClean="0"/>
+              <a:t>Baze de date</a:t>
+            </a:r>
+            <a:endParaRPr lang="ro-RO" dirty="0"/>
+          </a:p>
+        </p:txBody>
+      </p:sp>
+      <p:sp>
+        <p:nvSpPr>
+          <p:cNvPr id="3" name="Content Placeholder 2"/>
+          <p:cNvSpPr>
+            <a:spLocks noGrp="1"/>
+          </p:cNvSpPr>
+          <p:nvPr>
+            <p:ph idx="1"/>
+          </p:nvPr>
+        </p:nvSpPr>
+        <p:spPr>
+          <a:xfrm>
+            <a:off x="1878375" y="2279341"/>
+            <a:ext cx="8946541" cy="3328979"/>
+          </a:xfrm>
+        </p:spPr>
+        <p:txBody>
+          <a:bodyPr/>
+          <a:lstStyle/>
+          <a:p>
+            <a:r>
+              <a:rPr lang="en-US" dirty="0" smtClean="0"/>
+              <a:t>MariaDB</a:t>
+            </a:r>
+            <a:endParaRPr lang="en-US" dirty="0"/>
+          </a:p>
+          <a:p>
+            <a:endParaRPr lang="en-US" dirty="0" smtClean="0"/>
+          </a:p>
+          <a:p>
+            <a:endParaRPr lang="en-US" dirty="0"/>
+          </a:p>
+          <a:p>
+            <a:pPr marL="0" indent="0">
+              <a:buNone/>
+            </a:pPr>
+            <a:endParaRPr lang="en-US" dirty="0"/>
+          </a:p>
+          <a:p>
+            <a:pPr marL="0" indent="0">
+              <a:buNone/>
+            </a:pPr>
+            <a:endParaRPr lang="en-US" dirty="0" smtClean="0"/>
+          </a:p>
+          <a:p>
+            <a:r>
+              <a:rPr lang="en-US" dirty="0" smtClean="0"/>
+              <a:t>SQL </a:t>
+            </a:r>
+            <a:r>
+              <a:rPr lang="ro-RO" dirty="0" smtClean="0"/>
+              <a:t>sau</a:t>
+            </a:r>
+            <a:r>
+              <a:rPr lang="en-US" dirty="0" smtClean="0"/>
+              <a:t> NoSQL ?</a:t>
+            </a:r>
+          </a:p>
+        </p:txBody>
+      </p:sp>
+      <p:pic>
+        <p:nvPicPr>
+          <p:cNvPr id="7" name="Picture 36" descr="http://badges.mariadb.org/logo/Mariadb-seal-shaded-browntext-alt.png"/>
+          <p:cNvPicPr>
+            <a:picLocks noChangeAspect="1" noChangeArrowheads="1"/>
+          </p:cNvPicPr>
+          <p:nvPr/>
+        </p:nvPicPr>
+        <p:blipFill>
+          <a:blip r:embed="rId2">
+            <a:extLst>
+              <a:ext uri="{28A0092B-C50C-407E-A947-70E740481C1C}">
+                <a14:useLocalDpi xmlns:a14="http://schemas.microsoft.com/office/drawing/2010/main" val="0"/>
+              </a:ext>
+            </a:extLst>
+          </a:blip>
+          <a:srcRect/>
+          <a:stretch>
+            <a:fillRect/>
+          </a:stretch>
+        </p:blipFill>
+        <p:spPr bwMode="auto">
+          <a:xfrm>
+            <a:off x="6821907" y="2929431"/>
+            <a:ext cx="2422237" cy="1821602"/>
+          </a:xfrm>
+          <a:prstGeom prst="rect">
+            <a:avLst/>
+          </a:prstGeom>
+          <a:noFill/>
+          <a:extLst>
+            <a:ext uri="{909E8E84-426E-40DD-AFC4-6F175D3DCCD1}">
+              <a14:hiddenFill xmlns:a14="http://schemas.microsoft.com/office/drawing/2010/main">
+                <a:solidFill>
+                  <a:srgbClr val="FFFFFF"/>
+                </a:solidFill>
+              </a14:hiddenFill>
+            </a:ext>
+          </a:extLst>
+        </p:spPr>
+      </p:pic>
+      <p:pic>
+        <p:nvPicPr>
+          <p:cNvPr id="5" name="Picture 4"/>
+          <p:cNvPicPr>
+            <a:picLocks noChangeAspect="1"/>
+          </p:cNvPicPr>
+          <p:nvPr/>
+        </p:nvPicPr>
+        <p:blipFill>
+          <a:blip r:embed="rId3"/>
+          <a:stretch>
+            <a:fillRect/>
+          </a:stretch>
+        </p:blipFill>
+        <p:spPr>
+          <a:xfrm>
+            <a:off x="9806038" y="1986931"/>
+            <a:ext cx="1393261" cy="942500"/>
+          </a:xfrm>
+          <a:prstGeom prst="rect">
+            <a:avLst/>
+          </a:prstGeom>
+          <a:effectLst>
+            <a:softEdge rad="25400"/>
+          </a:effectLst>
+        </p:spPr>
+      </p:pic>
+      <p:pic>
+        <p:nvPicPr>
+          <p:cNvPr id="6" name="Picture 5"/>
+          <p:cNvPicPr>
+            <a:picLocks noChangeAspect="1"/>
+          </p:cNvPicPr>
+          <p:nvPr/>
+        </p:nvPicPr>
+        <p:blipFill>
+          <a:blip r:embed="rId4"/>
+          <a:stretch>
+            <a:fillRect/>
+          </a:stretch>
+        </p:blipFill>
+        <p:spPr>
+          <a:xfrm>
+            <a:off x="9536318" y="5014358"/>
+            <a:ext cx="1662981" cy="758124"/>
+          </a:xfrm>
+          <a:prstGeom prst="rect">
+            <a:avLst/>
+          </a:prstGeom>
+          <a:effectLst>
+            <a:softEdge rad="25400"/>
+          </a:effectLst>
+        </p:spPr>
+      </p:pic>
+    </p:spTree>
+    <p:extLst>
+      <p:ext uri="{BB962C8B-B14F-4D97-AF65-F5344CB8AC3E}">
+        <p14:creationId xmlns:p14="http://schemas.microsoft.com/office/powerpoint/2010/main" val="708032500"/>
+      </p:ext>
+    </p:extLst>
+  </p:cSld>
+  <p:clrMapOvr>
+    <a:masterClrMapping/>
+  </p:clrMapOvr>
+  <p:timing>
+    <p:tnLst>
+      <p:par>
+        <p:cTn id="1" dur="indefinite" restart="never" nodeType="tmRoot"/>
+      </p:par>
+    </p:tnLst>
+  </p:timing>
+</p:sld>
+</file>
+
+<file path=ppt/slides/slide7.xml><?xml version="1.0" encoding="utf-8"?>
+<p:sld xmlns:a="http://schemas.openxmlformats.org/drawingml/2006/main" xmlns:r="http://schemas.openxmlformats.org/officeDocument/2006/relationships" xmlns:p="http://schemas.openxmlformats.org/presentationml/2006/main">
+  <p:cSld>
+    <p:spTree>
+      <p:nvGrpSpPr>
+        <p:cNvPr id="1" name=""/>
+        <p:cNvGrpSpPr/>
+        <p:nvPr/>
+      </p:nvGrpSpPr>
+      <p:grpSpPr>
+        <a:xfrm>
+          <a:off x="0" y="0"/>
+          <a:ext cx="0" cy="0"/>
+          <a:chOff x="0" y="0"/>
+          <a:chExt cx="0" cy="0"/>
+        </a:xfrm>
+      </p:grpSpPr>
+      <p:sp>
+        <p:nvSpPr>
+          <p:cNvPr id="2" name="Title 1"/>
+          <p:cNvSpPr>
+            <a:spLocks noGrp="1"/>
+          </p:cNvSpPr>
+          <p:nvPr>
+            <p:ph type="title"/>
+          </p:nvPr>
+        </p:nvSpPr>
+        <p:spPr/>
+        <p:txBody>
+          <a:bodyPr/>
+          <a:lstStyle/>
+          <a:p>
+            <a:r>
+              <a:rPr lang="ro-RO" dirty="0" smtClean="0"/>
+              <a:t>Aplicația</a:t>
+            </a:r>
+            <a:r>
+              <a:rPr lang="en-US" dirty="0" smtClean="0"/>
+              <a:t> </a:t>
+            </a:r>
+            <a:r>
+              <a:rPr lang="ro-RO" dirty="0" smtClean="0"/>
+              <a:t>implementat</a:t>
+            </a:r>
+            <a:r>
+              <a:rPr lang="ro-RO" dirty="0"/>
+              <a:t>ă</a:t>
+            </a:r>
+            <a:r>
+              <a:rPr lang="en-US" dirty="0"/>
+              <a:t/>
+            </a:r>
+            <a:br>
+              <a:rPr lang="en-US" dirty="0"/>
+            </a:br>
+            <a:endParaRPr lang="ro-RO" dirty="0"/>
+          </a:p>
+        </p:txBody>
+      </p:sp>
+      <p:sp>
+        <p:nvSpPr>
+          <p:cNvPr id="3" name="Content Placeholder 2"/>
+          <p:cNvSpPr>
+            <a:spLocks noGrp="1"/>
+          </p:cNvSpPr>
+          <p:nvPr>
+            <p:ph idx="1"/>
+          </p:nvPr>
+        </p:nvSpPr>
+        <p:spPr>
+          <a:xfrm>
+            <a:off x="1103312" y="1193074"/>
+            <a:ext cx="8946541" cy="5055325"/>
+          </a:xfrm>
+        </p:spPr>
+        <p:txBody>
+          <a:bodyPr>
+            <a:normAutofit lnSpcReduction="10000"/>
+          </a:bodyPr>
+          <a:lstStyle/>
+          <a:p>
+            <a:r>
+              <a:rPr lang="ro-RO" dirty="0" smtClean="0"/>
+              <a:t>Interfața de management al articolelor, știrilor, evenimentelor, întrebărilor și răspunsurilor</a:t>
+            </a:r>
+          </a:p>
+          <a:p>
+            <a:endParaRPr lang="ro-RO" dirty="0" smtClean="0"/>
+          </a:p>
+          <a:p>
+            <a:endParaRPr lang="ro-RO" dirty="0" smtClean="0"/>
+          </a:p>
+          <a:p>
+            <a:endParaRPr lang="ro-RO" dirty="0" smtClean="0"/>
+          </a:p>
+          <a:p>
+            <a:endParaRPr lang="ro-RO" dirty="0" smtClean="0"/>
+          </a:p>
+          <a:p>
+            <a:endParaRPr lang="ro-RO" dirty="0" smtClean="0"/>
+          </a:p>
+          <a:p>
+            <a:endParaRPr lang="ro-RO" dirty="0" smtClean="0"/>
+          </a:p>
+          <a:p>
+            <a:endParaRPr lang="ro-RO" dirty="0" smtClean="0"/>
+          </a:p>
+          <a:p>
+            <a:endParaRPr lang="ro-RO" dirty="0" smtClean="0"/>
+          </a:p>
+          <a:p>
+            <a:endParaRPr lang="ro-RO" dirty="0" smtClean="0"/>
+          </a:p>
+          <a:p>
+            <a:endParaRPr lang="ro-RO" dirty="0" smtClean="0"/>
+          </a:p>
+          <a:p>
+            <a:r>
+              <a:rPr lang="ro-RO" dirty="0" smtClean="0"/>
+              <a:t>Domeniul medical, stomatologic</a:t>
+            </a:r>
+          </a:p>
+          <a:p>
+            <a:pPr marL="0" indent="0">
+              <a:buNone/>
+            </a:pPr>
+            <a:endParaRPr lang="ro-RO" dirty="0"/>
+          </a:p>
+        </p:txBody>
+      </p:sp>
+      <p:pic>
+        <p:nvPicPr>
+          <p:cNvPr id="5" name="Picture 4"/>
+          <p:cNvPicPr>
+            <a:picLocks noChangeAspect="1"/>
+          </p:cNvPicPr>
+          <p:nvPr/>
+        </p:nvPicPr>
+        <p:blipFill>
+          <a:blip r:embed="rId2"/>
+          <a:stretch>
+            <a:fillRect/>
+          </a:stretch>
+        </p:blipFill>
+        <p:spPr>
+          <a:xfrm>
+            <a:off x="2856413" y="1853248"/>
+            <a:ext cx="5886992" cy="3852357"/>
+          </a:xfrm>
+          <a:prstGeom prst="rect">
+            <a:avLst/>
+          </a:prstGeom>
+          <a:effectLst>
+            <a:softEdge rad="38100"/>
+          </a:effectLst>
+        </p:spPr>
+      </p:pic>
+    </p:spTree>
+    <p:extLst>
+      <p:ext uri="{BB962C8B-B14F-4D97-AF65-F5344CB8AC3E}">
+        <p14:creationId xmlns:p14="http://schemas.microsoft.com/office/powerpoint/2010/main" val="3989723667"/>
+      </p:ext>
+    </p:extLst>
+  </p:cSld>
+  <p:clrMapOvr>
+    <a:masterClrMapping/>
+  </p:clrMapOvr>
+  <p:timing>
+    <p:tnLst>
+      <p:par>
+        <p:cTn id="1" dur="indefinite" restart="never" nodeType="tmRoot"/>
+      </p:par>
+    </p:tnLst>
+  </p:timing>
+</p:sld>
+</file>
+
+<file path=ppt/slides/slide8.xml><?xml version="1.0" encoding="utf-8"?>
+<p:sld xmlns:a="http://schemas.openxmlformats.org/drawingml/2006/main" xmlns:r="http://schemas.openxmlformats.org/officeDocument/2006/relationships" xmlns:p="http://schemas.openxmlformats.org/presentationml/2006/main">
+  <p:cSld>
+    <p:spTree>
+      <p:nvGrpSpPr>
+        <p:cNvPr id="1" name=""/>
+        <p:cNvGrpSpPr/>
+        <p:nvPr/>
+      </p:nvGrpSpPr>
+      <p:grpSpPr>
+        <a:xfrm>
+          <a:off x="0" y="0"/>
+          <a:ext cx="0" cy="0"/>
+          <a:chOff x="0" y="0"/>
+          <a:chExt cx="0" cy="0"/>
+        </a:xfrm>
+      </p:grpSpPr>
+      <p:sp>
+        <p:nvSpPr>
+          <p:cNvPr id="2" name="Title 1"/>
+          <p:cNvSpPr>
+            <a:spLocks noGrp="1"/>
+          </p:cNvSpPr>
+          <p:nvPr>
+            <p:ph type="title"/>
+          </p:nvPr>
+        </p:nvSpPr>
+        <p:spPr/>
+        <p:txBody>
+          <a:bodyPr/>
+          <a:lstStyle/>
+          <a:p>
+            <a:r>
+              <a:rPr lang="ro-RO" dirty="0" smtClean="0"/>
+              <a:t>Aplicația</a:t>
+            </a:r>
+            <a:r>
+              <a:rPr lang="en-US" dirty="0" smtClean="0"/>
+              <a:t> implementat</a:t>
+            </a:r>
+            <a:r>
+              <a:rPr lang="ro-RO" dirty="0" smtClean="0"/>
+              <a:t>ă</a:t>
+            </a:r>
+            <a:r>
+              <a:rPr lang="en-US" dirty="0" smtClean="0"/>
+              <a:t> </a:t>
+            </a:r>
+            <a:endParaRPr lang="ro-RO" dirty="0"/>
+          </a:p>
+        </p:txBody>
+      </p:sp>
+      <p:sp>
+        <p:nvSpPr>
+          <p:cNvPr id="3" name="Content Placeholder 2"/>
+          <p:cNvSpPr>
+            <a:spLocks noGrp="1"/>
+          </p:cNvSpPr>
+          <p:nvPr>
+            <p:ph idx="1"/>
+          </p:nvPr>
+        </p:nvSpPr>
+        <p:spPr>
+          <a:xfrm>
+            <a:off x="1225231" y="2331592"/>
+            <a:ext cx="8946541" cy="3328979"/>
+          </a:xfrm>
+        </p:spPr>
+        <p:txBody>
+          <a:bodyPr/>
+          <a:lstStyle/>
+          <a:p>
+            <a:r>
+              <a:rPr lang="ro-RO" dirty="0" smtClean="0"/>
+              <a:t>Meniu</a:t>
+            </a:r>
+            <a:r>
+              <a:rPr lang="en-US" dirty="0" smtClean="0"/>
+              <a:t> </a:t>
+            </a:r>
+            <a:r>
+              <a:rPr lang="ro-RO" dirty="0" smtClean="0"/>
+              <a:t>navigare</a:t>
+            </a:r>
+          </a:p>
+          <a:p>
+            <a:endParaRPr lang="en-US" dirty="0" smtClean="0"/>
+          </a:p>
+          <a:p>
+            <a:endParaRPr lang="en-US" dirty="0" smtClean="0"/>
+          </a:p>
+          <a:p>
+            <a:r>
+              <a:rPr lang="ro-RO" dirty="0" smtClean="0"/>
+              <a:t>Autentificare</a:t>
+            </a:r>
+          </a:p>
+          <a:p>
+            <a:endParaRPr lang="en-US" dirty="0" smtClean="0"/>
+          </a:p>
+          <a:p>
+            <a:endParaRPr lang="en-US" dirty="0" smtClean="0"/>
+          </a:p>
+          <a:p>
+            <a:r>
+              <a:rPr lang="ro-RO" dirty="0" smtClean="0"/>
+              <a:t>Rețele</a:t>
+            </a:r>
+            <a:r>
+              <a:rPr lang="en-US" dirty="0" smtClean="0"/>
+              <a:t> </a:t>
+            </a:r>
+            <a:r>
+              <a:rPr lang="ro-RO" dirty="0" smtClean="0"/>
+              <a:t>sociale</a:t>
+            </a:r>
+          </a:p>
+          <a:p>
+            <a:endParaRPr lang="en-US" dirty="0" smtClean="0"/>
+          </a:p>
+          <a:p>
+            <a:pPr marL="0" indent="0">
+              <a:buNone/>
+            </a:pPr>
+            <a:endParaRPr lang="ro-RO" dirty="0" smtClean="0"/>
+          </a:p>
+          <a:p>
+            <a:endParaRPr lang="ro-RO" dirty="0" smtClean="0"/>
+          </a:p>
+        </p:txBody>
+      </p:sp>
+      <p:pic>
+        <p:nvPicPr>
+          <p:cNvPr id="5" name="Picture 4"/>
+          <p:cNvPicPr/>
+          <p:nvPr/>
+        </p:nvPicPr>
+        <p:blipFill>
+          <a:blip r:embed="rId2">
+            <a:extLst>
+              <a:ext uri="{28A0092B-C50C-407E-A947-70E740481C1C}">
+                <a14:useLocalDpi xmlns:a14="http://schemas.microsoft.com/office/drawing/2010/main" val="0"/>
+              </a:ext>
+            </a:extLst>
+          </a:blip>
+          <a:srcRect/>
+          <a:stretch>
+            <a:fillRect/>
+          </a:stretch>
+        </p:blipFill>
+        <p:spPr bwMode="auto">
+          <a:xfrm>
+            <a:off x="5348472" y="2395629"/>
+            <a:ext cx="6390005" cy="306705"/>
+          </a:xfrm>
+          <a:prstGeom prst="rect">
+            <a:avLst/>
+          </a:prstGeom>
+          <a:noFill/>
+          <a:ln>
+            <a:noFill/>
+          </a:ln>
+          <a:effectLst>
+            <a:softEdge rad="25400"/>
+          </a:effectLst>
+        </p:spPr>
+      </p:pic>
+      <p:pic>
+        <p:nvPicPr>
+          <p:cNvPr id="4" name="Picture 3"/>
+          <p:cNvPicPr>
+            <a:picLocks noChangeAspect="1"/>
+          </p:cNvPicPr>
+          <p:nvPr/>
+        </p:nvPicPr>
+        <p:blipFill>
+          <a:blip r:embed="rId3"/>
+          <a:stretch>
+            <a:fillRect/>
+          </a:stretch>
+        </p:blipFill>
+        <p:spPr>
+          <a:xfrm>
+            <a:off x="5348472" y="3307023"/>
+            <a:ext cx="1766072" cy="689058"/>
+          </a:xfrm>
+          <a:prstGeom prst="rect">
+            <a:avLst/>
+          </a:prstGeom>
+          <a:effectLst>
+            <a:softEdge rad="25400"/>
+          </a:effectLst>
+        </p:spPr>
+      </p:pic>
+      <p:pic>
+        <p:nvPicPr>
+          <p:cNvPr id="8" name="Picture 7"/>
+          <p:cNvPicPr>
+            <a:picLocks noChangeAspect="1"/>
+          </p:cNvPicPr>
+          <p:nvPr/>
+        </p:nvPicPr>
+        <p:blipFill>
+          <a:blip r:embed="rId4"/>
+          <a:stretch>
+            <a:fillRect/>
+          </a:stretch>
+        </p:blipFill>
+        <p:spPr>
+          <a:xfrm>
+            <a:off x="5348472" y="4746017"/>
+            <a:ext cx="1466850" cy="781050"/>
+          </a:xfrm>
+          <a:prstGeom prst="rect">
+            <a:avLst/>
+          </a:prstGeom>
+          <a:effectLst>
+            <a:softEdge rad="25400"/>
+          </a:effectLst>
+        </p:spPr>
+      </p:pic>
+    </p:spTree>
+    <p:extLst>
+      <p:ext uri="{BB962C8B-B14F-4D97-AF65-F5344CB8AC3E}">
+        <p14:creationId xmlns:p14="http://schemas.microsoft.com/office/powerpoint/2010/main" val="82284249"/>
+      </p:ext>
+    </p:extLst>
+  </p:cSld>
+  <p:clrMapOvr>
+    <a:masterClrMapping/>
+  </p:clrMapOvr>
+  <p:timing>
+    <p:tnLst>
+      <p:par>
+        <p:cTn id="1" dur="indefinite" restart="never" nodeType="tmRoot"/>
+      </p:par>
+    </p:tnLst>
+  </p:timing>
+</p:sld>
+</file>
+
+<file path=ppt/slides/slide9.xml><?xml version="1.0" encoding="utf-8"?>
+<p:sld xmlns:a="http://schemas.openxmlformats.org/drawingml/2006/main" xmlns:r="http://schemas.openxmlformats.org/officeDocument/2006/relationships" xmlns:p="http://schemas.openxmlformats.org/presentationml/2006/main">
+  <p:cSld>
+    <p:spTree>
+      <p:nvGrpSpPr>
+        <p:cNvPr id="1" name=""/>
+        <p:cNvGrpSpPr/>
+        <p:nvPr/>
+      </p:nvGrpSpPr>
+      <p:grpSpPr>
+        <a:xfrm>
+          <a:off x="0" y="0"/>
+          <a:ext cx="0" cy="0"/>
+          <a:chOff x="0" y="0"/>
+          <a:chExt cx="0" cy="0"/>
+        </a:xfrm>
+      </p:grpSpPr>
+      <p:sp>
+        <p:nvSpPr>
+          <p:cNvPr id="2" name="Title 1"/>
+          <p:cNvSpPr>
+            <a:spLocks noGrp="1"/>
+          </p:cNvSpPr>
+          <p:nvPr>
+            <p:ph type="title"/>
+          </p:nvPr>
+        </p:nvSpPr>
+        <p:spPr/>
+        <p:txBody>
+          <a:bodyPr/>
+          <a:lstStyle/>
+          <a:p>
+            <a:r>
+              <a:rPr lang="ro-RO" dirty="0" smtClean="0"/>
+              <a:t>Aplicația</a:t>
+            </a:r>
+            <a:r>
+              <a:rPr lang="en-US" dirty="0" smtClean="0"/>
+              <a:t> implementat</a:t>
+            </a:r>
+            <a:r>
+              <a:rPr lang="ro-RO" dirty="0"/>
+              <a:t>ă</a:t>
+            </a:r>
+          </a:p>
+        </p:txBody>
+      </p:sp>
+      <p:sp>
+        <p:nvSpPr>
+          <p:cNvPr id="3" name="Content Placeholder 2"/>
+          <p:cNvSpPr>
+            <a:spLocks noGrp="1"/>
+          </p:cNvSpPr>
+          <p:nvPr>
+            <p:ph idx="1"/>
+          </p:nvPr>
+        </p:nvSpPr>
+        <p:spPr>
+          <a:xfrm>
+            <a:off x="1225231" y="2331592"/>
+            <a:ext cx="8946541" cy="3328979"/>
+          </a:xfrm>
+        </p:spPr>
+        <p:txBody>
+          <a:bodyPr/>
+          <a:lstStyle/>
+          <a:p>
+            <a:r>
+              <a:rPr lang="ro-RO" dirty="0" smtClean="0"/>
+              <a:t>Administrare</a:t>
+            </a:r>
+          </a:p>
+          <a:p>
+            <a:endParaRPr lang="en-US" dirty="0"/>
+          </a:p>
+          <a:p>
+            <a:endParaRPr lang="en-US" dirty="0" smtClean="0"/>
+          </a:p>
+          <a:p>
+            <a:r>
+              <a:rPr lang="ro-RO" dirty="0" smtClean="0"/>
+              <a:t>Autentificare</a:t>
+            </a:r>
+          </a:p>
+          <a:p>
+            <a:endParaRPr lang="ro-RO" dirty="0"/>
+          </a:p>
+          <a:p>
+            <a:endParaRPr lang="ro-RO" dirty="0"/>
+          </a:p>
+          <a:p>
+            <a:endParaRPr lang="en-US" dirty="0" smtClean="0"/>
+          </a:p>
+          <a:p>
+            <a:endParaRPr lang="en-US" dirty="0"/>
+          </a:p>
+          <a:p>
+            <a:endParaRPr lang="en-US" dirty="0" smtClean="0"/>
+          </a:p>
+          <a:p>
+            <a:pPr marL="0" indent="0">
+              <a:buNone/>
+            </a:pPr>
+            <a:endParaRPr lang="ro-RO" dirty="0" smtClean="0"/>
+          </a:p>
+          <a:p>
+            <a:endParaRPr lang="ro-RO" dirty="0" smtClean="0"/>
+          </a:p>
+        </p:txBody>
+      </p:sp>
+      <p:pic>
+        <p:nvPicPr>
+          <p:cNvPr id="4" name="Picture 3"/>
+          <p:cNvPicPr>
+            <a:picLocks noChangeAspect="1"/>
+          </p:cNvPicPr>
+          <p:nvPr/>
+        </p:nvPicPr>
+        <p:blipFill>
+          <a:blip r:embed="rId2"/>
+          <a:stretch>
+            <a:fillRect/>
+          </a:stretch>
+        </p:blipFill>
+        <p:spPr>
+          <a:xfrm>
+            <a:off x="6110839" y="3186184"/>
+            <a:ext cx="2017951" cy="3084843"/>
+          </a:xfrm>
+          <a:prstGeom prst="rect">
+            <a:avLst/>
+          </a:prstGeom>
+          <a:effectLst>
+            <a:softEdge rad="25400"/>
+          </a:effectLst>
+        </p:spPr>
+      </p:pic>
+      <p:pic>
+        <p:nvPicPr>
+          <p:cNvPr id="5" name="Picture 4"/>
+          <p:cNvPicPr/>
+          <p:nvPr/>
+        </p:nvPicPr>
+        <p:blipFill>
+          <a:blip r:embed="rId3">
+            <a:extLst>
+              <a:ext uri="{28A0092B-C50C-407E-A947-70E740481C1C}">
+                <a14:useLocalDpi xmlns:a14="http://schemas.microsoft.com/office/drawing/2010/main" val="0"/>
+              </a:ext>
+            </a:extLst>
+          </a:blip>
+          <a:srcRect/>
+          <a:stretch>
+            <a:fillRect/>
+          </a:stretch>
+        </p:blipFill>
+        <p:spPr bwMode="auto">
+          <a:xfrm>
+            <a:off x="4524253" y="2022271"/>
+            <a:ext cx="5191125" cy="476250"/>
+          </a:xfrm>
+          <a:prstGeom prst="rect">
+            <a:avLst/>
+          </a:prstGeom>
+          <a:noFill/>
+          <a:ln>
+            <a:noFill/>
+          </a:ln>
+          <a:effectLst>
+            <a:softEdge rad="38100"/>
+          </a:effectLst>
+        </p:spPr>
+      </p:pic>
+    </p:spTree>
+    <p:extLst>
+      <p:ext uri="{BB962C8B-B14F-4D97-AF65-F5344CB8AC3E}">
+        <p14:creationId xmlns:p14="http://schemas.microsoft.com/office/powerpoint/2010/main" val="3198695711"/>
       </p:ext>
     </p:extLst>
   </p:cSld>

--- a/documentation/Prezentare_Licenta_Matragociu_Bogdan.pptx
+++ b/documentation/Prezentare_Licenta_Matragociu_Bogdan.pptx
@@ -6622,7 +6622,6 @@
               <a:rPr lang="ro-RO" dirty="0" smtClean="0"/>
               <a:t>implementata</a:t>
             </a:r>
-            <a:endParaRPr lang="ro-RO" dirty="0" smtClean="0"/>
           </a:p>
         </p:txBody>
       </p:sp>
@@ -6947,7 +6946,7 @@
         </p:spPr>
         <p:txBody>
           <a:bodyPr>
-            <a:normAutofit lnSpcReduction="10000"/>
+            <a:normAutofit fontScale="92500" lnSpcReduction="10000"/>
           </a:bodyPr>
           <a:lstStyle/>
           <a:p>
@@ -6988,11 +6987,41 @@
               <a:t> </a:t>
             </a:r>
             <a:r>
-              <a:rPr lang="ro-RO" dirty="0"/>
-              <a:t>pt-table-checksum --replicate percona.checksums h=localhost</a:t>
-            </a:r>
-          </a:p>
-          <a:p>
+              <a:rPr lang="en-US" dirty="0" err="1"/>
+              <a:t>pt</a:t>
+            </a:r>
+            <a:r>
+              <a:rPr lang="en-US" dirty="0"/>
+              <a:t>-table-checksum -d </a:t>
+            </a:r>
+            <a:r>
+              <a:rPr lang="en-US" dirty="0" err="1"/>
+              <a:t>licenta</a:t>
+            </a:r>
+            <a:r>
+              <a:rPr lang="en-US" dirty="0"/>
+              <a:t> --replicate </a:t>
+            </a:r>
+            <a:r>
+              <a:rPr lang="en-US" dirty="0" err="1"/>
+              <a:t>percona.checksums</a:t>
+            </a:r>
+            <a:r>
+              <a:rPr lang="en-US" dirty="0"/>
+              <a:t> </a:t>
+            </a:r>
+            <a:r>
+              <a:rPr lang="en-US" dirty="0" smtClean="0"/>
+              <a:t>h=</a:t>
+            </a:r>
+            <a:r>
+              <a:rPr lang="en-US" dirty="0" err="1" smtClean="0"/>
+              <a:t>localhost</a:t>
+            </a:r>
+            <a:endParaRPr lang="en-US" dirty="0" smtClean="0"/>
+          </a:p>
+          <a:p>
+            <a:pPr lvl="1"/>
             <a:endParaRPr lang="en-US" dirty="0" smtClean="0"/>
           </a:p>
           <a:p>
@@ -7013,17 +7042,22 @@
               <a:t> :	</a:t>
             </a:r>
             <a:r>
-              <a:rPr lang="ro-RO" dirty="0" smtClean="0"/>
-              <a:t>pt-table-sync </a:t>
-            </a:r>
-            <a:r>
-              <a:rPr lang="ro-RO" dirty="0"/>
-              <a:t>--replicate percona.checksums --print </a:t>
-            </a:r>
-            <a:r>
-              <a:rPr lang="ro-RO" dirty="0" smtClean="0"/>
-              <a:t>h=localhost</a:t>
-            </a:r>
+              <a:rPr lang="en-US" dirty="0" err="1"/>
+              <a:t>pt</a:t>
+            </a:r>
+            <a:r>
+              <a:rPr lang="en-US" dirty="0"/>
+              <a:t>-table-sync --sync-to-master --print h=172.16.0.8 --database </a:t>
+            </a:r>
+            <a:r>
+              <a:rPr lang="en-US" dirty="0" err="1"/>
+              <a:t>licenta</a:t>
+            </a:r>
+            <a:endParaRPr lang="en-US" dirty="0"/>
+          </a:p>
+          <a:p>
+            <a:pPr lvl="1"/>
+            <a:endParaRPr lang="ro-RO" dirty="0" smtClean="0"/>
           </a:p>
           <a:p>
             <a:pPr lvl="1"/>
@@ -7036,13 +7070,26 @@
               <a:t> : 	</a:t>
             </a:r>
             <a:r>
-              <a:rPr lang="ro-RO" dirty="0" smtClean="0"/>
-              <a:t>pt-table-sync </a:t>
-            </a:r>
-            <a:r>
-              <a:rPr lang="ro-RO" dirty="0"/>
-              <a:t>--replicate percona.checksums --execute h=localhost</a:t>
-            </a:r>
+              <a:rPr lang="en-US" dirty="0" err="1"/>
+              <a:t>pt</a:t>
+            </a:r>
+            <a:r>
+              <a:rPr lang="en-US" dirty="0"/>
+              <a:t>-table-sync --sync-to-master </a:t>
+            </a:r>
+            <a:r>
+              <a:rPr lang="en-US" dirty="0" smtClean="0"/>
+              <a:t>--execute h=172.16.0.8 </a:t>
+            </a:r>
+            <a:r>
+              <a:rPr lang="en-US" dirty="0"/>
+              <a:t>--database </a:t>
+            </a:r>
+            <a:r>
+              <a:rPr lang="en-US" dirty="0" err="1"/>
+              <a:t>licenta</a:t>
+            </a:r>
+            <a:endParaRPr lang="en-US" dirty="0"/>
           </a:p>
           <a:p>
             <a:endParaRPr lang="ro-RO" dirty="0"/>
@@ -7078,8 +7125,21 @@
             </a:r>
             <a:r>
               <a:rPr lang="ro-RO" dirty="0"/>
-              <a:t>-D licenta --update h=localhost</a:t>
-            </a:r>
+              <a:t>-D licenta --update </a:t>
+            </a:r>
+            <a:r>
+              <a:rPr lang="ro-RO" dirty="0" smtClean="0"/>
+              <a:t>h=</a:t>
+            </a:r>
+            <a:r>
+              <a:rPr lang="ro-RO" dirty="0" err="1" smtClean="0"/>
+              <a:t>localhost</a:t>
+            </a:r>
+            <a:r>
+              <a:rPr lang="en-US" dirty="0" smtClean="0"/>
+              <a:t> --create-table</a:t>
+            </a:r>
+            <a:endParaRPr lang="ro-RO" dirty="0"/>
           </a:p>
           <a:p>
             <a:endParaRPr lang="ro-RO" dirty="0"/>

--- a/documentation/Prezentare_Licenta_Matragociu_Bogdan.pptx
+++ b/documentation/Prezentare_Licenta_Matragociu_Bogdan.pptx
@@ -313,7 +313,7 @@
           <a:p>
             <a:fld id="{A4A4BF8C-F7B3-4F9F-B0A2-43022B6A3DD2}" type="datetimeFigureOut">
               <a:rPr lang="en-US" smtClean="0"/>
-              <a:t>7/1/2014</a:t>
+              <a:t>7/2/2014</a:t>
             </a:fld>
             <a:endParaRPr lang="en-US" dirty="0"/>
           </a:p>
@@ -588,7 +588,7 @@
           <a:p>
             <a:fld id="{A4A4BF8C-F7B3-4F9F-B0A2-43022B6A3DD2}" type="datetimeFigureOut">
               <a:rPr lang="en-US" smtClean="0"/>
-              <a:t>7/1/2014</a:t>
+              <a:t>7/2/2014</a:t>
             </a:fld>
             <a:endParaRPr lang="en-US" dirty="0"/>
           </a:p>
@@ -782,7 +782,7 @@
           <a:p>
             <a:fld id="{A4A4BF8C-F7B3-4F9F-B0A2-43022B6A3DD2}" type="datetimeFigureOut">
               <a:rPr lang="en-US" smtClean="0"/>
-              <a:t>7/1/2014</a:t>
+              <a:t>7/2/2014</a:t>
             </a:fld>
             <a:endParaRPr lang="en-US" dirty="0"/>
           </a:p>
@@ -1055,7 +1055,7 @@
           <a:p>
             <a:fld id="{A4A4BF8C-F7B3-4F9F-B0A2-43022B6A3DD2}" type="datetimeFigureOut">
               <a:rPr lang="en-US" smtClean="0"/>
-              <a:t>7/1/2014</a:t>
+              <a:t>7/2/2014</a:t>
             </a:fld>
             <a:endParaRPr lang="en-US" dirty="0"/>
           </a:p>
@@ -1396,7 +1396,7 @@
           <a:p>
             <a:fld id="{A4A4BF8C-F7B3-4F9F-B0A2-43022B6A3DD2}" type="datetimeFigureOut">
               <a:rPr lang="en-US" smtClean="0"/>
-              <a:t>7/1/2014</a:t>
+              <a:t>7/2/2014</a:t>
             </a:fld>
             <a:endParaRPr lang="en-US" dirty="0"/>
           </a:p>
@@ -2019,7 +2019,7 @@
           <a:p>
             <a:fld id="{A4A4BF8C-F7B3-4F9F-B0A2-43022B6A3DD2}" type="datetimeFigureOut">
               <a:rPr lang="en-US" smtClean="0"/>
-              <a:t>7/1/2014</a:t>
+              <a:t>7/2/2014</a:t>
             </a:fld>
             <a:endParaRPr lang="en-US" dirty="0"/>
           </a:p>
@@ -2879,7 +2879,7 @@
           <a:p>
             <a:fld id="{A4A4BF8C-F7B3-4F9F-B0A2-43022B6A3DD2}" type="datetimeFigureOut">
               <a:rPr lang="en-US" smtClean="0"/>
-              <a:t>7/1/2014</a:t>
+              <a:t>7/2/2014</a:t>
             </a:fld>
             <a:endParaRPr lang="en-US" dirty="0"/>
           </a:p>
@@ -3049,7 +3049,7 @@
           <a:p>
             <a:fld id="{A4A4BF8C-F7B3-4F9F-B0A2-43022B6A3DD2}" type="datetimeFigureOut">
               <a:rPr lang="en-US" smtClean="0"/>
-              <a:t>7/1/2014</a:t>
+              <a:t>7/2/2014</a:t>
             </a:fld>
             <a:endParaRPr lang="en-US" dirty="0"/>
           </a:p>
@@ -3229,7 +3229,7 @@
           <a:p>
             <a:fld id="{A4A4BF8C-F7B3-4F9F-B0A2-43022B6A3DD2}" type="datetimeFigureOut">
               <a:rPr lang="en-US" smtClean="0"/>
-              <a:t>7/1/2014</a:t>
+              <a:t>7/2/2014</a:t>
             </a:fld>
             <a:endParaRPr lang="en-US" dirty="0"/>
           </a:p>
@@ -3399,7 +3399,7 @@
           <a:p>
             <a:fld id="{A4A4BF8C-F7B3-4F9F-B0A2-43022B6A3DD2}" type="datetimeFigureOut">
               <a:rPr lang="en-US" smtClean="0"/>
-              <a:t>7/1/2014</a:t>
+              <a:t>7/2/2014</a:t>
             </a:fld>
             <a:endParaRPr lang="en-US" dirty="0"/>
           </a:p>
@@ -3646,7 +3646,7 @@
           <a:p>
             <a:fld id="{A4A4BF8C-F7B3-4F9F-B0A2-43022B6A3DD2}" type="datetimeFigureOut">
               <a:rPr lang="en-US" smtClean="0"/>
-              <a:t>7/1/2014</a:t>
+              <a:t>7/2/2014</a:t>
             </a:fld>
             <a:endParaRPr lang="en-US" dirty="0"/>
           </a:p>
@@ -3938,7 +3938,7 @@
           <a:p>
             <a:fld id="{A4A4BF8C-F7B3-4F9F-B0A2-43022B6A3DD2}" type="datetimeFigureOut">
               <a:rPr lang="en-US" smtClean="0"/>
-              <a:t>7/1/2014</a:t>
+              <a:t>7/2/2014</a:t>
             </a:fld>
             <a:endParaRPr lang="en-US" dirty="0"/>
           </a:p>
@@ -4382,7 +4382,7 @@
           <a:p>
             <a:fld id="{A4A4BF8C-F7B3-4F9F-B0A2-43022B6A3DD2}" type="datetimeFigureOut">
               <a:rPr lang="en-US" smtClean="0"/>
-              <a:t>7/1/2014</a:t>
+              <a:t>7/2/2014</a:t>
             </a:fld>
             <a:endParaRPr lang="en-US" dirty="0"/>
           </a:p>
@@ -4500,7 +4500,7 @@
           <a:p>
             <a:fld id="{A4A4BF8C-F7B3-4F9F-B0A2-43022B6A3DD2}" type="datetimeFigureOut">
               <a:rPr lang="en-US" smtClean="0"/>
-              <a:t>7/1/2014</a:t>
+              <a:t>7/2/2014</a:t>
             </a:fld>
             <a:endParaRPr lang="en-US" dirty="0"/>
           </a:p>
@@ -4595,7 +4595,7 @@
           <a:p>
             <a:fld id="{A4A4BF8C-F7B3-4F9F-B0A2-43022B6A3DD2}" type="datetimeFigureOut">
               <a:rPr lang="en-US" smtClean="0"/>
-              <a:t>7/1/2014</a:t>
+              <a:t>7/2/2014</a:t>
             </a:fld>
             <a:endParaRPr lang="en-US" dirty="0"/>
           </a:p>
@@ -4874,7 +4874,7 @@
           <a:p>
             <a:fld id="{A4A4BF8C-F7B3-4F9F-B0A2-43022B6A3DD2}" type="datetimeFigureOut">
               <a:rPr lang="en-US" smtClean="0"/>
-              <a:t>7/1/2014</a:t>
+              <a:t>7/2/2014</a:t>
             </a:fld>
             <a:endParaRPr lang="en-US" dirty="0"/>
           </a:p>
@@ -5149,7 +5149,7 @@
           <a:p>
             <a:fld id="{A4A4BF8C-F7B3-4F9F-B0A2-43022B6A3DD2}" type="datetimeFigureOut">
               <a:rPr lang="en-US" smtClean="0"/>
-              <a:t>7/1/2014</a:t>
+              <a:t>7/2/2014</a:t>
             </a:fld>
             <a:endParaRPr lang="en-US" dirty="0"/>
           </a:p>
@@ -5578,7 +5578,7 @@
           <a:p>
             <a:fld id="{A4A4BF8C-F7B3-4F9F-B0A2-43022B6A3DD2}" type="datetimeFigureOut">
               <a:rPr lang="en-US" smtClean="0"/>
-              <a:t>7/1/2014</a:t>
+              <a:t>7/2/2014</a:t>
             </a:fld>
             <a:endParaRPr lang="en-US" dirty="0"/>
           </a:p>
@@ -8644,7 +8644,7 @@
         </p:blipFill>
         <p:spPr>
           <a:xfrm>
-            <a:off x="4354066" y="2141214"/>
+            <a:off x="4722556" y="1770010"/>
             <a:ext cx="2360567" cy="454441"/>
           </a:xfrm>
           <a:prstGeom prst="rect">
@@ -8680,7 +8680,7 @@
         </p:blipFill>
         <p:spPr bwMode="auto">
           <a:xfrm>
-            <a:off x="4897219" y="3210878"/>
+            <a:off x="5265708" y="3170540"/>
             <a:ext cx="1274262" cy="1056322"/>
           </a:xfrm>
           <a:prstGeom prst="rect">
@@ -8724,7 +8724,7 @@
         </p:blipFill>
         <p:spPr bwMode="auto">
           <a:xfrm>
-            <a:off x="3980133" y="5009607"/>
+            <a:off x="4277777" y="5172951"/>
             <a:ext cx="3250123" cy="477291"/>
           </a:xfrm>
           <a:prstGeom prst="rect">
@@ -8838,12 +8838,6 @@
             <a:pPr marL="0" indent="0">
               <a:buNone/>
             </a:pPr>
-            <a:endParaRPr lang="en-US" dirty="0"/>
-          </a:p>
-          <a:p>
-            <a:pPr marL="0" indent="0">
-              <a:buNone/>
-            </a:pPr>
             <a:endParaRPr lang="en-US" dirty="0" smtClean="0"/>
           </a:p>
           <a:p>
@@ -8885,7 +8879,7 @@
         </p:blipFill>
         <p:spPr bwMode="auto">
           <a:xfrm>
-            <a:off x="6821907" y="2929431"/>
+            <a:off x="5140526" y="2279341"/>
             <a:ext cx="2422237" cy="1821602"/>
           </a:xfrm>
           <a:prstGeom prst="rect">
@@ -8919,7 +8913,7 @@
         </p:blipFill>
         <p:spPr>
           <a:xfrm>
-            <a:off x="9806038" y="1986931"/>
+            <a:off x="8974547" y="1501095"/>
             <a:ext cx="1393261" cy="942500"/>
           </a:xfrm>
           <a:prstGeom prst="rect">
@@ -8946,7 +8940,7 @@
         </p:blipFill>
         <p:spPr>
           <a:xfrm>
-            <a:off x="9536318" y="5014358"/>
+            <a:off x="8839686" y="4645868"/>
             <a:ext cx="1662981" cy="758124"/>
           </a:xfrm>
           <a:prstGeom prst="rect">

--- a/documentation/Prezentare_Licenta_Matragociu_Bogdan.pptx
+++ b/documentation/Prezentare_Licenta_Matragociu_Bogdan.pptx
@@ -14,13 +14,14 @@
     <p:sldId id="262" r:id="rId8"/>
     <p:sldId id="263" r:id="rId9"/>
     <p:sldId id="265" r:id="rId10"/>
-    <p:sldId id="270" r:id="rId11"/>
-    <p:sldId id="271" r:id="rId12"/>
-    <p:sldId id="266" r:id="rId13"/>
-    <p:sldId id="272" r:id="rId14"/>
-    <p:sldId id="267" r:id="rId15"/>
-    <p:sldId id="268" r:id="rId16"/>
-    <p:sldId id="269" r:id="rId17"/>
+    <p:sldId id="273" r:id="rId11"/>
+    <p:sldId id="270" r:id="rId12"/>
+    <p:sldId id="271" r:id="rId13"/>
+    <p:sldId id="266" r:id="rId14"/>
+    <p:sldId id="272" r:id="rId15"/>
+    <p:sldId id="267" r:id="rId16"/>
+    <p:sldId id="268" r:id="rId17"/>
+    <p:sldId id="269" r:id="rId18"/>
   </p:sldIdLst>
   <p:sldSz cx="12192000" cy="6858000"/>
   <p:notesSz cx="6858000" cy="9144000"/>
@@ -6234,6 +6235,135 @@
               <a:rPr lang="ro-RO" dirty="0"/>
               <a:t>replicare</a:t>
             </a:r>
+            <a:endParaRPr lang="en-US" dirty="0"/>
+          </a:p>
+        </p:txBody>
+      </p:sp>
+      <p:sp>
+        <p:nvSpPr>
+          <p:cNvPr id="3" name="Content Placeholder 2"/>
+          <p:cNvSpPr>
+            <a:spLocks noGrp="1"/>
+          </p:cNvSpPr>
+          <p:nvPr>
+            <p:ph idx="1"/>
+          </p:nvPr>
+        </p:nvSpPr>
+        <p:spPr>
+          <a:xfrm>
+            <a:off x="477672" y="2052918"/>
+            <a:ext cx="1992573" cy="4195481"/>
+          </a:xfrm>
+        </p:spPr>
+        <p:txBody>
+          <a:bodyPr/>
+          <a:lstStyle/>
+          <a:p>
+            <a:r>
+              <a:rPr lang="en-US" dirty="0" smtClean="0"/>
+              <a:t>Cum se </a:t>
+            </a:r>
+            <a:r>
+              <a:rPr lang="en-US" dirty="0" err="1" smtClean="0"/>
+              <a:t>realizeaza</a:t>
+            </a:r>
+            <a:r>
+              <a:rPr lang="en-US" dirty="0" smtClean="0"/>
+              <a:t> </a:t>
+            </a:r>
+            <a:r>
+              <a:rPr lang="en-US" dirty="0" err="1" smtClean="0"/>
+              <a:t>replicarea</a:t>
+            </a:r>
+            <a:r>
+              <a:rPr lang="en-US" dirty="0" smtClean="0"/>
+              <a:t>?</a:t>
+            </a:r>
+            <a:endParaRPr lang="en-US" dirty="0"/>
+          </a:p>
+        </p:txBody>
+      </p:sp>
+      <p:pic>
+        <p:nvPicPr>
+          <p:cNvPr id="4" name="Picture 3"/>
+          <p:cNvPicPr>
+            <a:picLocks noChangeAspect="1"/>
+          </p:cNvPicPr>
+          <p:nvPr/>
+        </p:nvPicPr>
+        <p:blipFill>
+          <a:blip r:embed="rId2"/>
+          <a:stretch>
+            <a:fillRect/>
+          </a:stretch>
+        </p:blipFill>
+        <p:spPr>
+          <a:xfrm>
+            <a:off x="2634560" y="1559388"/>
+            <a:ext cx="9219372" cy="4689011"/>
+          </a:xfrm>
+          <a:prstGeom prst="rect">
+            <a:avLst/>
+          </a:prstGeom>
+        </p:spPr>
+      </p:pic>
+    </p:spTree>
+    <p:extLst>
+      <p:ext uri="{BB962C8B-B14F-4D97-AF65-F5344CB8AC3E}">
+        <p14:creationId xmlns:p14="http://schemas.microsoft.com/office/powerpoint/2010/main" val="1318734268"/>
+      </p:ext>
+    </p:extLst>
+  </p:cSld>
+  <p:clrMapOvr>
+    <a:masterClrMapping/>
+  </p:clrMapOvr>
+</p:sld>
+</file>
+
+<file path=ppt/slides/slide11.xml><?xml version="1.0" encoding="utf-8"?>
+<p:sld xmlns:a="http://schemas.openxmlformats.org/drawingml/2006/main" xmlns:r="http://schemas.openxmlformats.org/officeDocument/2006/relationships" xmlns:p="http://schemas.openxmlformats.org/presentationml/2006/main">
+  <p:cSld>
+    <p:spTree>
+      <p:nvGrpSpPr>
+        <p:cNvPr id="1" name=""/>
+        <p:cNvGrpSpPr/>
+        <p:nvPr/>
+      </p:nvGrpSpPr>
+      <p:grpSpPr>
+        <a:xfrm>
+          <a:off x="0" y="0"/>
+          <a:ext cx="0" cy="0"/>
+          <a:chOff x="0" y="0"/>
+          <a:chExt cx="0" cy="0"/>
+        </a:xfrm>
+      </p:grpSpPr>
+      <p:sp>
+        <p:nvSpPr>
+          <p:cNvPr id="2" name="Title 1"/>
+          <p:cNvSpPr>
+            <a:spLocks noGrp="1"/>
+          </p:cNvSpPr>
+          <p:nvPr>
+            <p:ph type="title"/>
+          </p:nvPr>
+        </p:nvSpPr>
+        <p:spPr/>
+        <p:txBody>
+          <a:bodyPr/>
+          <a:lstStyle/>
+          <a:p>
+            <a:r>
+              <a:rPr lang="ro-RO" dirty="0"/>
+              <a:t>Topologii</a:t>
+            </a:r>
+            <a:r>
+              <a:rPr lang="en-US" dirty="0"/>
+              <a:t> de </a:t>
+            </a:r>
+            <a:r>
+              <a:rPr lang="ro-RO" dirty="0"/>
+              <a:t>replicare</a:t>
+            </a:r>
           </a:p>
         </p:txBody>
       </p:sp>
@@ -6350,7 +6480,7 @@
 </p:sld>
 </file>
 
-<file path=ppt/slides/slide11.xml><?xml version="1.0" encoding="utf-8"?>
+<file path=ppt/slides/slide12.xml><?xml version="1.0" encoding="utf-8"?>
 <p:sld xmlns:a="http://schemas.openxmlformats.org/drawingml/2006/main" xmlns:r="http://schemas.openxmlformats.org/officeDocument/2006/relationships" xmlns:p="http://schemas.openxmlformats.org/presentationml/2006/main">
   <p:cSld>
     <p:spTree>
@@ -6539,7 +6669,7 @@
 </p:sld>
 </file>
 
-<file path=ppt/slides/slide12.xml><?xml version="1.0" encoding="utf-8"?>
+<file path=ppt/slides/slide13.xml><?xml version="1.0" encoding="utf-8"?>
 <p:sld xmlns:a="http://schemas.openxmlformats.org/drawingml/2006/main" xmlns:r="http://schemas.openxmlformats.org/officeDocument/2006/relationships" xmlns:p="http://schemas.openxmlformats.org/presentationml/2006/main">
   <p:cSld>
     <p:spTree>
@@ -6672,7 +6802,7 @@
 </p:sld>
 </file>
 
-<file path=ppt/slides/slide13.xml><?xml version="1.0" encoding="utf-8"?>
+<file path=ppt/slides/slide14.xml><?xml version="1.0" encoding="utf-8"?>
 <p:sld xmlns:a="http://schemas.openxmlformats.org/drawingml/2006/main" xmlns:r="http://schemas.openxmlformats.org/officeDocument/2006/relationships" xmlns:p="http://schemas.openxmlformats.org/presentationml/2006/main">
   <p:cSld>
     <p:spTree>
@@ -6876,7 +7006,7 @@
 </p:sld>
 </file>
 
-<file path=ppt/slides/slide14.xml><?xml version="1.0" encoding="utf-8"?>
+<file path=ppt/slides/slide15.xml><?xml version="1.0" encoding="utf-8"?>
 <p:sld xmlns:a="http://schemas.openxmlformats.org/drawingml/2006/main" xmlns:r="http://schemas.openxmlformats.org/officeDocument/2006/relationships" xmlns:p="http://schemas.openxmlformats.org/presentationml/2006/main">
   <p:cSld>
     <p:spTree>
@@ -7204,7 +7334,7 @@
 </p:sld>
 </file>
 
-<file path=ppt/slides/slide15.xml><?xml version="1.0" encoding="utf-8"?>
+<file path=ppt/slides/slide16.xml><?xml version="1.0" encoding="utf-8"?>
 <p:sld xmlns:a="http://schemas.openxmlformats.org/drawingml/2006/main" xmlns:r="http://schemas.openxmlformats.org/officeDocument/2006/relationships" xmlns:p="http://schemas.openxmlformats.org/presentationml/2006/main">
   <p:cSld>
     <p:spTree>
@@ -7329,7 +7459,7 @@
 </p:sld>
 </file>
 
-<file path=ppt/slides/slide16.xml><?xml version="1.0" encoding="utf-8"?>
+<file path=ppt/slides/slide17.xml><?xml version="1.0" encoding="utf-8"?>
 <p:sld xmlns:a="http://schemas.openxmlformats.org/drawingml/2006/main" xmlns:r="http://schemas.openxmlformats.org/officeDocument/2006/relationships" xmlns:p="http://schemas.openxmlformats.org/presentationml/2006/main">
   <p:cSld>
     <p:spTree>

--- a/documentation/Prezentare_Licenta_Matragociu_Bogdan.pptx
+++ b/documentation/Prezentare_Licenta_Matragociu_Bogdan.pptx
@@ -15,13 +15,14 @@
     <p:sldId id="263" r:id="rId9"/>
     <p:sldId id="265" r:id="rId10"/>
     <p:sldId id="273" r:id="rId11"/>
-    <p:sldId id="270" r:id="rId12"/>
-    <p:sldId id="271" r:id="rId13"/>
-    <p:sldId id="266" r:id="rId14"/>
-    <p:sldId id="272" r:id="rId15"/>
-    <p:sldId id="267" r:id="rId16"/>
-    <p:sldId id="268" r:id="rId17"/>
-    <p:sldId id="269" r:id="rId18"/>
+    <p:sldId id="274" r:id="rId12"/>
+    <p:sldId id="270" r:id="rId13"/>
+    <p:sldId id="271" r:id="rId14"/>
+    <p:sldId id="266" r:id="rId15"/>
+    <p:sldId id="272" r:id="rId16"/>
+    <p:sldId id="267" r:id="rId17"/>
+    <p:sldId id="268" r:id="rId18"/>
+    <p:sldId id="269" r:id="rId19"/>
   </p:sldIdLst>
   <p:sldSz cx="12192000" cy="6858000"/>
   <p:notesSz cx="6858000" cy="9144000"/>
@@ -6305,6 +6306,9 @@
           <a:prstGeom prst="rect">
             <a:avLst/>
           </a:prstGeom>
+          <a:effectLst>
+            <a:softEdge rad="215900"/>
+          </a:effectLst>
         </p:spPr>
       </p:pic>
     </p:spTree>
@@ -6364,6 +6368,668 @@
               <a:rPr lang="ro-RO" dirty="0"/>
               <a:t>replicare</a:t>
             </a:r>
+            <a:endParaRPr lang="en-US" dirty="0"/>
+          </a:p>
+        </p:txBody>
+      </p:sp>
+      <p:sp>
+        <p:nvSpPr>
+          <p:cNvPr id="3" name="Content Placeholder 2"/>
+          <p:cNvSpPr>
+            <a:spLocks noGrp="1"/>
+          </p:cNvSpPr>
+          <p:nvPr>
+            <p:ph idx="1"/>
+          </p:nvPr>
+        </p:nvSpPr>
+        <p:spPr>
+          <a:xfrm>
+            <a:off x="904424" y="1373124"/>
+            <a:ext cx="4444048" cy="4469803"/>
+          </a:xfrm>
+        </p:spPr>
+        <p:txBody>
+          <a:bodyPr>
+            <a:normAutofit fontScale="92500" lnSpcReduction="10000"/>
+          </a:bodyPr>
+          <a:lstStyle/>
+          <a:p>
+            <a:r>
+              <a:rPr lang="en-US" dirty="0" err="1" smtClean="0"/>
+              <a:t>Configurare</a:t>
+            </a:r>
+            <a:r>
+              <a:rPr lang="en-US" dirty="0" smtClean="0"/>
+              <a:t> Master</a:t>
+            </a:r>
+            <a:endParaRPr lang="en-US" dirty="0"/>
+          </a:p>
+          <a:p>
+            <a:pPr lvl="1"/>
+            <a:r>
+              <a:rPr lang="en-US" dirty="0" err="1" smtClean="0"/>
+              <a:t>my.cnf</a:t>
+            </a:r>
+            <a:endParaRPr lang="en-US" dirty="0" smtClean="0"/>
+          </a:p>
+          <a:p>
+            <a:pPr marL="0" indent="0">
+              <a:buNone/>
+            </a:pPr>
+            <a:r>
+              <a:rPr lang="en-US" dirty="0"/>
+              <a:t>log-</a:t>
+            </a:r>
+            <a:r>
+              <a:rPr lang="en-US" dirty="0" err="1"/>
+              <a:t>basename</a:t>
+            </a:r>
+            <a:r>
+              <a:rPr lang="en-US" dirty="0"/>
+              <a:t>=master</a:t>
+            </a:r>
+          </a:p>
+          <a:p>
+            <a:pPr marL="0" indent="0">
+              <a:buNone/>
+            </a:pPr>
+            <a:r>
+              <a:rPr lang="en-US" dirty="0"/>
+              <a:t>log-bin</a:t>
+            </a:r>
+          </a:p>
+          <a:p>
+            <a:pPr marL="0" indent="0">
+              <a:buNone/>
+            </a:pPr>
+            <a:r>
+              <a:rPr lang="en-US" dirty="0" err="1"/>
+              <a:t>binlog</a:t>
+            </a:r>
+            <a:r>
+              <a:rPr lang="en-US" dirty="0"/>
+              <a:t>-format=row</a:t>
+            </a:r>
+          </a:p>
+          <a:p>
+            <a:pPr marL="0" indent="0">
+              <a:buNone/>
+            </a:pPr>
+            <a:r>
+              <a:rPr lang="en-US" dirty="0" err="1" smtClean="0"/>
+              <a:t>server_id</a:t>
+            </a:r>
+            <a:r>
+              <a:rPr lang="en-US" dirty="0" smtClean="0"/>
+              <a:t>=1</a:t>
+            </a:r>
+          </a:p>
+          <a:p>
+            <a:pPr marL="0" indent="0">
+              <a:buNone/>
+            </a:pPr>
+            <a:endParaRPr lang="en-US" dirty="0" smtClean="0"/>
+          </a:p>
+          <a:p>
+            <a:pPr marL="0" indent="0">
+              <a:buNone/>
+            </a:pPr>
+            <a:r>
+              <a:rPr lang="en-US" dirty="0"/>
+              <a:t>GRANT REPLICATION SLAVE ON *.* TO </a:t>
+            </a:r>
+            <a:r>
+              <a:rPr lang="en-US" dirty="0" err="1" smtClean="0"/>
+              <a:t>utilizator_replicare</a:t>
+            </a:r>
+            <a:r>
+              <a:rPr lang="en-US" dirty="0" smtClean="0"/>
+              <a:t> IDENTIFIED BY ‘</a:t>
+            </a:r>
+            <a:r>
+              <a:rPr lang="en-US" dirty="0" err="1" smtClean="0"/>
+              <a:t>parola</a:t>
+            </a:r>
+            <a:r>
+              <a:rPr lang="en-US" dirty="0" smtClean="0"/>
+              <a:t>’;</a:t>
+            </a:r>
+          </a:p>
+          <a:p>
+            <a:pPr marL="0" indent="0">
+              <a:buNone/>
+            </a:pPr>
+            <a:endParaRPr lang="en-US" dirty="0" smtClean="0"/>
+          </a:p>
+          <a:p>
+            <a:pPr marL="0" indent="0">
+              <a:buNone/>
+            </a:pPr>
+            <a:r>
+              <a:rPr lang="en-US" dirty="0"/>
+              <a:t>SHOW MASTER STATUS;</a:t>
+            </a:r>
+          </a:p>
+          <a:p>
+            <a:pPr marL="0" indent="0">
+              <a:buNone/>
+            </a:pPr>
+            <a:endParaRPr lang="en-US" dirty="0" smtClean="0"/>
+          </a:p>
+          <a:p>
+            <a:pPr marL="0" indent="0">
+              <a:buNone/>
+            </a:pPr>
+            <a:endParaRPr lang="en-US" dirty="0"/>
+          </a:p>
+          <a:p>
+            <a:pPr marL="0" indent="0">
+              <a:buNone/>
+            </a:pPr>
+            <a:endParaRPr lang="en-US" dirty="0"/>
+          </a:p>
+        </p:txBody>
+      </p:sp>
+      <p:sp>
+        <p:nvSpPr>
+          <p:cNvPr id="6" name="Content Placeholder 2"/>
+          <p:cNvSpPr txBox="1">
+            <a:spLocks/>
+          </p:cNvSpPr>
+          <p:nvPr/>
+        </p:nvSpPr>
+        <p:spPr>
+          <a:xfrm>
+            <a:off x="5882641" y="1373124"/>
+            <a:ext cx="5547360" cy="5349894"/>
+          </a:xfrm>
+          <a:prstGeom prst="rect">
+            <a:avLst/>
+          </a:prstGeom>
+        </p:spPr>
+        <p:txBody>
+          <a:bodyPr vert="horz" lIns="91440" tIns="45720" rIns="91440" bIns="45720" rtlCol="0">
+            <a:normAutofit fontScale="92500" lnSpcReduction="10000"/>
+          </a:bodyPr>
+          <a:lstStyle>
+            <a:lvl1pPr marL="342900" indent="-342900" algn="l" defTabSz="457200" rtl="0" eaLnBrk="1" latinLnBrk="0" hangingPunct="1">
+              <a:spcBef>
+                <a:spcPts val="1000"/>
+              </a:spcBef>
+              <a:spcAft>
+                <a:spcPts val="0"/>
+              </a:spcAft>
+              <a:buClr>
+                <a:schemeClr val="bg2">
+                  <a:lumMod val="40000"/>
+                  <a:lumOff val="60000"/>
+                </a:schemeClr>
+              </a:buClr>
+              <a:buSzPct val="80000"/>
+              <a:buFont typeface="Wingdings 3" charset="2"/>
+              <a:buChar char=""/>
+              <a:defRPr sz="2000" b="0" i="0" kern="1200">
+                <a:solidFill>
+                  <a:schemeClr val="tx1"/>
+                </a:solidFill>
+                <a:latin typeface="+mj-lt"/>
+                <a:ea typeface="+mj-ea"/>
+                <a:cs typeface="+mj-cs"/>
+              </a:defRPr>
+            </a:lvl1pPr>
+            <a:lvl2pPr marL="742950" indent="-285750" algn="l" defTabSz="457200" rtl="0" eaLnBrk="1" latinLnBrk="0" hangingPunct="1">
+              <a:spcBef>
+                <a:spcPts val="1000"/>
+              </a:spcBef>
+              <a:spcAft>
+                <a:spcPts val="0"/>
+              </a:spcAft>
+              <a:buClr>
+                <a:schemeClr val="bg2">
+                  <a:lumMod val="40000"/>
+                  <a:lumOff val="60000"/>
+                </a:schemeClr>
+              </a:buClr>
+              <a:buSzPct val="80000"/>
+              <a:buFont typeface="Wingdings 3" charset="2"/>
+              <a:buChar char=""/>
+              <a:defRPr sz="1800" b="0" i="0" kern="1200">
+                <a:solidFill>
+                  <a:schemeClr val="tx1"/>
+                </a:solidFill>
+                <a:latin typeface="+mj-lt"/>
+                <a:ea typeface="+mj-ea"/>
+                <a:cs typeface="+mj-cs"/>
+              </a:defRPr>
+            </a:lvl2pPr>
+            <a:lvl3pPr marL="1143000" indent="-228600" algn="l" defTabSz="457200" rtl="0" eaLnBrk="1" latinLnBrk="0" hangingPunct="1">
+              <a:spcBef>
+                <a:spcPts val="1000"/>
+              </a:spcBef>
+              <a:spcAft>
+                <a:spcPts val="0"/>
+              </a:spcAft>
+              <a:buClr>
+                <a:schemeClr val="bg2">
+                  <a:lumMod val="40000"/>
+                  <a:lumOff val="60000"/>
+                </a:schemeClr>
+              </a:buClr>
+              <a:buSzPct val="80000"/>
+              <a:buFont typeface="Wingdings 3" charset="2"/>
+              <a:buChar char=""/>
+              <a:defRPr sz="1600" b="0" i="0" kern="1200">
+                <a:solidFill>
+                  <a:schemeClr val="tx1"/>
+                </a:solidFill>
+                <a:latin typeface="+mj-lt"/>
+                <a:ea typeface="+mj-ea"/>
+                <a:cs typeface="+mj-cs"/>
+              </a:defRPr>
+            </a:lvl3pPr>
+            <a:lvl4pPr marL="1600200" indent="-228600" algn="l" defTabSz="457200" rtl="0" eaLnBrk="1" latinLnBrk="0" hangingPunct="1">
+              <a:spcBef>
+                <a:spcPts val="1000"/>
+              </a:spcBef>
+              <a:spcAft>
+                <a:spcPts val="0"/>
+              </a:spcAft>
+              <a:buClr>
+                <a:schemeClr val="bg2">
+                  <a:lumMod val="40000"/>
+                  <a:lumOff val="60000"/>
+                </a:schemeClr>
+              </a:buClr>
+              <a:buSzPct val="80000"/>
+              <a:buFont typeface="Wingdings 3" charset="2"/>
+              <a:buChar char=""/>
+              <a:defRPr sz="1400" b="0" i="0" kern="1200">
+                <a:solidFill>
+                  <a:schemeClr val="tx1"/>
+                </a:solidFill>
+                <a:latin typeface="+mj-lt"/>
+                <a:ea typeface="+mj-ea"/>
+                <a:cs typeface="+mj-cs"/>
+              </a:defRPr>
+            </a:lvl4pPr>
+            <a:lvl5pPr marL="2057400" indent="-228600" algn="l" defTabSz="457200" rtl="0" eaLnBrk="1" latinLnBrk="0" hangingPunct="1">
+              <a:spcBef>
+                <a:spcPts val="1000"/>
+              </a:spcBef>
+              <a:spcAft>
+                <a:spcPts val="0"/>
+              </a:spcAft>
+              <a:buClr>
+                <a:schemeClr val="bg2">
+                  <a:lumMod val="40000"/>
+                  <a:lumOff val="60000"/>
+                </a:schemeClr>
+              </a:buClr>
+              <a:buSzPct val="80000"/>
+              <a:buFont typeface="Wingdings 3" charset="2"/>
+              <a:buChar char=""/>
+              <a:defRPr sz="1400" b="0" i="0" kern="1200">
+                <a:solidFill>
+                  <a:schemeClr val="tx1"/>
+                </a:solidFill>
+                <a:latin typeface="+mj-lt"/>
+                <a:ea typeface="+mj-ea"/>
+                <a:cs typeface="+mj-cs"/>
+              </a:defRPr>
+            </a:lvl5pPr>
+            <a:lvl6pPr marL="2506000" indent="-228600" algn="l" defTabSz="457200" rtl="0" eaLnBrk="1" latinLnBrk="0" hangingPunct="1">
+              <a:spcBef>
+                <a:spcPts val="1000"/>
+              </a:spcBef>
+              <a:spcAft>
+                <a:spcPts val="0"/>
+              </a:spcAft>
+              <a:buClr>
+                <a:schemeClr val="bg2">
+                  <a:lumMod val="40000"/>
+                  <a:lumOff val="60000"/>
+                </a:schemeClr>
+              </a:buClr>
+              <a:buSzPct val="80000"/>
+              <a:buFont typeface="Wingdings 3" charset="2"/>
+              <a:buChar char=""/>
+              <a:defRPr sz="1400" b="0" i="0" kern="1200">
+                <a:solidFill>
+                  <a:schemeClr val="tx1"/>
+                </a:solidFill>
+                <a:latin typeface="+mj-lt"/>
+                <a:ea typeface="+mj-ea"/>
+                <a:cs typeface="+mj-cs"/>
+              </a:defRPr>
+            </a:lvl6pPr>
+            <a:lvl7pPr marL="2971800" indent="-228600" algn="l" defTabSz="457200" rtl="0" eaLnBrk="1" latinLnBrk="0" hangingPunct="1">
+              <a:spcBef>
+                <a:spcPts val="1000"/>
+              </a:spcBef>
+              <a:spcAft>
+                <a:spcPts val="0"/>
+              </a:spcAft>
+              <a:buClr>
+                <a:schemeClr val="bg2">
+                  <a:lumMod val="40000"/>
+                  <a:lumOff val="60000"/>
+                </a:schemeClr>
+              </a:buClr>
+              <a:buSzPct val="80000"/>
+              <a:buFont typeface="Wingdings 3" charset="2"/>
+              <a:buChar char=""/>
+              <a:defRPr sz="1400" b="0" i="0" kern="1200">
+                <a:solidFill>
+                  <a:schemeClr val="tx1"/>
+                </a:solidFill>
+                <a:latin typeface="+mj-lt"/>
+                <a:ea typeface="+mj-ea"/>
+                <a:cs typeface="+mj-cs"/>
+              </a:defRPr>
+            </a:lvl7pPr>
+            <a:lvl8pPr marL="3429000" indent="-228600" algn="l" defTabSz="457200" rtl="0" eaLnBrk="1" latinLnBrk="0" hangingPunct="1">
+              <a:spcBef>
+                <a:spcPts val="1000"/>
+              </a:spcBef>
+              <a:spcAft>
+                <a:spcPts val="0"/>
+              </a:spcAft>
+              <a:buClr>
+                <a:schemeClr val="bg2">
+                  <a:lumMod val="40000"/>
+                  <a:lumOff val="60000"/>
+                </a:schemeClr>
+              </a:buClr>
+              <a:buSzPct val="80000"/>
+              <a:buFont typeface="Wingdings 3" charset="2"/>
+              <a:buChar char=""/>
+              <a:defRPr sz="1400" b="0" i="0" kern="1200">
+                <a:solidFill>
+                  <a:schemeClr val="tx1"/>
+                </a:solidFill>
+                <a:latin typeface="+mj-lt"/>
+                <a:ea typeface="+mj-ea"/>
+                <a:cs typeface="+mj-cs"/>
+              </a:defRPr>
+            </a:lvl8pPr>
+            <a:lvl9pPr marL="3886200" indent="-228600" algn="l" defTabSz="457200" rtl="0" eaLnBrk="1" latinLnBrk="0" hangingPunct="1">
+              <a:spcBef>
+                <a:spcPts val="1000"/>
+              </a:spcBef>
+              <a:spcAft>
+                <a:spcPts val="0"/>
+              </a:spcAft>
+              <a:buClr>
+                <a:schemeClr val="bg2">
+                  <a:lumMod val="40000"/>
+                  <a:lumOff val="60000"/>
+                </a:schemeClr>
+              </a:buClr>
+              <a:buSzPct val="80000"/>
+              <a:buFont typeface="Wingdings 3" charset="2"/>
+              <a:buChar char=""/>
+              <a:defRPr sz="1400" b="0" i="0" kern="1200">
+                <a:solidFill>
+                  <a:schemeClr val="tx1"/>
+                </a:solidFill>
+                <a:latin typeface="+mj-lt"/>
+                <a:ea typeface="+mj-ea"/>
+                <a:cs typeface="+mj-cs"/>
+              </a:defRPr>
+            </a:lvl9pPr>
+          </a:lstStyle>
+          <a:p>
+            <a:r>
+              <a:rPr lang="en-US" dirty="0" err="1" smtClean="0"/>
+              <a:t>Configurare</a:t>
+            </a:r>
+            <a:r>
+              <a:rPr lang="en-US" dirty="0" smtClean="0"/>
+              <a:t> Slave</a:t>
+            </a:r>
+          </a:p>
+          <a:p>
+            <a:pPr marL="0" indent="0">
+              <a:buNone/>
+            </a:pPr>
+            <a:r>
+              <a:rPr lang="en-US" dirty="0"/>
+              <a:t>CHANGE MASTER TO</a:t>
+            </a:r>
+          </a:p>
+          <a:p>
+            <a:pPr marL="0" indent="0">
+              <a:buNone/>
+            </a:pPr>
+            <a:r>
+              <a:rPr lang="en-US" dirty="0" smtClean="0"/>
+              <a:t>MASTER_HOST=‘172.16.0.4',</a:t>
+            </a:r>
+            <a:endParaRPr lang="en-US" dirty="0"/>
+          </a:p>
+          <a:p>
+            <a:pPr marL="0" indent="0">
+              <a:buNone/>
+            </a:pPr>
+            <a:r>
+              <a:rPr lang="en-US" dirty="0"/>
+              <a:t>  MASTER_USER</a:t>
+            </a:r>
+            <a:r>
+              <a:rPr lang="en-US" dirty="0" smtClean="0"/>
+              <a:t>=‘</a:t>
+            </a:r>
+            <a:r>
+              <a:rPr lang="en-US" dirty="0" err="1" smtClean="0"/>
+              <a:t>utilizator_replicare</a:t>
+            </a:r>
+            <a:r>
+              <a:rPr lang="en-US" dirty="0" smtClean="0"/>
+              <a:t>',</a:t>
+            </a:r>
+            <a:endParaRPr lang="en-US" dirty="0"/>
+          </a:p>
+          <a:p>
+            <a:pPr marL="0" indent="0">
+              <a:buNone/>
+            </a:pPr>
+            <a:r>
+              <a:rPr lang="en-US" dirty="0"/>
+              <a:t>  </a:t>
+            </a:r>
+            <a:r>
+              <a:rPr lang="en-US" dirty="0" smtClean="0"/>
+              <a:t>MASTER_PASSWORD=‘</a:t>
+            </a:r>
+            <a:r>
+              <a:rPr lang="en-US" dirty="0" err="1" smtClean="0"/>
+              <a:t>parola</a:t>
+            </a:r>
+            <a:r>
+              <a:rPr lang="en-US" dirty="0" smtClean="0"/>
+              <a:t>’,</a:t>
+            </a:r>
+            <a:endParaRPr lang="en-US" dirty="0"/>
+          </a:p>
+          <a:p>
+            <a:pPr marL="0" indent="0">
+              <a:buNone/>
+            </a:pPr>
+            <a:r>
+              <a:rPr lang="en-US" dirty="0"/>
+              <a:t>  MASTER_PORT=3306,</a:t>
+            </a:r>
+          </a:p>
+          <a:p>
+            <a:pPr marL="0" indent="0">
+              <a:buNone/>
+            </a:pPr>
+            <a:r>
+              <a:rPr lang="en-US" dirty="0"/>
+              <a:t>  MASTER_LOG_FILE='mariadb-bin.000096',</a:t>
+            </a:r>
+          </a:p>
+          <a:p>
+            <a:pPr marL="0" indent="0">
+              <a:buNone/>
+            </a:pPr>
+            <a:r>
+              <a:rPr lang="en-US" dirty="0"/>
+              <a:t>  MASTER_LOG_POS=568,</a:t>
+            </a:r>
+          </a:p>
+          <a:p>
+            <a:pPr marL="0" indent="0">
+              <a:buNone/>
+            </a:pPr>
+            <a:r>
+              <a:rPr lang="en-US" dirty="0"/>
+              <a:t>  MASTER_CONNECT_RETRY=10</a:t>
+            </a:r>
+            <a:r>
+              <a:rPr lang="en-US" dirty="0" smtClean="0"/>
+              <a:t>;</a:t>
+            </a:r>
+          </a:p>
+          <a:p>
+            <a:pPr marL="0" indent="0">
+              <a:buNone/>
+            </a:pPr>
+            <a:endParaRPr lang="en-US" dirty="0"/>
+          </a:p>
+          <a:p>
+            <a:pPr marL="0" indent="0">
+              <a:buNone/>
+            </a:pPr>
+            <a:r>
+              <a:rPr lang="en-US" dirty="0"/>
+              <a:t>START SLAVE</a:t>
+            </a:r>
+            <a:r>
+              <a:rPr lang="en-US" dirty="0" smtClean="0"/>
+              <a:t>;</a:t>
+            </a:r>
+          </a:p>
+          <a:p>
+            <a:pPr marL="0" indent="0">
+              <a:buNone/>
+            </a:pPr>
+            <a:endParaRPr lang="en-US" dirty="0" smtClean="0"/>
+          </a:p>
+          <a:p>
+            <a:pPr marL="0" indent="0">
+              <a:buNone/>
+            </a:pPr>
+            <a:r>
+              <a:rPr lang="en-US" dirty="0" smtClean="0"/>
+              <a:t>SHOW SLAVE STATUS;</a:t>
+            </a:r>
+            <a:endParaRPr lang="en-US" dirty="0"/>
+          </a:p>
+          <a:p>
+            <a:pPr marL="0" indent="0">
+              <a:buNone/>
+            </a:pPr>
+            <a:endParaRPr lang="en-US" dirty="0" smtClean="0"/>
+          </a:p>
+          <a:p>
+            <a:pPr marL="0" indent="0">
+              <a:buNone/>
+            </a:pPr>
+            <a:endParaRPr lang="en-US" dirty="0"/>
+          </a:p>
+          <a:p>
+            <a:pPr marL="0" indent="0">
+              <a:buNone/>
+            </a:pPr>
+            <a:endParaRPr lang="en-US" dirty="0"/>
+          </a:p>
+        </p:txBody>
+      </p:sp>
+      <p:pic>
+        <p:nvPicPr>
+          <p:cNvPr id="10" name="Picture 9"/>
+          <p:cNvPicPr>
+            <a:picLocks noChangeAspect="1"/>
+          </p:cNvPicPr>
+          <p:nvPr/>
+        </p:nvPicPr>
+        <p:blipFill>
+          <a:blip r:embed="rId2"/>
+          <a:stretch>
+            <a:fillRect/>
+          </a:stretch>
+        </p:blipFill>
+        <p:spPr>
+          <a:xfrm>
+            <a:off x="538911" y="5679000"/>
+            <a:ext cx="4635000" cy="1179000"/>
+          </a:xfrm>
+          <a:prstGeom prst="rect">
+            <a:avLst/>
+          </a:prstGeom>
+          <a:effectLst>
+            <a:softEdge rad="38100"/>
+          </a:effectLst>
+        </p:spPr>
+      </p:pic>
+    </p:spTree>
+    <p:extLst>
+      <p:ext uri="{BB962C8B-B14F-4D97-AF65-F5344CB8AC3E}">
+        <p14:creationId xmlns:p14="http://schemas.microsoft.com/office/powerpoint/2010/main" val="276071842"/>
+      </p:ext>
+    </p:extLst>
+  </p:cSld>
+  <p:clrMapOvr>
+    <a:masterClrMapping/>
+  </p:clrMapOvr>
+</p:sld>
+</file>
+
+<file path=ppt/slides/slide12.xml><?xml version="1.0" encoding="utf-8"?>
+<p:sld xmlns:a="http://schemas.openxmlformats.org/drawingml/2006/main" xmlns:r="http://schemas.openxmlformats.org/officeDocument/2006/relationships" xmlns:p="http://schemas.openxmlformats.org/presentationml/2006/main">
+  <p:cSld>
+    <p:spTree>
+      <p:nvGrpSpPr>
+        <p:cNvPr id="1" name=""/>
+        <p:cNvGrpSpPr/>
+        <p:nvPr/>
+      </p:nvGrpSpPr>
+      <p:grpSpPr>
+        <a:xfrm>
+          <a:off x="0" y="0"/>
+          <a:ext cx="0" cy="0"/>
+          <a:chOff x="0" y="0"/>
+          <a:chExt cx="0" cy="0"/>
+        </a:xfrm>
+      </p:grpSpPr>
+      <p:sp>
+        <p:nvSpPr>
+          <p:cNvPr id="2" name="Title 1"/>
+          <p:cNvSpPr>
+            <a:spLocks noGrp="1"/>
+          </p:cNvSpPr>
+          <p:nvPr>
+            <p:ph type="title"/>
+          </p:nvPr>
+        </p:nvSpPr>
+        <p:spPr/>
+        <p:txBody>
+          <a:bodyPr/>
+          <a:lstStyle/>
+          <a:p>
+            <a:r>
+              <a:rPr lang="ro-RO" dirty="0"/>
+              <a:t>Topologii</a:t>
+            </a:r>
+            <a:r>
+              <a:rPr lang="en-US" dirty="0"/>
+              <a:t> de </a:t>
+            </a:r>
+            <a:r>
+              <a:rPr lang="ro-RO" dirty="0"/>
+              <a:t>replicare</a:t>
+            </a:r>
           </a:p>
         </p:txBody>
       </p:sp>
@@ -6456,7 +7122,7 @@
             <a:avLst/>
           </a:prstGeom>
           <a:effectLst>
-            <a:softEdge rad="25400"/>
+            <a:softEdge rad="63500"/>
           </a:effectLst>
         </p:spPr>
       </p:pic>
@@ -6480,7 +7146,7 @@
 </p:sld>
 </file>
 
-<file path=ppt/slides/slide12.xml><?xml version="1.0" encoding="utf-8"?>
+<file path=ppt/slides/slide13.xml><?xml version="1.0" encoding="utf-8"?>
 <p:sld xmlns:a="http://schemas.openxmlformats.org/drawingml/2006/main" xmlns:r="http://schemas.openxmlformats.org/officeDocument/2006/relationships" xmlns:p="http://schemas.openxmlformats.org/presentationml/2006/main">
   <p:cSld>
     <p:spTree>
@@ -6669,7 +7335,7 @@
 </p:sld>
 </file>
 
-<file path=ppt/slides/slide13.xml><?xml version="1.0" encoding="utf-8"?>
+<file path=ppt/slides/slide14.xml><?xml version="1.0" encoding="utf-8"?>
 <p:sld xmlns:a="http://schemas.openxmlformats.org/drawingml/2006/main" xmlns:r="http://schemas.openxmlformats.org/officeDocument/2006/relationships" xmlns:p="http://schemas.openxmlformats.org/presentationml/2006/main">
   <p:cSld>
     <p:spTree>
@@ -6778,7 +7444,7 @@
             <a:avLst/>
           </a:prstGeom>
           <a:effectLst>
-            <a:softEdge rad="38100"/>
+            <a:softEdge rad="76200"/>
           </a:effectLst>
         </p:spPr>
       </p:pic>
@@ -6802,210 +7468,6 @@
 </p:sld>
 </file>
 
-<file path=ppt/slides/slide14.xml><?xml version="1.0" encoding="utf-8"?>
-<p:sld xmlns:a="http://schemas.openxmlformats.org/drawingml/2006/main" xmlns:r="http://schemas.openxmlformats.org/officeDocument/2006/relationships" xmlns:p="http://schemas.openxmlformats.org/presentationml/2006/main">
-  <p:cSld>
-    <p:spTree>
-      <p:nvGrpSpPr>
-        <p:cNvPr id="1" name=""/>
-        <p:cNvGrpSpPr/>
-        <p:nvPr/>
-      </p:nvGrpSpPr>
-      <p:grpSpPr>
-        <a:xfrm>
-          <a:off x="0" y="0"/>
-          <a:ext cx="0" cy="0"/>
-          <a:chOff x="0" y="0"/>
-          <a:chExt cx="0" cy="0"/>
-        </a:xfrm>
-      </p:grpSpPr>
-      <p:sp>
-        <p:nvSpPr>
-          <p:cNvPr id="2" name="Title 1"/>
-          <p:cNvSpPr>
-            <a:spLocks noGrp="1"/>
-          </p:cNvSpPr>
-          <p:nvPr>
-            <p:ph type="title"/>
-          </p:nvPr>
-        </p:nvSpPr>
-        <p:spPr/>
-        <p:txBody>
-          <a:bodyPr/>
-          <a:lstStyle/>
-          <a:p>
-            <a:r>
-              <a:rPr lang="ro-RO" dirty="0"/>
-              <a:t>Implementare</a:t>
-            </a:r>
-            <a:r>
-              <a:rPr lang="en-US" dirty="0"/>
-              <a:t> </a:t>
-            </a:r>
-            <a:r>
-              <a:rPr lang="ro-RO" dirty="0"/>
-              <a:t>topologiei</a:t>
-            </a:r>
-            <a:r>
-              <a:rPr lang="en-US" dirty="0"/>
-              <a:t> in cloud</a:t>
-            </a:r>
-          </a:p>
-        </p:txBody>
-      </p:sp>
-      <p:sp>
-        <p:nvSpPr>
-          <p:cNvPr id="3" name="Content Placeholder 2"/>
-          <p:cNvSpPr>
-            <a:spLocks noGrp="1"/>
-          </p:cNvSpPr>
-          <p:nvPr>
-            <p:ph idx="1"/>
-          </p:nvPr>
-        </p:nvSpPr>
-        <p:spPr/>
-        <p:txBody>
-          <a:bodyPr/>
-          <a:lstStyle/>
-          <a:p>
-            <a:r>
-              <a:rPr lang="ro-RO" dirty="0" smtClean="0"/>
-              <a:t>Configurație</a:t>
-            </a:r>
-            <a:r>
-              <a:rPr lang="en-US" dirty="0" smtClean="0"/>
-              <a:t> </a:t>
-            </a:r>
-            <a:r>
-              <a:rPr lang="ro-RO" dirty="0" smtClean="0"/>
-              <a:t>mașini</a:t>
-            </a:r>
-            <a:r>
-              <a:rPr lang="en-US" dirty="0" smtClean="0"/>
-              <a:t> </a:t>
-            </a:r>
-            <a:r>
-              <a:rPr lang="ro-RO" dirty="0" smtClean="0"/>
-              <a:t>virtuale</a:t>
-            </a:r>
-            <a:endParaRPr lang="en-US" dirty="0" smtClean="0"/>
-          </a:p>
-          <a:p>
-            <a:pPr lvl="1"/>
-            <a:r>
-              <a:rPr lang="en-US" dirty="0" smtClean="0"/>
-              <a:t>1 core - 1.6 GHz</a:t>
-            </a:r>
-          </a:p>
-          <a:p>
-            <a:pPr lvl="1"/>
-            <a:r>
-              <a:rPr lang="en-US" dirty="0" smtClean="0"/>
-              <a:t>1.75 GB RAM</a:t>
-            </a:r>
-          </a:p>
-          <a:p>
-            <a:pPr marL="0" indent="0">
-              <a:buNone/>
-            </a:pPr>
-            <a:endParaRPr lang="en-US" dirty="0"/>
-          </a:p>
-          <a:p>
-            <a:r>
-              <a:rPr lang="ro-RO" dirty="0" smtClean="0"/>
-              <a:t>Rețea</a:t>
-            </a:r>
-            <a:r>
-              <a:rPr lang="en-US" dirty="0" smtClean="0"/>
-              <a:t> </a:t>
-            </a:r>
-            <a:r>
-              <a:rPr lang="ro-RO" dirty="0" smtClean="0"/>
-              <a:t>virtuală</a:t>
-            </a:r>
-          </a:p>
-          <a:p>
-            <a:pPr lvl="1"/>
-            <a:r>
-              <a:rPr lang="ro-RO" dirty="0" smtClean="0"/>
-              <a:t>Clas</a:t>
-            </a:r>
-            <a:r>
-              <a:rPr lang="ro-RO" dirty="0"/>
-              <a:t>ă</a:t>
-            </a:r>
-            <a:r>
-              <a:rPr lang="en-US" dirty="0" smtClean="0"/>
-              <a:t> IP-</a:t>
-            </a:r>
-            <a:r>
-              <a:rPr lang="ro-RO" dirty="0" smtClean="0"/>
-              <a:t>uri</a:t>
-            </a:r>
-            <a:r>
-              <a:rPr lang="en-US" dirty="0" smtClean="0"/>
-              <a:t> </a:t>
-            </a:r>
-            <a:r>
-              <a:rPr lang="ro-RO" dirty="0" smtClean="0"/>
-              <a:t>folosite</a:t>
-            </a:r>
-            <a:r>
-              <a:rPr lang="en-US" dirty="0" smtClean="0"/>
-              <a:t>: 172.16.0.4 -&gt; 172.16.0.8</a:t>
-            </a:r>
-          </a:p>
-          <a:p>
-            <a:pPr lvl="1"/>
-            <a:r>
-              <a:rPr lang="en-US" smtClean="0"/>
-              <a:t>Lungie </a:t>
-            </a:r>
-            <a:r>
-              <a:rPr lang="en-US" dirty="0" smtClean="0"/>
-              <a:t>de ban</a:t>
-            </a:r>
-            <a:r>
-              <a:rPr lang="ro-RO" dirty="0" smtClean="0"/>
-              <a:t>ă</a:t>
-            </a:r>
-            <a:r>
-              <a:rPr lang="en-US" dirty="0" smtClean="0"/>
-              <a:t> : 100 </a:t>
-            </a:r>
-            <a:r>
-              <a:rPr lang="en-US" dirty="0"/>
-              <a:t>Mbps</a:t>
-            </a:r>
-            <a:endParaRPr lang="en-US" dirty="0" smtClean="0"/>
-          </a:p>
-          <a:p>
-            <a:pPr marL="457200" lvl="1" indent="0">
-              <a:buNone/>
-            </a:pPr>
-            <a:endParaRPr lang="en-US" dirty="0"/>
-          </a:p>
-          <a:p>
-            <a:pPr marL="457200" lvl="1" indent="0" algn="r">
-              <a:buNone/>
-            </a:pPr>
-            <a:endParaRPr lang="en-US" dirty="0"/>
-          </a:p>
-        </p:txBody>
-      </p:sp>
-    </p:spTree>
-    <p:extLst>
-      <p:ext uri="{BB962C8B-B14F-4D97-AF65-F5344CB8AC3E}">
-        <p14:creationId xmlns:p14="http://schemas.microsoft.com/office/powerpoint/2010/main" val="1367706050"/>
-      </p:ext>
-    </p:extLst>
-  </p:cSld>
-  <p:clrMapOvr>
-    <a:masterClrMapping/>
-  </p:clrMapOvr>
-</p:sld>
-</file>
-
 <file path=ppt/slides/slide15.xml><?xml version="1.0" encoding="utf-8"?>
 <p:sld xmlns:a="http://schemas.openxmlformats.org/drawingml/2006/main" xmlns:r="http://schemas.openxmlformats.org/officeDocument/2006/relationships" xmlns:p="http://schemas.openxmlformats.org/presentationml/2006/main">
   <p:cSld>
@@ -7054,7 +7516,6 @@
               <a:rPr lang="en-US" dirty="0"/>
               <a:t> in cloud</a:t>
             </a:r>
-            <a:endParaRPr lang="ro-RO" dirty="0"/>
           </a:p>
         </p:txBody>
       </p:sp>
@@ -7068,21 +7529,14 @@
             <p:ph idx="1"/>
           </p:nvPr>
         </p:nvSpPr>
-        <p:spPr>
-          <a:xfrm>
-            <a:off x="748937" y="1375954"/>
-            <a:ext cx="10337074" cy="4833257"/>
-          </a:xfrm>
-        </p:spPr>
-        <p:txBody>
-          <a:bodyPr>
-            <a:normAutofit fontScale="92500" lnSpcReduction="10000"/>
-          </a:bodyPr>
+        <p:spPr/>
+        <p:txBody>
+          <a:bodyPr/>
           <a:lstStyle/>
           <a:p>
             <a:r>
               <a:rPr lang="ro-RO" dirty="0" smtClean="0"/>
-              <a:t>Crearea</a:t>
+              <a:t>Configurație</a:t>
             </a:r>
             <a:r>
               <a:rPr lang="en-US" dirty="0" smtClean="0"/>
@@ -7090,51 +7544,116 @@
             </a:r>
             <a:r>
               <a:rPr lang="ro-RO" dirty="0" smtClean="0"/>
-              <a:t>tabelelor</a:t>
+              <a:t>mașini</a:t>
             </a:r>
             <a:r>
               <a:rPr lang="en-US" dirty="0" smtClean="0"/>
-              <a:t> cu </a:t>
+              <a:t> </a:t>
             </a:r>
             <a:r>
               <a:rPr lang="ro-RO" dirty="0" smtClean="0"/>
-              <a:t>sume</a:t>
-            </a:r>
+              <a:t>virtuale</a:t>
+            </a:r>
+            <a:endParaRPr lang="en-US" dirty="0" smtClean="0"/>
+          </a:p>
+          <a:p>
+            <a:pPr lvl="1"/>
             <a:r>
               <a:rPr lang="en-US" dirty="0" smtClean="0"/>
-              <a:t> de control</a:t>
-            </a:r>
+              <a:t>1 core - 1.6 GHz</a:t>
+            </a:r>
+          </a:p>
+          <a:p>
+            <a:pPr lvl="1"/>
+            <a:r>
+              <a:rPr lang="en-US" dirty="0" smtClean="0"/>
+              <a:t>1.75 GB RAM</a:t>
+            </a:r>
+          </a:p>
+          <a:p>
+            <a:pPr marL="0" indent="0">
+              <a:buNone/>
+            </a:pPr>
+            <a:endParaRPr lang="en-US" dirty="0"/>
+          </a:p>
+          <a:p>
             <a:r>
               <a:rPr lang="ro-RO" dirty="0" smtClean="0"/>
-              <a:t> :</a:t>
+              <a:t>Rețea</a:t>
+            </a:r>
+            <a:r>
+              <a:rPr lang="en-US" dirty="0" smtClean="0"/>
+              <a:t> </a:t>
+            </a:r>
+            <a:r>
+              <a:rPr lang="ro-RO" dirty="0" smtClean="0"/>
+              <a:t>virtuală</a:t>
+            </a:r>
+          </a:p>
+          <a:p>
+            <a:pPr lvl="1"/>
+            <a:r>
+              <a:rPr lang="ro-RO" dirty="0" smtClean="0"/>
+              <a:t>Clas</a:t>
+            </a:r>
+            <a:r>
+              <a:rPr lang="ro-RO" dirty="0"/>
+              <a:t>ă</a:t>
+            </a:r>
+            <a:r>
+              <a:rPr lang="en-US" dirty="0" smtClean="0"/>
+              <a:t> IP-</a:t>
+            </a:r>
+            <a:r>
+              <a:rPr lang="ro-RO" dirty="0" smtClean="0"/>
+              <a:t>uri</a:t>
+            </a:r>
+            <a:r>
+              <a:rPr lang="en-US" dirty="0" smtClean="0"/>
+              <a:t> </a:t>
+            </a:r>
+            <a:r>
+              <a:rPr lang="ro-RO" dirty="0" smtClean="0"/>
+              <a:t>folosite</a:t>
+            </a:r>
+            <a:r>
+              <a:rPr lang="en-US" dirty="0" smtClean="0"/>
+              <a:t>: 172.16.0.4 </a:t>
+            </a:r>
+            <a:r>
+              <a:rPr lang="en-US" dirty="0" smtClean="0"/>
+              <a:t>  &gt;  172.16.0.8</a:t>
             </a:r>
             <a:endParaRPr lang="en-US" dirty="0" smtClean="0"/>
           </a:p>
           <a:p>
             <a:pPr lvl="1"/>
             <a:r>
+              <a:rPr lang="en-US" dirty="0" err="1" smtClean="0"/>
+              <a:t>Lungie</a:t>
+            </a:r>
+            <a:r>
+              <a:rPr lang="en-US" dirty="0" smtClean="0"/>
+              <a:t> de ban</a:t>
+            </a:r>
+            <a:r>
               <a:rPr lang="ro-RO" dirty="0" smtClean="0"/>
-              <a:t> </a:t>
-            </a:r>
-            <a:r>
-              <a:rPr lang="en-US" dirty="0" err="1"/>
-              <a:t>pt</a:t>
-            </a:r>
-            <a:r>
-              <a:rPr lang="en-US" dirty="0"/>
-              <a:t>-table-checksum -d </a:t>
-            </a:r>
-            <a:r>
-              <a:rPr lang="en-US" dirty="0" err="1"/>
-              <a:t>licenta</a:t>
-            </a:r>
-            <a:r>
-              <a:rPr lang="en-US" dirty="0"/>
-              <a:t> --replicate </a:t>
-            </a:r>
-            <a:r>
-              <a:rPr lang="en-US" dirty="0" err="1"/>
-              <a:t>percona.checksums</a:t>
+              <a:t>ă</a:t>
+            </a:r>
+            <a:r>
+              <a:rPr lang="en-US" dirty="0" smtClean="0"/>
+              <a:t> : 100 </a:t>
+            </a:r>
+            <a:r>
+              <a:rPr lang="en-US" dirty="0" smtClean="0"/>
+              <a:t>Mbps</a:t>
+            </a:r>
+          </a:p>
+          <a:p>
+            <a:pPr lvl="1"/>
+            <a:r>
+              <a:rPr lang="en-US" dirty="0" err="1" smtClean="0"/>
+              <a:t>Locatie</a:t>
             </a:r>
             <a:r>
               <a:rPr lang="en-US" dirty="0"/>
@@ -7142,195 +7661,34 @@
             </a:r>
             <a:r>
               <a:rPr lang="en-US" dirty="0" smtClean="0"/>
-              <a:t>h=</a:t>
-            </a:r>
-            <a:r>
-              <a:rPr lang="en-US" dirty="0" err="1" smtClean="0"/>
-              <a:t>localhost</a:t>
+              <a:t>: Europa de vest</a:t>
             </a:r>
             <a:endParaRPr lang="en-US" dirty="0" smtClean="0"/>
           </a:p>
           <a:p>
-            <a:pPr lvl="1"/>
-            <a:endParaRPr lang="en-US" dirty="0" smtClean="0"/>
-          </a:p>
-          <a:p>
-            <a:r>
-              <a:rPr lang="ro-RO" dirty="0" smtClean="0"/>
-              <a:t>Sincronizare diferențe: </a:t>
-            </a:r>
-            <a:endParaRPr lang="en-US" dirty="0" smtClean="0"/>
-          </a:p>
-          <a:p>
-            <a:pPr lvl="1"/>
-            <a:r>
-              <a:rPr lang="ro-RO" dirty="0" smtClean="0"/>
-              <a:t>Vizualizare</a:t>
-            </a:r>
-            <a:r>
-              <a:rPr lang="en-US" dirty="0" smtClean="0"/>
-              <a:t> :	</a:t>
-            </a:r>
-            <a:r>
-              <a:rPr lang="en-US" dirty="0" err="1"/>
-              <a:t>pt</a:t>
-            </a:r>
-            <a:r>
-              <a:rPr lang="en-US" dirty="0"/>
-              <a:t>-table-sync --sync-to-master --print h=172.16.0.8 --database </a:t>
-            </a:r>
-            <a:r>
-              <a:rPr lang="en-US" dirty="0" err="1"/>
-              <a:t>licenta</a:t>
-            </a:r>
-            <a:endParaRPr lang="en-US" dirty="0"/>
-          </a:p>
-          <a:p>
-            <a:pPr lvl="1"/>
-            <a:endParaRPr lang="ro-RO" dirty="0" smtClean="0"/>
-          </a:p>
-          <a:p>
-            <a:pPr lvl="1"/>
-            <a:r>
-              <a:rPr lang="ro-RO" dirty="0" smtClean="0"/>
-              <a:t>Executare</a:t>
-            </a:r>
-            <a:r>
-              <a:rPr lang="en-US" dirty="0" smtClean="0"/>
-              <a:t> : 	</a:t>
-            </a:r>
-            <a:r>
-              <a:rPr lang="en-US" dirty="0" err="1"/>
-              <a:t>pt</a:t>
-            </a:r>
-            <a:r>
-              <a:rPr lang="en-US" dirty="0"/>
-              <a:t>-table-sync --sync-to-master </a:t>
-            </a:r>
-            <a:r>
-              <a:rPr lang="en-US" dirty="0" smtClean="0"/>
-              <a:t>--execute h=172.16.0.8 </a:t>
-            </a:r>
-            <a:r>
-              <a:rPr lang="en-US" dirty="0"/>
-              <a:t>--database </a:t>
-            </a:r>
-            <a:r>
-              <a:rPr lang="en-US" dirty="0" err="1"/>
-              <a:t>licenta</a:t>
-            </a:r>
-            <a:endParaRPr lang="en-US" dirty="0"/>
-          </a:p>
-          <a:p>
-            <a:endParaRPr lang="ro-RO" dirty="0"/>
-          </a:p>
-          <a:p>
-            <a:r>
-              <a:rPr lang="ro-RO" dirty="0" smtClean="0"/>
-              <a:t>Update</a:t>
-            </a:r>
-            <a:r>
-              <a:rPr lang="en-US" dirty="0" smtClean="0"/>
-              <a:t> </a:t>
-            </a:r>
-            <a:r>
-              <a:rPr lang="ro-RO" dirty="0" smtClean="0"/>
-              <a:t>timp </a:t>
-            </a:r>
-            <a:r>
-              <a:rPr lang="ro-RO" dirty="0"/>
-              <a:t>pe master </a:t>
-            </a:r>
-            <a:r>
-              <a:rPr lang="ro-RO" dirty="0" smtClean="0"/>
-              <a:t>:</a:t>
-            </a:r>
-            <a:endParaRPr lang="en-US" dirty="0" smtClean="0"/>
-          </a:p>
-          <a:p>
-            <a:pPr lvl="1"/>
-            <a:r>
-              <a:rPr lang="ro-RO" dirty="0" smtClean="0"/>
-              <a:t>pt-heartbeat </a:t>
-            </a:r>
-            <a:r>
-              <a:rPr lang="ro-RO" dirty="0"/>
-              <a:t>-D licenta --update </a:t>
-            </a:r>
-            <a:r>
-              <a:rPr lang="ro-RO" dirty="0" smtClean="0"/>
-              <a:t>h=</a:t>
-            </a:r>
-            <a:r>
-              <a:rPr lang="ro-RO" dirty="0" err="1" smtClean="0"/>
-              <a:t>localhost</a:t>
-            </a:r>
-            <a:r>
-              <a:rPr lang="en-US" dirty="0" smtClean="0"/>
-              <a:t> --create-table</a:t>
-            </a:r>
-            <a:endParaRPr lang="ro-RO" dirty="0"/>
-          </a:p>
-          <a:p>
-            <a:endParaRPr lang="ro-RO" dirty="0"/>
-          </a:p>
-          <a:p>
-            <a:r>
-              <a:rPr lang="ro-RO" dirty="0"/>
-              <a:t>Verificare timp </a:t>
-            </a:r>
-            <a:r>
-              <a:rPr lang="en-US" dirty="0" smtClean="0"/>
-              <a:t>de </a:t>
-            </a:r>
-            <a:r>
-              <a:rPr lang="ro-RO" dirty="0" smtClean="0"/>
-              <a:t>replicare pe</a:t>
-            </a:r>
-            <a:r>
-              <a:rPr lang="en-US" dirty="0" smtClean="0"/>
-              <a:t> slave-uri</a:t>
-            </a:r>
-            <a:r>
-              <a:rPr lang="ro-RO" dirty="0" smtClean="0"/>
-              <a:t>:</a:t>
-            </a:r>
-            <a:endParaRPr lang="en-US" dirty="0" smtClean="0"/>
-          </a:p>
-          <a:p>
-            <a:pPr lvl="1"/>
-            <a:r>
-              <a:rPr lang="ro-RO" dirty="0" smtClean="0"/>
-              <a:t>pt-heartbeat </a:t>
-            </a:r>
-            <a:r>
-              <a:rPr lang="ro-RO" dirty="0"/>
-              <a:t>-D licenta --check h=172.16.0.8 --master-server-id=1</a:t>
-            </a:r>
-            <a:endParaRPr lang="ro-RO" dirty="0" smtClean="0"/>
-          </a:p>
-          <a:p>
-            <a:endParaRPr lang="ro-RO" dirty="0" smtClean="0"/>
+            <a:pPr marL="457200" lvl="1" indent="0">
+              <a:buNone/>
+            </a:pPr>
+            <a:endParaRPr lang="en-US" dirty="0"/>
+          </a:p>
+          <a:p>
+            <a:pPr marL="457200" lvl="1" indent="0" algn="r">
+              <a:buNone/>
+            </a:pPr>
+            <a:endParaRPr lang="en-US" dirty="0"/>
           </a:p>
         </p:txBody>
       </p:sp>
     </p:spTree>
     <p:extLst>
       <p:ext uri="{BB962C8B-B14F-4D97-AF65-F5344CB8AC3E}">
-        <p14:creationId xmlns:p14="http://schemas.microsoft.com/office/powerpoint/2010/main" val="302119784"/>
+        <p14:creationId xmlns:p14="http://schemas.microsoft.com/office/powerpoint/2010/main" val="1367706050"/>
       </p:ext>
     </p:extLst>
   </p:cSld>
   <p:clrMapOvr>
     <a:masterClrMapping/>
   </p:clrMapOvr>
-  <p:timing>
-    <p:tnLst>
-      <p:par>
-        <p:cTn id="1" dur="indefinite" restart="never" nodeType="tmRoot"/>
-      </p:par>
-    </p:tnLst>
-  </p:timing>
 </p:sld>
 </file>
 
@@ -7367,8 +7725,20 @@
           <a:lstStyle/>
           <a:p>
             <a:r>
-              <a:rPr lang="ro-RO" dirty="0" smtClean="0"/>
-              <a:t>Concluzii</a:t>
+              <a:rPr lang="ro-RO" dirty="0"/>
+              <a:t>Implementare</a:t>
+            </a:r>
+            <a:r>
+              <a:rPr lang="en-US" dirty="0"/>
+              <a:t> </a:t>
+            </a:r>
+            <a:r>
+              <a:rPr lang="ro-RO" dirty="0"/>
+              <a:t>topologiei</a:t>
+            </a:r>
+            <a:r>
+              <a:rPr lang="en-US" dirty="0"/>
+              <a:t> in cloud</a:t>
             </a:r>
             <a:endParaRPr lang="ro-RO" dirty="0"/>
           </a:p>
@@ -7376,7 +7746,7 @@
       </p:sp>
       <p:sp>
         <p:nvSpPr>
-          <p:cNvPr id="5" name="Content Placeholder 2"/>
+          <p:cNvPr id="3" name="Content Placeholder 2"/>
           <p:cNvSpPr>
             <a:spLocks noGrp="1"/>
           </p:cNvSpPr>
@@ -7386,53 +7756,240 @@
         </p:nvSpPr>
         <p:spPr>
           <a:xfrm>
-            <a:off x="1410789" y="2255520"/>
-            <a:ext cx="8091672" cy="3286583"/>
+            <a:off x="748937" y="1375954"/>
+            <a:ext cx="10337074" cy="4833257"/>
           </a:xfrm>
         </p:spPr>
         <p:txBody>
           <a:bodyPr>
-            <a:normAutofit/>
+            <a:normAutofit fontScale="92500"/>
           </a:bodyPr>
           <a:lstStyle/>
           <a:p>
             <a:r>
               <a:rPr lang="ro-RO" dirty="0" smtClean="0"/>
-              <a:t>Aplicații</a:t>
-            </a:r>
-            <a:r>
-              <a:rPr lang="en-US" dirty="0" smtClean="0"/>
-              <a:t> web </a:t>
-            </a:r>
-            <a:r>
-              <a:rPr lang="ro-RO" dirty="0" smtClean="0"/>
-              <a:t>moderne</a:t>
+              <a:t>Crearea</a:t>
             </a:r>
             <a:r>
               <a:rPr lang="en-US" dirty="0" smtClean="0"/>
               <a:t> </a:t>
             </a:r>
-          </a:p>
-          <a:p>
+            <a:r>
+              <a:rPr lang="ro-RO" dirty="0" smtClean="0"/>
+              <a:t>tabelelor</a:t>
+            </a:r>
+            <a:r>
+              <a:rPr lang="en-US" dirty="0" smtClean="0"/>
+              <a:t> cu </a:t>
+            </a:r>
+            <a:r>
+              <a:rPr lang="ro-RO" dirty="0" smtClean="0"/>
+              <a:t>sume</a:t>
+            </a:r>
+            <a:r>
+              <a:rPr lang="en-US" dirty="0" smtClean="0"/>
+              <a:t> de control</a:t>
+            </a:r>
+            <a:r>
+              <a:rPr lang="ro-RO" dirty="0" smtClean="0"/>
+              <a:t> :</a:t>
+            </a:r>
             <a:endParaRPr lang="en-US" dirty="0" smtClean="0"/>
           </a:p>
           <a:p>
+            <a:pPr lvl="1"/>
+            <a:r>
+              <a:rPr lang="ro-RO" dirty="0" smtClean="0"/>
+              <a:t> </a:t>
+            </a:r>
+            <a:r>
+              <a:rPr lang="en-US" dirty="0" err="1"/>
+              <a:t>pt</a:t>
+            </a:r>
+            <a:r>
+              <a:rPr lang="en-US" dirty="0"/>
+              <a:t>-table-checksum -d </a:t>
+            </a:r>
+            <a:r>
+              <a:rPr lang="en-US" dirty="0" err="1"/>
+              <a:t>licenta</a:t>
+            </a:r>
+            <a:r>
+              <a:rPr lang="en-US" dirty="0"/>
+              <a:t> --replicate </a:t>
+            </a:r>
+            <a:r>
+              <a:rPr lang="en-US" dirty="0" err="1"/>
+              <a:t>percona.checksums</a:t>
+            </a:r>
+            <a:r>
+              <a:rPr lang="en-US" dirty="0"/>
+              <a:t> </a:t>
+            </a:r>
             <a:r>
               <a:rPr lang="en-US" dirty="0" smtClean="0"/>
-              <a:t>MariaDB</a:t>
-            </a:r>
-          </a:p>
-          <a:p>
+              <a:t>h=</a:t>
+            </a:r>
+            <a:r>
+              <a:rPr lang="en-US" dirty="0" err="1" smtClean="0"/>
+              <a:t>localhost</a:t>
+            </a:r>
             <a:endParaRPr lang="en-US" dirty="0" smtClean="0"/>
           </a:p>
           <a:p>
+            <a:pPr lvl="1"/>
+            <a:endParaRPr lang="en-US" dirty="0" smtClean="0"/>
+          </a:p>
+          <a:p>
             <a:r>
               <a:rPr lang="ro-RO" dirty="0" smtClean="0"/>
-              <a:t>Replicare</a:t>
-            </a:r>
-          </a:p>
-          <a:p>
+              <a:t>Sincronizare diferențe: </a:t>
+            </a:r>
             <a:endParaRPr lang="en-US" dirty="0" smtClean="0"/>
+          </a:p>
+          <a:p>
+            <a:pPr lvl="1"/>
+            <a:r>
+              <a:rPr lang="ro-RO" dirty="0" smtClean="0"/>
+              <a:t>Vizualizare</a:t>
+            </a:r>
+            <a:r>
+              <a:rPr lang="en-US" dirty="0" smtClean="0"/>
+              <a:t> :	</a:t>
+            </a:r>
+            <a:r>
+              <a:rPr lang="en-US" dirty="0" err="1"/>
+              <a:t>pt</a:t>
+            </a:r>
+            <a:r>
+              <a:rPr lang="en-US" dirty="0"/>
+              <a:t>-table-sync --sync-to-master --print h=172.16.0.8 --database </a:t>
+            </a:r>
+            <a:r>
+              <a:rPr lang="en-US" dirty="0" err="1" smtClean="0"/>
+              <a:t>licenta</a:t>
+            </a:r>
+            <a:endParaRPr lang="ro-RO" dirty="0" smtClean="0"/>
+          </a:p>
+          <a:p>
+            <a:pPr lvl="1"/>
+            <a:r>
+              <a:rPr lang="ro-RO" dirty="0" smtClean="0"/>
+              <a:t>Executare</a:t>
+            </a:r>
+            <a:r>
+              <a:rPr lang="en-US" dirty="0" smtClean="0"/>
+              <a:t> : 	</a:t>
+            </a:r>
+            <a:r>
+              <a:rPr lang="en-US" dirty="0" err="1"/>
+              <a:t>pt</a:t>
+            </a:r>
+            <a:r>
+              <a:rPr lang="en-US" dirty="0"/>
+              <a:t>-table-sync --sync-to-master </a:t>
+            </a:r>
+            <a:r>
+              <a:rPr lang="en-US" dirty="0" smtClean="0"/>
+              <a:t>--execute h=172.16.0.8 </a:t>
+            </a:r>
+            <a:r>
+              <a:rPr lang="en-US" dirty="0"/>
+              <a:t>--database </a:t>
+            </a:r>
+            <a:r>
+              <a:rPr lang="en-US" dirty="0" err="1"/>
+              <a:t>licenta</a:t>
+            </a:r>
+            <a:endParaRPr lang="en-US" dirty="0"/>
+          </a:p>
+          <a:p>
+            <a:endParaRPr lang="ro-RO" dirty="0"/>
+          </a:p>
+          <a:p>
+            <a:r>
+              <a:rPr lang="ro-RO" dirty="0" smtClean="0"/>
+              <a:t>Update</a:t>
+            </a:r>
+            <a:r>
+              <a:rPr lang="en-US" dirty="0" smtClean="0"/>
+              <a:t> </a:t>
+            </a:r>
+            <a:r>
+              <a:rPr lang="ro-RO" dirty="0" smtClean="0"/>
+              <a:t>timp </a:t>
+            </a:r>
+            <a:r>
+              <a:rPr lang="ro-RO" dirty="0"/>
+              <a:t>pe master </a:t>
+            </a:r>
+            <a:r>
+              <a:rPr lang="ro-RO" dirty="0" smtClean="0"/>
+              <a:t>:</a:t>
+            </a:r>
+            <a:endParaRPr lang="en-US" dirty="0" smtClean="0"/>
+          </a:p>
+          <a:p>
+            <a:pPr lvl="1"/>
+            <a:r>
+              <a:rPr lang="ro-RO" dirty="0" smtClean="0"/>
+              <a:t>pt-heartbeat </a:t>
+            </a:r>
+            <a:r>
+              <a:rPr lang="ro-RO" dirty="0"/>
+              <a:t>-D licenta --update </a:t>
+            </a:r>
+            <a:r>
+              <a:rPr lang="ro-RO" dirty="0" smtClean="0"/>
+              <a:t>h=</a:t>
+            </a:r>
+            <a:r>
+              <a:rPr lang="ro-RO" dirty="0" err="1" smtClean="0"/>
+              <a:t>localhost</a:t>
+            </a:r>
+            <a:r>
+              <a:rPr lang="en-US" dirty="0" smtClean="0"/>
+              <a:t> --create-table</a:t>
+            </a:r>
+            <a:endParaRPr lang="ro-RO" dirty="0"/>
+          </a:p>
+          <a:p>
+            <a:endParaRPr lang="ro-RO" dirty="0"/>
+          </a:p>
+          <a:p>
+            <a:r>
+              <a:rPr lang="ro-RO" dirty="0"/>
+              <a:t>Verificare timp </a:t>
+            </a:r>
+            <a:r>
+              <a:rPr lang="en-US" dirty="0" smtClean="0"/>
+              <a:t>de </a:t>
+            </a:r>
+            <a:r>
+              <a:rPr lang="ro-RO" dirty="0" smtClean="0"/>
+              <a:t>replicare pe</a:t>
+            </a:r>
+            <a:r>
+              <a:rPr lang="en-US" dirty="0" smtClean="0"/>
+              <a:t> slave-uri</a:t>
+            </a:r>
+            <a:r>
+              <a:rPr lang="ro-RO" dirty="0" smtClean="0"/>
+              <a:t>:</a:t>
+            </a:r>
+            <a:endParaRPr lang="en-US" dirty="0" smtClean="0"/>
+          </a:p>
+          <a:p>
+            <a:pPr lvl="1"/>
+            <a:r>
+              <a:rPr lang="ro-RO" dirty="0" smtClean="0"/>
+              <a:t>pt-heartbeat </a:t>
+            </a:r>
+            <a:r>
+              <a:rPr lang="ro-RO" dirty="0"/>
+              <a:t>-D licenta --check h=172.16.0.8 --master-server-id=1</a:t>
+            </a:r>
+            <a:endParaRPr lang="ro-RO" dirty="0" smtClean="0"/>
           </a:p>
           <a:p>
             <a:endParaRPr lang="ro-RO" dirty="0" smtClean="0"/>
@@ -7442,7 +7999,7 @@
     </p:spTree>
     <p:extLst>
       <p:ext uri="{BB962C8B-B14F-4D97-AF65-F5344CB8AC3E}">
-        <p14:creationId xmlns:p14="http://schemas.microsoft.com/office/powerpoint/2010/main" val="1380150624"/>
+        <p14:creationId xmlns:p14="http://schemas.microsoft.com/office/powerpoint/2010/main" val="302119784"/>
       </p:ext>
     </p:extLst>
   </p:cSld>
@@ -7492,6 +8049,131 @@
           <a:lstStyle/>
           <a:p>
             <a:r>
+              <a:rPr lang="ro-RO" dirty="0" smtClean="0"/>
+              <a:t>Concluzii</a:t>
+            </a:r>
+            <a:endParaRPr lang="ro-RO" dirty="0"/>
+          </a:p>
+        </p:txBody>
+      </p:sp>
+      <p:sp>
+        <p:nvSpPr>
+          <p:cNvPr id="5" name="Content Placeholder 2"/>
+          <p:cNvSpPr>
+            <a:spLocks noGrp="1"/>
+          </p:cNvSpPr>
+          <p:nvPr>
+            <p:ph idx="1"/>
+          </p:nvPr>
+        </p:nvSpPr>
+        <p:spPr>
+          <a:xfrm>
+            <a:off x="1410789" y="2255520"/>
+            <a:ext cx="8091672" cy="3286583"/>
+          </a:xfrm>
+        </p:spPr>
+        <p:txBody>
+          <a:bodyPr>
+            <a:normAutofit/>
+          </a:bodyPr>
+          <a:lstStyle/>
+          <a:p>
+            <a:r>
+              <a:rPr lang="ro-RO" dirty="0" smtClean="0"/>
+              <a:t>Aplicații</a:t>
+            </a:r>
+            <a:r>
+              <a:rPr lang="en-US" dirty="0" smtClean="0"/>
+              <a:t> web </a:t>
+            </a:r>
+            <a:r>
+              <a:rPr lang="ro-RO" dirty="0" smtClean="0"/>
+              <a:t>moderne</a:t>
+            </a:r>
+            <a:r>
+              <a:rPr lang="en-US" dirty="0" smtClean="0"/>
+              <a:t> </a:t>
+            </a:r>
+          </a:p>
+          <a:p>
+            <a:endParaRPr lang="en-US" dirty="0" smtClean="0"/>
+          </a:p>
+          <a:p>
+            <a:r>
+              <a:rPr lang="en-US" dirty="0" smtClean="0"/>
+              <a:t>MariaDB</a:t>
+            </a:r>
+          </a:p>
+          <a:p>
+            <a:endParaRPr lang="en-US" dirty="0" smtClean="0"/>
+          </a:p>
+          <a:p>
+            <a:r>
+              <a:rPr lang="ro-RO" dirty="0" smtClean="0"/>
+              <a:t>Replicare</a:t>
+            </a:r>
+          </a:p>
+          <a:p>
+            <a:endParaRPr lang="en-US" dirty="0" smtClean="0"/>
+          </a:p>
+          <a:p>
+            <a:endParaRPr lang="ro-RO" dirty="0" smtClean="0"/>
+          </a:p>
+        </p:txBody>
+      </p:sp>
+    </p:spTree>
+    <p:extLst>
+      <p:ext uri="{BB962C8B-B14F-4D97-AF65-F5344CB8AC3E}">
+        <p14:creationId xmlns:p14="http://schemas.microsoft.com/office/powerpoint/2010/main" val="1380150624"/>
+      </p:ext>
+    </p:extLst>
+  </p:cSld>
+  <p:clrMapOvr>
+    <a:masterClrMapping/>
+  </p:clrMapOvr>
+  <p:timing>
+    <p:tnLst>
+      <p:par>
+        <p:cTn id="1" dur="indefinite" restart="never" nodeType="tmRoot"/>
+      </p:par>
+    </p:tnLst>
+  </p:timing>
+</p:sld>
+</file>
+
+<file path=ppt/slides/slide18.xml><?xml version="1.0" encoding="utf-8"?>
+<p:sld xmlns:a="http://schemas.openxmlformats.org/drawingml/2006/main" xmlns:r="http://schemas.openxmlformats.org/officeDocument/2006/relationships" xmlns:p="http://schemas.openxmlformats.org/presentationml/2006/main">
+  <p:cSld>
+    <p:spTree>
+      <p:nvGrpSpPr>
+        <p:cNvPr id="1" name=""/>
+        <p:cNvGrpSpPr/>
+        <p:nvPr/>
+      </p:nvGrpSpPr>
+      <p:grpSpPr>
+        <a:xfrm>
+          <a:off x="0" y="0"/>
+          <a:ext cx="0" cy="0"/>
+          <a:chOff x="0" y="0"/>
+          <a:chExt cx="0" cy="0"/>
+        </a:xfrm>
+      </p:grpSpPr>
+      <p:sp>
+        <p:nvSpPr>
+          <p:cNvPr id="2" name="Title 1"/>
+          <p:cNvSpPr>
+            <a:spLocks noGrp="1"/>
+          </p:cNvSpPr>
+          <p:nvPr>
+            <p:ph type="title"/>
+          </p:nvPr>
+        </p:nvSpPr>
+        <p:spPr/>
+        <p:txBody>
+          <a:bodyPr/>
+          <a:lstStyle/>
+          <a:p>
+            <a:r>
               <a:rPr lang="en-US" dirty="0" smtClean="0"/>
               <a:t/>
             </a:r>
@@ -7553,7 +8235,7 @@
           </a:prstGeom>
           <a:noFill/>
           <a:effectLst>
-            <a:softEdge rad="76200"/>
+            <a:softEdge rad="127000"/>
           </a:effectLst>
           <a:extLst>
             <a:ext uri="{909E8E84-426E-40DD-AFC4-6F175D3DCCD1}">
@@ -7636,7 +8318,12 @@
             <p:ph idx="1"/>
           </p:nvPr>
         </p:nvSpPr>
-        <p:spPr/>
+        <p:spPr>
+          <a:xfrm>
+            <a:off x="2830514" y="1655755"/>
+            <a:ext cx="7080106" cy="4195481"/>
+          </a:xfrm>
+        </p:spPr>
         <p:txBody>
           <a:bodyPr/>
           <a:lstStyle/>
@@ -7849,7 +8536,12 @@
             <p:ph idx="1"/>
           </p:nvPr>
         </p:nvSpPr>
-        <p:spPr/>
+        <p:spPr>
+          <a:xfrm>
+            <a:off x="3463637" y="1751648"/>
+            <a:ext cx="6677891" cy="4195481"/>
+          </a:xfrm>
+        </p:spPr>
         <p:txBody>
           <a:bodyPr/>
           <a:lstStyle/>
@@ -9254,7 +9946,7 @@
             <a:avLst/>
           </a:prstGeom>
           <a:effectLst>
-            <a:softEdge rad="38100"/>
+            <a:softEdge rad="50800"/>
           </a:effectLst>
         </p:spPr>
       </p:pic>
@@ -9441,7 +10133,7 @@
             <a:noFill/>
           </a:ln>
           <a:effectLst>
-            <a:softEdge rad="25400"/>
+            <a:softEdge rad="38100"/>
           </a:effectLst>
         </p:spPr>
       </p:pic>
@@ -9468,7 +10160,7 @@
             <a:avLst/>
           </a:prstGeom>
           <a:effectLst>
-            <a:softEdge rad="25400"/>
+            <a:softEdge rad="38100"/>
           </a:effectLst>
         </p:spPr>
       </p:pic>
@@ -9495,7 +10187,7 @@
             <a:avLst/>
           </a:prstGeom>
           <a:effectLst>
-            <a:softEdge rad="25400"/>
+            <a:softEdge rad="38100"/>
           </a:effectLst>
         </p:spPr>
       </p:pic>
@@ -9652,7 +10344,7 @@
             <a:avLst/>
           </a:prstGeom>
           <a:effectLst>
-            <a:softEdge rad="25400"/>
+            <a:softEdge rad="50800"/>
           </a:effectLst>
         </p:spPr>
       </p:pic>
@@ -9688,7 +10380,7 @@
             <a:noFill/>
           </a:ln>
           <a:effectLst>
-            <a:softEdge rad="38100"/>
+            <a:softEdge rad="50800"/>
           </a:effectLst>
         </p:spPr>
       </p:pic>

--- a/documentation/Prezentare_Licenta_Matragociu_Bogdan.pptx
+++ b/documentation/Prezentare_Licenta_Matragociu_Bogdan.pptx
@@ -7,22 +7,23 @@
   <p:sldIdLst>
     <p:sldId id="256" r:id="rId2"/>
     <p:sldId id="257" r:id="rId3"/>
-    <p:sldId id="258" r:id="rId4"/>
-    <p:sldId id="259" r:id="rId5"/>
-    <p:sldId id="260" r:id="rId6"/>
+    <p:sldId id="276" r:id="rId4"/>
+    <p:sldId id="258" r:id="rId5"/>
+    <p:sldId id="259" r:id="rId6"/>
     <p:sldId id="261" r:id="rId7"/>
-    <p:sldId id="262" r:id="rId8"/>
-    <p:sldId id="263" r:id="rId9"/>
-    <p:sldId id="265" r:id="rId10"/>
-    <p:sldId id="273" r:id="rId11"/>
-    <p:sldId id="274" r:id="rId12"/>
-    <p:sldId id="270" r:id="rId13"/>
-    <p:sldId id="271" r:id="rId14"/>
-    <p:sldId id="266" r:id="rId15"/>
-    <p:sldId id="272" r:id="rId16"/>
-    <p:sldId id="267" r:id="rId17"/>
-    <p:sldId id="268" r:id="rId18"/>
-    <p:sldId id="269" r:id="rId19"/>
+    <p:sldId id="275" r:id="rId8"/>
+    <p:sldId id="262" r:id="rId9"/>
+    <p:sldId id="263" r:id="rId10"/>
+    <p:sldId id="265" r:id="rId11"/>
+    <p:sldId id="273" r:id="rId12"/>
+    <p:sldId id="274" r:id="rId13"/>
+    <p:sldId id="270" r:id="rId14"/>
+    <p:sldId id="271" r:id="rId15"/>
+    <p:sldId id="266" r:id="rId16"/>
+    <p:sldId id="272" r:id="rId17"/>
+    <p:sldId id="267" r:id="rId18"/>
+    <p:sldId id="268" r:id="rId19"/>
+    <p:sldId id="269" r:id="rId20"/>
   </p:sldIdLst>
   <p:sldSz cx="12192000" cy="6858000"/>
   <p:notesSz cx="6858000" cy="9144000"/>
@@ -6225,6 +6226,199 @@
           <a:lstStyle/>
           <a:p>
             <a:r>
+              <a:rPr lang="ro-RO" dirty="0" smtClean="0"/>
+              <a:t>Aplicația</a:t>
+            </a:r>
+            <a:r>
+              <a:rPr lang="en-US" dirty="0" smtClean="0"/>
+              <a:t> implementat</a:t>
+            </a:r>
+            <a:r>
+              <a:rPr lang="ro-RO" dirty="0"/>
+              <a:t>ă</a:t>
+            </a:r>
+          </a:p>
+        </p:txBody>
+      </p:sp>
+      <p:sp>
+        <p:nvSpPr>
+          <p:cNvPr id="3" name="Content Placeholder 2"/>
+          <p:cNvSpPr>
+            <a:spLocks noGrp="1"/>
+          </p:cNvSpPr>
+          <p:nvPr>
+            <p:ph idx="1"/>
+          </p:nvPr>
+        </p:nvSpPr>
+        <p:spPr>
+          <a:xfrm>
+            <a:off x="1225231" y="2331592"/>
+            <a:ext cx="8946541" cy="3328979"/>
+          </a:xfrm>
+        </p:spPr>
+        <p:txBody>
+          <a:bodyPr/>
+          <a:lstStyle/>
+          <a:p>
+            <a:r>
+              <a:rPr lang="ro-RO" dirty="0" smtClean="0"/>
+              <a:t>Administrare</a:t>
+            </a:r>
+          </a:p>
+          <a:p>
+            <a:endParaRPr lang="en-US" dirty="0"/>
+          </a:p>
+          <a:p>
+            <a:endParaRPr lang="en-US" dirty="0" smtClean="0"/>
+          </a:p>
+          <a:p>
+            <a:r>
+              <a:rPr lang="ro-RO" dirty="0" smtClean="0"/>
+              <a:t>Autentificare</a:t>
+            </a:r>
+          </a:p>
+          <a:p>
+            <a:endParaRPr lang="ro-RO" dirty="0"/>
+          </a:p>
+          <a:p>
+            <a:endParaRPr lang="ro-RO" dirty="0"/>
+          </a:p>
+          <a:p>
+            <a:endParaRPr lang="en-US" dirty="0" smtClean="0"/>
+          </a:p>
+          <a:p>
+            <a:endParaRPr lang="en-US" dirty="0"/>
+          </a:p>
+          <a:p>
+            <a:endParaRPr lang="en-US" dirty="0" smtClean="0"/>
+          </a:p>
+          <a:p>
+            <a:pPr marL="0" indent="0">
+              <a:buNone/>
+            </a:pPr>
+            <a:endParaRPr lang="ro-RO" dirty="0" smtClean="0"/>
+          </a:p>
+          <a:p>
+            <a:endParaRPr lang="ro-RO" dirty="0" smtClean="0"/>
+          </a:p>
+        </p:txBody>
+      </p:sp>
+      <p:pic>
+        <p:nvPicPr>
+          <p:cNvPr id="4" name="Picture 3"/>
+          <p:cNvPicPr>
+            <a:picLocks noChangeAspect="1"/>
+          </p:cNvPicPr>
+          <p:nvPr/>
+        </p:nvPicPr>
+        <p:blipFill>
+          <a:blip r:embed="rId2"/>
+          <a:stretch>
+            <a:fillRect/>
+          </a:stretch>
+        </p:blipFill>
+        <p:spPr>
+          <a:xfrm>
+            <a:off x="6110839" y="3186184"/>
+            <a:ext cx="2017951" cy="3084843"/>
+          </a:xfrm>
+          <a:prstGeom prst="rect">
+            <a:avLst/>
+          </a:prstGeom>
+          <a:effectLst>
+            <a:softEdge rad="50800"/>
+          </a:effectLst>
+        </p:spPr>
+      </p:pic>
+      <p:pic>
+        <p:nvPicPr>
+          <p:cNvPr id="5" name="Picture 4"/>
+          <p:cNvPicPr/>
+          <p:nvPr/>
+        </p:nvPicPr>
+        <p:blipFill>
+          <a:blip r:embed="rId3">
+            <a:extLst>
+              <a:ext uri="{28A0092B-C50C-407E-A947-70E740481C1C}">
+                <a14:useLocalDpi xmlns:a14="http://schemas.microsoft.com/office/drawing/2010/main" val="0"/>
+              </a:ext>
+            </a:extLst>
+          </a:blip>
+          <a:srcRect/>
+          <a:stretch>
+            <a:fillRect/>
+          </a:stretch>
+        </p:blipFill>
+        <p:spPr bwMode="auto">
+          <a:xfrm>
+            <a:off x="4524253" y="2022271"/>
+            <a:ext cx="5191125" cy="476250"/>
+          </a:xfrm>
+          <a:prstGeom prst="rect">
+            <a:avLst/>
+          </a:prstGeom>
+          <a:noFill/>
+          <a:ln>
+            <a:noFill/>
+          </a:ln>
+          <a:effectLst>
+            <a:softEdge rad="50800"/>
+          </a:effectLst>
+        </p:spPr>
+      </p:pic>
+    </p:spTree>
+    <p:extLst>
+      <p:ext uri="{BB962C8B-B14F-4D97-AF65-F5344CB8AC3E}">
+        <p14:creationId xmlns:p14="http://schemas.microsoft.com/office/powerpoint/2010/main" val="3198695711"/>
+      </p:ext>
+    </p:extLst>
+  </p:cSld>
+  <p:clrMapOvr>
+    <a:masterClrMapping/>
+  </p:clrMapOvr>
+  <p:timing>
+    <p:tnLst>
+      <p:par>
+        <p:cTn id="1" dur="indefinite" restart="never" nodeType="tmRoot"/>
+      </p:par>
+    </p:tnLst>
+  </p:timing>
+</p:sld>
+</file>
+
+<file path=ppt/slides/slide11.xml><?xml version="1.0" encoding="utf-8"?>
+<p:sld xmlns:a="http://schemas.openxmlformats.org/drawingml/2006/main" xmlns:r="http://schemas.openxmlformats.org/officeDocument/2006/relationships" xmlns:p="http://schemas.openxmlformats.org/presentationml/2006/main">
+  <p:cSld>
+    <p:spTree>
+      <p:nvGrpSpPr>
+        <p:cNvPr id="1" name=""/>
+        <p:cNvGrpSpPr/>
+        <p:nvPr/>
+      </p:nvGrpSpPr>
+      <p:grpSpPr>
+        <a:xfrm>
+          <a:off x="0" y="0"/>
+          <a:ext cx="0" cy="0"/>
+          <a:chOff x="0" y="0"/>
+          <a:chExt cx="0" cy="0"/>
+        </a:xfrm>
+      </p:grpSpPr>
+      <p:sp>
+        <p:nvSpPr>
+          <p:cNvPr id="2" name="Title 1"/>
+          <p:cNvSpPr>
+            <a:spLocks noGrp="1"/>
+          </p:cNvSpPr>
+          <p:nvPr>
+            <p:ph type="title"/>
+          </p:nvPr>
+        </p:nvSpPr>
+        <p:spPr/>
+        <p:txBody>
+          <a:bodyPr/>
+          <a:lstStyle/>
+          <a:p>
+            <a:r>
               <a:rPr lang="ro-RO" dirty="0"/>
               <a:t>Topologii</a:t>
             </a:r>
@@ -6265,15 +6459,15 @@
               <a:t>Cum se </a:t>
             </a:r>
             <a:r>
-              <a:rPr lang="en-US" dirty="0" err="1" smtClean="0"/>
-              <a:t>realizeaza</a:t>
+              <a:rPr lang="ro-RO" dirty="0" smtClean="0"/>
+              <a:t>realizează</a:t>
             </a:r>
             <a:r>
               <a:rPr lang="en-US" dirty="0" smtClean="0"/>
               <a:t> </a:t>
             </a:r>
             <a:r>
-              <a:rPr lang="en-US" dirty="0" err="1" smtClean="0"/>
+              <a:rPr lang="ro-RO" dirty="0" smtClean="0"/>
               <a:t>replicarea</a:t>
             </a:r>
             <a:r>
@@ -6307,7 +6501,7 @@
             <a:avLst/>
           </a:prstGeom>
           <a:effectLst>
-            <a:softEdge rad="215900"/>
+            <a:softEdge rad="254000"/>
           </a:effectLst>
         </p:spPr>
       </p:pic>
@@ -6324,7 +6518,7 @@
 </p:sld>
 </file>
 
-<file path=ppt/slides/slide11.xml><?xml version="1.0" encoding="utf-8"?>
+<file path=ppt/slides/slide12.xml><?xml version="1.0" encoding="utf-8"?>
 <p:sld xmlns:a="http://schemas.openxmlformats.org/drawingml/2006/main" xmlns:r="http://schemas.openxmlformats.org/officeDocument/2006/relationships" xmlns:p="http://schemas.openxmlformats.org/presentationml/2006/main">
   <p:cSld>
     <p:spTree>
@@ -6395,7 +6589,7 @@
           <a:lstStyle/>
           <a:p>
             <a:r>
-              <a:rPr lang="en-US" dirty="0" err="1" smtClean="0"/>
+              <a:rPr lang="ro-RO" dirty="0" smtClean="0"/>
               <a:t>Configurare</a:t>
             </a:r>
             <a:r>
@@ -6407,7 +6601,7 @@
           <a:p>
             <a:pPr lvl="1"/>
             <a:r>
-              <a:rPr lang="en-US" dirty="0" err="1" smtClean="0"/>
+              <a:rPr lang="en-US" dirty="0" smtClean="0"/>
               <a:t>my.cnf</a:t>
             </a:r>
             <a:endParaRPr lang="en-US" dirty="0" smtClean="0"/>
@@ -6421,7 +6615,7 @@
               <a:t>log-</a:t>
             </a:r>
             <a:r>
-              <a:rPr lang="en-US" dirty="0" err="1"/>
+              <a:rPr lang="en-US" dirty="0"/>
               <a:t>basename</a:t>
             </a:r>
             <a:r>
@@ -6443,7 +6637,7 @@
               <a:buNone/>
             </a:pPr>
             <a:r>
-              <a:rPr lang="en-US" dirty="0" err="1"/>
+              <a:rPr lang="en-US" dirty="0"/>
               <a:t>binlog</a:t>
             </a:r>
             <a:r>
@@ -6456,7 +6650,7 @@
               <a:buNone/>
             </a:pPr>
             <a:r>
-              <a:rPr lang="en-US" dirty="0" err="1" smtClean="0"/>
+              <a:rPr lang="en-US" dirty="0" smtClean="0"/>
               <a:t>server_id</a:t>
             </a:r>
             <a:r>
@@ -6479,7 +6673,7 @@
               <a:t>GRANT REPLICATION SLAVE ON *.* TO </a:t>
             </a:r>
             <a:r>
-              <a:rPr lang="en-US" dirty="0" err="1" smtClean="0"/>
+              <a:rPr lang="en-US" dirty="0" smtClean="0"/>
               <a:t>utilizator_replicare</a:t>
             </a:r>
             <a:r>
@@ -6487,7 +6681,7 @@
               <a:t> IDENTIFIED BY ‘</a:t>
             </a:r>
             <a:r>
-              <a:rPr lang="en-US" dirty="0" err="1" smtClean="0"/>
+              <a:rPr lang="en-US" dirty="0" smtClean="0"/>
               <a:t>parola</a:t>
             </a:r>
             <a:r>
@@ -6780,7 +6974,7 @@
           </a:lstStyle>
           <a:p>
             <a:r>
-              <a:rPr lang="en-US" dirty="0" err="1" smtClean="0"/>
+              <a:rPr lang="ro-RO" dirty="0" smtClean="0"/>
               <a:t>Configurare</a:t>
             </a:r>
             <a:r>
@@ -6820,7 +7014,7 @@
               <a:t>=‘</a:t>
             </a:r>
             <a:r>
-              <a:rPr lang="en-US" dirty="0" err="1" smtClean="0"/>
+              <a:rPr lang="en-US" dirty="0" smtClean="0"/>
               <a:t>utilizator_replicare</a:t>
             </a:r>
             <a:r>
@@ -6842,7 +7036,7 @@
               <a:t>MASTER_PASSWORD=‘</a:t>
             </a:r>
             <a:r>
-              <a:rPr lang="en-US" dirty="0" err="1" smtClean="0"/>
+              <a:rPr lang="en-US" dirty="0" smtClean="0"/>
               <a:t>parola</a:t>
             </a:r>
             <a:r>
@@ -6986,7 +7180,7 @@
 </p:sld>
 </file>
 
-<file path=ppt/slides/slide12.xml><?xml version="1.0" encoding="utf-8"?>
+<file path=ppt/slides/slide13.xml><?xml version="1.0" encoding="utf-8"?>
 <p:sld xmlns:a="http://schemas.openxmlformats.org/drawingml/2006/main" xmlns:r="http://schemas.openxmlformats.org/officeDocument/2006/relationships" xmlns:p="http://schemas.openxmlformats.org/presentationml/2006/main">
   <p:cSld>
     <p:spTree>
@@ -7146,7 +7340,7 @@
 </p:sld>
 </file>
 
-<file path=ppt/slides/slide13.xml><?xml version="1.0" encoding="utf-8"?>
+<file path=ppt/slides/slide14.xml><?xml version="1.0" encoding="utf-8"?>
 <p:sld xmlns:a="http://schemas.openxmlformats.org/drawingml/2006/main" xmlns:r="http://schemas.openxmlformats.org/officeDocument/2006/relationships" xmlns:p="http://schemas.openxmlformats.org/presentationml/2006/main">
   <p:cSld>
     <p:spTree>
@@ -7335,7 +7529,7 @@
 </p:sld>
 </file>
 
-<file path=ppt/slides/slide14.xml><?xml version="1.0" encoding="utf-8"?>
+<file path=ppt/slides/slide15.xml><?xml version="1.0" encoding="utf-8"?>
 <p:sld xmlns:a="http://schemas.openxmlformats.org/drawingml/2006/main" xmlns:r="http://schemas.openxmlformats.org/officeDocument/2006/relationships" xmlns:p="http://schemas.openxmlformats.org/presentationml/2006/main">
   <p:cSld>
     <p:spTree>
@@ -7468,230 +7662,6 @@
 </p:sld>
 </file>
 
-<file path=ppt/slides/slide15.xml><?xml version="1.0" encoding="utf-8"?>
-<p:sld xmlns:a="http://schemas.openxmlformats.org/drawingml/2006/main" xmlns:r="http://schemas.openxmlformats.org/officeDocument/2006/relationships" xmlns:p="http://schemas.openxmlformats.org/presentationml/2006/main">
-  <p:cSld>
-    <p:spTree>
-      <p:nvGrpSpPr>
-        <p:cNvPr id="1" name=""/>
-        <p:cNvGrpSpPr/>
-        <p:nvPr/>
-      </p:nvGrpSpPr>
-      <p:grpSpPr>
-        <a:xfrm>
-          <a:off x="0" y="0"/>
-          <a:ext cx="0" cy="0"/>
-          <a:chOff x="0" y="0"/>
-          <a:chExt cx="0" cy="0"/>
-        </a:xfrm>
-      </p:grpSpPr>
-      <p:sp>
-        <p:nvSpPr>
-          <p:cNvPr id="2" name="Title 1"/>
-          <p:cNvSpPr>
-            <a:spLocks noGrp="1"/>
-          </p:cNvSpPr>
-          <p:nvPr>
-            <p:ph type="title"/>
-          </p:nvPr>
-        </p:nvSpPr>
-        <p:spPr/>
-        <p:txBody>
-          <a:bodyPr/>
-          <a:lstStyle/>
-          <a:p>
-            <a:r>
-              <a:rPr lang="ro-RO" dirty="0"/>
-              <a:t>Implementare</a:t>
-            </a:r>
-            <a:r>
-              <a:rPr lang="en-US" dirty="0"/>
-              <a:t> </a:t>
-            </a:r>
-            <a:r>
-              <a:rPr lang="ro-RO" dirty="0"/>
-              <a:t>topologiei</a:t>
-            </a:r>
-            <a:r>
-              <a:rPr lang="en-US" dirty="0"/>
-              <a:t> in cloud</a:t>
-            </a:r>
-          </a:p>
-        </p:txBody>
-      </p:sp>
-      <p:sp>
-        <p:nvSpPr>
-          <p:cNvPr id="3" name="Content Placeholder 2"/>
-          <p:cNvSpPr>
-            <a:spLocks noGrp="1"/>
-          </p:cNvSpPr>
-          <p:nvPr>
-            <p:ph idx="1"/>
-          </p:nvPr>
-        </p:nvSpPr>
-        <p:spPr/>
-        <p:txBody>
-          <a:bodyPr/>
-          <a:lstStyle/>
-          <a:p>
-            <a:r>
-              <a:rPr lang="ro-RO" dirty="0" smtClean="0"/>
-              <a:t>Configurație</a:t>
-            </a:r>
-            <a:r>
-              <a:rPr lang="en-US" dirty="0" smtClean="0"/>
-              <a:t> </a:t>
-            </a:r>
-            <a:r>
-              <a:rPr lang="ro-RO" dirty="0" smtClean="0"/>
-              <a:t>mașini</a:t>
-            </a:r>
-            <a:r>
-              <a:rPr lang="en-US" dirty="0" smtClean="0"/>
-              <a:t> </a:t>
-            </a:r>
-            <a:r>
-              <a:rPr lang="ro-RO" dirty="0" smtClean="0"/>
-              <a:t>virtuale</a:t>
-            </a:r>
-            <a:endParaRPr lang="en-US" dirty="0" smtClean="0"/>
-          </a:p>
-          <a:p>
-            <a:pPr lvl="1"/>
-            <a:r>
-              <a:rPr lang="en-US" dirty="0" smtClean="0"/>
-              <a:t>1 core - 1.6 GHz</a:t>
-            </a:r>
-          </a:p>
-          <a:p>
-            <a:pPr lvl="1"/>
-            <a:r>
-              <a:rPr lang="en-US" dirty="0" smtClean="0"/>
-              <a:t>1.75 GB RAM</a:t>
-            </a:r>
-          </a:p>
-          <a:p>
-            <a:pPr marL="0" indent="0">
-              <a:buNone/>
-            </a:pPr>
-            <a:endParaRPr lang="en-US" dirty="0"/>
-          </a:p>
-          <a:p>
-            <a:r>
-              <a:rPr lang="ro-RO" dirty="0" smtClean="0"/>
-              <a:t>Rețea</a:t>
-            </a:r>
-            <a:r>
-              <a:rPr lang="en-US" dirty="0" smtClean="0"/>
-              <a:t> </a:t>
-            </a:r>
-            <a:r>
-              <a:rPr lang="ro-RO" dirty="0" smtClean="0"/>
-              <a:t>virtuală</a:t>
-            </a:r>
-          </a:p>
-          <a:p>
-            <a:pPr lvl="1"/>
-            <a:r>
-              <a:rPr lang="ro-RO" dirty="0" smtClean="0"/>
-              <a:t>Clas</a:t>
-            </a:r>
-            <a:r>
-              <a:rPr lang="ro-RO" dirty="0"/>
-              <a:t>ă</a:t>
-            </a:r>
-            <a:r>
-              <a:rPr lang="en-US" dirty="0" smtClean="0"/>
-              <a:t> IP-</a:t>
-            </a:r>
-            <a:r>
-              <a:rPr lang="ro-RO" dirty="0" smtClean="0"/>
-              <a:t>uri</a:t>
-            </a:r>
-            <a:r>
-              <a:rPr lang="en-US" dirty="0" smtClean="0"/>
-              <a:t> </a:t>
-            </a:r>
-            <a:r>
-              <a:rPr lang="ro-RO" dirty="0" smtClean="0"/>
-              <a:t>folosite</a:t>
-            </a:r>
-            <a:r>
-              <a:rPr lang="en-US" dirty="0" smtClean="0"/>
-              <a:t>: 172.16.0.4 </a:t>
-            </a:r>
-            <a:r>
-              <a:rPr lang="en-US" dirty="0" smtClean="0"/>
-              <a:t>  &gt;  172.16.0.8</a:t>
-            </a:r>
-            <a:endParaRPr lang="en-US" dirty="0" smtClean="0"/>
-          </a:p>
-          <a:p>
-            <a:pPr lvl="1"/>
-            <a:r>
-              <a:rPr lang="en-US" dirty="0" err="1" smtClean="0"/>
-              <a:t>Lungie</a:t>
-            </a:r>
-            <a:r>
-              <a:rPr lang="en-US" dirty="0" smtClean="0"/>
-              <a:t> de ban</a:t>
-            </a:r>
-            <a:r>
-              <a:rPr lang="ro-RO" dirty="0" smtClean="0"/>
-              <a:t>ă</a:t>
-            </a:r>
-            <a:r>
-              <a:rPr lang="en-US" dirty="0" smtClean="0"/>
-              <a:t> : 100 </a:t>
-            </a:r>
-            <a:r>
-              <a:rPr lang="en-US" dirty="0" smtClean="0"/>
-              <a:t>Mbps</a:t>
-            </a:r>
-          </a:p>
-          <a:p>
-            <a:pPr lvl="1"/>
-            <a:r>
-              <a:rPr lang="en-US" dirty="0" err="1" smtClean="0"/>
-              <a:t>Locatie</a:t>
-            </a:r>
-            <a:r>
-              <a:rPr lang="en-US" dirty="0"/>
-              <a:t> </a:t>
-            </a:r>
-            <a:r>
-              <a:rPr lang="en-US" dirty="0" smtClean="0"/>
-              <a:t>: Europa de vest</a:t>
-            </a:r>
-            <a:endParaRPr lang="en-US" dirty="0" smtClean="0"/>
-          </a:p>
-          <a:p>
-            <a:pPr marL="457200" lvl="1" indent="0">
-              <a:buNone/>
-            </a:pPr>
-            <a:endParaRPr lang="en-US" dirty="0"/>
-          </a:p>
-          <a:p>
-            <a:pPr marL="457200" lvl="1" indent="0" algn="r">
-              <a:buNone/>
-            </a:pPr>
-            <a:endParaRPr lang="en-US" dirty="0"/>
-          </a:p>
-        </p:txBody>
-      </p:sp>
-    </p:spTree>
-    <p:extLst>
-      <p:ext uri="{BB962C8B-B14F-4D97-AF65-F5344CB8AC3E}">
-        <p14:creationId xmlns:p14="http://schemas.microsoft.com/office/powerpoint/2010/main" val="1367706050"/>
-      </p:ext>
-    </p:extLst>
-  </p:cSld>
-  <p:clrMapOvr>
-    <a:masterClrMapping/>
-  </p:clrMapOvr>
-</p:sld>
-</file>
-
 <file path=ppt/slides/slide16.xml><?xml version="1.0" encoding="utf-8"?>
 <p:sld xmlns:a="http://schemas.openxmlformats.org/drawingml/2006/main" xmlns:r="http://schemas.openxmlformats.org/officeDocument/2006/relationships" xmlns:p="http://schemas.openxmlformats.org/presentationml/2006/main">
   <p:cSld>
@@ -7740,6 +7710,286 @@
               <a:rPr lang="en-US" dirty="0"/>
               <a:t> in cloud</a:t>
             </a:r>
+          </a:p>
+        </p:txBody>
+      </p:sp>
+      <p:sp>
+        <p:nvSpPr>
+          <p:cNvPr id="3" name="Content Placeholder 2"/>
+          <p:cNvSpPr>
+            <a:spLocks noGrp="1"/>
+          </p:cNvSpPr>
+          <p:nvPr>
+            <p:ph idx="1"/>
+          </p:nvPr>
+        </p:nvSpPr>
+        <p:spPr/>
+        <p:txBody>
+          <a:bodyPr/>
+          <a:lstStyle/>
+          <a:p>
+            <a:r>
+              <a:rPr lang="ro-RO" dirty="0" smtClean="0"/>
+              <a:t>Configurație</a:t>
+            </a:r>
+            <a:r>
+              <a:rPr lang="en-US" dirty="0" smtClean="0"/>
+              <a:t> </a:t>
+            </a:r>
+            <a:r>
+              <a:rPr lang="ro-RO" dirty="0" smtClean="0"/>
+              <a:t>mașini</a:t>
+            </a:r>
+            <a:r>
+              <a:rPr lang="en-US" dirty="0" smtClean="0"/>
+              <a:t> </a:t>
+            </a:r>
+            <a:r>
+              <a:rPr lang="ro-RO" dirty="0" smtClean="0"/>
+              <a:t>virtuale</a:t>
+            </a:r>
+            <a:endParaRPr lang="en-US" dirty="0" smtClean="0"/>
+          </a:p>
+          <a:p>
+            <a:pPr lvl="1"/>
+            <a:r>
+              <a:rPr lang="en-US" dirty="0" smtClean="0"/>
+              <a:t>1 core - 1.6 GHz</a:t>
+            </a:r>
+          </a:p>
+          <a:p>
+            <a:pPr lvl="1"/>
+            <a:r>
+              <a:rPr lang="en-US" dirty="0" smtClean="0"/>
+              <a:t>1.75 GB RAM</a:t>
+            </a:r>
+          </a:p>
+          <a:p>
+            <a:pPr marL="0" indent="0">
+              <a:buNone/>
+            </a:pPr>
+            <a:endParaRPr lang="en-US" dirty="0"/>
+          </a:p>
+          <a:p>
+            <a:r>
+              <a:rPr lang="ro-RO" dirty="0" smtClean="0"/>
+              <a:t>Rețea</a:t>
+            </a:r>
+            <a:r>
+              <a:rPr lang="en-US" dirty="0" smtClean="0"/>
+              <a:t> </a:t>
+            </a:r>
+            <a:r>
+              <a:rPr lang="ro-RO" dirty="0" smtClean="0"/>
+              <a:t>virtuală</a:t>
+            </a:r>
+          </a:p>
+          <a:p>
+            <a:pPr lvl="1"/>
+            <a:r>
+              <a:rPr lang="ro-RO" dirty="0" smtClean="0"/>
+              <a:t>Clas</a:t>
+            </a:r>
+            <a:r>
+              <a:rPr lang="ro-RO" dirty="0"/>
+              <a:t>ă</a:t>
+            </a:r>
+            <a:r>
+              <a:rPr lang="en-US" dirty="0" smtClean="0"/>
+              <a:t> IP-</a:t>
+            </a:r>
+            <a:r>
+              <a:rPr lang="ro-RO" dirty="0" smtClean="0"/>
+              <a:t>uri</a:t>
+            </a:r>
+            <a:r>
+              <a:rPr lang="en-US" dirty="0" smtClean="0"/>
+              <a:t> </a:t>
+            </a:r>
+            <a:r>
+              <a:rPr lang="ro-RO" dirty="0" smtClean="0"/>
+              <a:t>folosite</a:t>
+            </a:r>
+            <a:r>
+              <a:rPr lang="en-US" dirty="0" smtClean="0"/>
+              <a:t>: 172.16.0.4 </a:t>
+            </a:r>
+            <a:r>
+              <a:rPr lang="en-US" dirty="0" smtClean="0"/>
+              <a:t>  &gt;  172.16.0.8</a:t>
+            </a:r>
+            <a:endParaRPr lang="en-US" dirty="0" smtClean="0"/>
+          </a:p>
+          <a:p>
+            <a:pPr lvl="1"/>
+            <a:r>
+              <a:rPr lang="ro-RO" dirty="0" smtClean="0"/>
+              <a:t>Lungi</a:t>
+            </a:r>
+            <a:r>
+              <a:rPr lang="en-US" dirty="0" smtClean="0"/>
+              <a:t>m</a:t>
+            </a:r>
+            <a:r>
+              <a:rPr lang="ro-RO" dirty="0" smtClean="0"/>
+              <a:t>e</a:t>
+            </a:r>
+            <a:r>
+              <a:rPr lang="en-US" dirty="0" smtClean="0"/>
+              <a:t> </a:t>
+            </a:r>
+            <a:r>
+              <a:rPr lang="en-US" dirty="0" smtClean="0"/>
+              <a:t>de ban</a:t>
+            </a:r>
+            <a:r>
+              <a:rPr lang="ro-RO" dirty="0" smtClean="0"/>
+              <a:t>ă</a:t>
+            </a:r>
+            <a:r>
+              <a:rPr lang="en-US" dirty="0" smtClean="0"/>
+              <a:t> : 100 </a:t>
+            </a:r>
+            <a:r>
+              <a:rPr lang="en-US" dirty="0" smtClean="0"/>
+              <a:t>Mbps</a:t>
+            </a:r>
+          </a:p>
+          <a:p>
+            <a:pPr lvl="1"/>
+            <a:r>
+              <a:rPr lang="ro-RO" dirty="0" smtClean="0"/>
+              <a:t>Locație</a:t>
+            </a:r>
+            <a:r>
+              <a:rPr lang="en-US" dirty="0" smtClean="0"/>
+              <a:t> : Europa de vest</a:t>
+            </a:r>
+            <a:endParaRPr lang="en-US" dirty="0" smtClean="0"/>
+          </a:p>
+          <a:p>
+            <a:pPr marL="457200" lvl="1" indent="0">
+              <a:buNone/>
+            </a:pPr>
+            <a:endParaRPr lang="en-US" dirty="0"/>
+          </a:p>
+          <a:p>
+            <a:pPr marL="457200" lvl="1" indent="0" algn="r">
+              <a:buNone/>
+            </a:pPr>
+            <a:endParaRPr lang="en-US" dirty="0"/>
+          </a:p>
+        </p:txBody>
+      </p:sp>
+      <p:pic>
+        <p:nvPicPr>
+          <p:cNvPr id="4" name="Picture 3"/>
+          <p:cNvPicPr>
+            <a:picLocks noChangeAspect="1"/>
+          </p:cNvPicPr>
+          <p:nvPr/>
+        </p:nvPicPr>
+        <p:blipFill>
+          <a:blip r:embed="rId2"/>
+          <a:stretch>
+            <a:fillRect/>
+          </a:stretch>
+        </p:blipFill>
+        <p:spPr>
+          <a:xfrm>
+            <a:off x="7788041" y="2696390"/>
+            <a:ext cx="3249450" cy="475529"/>
+          </a:xfrm>
+          <a:prstGeom prst="rect">
+            <a:avLst/>
+          </a:prstGeom>
+        </p:spPr>
+      </p:pic>
+      <p:pic>
+        <p:nvPicPr>
+          <p:cNvPr id="5" name="Picture 4"/>
+          <p:cNvPicPr>
+            <a:picLocks noChangeAspect="1"/>
+          </p:cNvPicPr>
+          <p:nvPr/>
+        </p:nvPicPr>
+        <p:blipFill>
+          <a:blip r:embed="rId3"/>
+          <a:stretch>
+            <a:fillRect/>
+          </a:stretch>
+        </p:blipFill>
+        <p:spPr>
+          <a:xfrm>
+            <a:off x="9195950" y="3900891"/>
+            <a:ext cx="1274174" cy="1054699"/>
+          </a:xfrm>
+          <a:prstGeom prst="rect">
+            <a:avLst/>
+          </a:prstGeom>
+        </p:spPr>
+      </p:pic>
+    </p:spTree>
+    <p:extLst>
+      <p:ext uri="{BB962C8B-B14F-4D97-AF65-F5344CB8AC3E}">
+        <p14:creationId xmlns:p14="http://schemas.microsoft.com/office/powerpoint/2010/main" val="1367706050"/>
+      </p:ext>
+    </p:extLst>
+  </p:cSld>
+  <p:clrMapOvr>
+    <a:masterClrMapping/>
+  </p:clrMapOvr>
+</p:sld>
+</file>
+
+<file path=ppt/slides/slide17.xml><?xml version="1.0" encoding="utf-8"?>
+<p:sld xmlns:a="http://schemas.openxmlformats.org/drawingml/2006/main" xmlns:r="http://schemas.openxmlformats.org/officeDocument/2006/relationships" xmlns:p="http://schemas.openxmlformats.org/presentationml/2006/main">
+  <p:cSld>
+    <p:spTree>
+      <p:nvGrpSpPr>
+        <p:cNvPr id="1" name=""/>
+        <p:cNvGrpSpPr/>
+        <p:nvPr/>
+      </p:nvGrpSpPr>
+      <p:grpSpPr>
+        <a:xfrm>
+          <a:off x="0" y="0"/>
+          <a:ext cx="0" cy="0"/>
+          <a:chOff x="0" y="0"/>
+          <a:chExt cx="0" cy="0"/>
+        </a:xfrm>
+      </p:grpSpPr>
+      <p:sp>
+        <p:nvSpPr>
+          <p:cNvPr id="2" name="Title 1"/>
+          <p:cNvSpPr>
+            <a:spLocks noGrp="1"/>
+          </p:cNvSpPr>
+          <p:nvPr>
+            <p:ph type="title"/>
+          </p:nvPr>
+        </p:nvSpPr>
+        <p:spPr/>
+        <p:txBody>
+          <a:bodyPr/>
+          <a:lstStyle/>
+          <a:p>
+            <a:r>
+              <a:rPr lang="ro-RO" dirty="0"/>
+              <a:t>Implementare</a:t>
+            </a:r>
+            <a:r>
+              <a:rPr lang="en-US" dirty="0"/>
+              <a:t> </a:t>
+            </a:r>
+            <a:r>
+              <a:rPr lang="ro-RO" dirty="0"/>
+              <a:t>topologiei</a:t>
+            </a:r>
+            <a:r>
+              <a:rPr lang="en-US" dirty="0"/>
+              <a:t> in cloud</a:t>
+            </a:r>
             <a:endParaRPr lang="ro-RO" dirty="0"/>
           </a:p>
         </p:txBody>
@@ -7803,7 +8053,7 @@
               <a:t> </a:t>
             </a:r>
             <a:r>
-              <a:rPr lang="en-US" dirty="0" err="1"/>
+              <a:rPr lang="en-US" dirty="0"/>
               <a:t>pt</a:t>
             </a:r>
             <a:r>
@@ -7811,7 +8061,7 @@
               <a:t>-table-checksum -d </a:t>
             </a:r>
             <a:r>
-              <a:rPr lang="en-US" dirty="0" err="1"/>
+              <a:rPr lang="en-US" dirty="0"/>
               <a:t>licenta</a:t>
             </a:r>
             <a:r>
@@ -7819,7 +8069,7 @@
               <a:t> --replicate </a:t>
             </a:r>
             <a:r>
-              <a:rPr lang="en-US" dirty="0" err="1"/>
+              <a:rPr lang="en-US" dirty="0"/>
               <a:t>percona.checksums</a:t>
             </a:r>
             <a:r>
@@ -7831,7 +8081,7 @@
               <a:t>h=</a:t>
             </a:r>
             <a:r>
-              <a:rPr lang="en-US" dirty="0" err="1" smtClean="0"/>
+              <a:rPr lang="en-US" dirty="0" smtClean="0"/>
               <a:t>localhost</a:t>
             </a:r>
             <a:endParaRPr lang="en-US" dirty="0" smtClean="0"/>
@@ -7858,7 +8108,7 @@
               <a:t> :	</a:t>
             </a:r>
             <a:r>
-              <a:rPr lang="en-US" dirty="0" err="1"/>
+              <a:rPr lang="en-US" dirty="0"/>
               <a:t>pt</a:t>
             </a:r>
             <a:r>
@@ -7866,7 +8116,7 @@
               <a:t>-table-sync --sync-to-master --print h=172.16.0.8 --database </a:t>
             </a:r>
             <a:r>
-              <a:rPr lang="en-US" dirty="0" err="1" smtClean="0"/>
+              <a:rPr lang="en-US" dirty="0" smtClean="0"/>
               <a:t>licenta</a:t>
             </a:r>
             <a:endParaRPr lang="ro-RO" dirty="0" smtClean="0"/>
@@ -7882,7 +8132,7 @@
               <a:t> : 	</a:t>
             </a:r>
             <a:r>
-              <a:rPr lang="en-US" dirty="0" err="1"/>
+              <a:rPr lang="en-US" dirty="0"/>
               <a:t>pt</a:t>
             </a:r>
             <a:r>
@@ -7898,7 +8148,7 @@
               <a:t>--database </a:t>
             </a:r>
             <a:r>
-              <a:rPr lang="en-US" dirty="0" err="1"/>
+              <a:rPr lang="en-US" dirty="0"/>
               <a:t>licenta</a:t>
             </a:r>
             <a:endParaRPr lang="en-US" dirty="0"/>
@@ -7944,7 +8194,7 @@
               <a:t>h=</a:t>
             </a:r>
             <a:r>
-              <a:rPr lang="ro-RO" dirty="0" err="1" smtClean="0"/>
+              <a:rPr lang="ro-RO" dirty="0" smtClean="0"/>
               <a:t>localhost</a:t>
             </a:r>
             <a:r>
@@ -8016,7 +8266,7 @@
 </p:sld>
 </file>
 
-<file path=ppt/slides/slide17.xml><?xml version="1.0" encoding="utf-8"?>
+<file path=ppt/slides/slide18.xml><?xml version="1.0" encoding="utf-8"?>
 <p:sld xmlns:a="http://schemas.openxmlformats.org/drawingml/2006/main" xmlns:r="http://schemas.openxmlformats.org/officeDocument/2006/relationships" xmlns:p="http://schemas.openxmlformats.org/presentationml/2006/main">
   <p:cSld>
     <p:spTree>
@@ -8068,7 +8318,7 @@
         </p:nvSpPr>
         <p:spPr>
           <a:xfrm>
-            <a:off x="1410789" y="2255520"/>
+            <a:off x="1302636" y="2613738"/>
             <a:ext cx="8091672" cy="3286583"/>
           </a:xfrm>
         </p:spPr>
@@ -8078,42 +8328,96 @@
           </a:bodyPr>
           <a:lstStyle/>
           <a:p>
-            <a:r>
-              <a:rPr lang="ro-RO" dirty="0" smtClean="0"/>
+            <a:pPr lvl="1"/>
+            <a:r>
+              <a:rPr lang="ro-RO" dirty="0"/>
               <a:t>Aplicații</a:t>
             </a:r>
             <a:r>
-              <a:rPr lang="en-US" dirty="0" smtClean="0"/>
+              <a:rPr lang="en-US" dirty="0"/>
               <a:t> web </a:t>
             </a:r>
             <a:r>
               <a:rPr lang="ro-RO" dirty="0" smtClean="0"/>
               <a:t>moderne</a:t>
             </a:r>
-            <a:r>
-              <a:rPr lang="en-US" dirty="0" smtClean="0"/>
+            <a:endParaRPr lang="en-US" dirty="0" smtClean="0"/>
+          </a:p>
+          <a:p>
+            <a:pPr lvl="1"/>
+            <a:endParaRPr lang="ro-RO" dirty="0"/>
+          </a:p>
+          <a:p>
+            <a:pPr lvl="1"/>
+            <a:r>
+              <a:rPr lang="ro-RO" dirty="0"/>
+              <a:t>Sistemul</a:t>
+            </a:r>
+            <a:r>
+              <a:rPr lang="en-US" dirty="0"/>
+              <a:t> de </a:t>
+            </a:r>
+            <a:r>
+              <a:rPr lang="ro-RO" dirty="0"/>
+              <a:t>gestiune</a:t>
+            </a:r>
+            <a:r>
+              <a:rPr lang="en-US" dirty="0"/>
+              <a:t> al </a:t>
+            </a:r>
+            <a:r>
+              <a:rPr lang="ro-RO" dirty="0"/>
+              <a:t>bazelor</a:t>
+            </a:r>
+            <a:r>
+              <a:rPr lang="en-US" dirty="0"/>
+              <a:t> de date </a:t>
+            </a:r>
+            <a:r>
+              <a:rPr lang="ro-RO" dirty="0" err="1" smtClean="0"/>
+              <a:t>MariaDB</a:t>
+            </a:r>
+            <a:endParaRPr lang="en-US" dirty="0" smtClean="0"/>
+          </a:p>
+          <a:p>
+            <a:pPr lvl="1"/>
+            <a:endParaRPr lang="ro-RO" dirty="0"/>
+          </a:p>
+          <a:p>
+            <a:pPr lvl="1"/>
+            <a:r>
+              <a:rPr lang="ro-RO" dirty="0"/>
+              <a:t>Posibilități</a:t>
+            </a:r>
+            <a:r>
+              <a:rPr lang="en-US" dirty="0"/>
+              <a:t> de </a:t>
+            </a:r>
+            <a:r>
+              <a:rPr lang="ro-RO" dirty="0"/>
+              <a:t>distribuire</a:t>
+            </a:r>
+            <a:r>
+              <a:rPr lang="en-US" dirty="0"/>
               <a:t> </a:t>
             </a:r>
-          </a:p>
-          <a:p>
-            <a:endParaRPr lang="en-US" dirty="0" smtClean="0"/>
-          </a:p>
-          <a:p>
-            <a:r>
-              <a:rPr lang="en-US" dirty="0" smtClean="0"/>
-              <a:t>MariaDB</a:t>
-            </a:r>
-          </a:p>
-          <a:p>
-            <a:endParaRPr lang="en-US" dirty="0" smtClean="0"/>
-          </a:p>
-          <a:p>
-            <a:r>
-              <a:rPr lang="ro-RO" dirty="0" smtClean="0"/>
-              <a:t>Replicare</a:t>
-            </a:r>
-          </a:p>
-          <a:p>
+            <a:r>
+              <a:rPr lang="ro-RO" dirty="0"/>
+              <a:t>și</a:t>
+            </a:r>
+            <a:r>
+              <a:rPr lang="en-US" dirty="0"/>
+              <a:t> </a:t>
+            </a:r>
+            <a:r>
+              <a:rPr lang="ro-RO" dirty="0"/>
+              <a:t>replicare</a:t>
+            </a:r>
+          </a:p>
+          <a:p>
+            <a:pPr marL="0" indent="0">
+              <a:buNone/>
+            </a:pPr>
             <a:endParaRPr lang="en-US" dirty="0" smtClean="0"/>
           </a:p>
           <a:p>
@@ -8141,7 +8445,7 @@
 </p:sld>
 </file>
 
-<file path=ppt/slides/slide18.xml><?xml version="1.0" encoding="utf-8"?>
+<file path=ppt/slides/slide19.xml><?xml version="1.0" encoding="utf-8"?>
 <p:sld xmlns:a="http://schemas.openxmlformats.org/drawingml/2006/main" xmlns:r="http://schemas.openxmlformats.org/officeDocument/2006/relationships" xmlns:p="http://schemas.openxmlformats.org/presentationml/2006/main">
   <p:cSld>
     <p:spTree>
@@ -8325,12 +8629,37 @@
           </a:xfrm>
         </p:spPr>
         <p:txBody>
-          <a:bodyPr/>
+          <a:bodyPr>
+            <a:normAutofit/>
+          </a:bodyPr>
           <a:lstStyle/>
           <a:p>
             <a:r>
               <a:rPr lang="ro-RO" dirty="0" smtClean="0"/>
-              <a:t>Aplicații web moderne</a:t>
+              <a:t>Scopul</a:t>
+            </a:r>
+            <a:r>
+              <a:rPr lang="en-US" dirty="0" smtClean="0"/>
+              <a:t> </a:t>
+            </a:r>
+            <a:r>
+              <a:rPr lang="ro-RO" dirty="0" smtClean="0"/>
+              <a:t>lucrării</a:t>
+            </a:r>
+            <a:endParaRPr lang="ro-RO" dirty="0" smtClean="0"/>
+          </a:p>
+          <a:p>
+            <a:r>
+              <a:rPr lang="ro-RO" dirty="0" smtClean="0"/>
+              <a:t>Aplicații </a:t>
+            </a:r>
+            <a:r>
+              <a:rPr lang="ro-RO" dirty="0" smtClean="0"/>
+              <a:t>web </a:t>
+            </a:r>
+            <a:r>
+              <a:rPr lang="ro-RO" dirty="0" smtClean="0"/>
+              <a:t>moderne</a:t>
             </a:r>
             <a:endParaRPr lang="en-US" dirty="0" smtClean="0"/>
           </a:p>
@@ -8401,48 +8730,44 @@
             </a:r>
             <a:r>
               <a:rPr lang="en-US" dirty="0" smtClean="0"/>
-              <a:t> in cloud</a:t>
+              <a:t> in </a:t>
+            </a:r>
+            <a:r>
+              <a:rPr lang="en-US" dirty="0" smtClean="0"/>
+              <a:t>cloud</a:t>
             </a:r>
           </a:p>
           <a:p>
             <a:r>
               <a:rPr lang="ro-RO" dirty="0" smtClean="0"/>
-              <a:t>Testarea</a:t>
+              <a:t>Concluzii</a:t>
+            </a:r>
+          </a:p>
+          <a:p>
+            <a:r>
+              <a:rPr lang="ro-RO" dirty="0" smtClean="0"/>
+              <a:t>Întrebări</a:t>
             </a:r>
             <a:r>
               <a:rPr lang="en-US" dirty="0" smtClean="0"/>
               <a:t> </a:t>
             </a:r>
             <a:r>
-              <a:rPr lang="ro-RO" dirty="0" smtClean="0"/>
-              <a:t>replicării</a:t>
-            </a:r>
-          </a:p>
-          <a:p>
-            <a:r>
-              <a:rPr lang="ro-RO" dirty="0" smtClean="0"/>
-              <a:t>Testarea</a:t>
-            </a:r>
-            <a:r>
-              <a:rPr lang="en-US" dirty="0" smtClean="0"/>
+              <a:rPr lang="ro-RO" dirty="0"/>
+              <a:t>și</a:t>
+            </a:r>
+            <a:r>
+              <a:rPr lang="en-US" dirty="0"/>
               <a:t> </a:t>
             </a:r>
             <a:r>
-              <a:rPr lang="ro-RO" dirty="0" smtClean="0"/>
-              <a:t>folosind</a:t>
-            </a:r>
-            <a:r>
-              <a:rPr lang="en-US" dirty="0" smtClean="0"/>
-              <a:t> </a:t>
-            </a:r>
-            <a:r>
-              <a:rPr lang="ro-RO" dirty="0" smtClean="0"/>
-              <a:t>Percona</a:t>
-            </a:r>
-            <a:r>
-              <a:rPr lang="en-US" dirty="0" smtClean="0"/>
-              <a:t> Toolkit</a:t>
-            </a:r>
+              <a:rPr lang="ro-RO" dirty="0"/>
+              <a:t>răspunsuri</a:t>
+            </a:r>
+            <a:endParaRPr lang="en-US" dirty="0" smtClean="0"/>
+          </a:p>
+          <a:p>
+            <a:endParaRPr lang="ro-RO" dirty="0" smtClean="0"/>
           </a:p>
           <a:p>
             <a:pPr marL="0" indent="0">
@@ -8509,6 +8834,197 @@
           <a:p>
             <a:r>
               <a:rPr lang="ro-RO" dirty="0" smtClean="0"/>
+              <a:t>Scopul</a:t>
+            </a:r>
+            <a:r>
+              <a:rPr lang="en-US" dirty="0" smtClean="0"/>
+              <a:t> </a:t>
+            </a:r>
+            <a:r>
+              <a:rPr lang="ro-RO" dirty="0" smtClean="0"/>
+              <a:t>lucrării</a:t>
+            </a:r>
+            <a:endParaRPr lang="ro-RO" dirty="0"/>
+          </a:p>
+        </p:txBody>
+      </p:sp>
+      <p:sp>
+        <p:nvSpPr>
+          <p:cNvPr id="3" name="Content Placeholder 2"/>
+          <p:cNvSpPr>
+            <a:spLocks noGrp="1"/>
+          </p:cNvSpPr>
+          <p:nvPr>
+            <p:ph idx="1"/>
+          </p:nvPr>
+        </p:nvSpPr>
+        <p:spPr/>
+        <p:txBody>
+          <a:bodyPr/>
+          <a:lstStyle/>
+          <a:p>
+            <a:r>
+              <a:rPr lang="ro-RO" dirty="0" smtClean="0"/>
+              <a:t>Studiul</a:t>
+            </a:r>
+            <a:r>
+              <a:rPr lang="en-US" dirty="0" smtClean="0"/>
+              <a:t> </a:t>
+            </a:r>
+            <a:r>
+              <a:rPr lang="ro-RO" dirty="0" smtClean="0"/>
+              <a:t>si</a:t>
+            </a:r>
+            <a:r>
+              <a:rPr lang="en-US" dirty="0" smtClean="0"/>
+              <a:t> </a:t>
+            </a:r>
+            <a:r>
+              <a:rPr lang="ro-RO" dirty="0" smtClean="0"/>
+              <a:t>implementarea</a:t>
+            </a:r>
+          </a:p>
+          <a:p>
+            <a:pPr marL="0" indent="0">
+              <a:buNone/>
+            </a:pPr>
+            <a:endParaRPr lang="en-US" dirty="0" smtClean="0"/>
+          </a:p>
+          <a:p>
+            <a:pPr lvl="1"/>
+            <a:r>
+              <a:rPr lang="ro-RO" dirty="0" smtClean="0"/>
+              <a:t>Aplicații</a:t>
+            </a:r>
+            <a:r>
+              <a:rPr lang="en-US" dirty="0" smtClean="0"/>
+              <a:t> web </a:t>
+            </a:r>
+            <a:r>
+              <a:rPr lang="ro-RO" dirty="0" smtClean="0"/>
+              <a:t>moderne</a:t>
+            </a:r>
+          </a:p>
+          <a:p>
+            <a:pPr lvl="1"/>
+            <a:r>
+              <a:rPr lang="ro-RO" dirty="0" smtClean="0"/>
+              <a:t>Sistemul</a:t>
+            </a:r>
+            <a:r>
+              <a:rPr lang="en-US" dirty="0" smtClean="0"/>
+              <a:t> de </a:t>
+            </a:r>
+            <a:r>
+              <a:rPr lang="ro-RO" dirty="0" smtClean="0"/>
+              <a:t>gestiune</a:t>
+            </a:r>
+            <a:r>
+              <a:rPr lang="en-US" dirty="0" smtClean="0"/>
+              <a:t> al </a:t>
+            </a:r>
+            <a:r>
+              <a:rPr lang="ro-RO" dirty="0" smtClean="0"/>
+              <a:t>bazelor</a:t>
+            </a:r>
+            <a:r>
+              <a:rPr lang="en-US" dirty="0" smtClean="0"/>
+              <a:t> de date </a:t>
+            </a:r>
+            <a:r>
+              <a:rPr lang="ro-RO" dirty="0" smtClean="0"/>
+              <a:t>MariaDB</a:t>
+            </a:r>
+            <a:endParaRPr lang="ro-RO" dirty="0" smtClean="0"/>
+          </a:p>
+          <a:p>
+            <a:pPr lvl="1"/>
+            <a:r>
+              <a:rPr lang="ro-RO" dirty="0" smtClean="0"/>
+              <a:t>Posibilități</a:t>
+            </a:r>
+            <a:r>
+              <a:rPr lang="en-US" dirty="0" smtClean="0"/>
+              <a:t> de </a:t>
+            </a:r>
+            <a:r>
+              <a:rPr lang="ro-RO" dirty="0" smtClean="0"/>
+              <a:t>distribuire</a:t>
+            </a:r>
+            <a:r>
+              <a:rPr lang="en-US" dirty="0" smtClean="0"/>
+              <a:t> </a:t>
+            </a:r>
+            <a:r>
+              <a:rPr lang="ro-RO" dirty="0"/>
+              <a:t>ș</a:t>
+            </a:r>
+            <a:r>
+              <a:rPr lang="ro-RO" dirty="0" smtClean="0"/>
+              <a:t>i</a:t>
+            </a:r>
+            <a:r>
+              <a:rPr lang="en-US" dirty="0" smtClean="0"/>
+              <a:t> </a:t>
+            </a:r>
+            <a:r>
+              <a:rPr lang="ro-RO" dirty="0" smtClean="0"/>
+              <a:t>replicare</a:t>
+            </a:r>
+          </a:p>
+          <a:p>
+            <a:pPr lvl="1"/>
+            <a:endParaRPr lang="en-US" dirty="0" smtClean="0"/>
+          </a:p>
+        </p:txBody>
+      </p:sp>
+    </p:spTree>
+    <p:extLst>
+      <p:ext uri="{BB962C8B-B14F-4D97-AF65-F5344CB8AC3E}">
+        <p14:creationId xmlns:p14="http://schemas.microsoft.com/office/powerpoint/2010/main" val="4163646141"/>
+      </p:ext>
+    </p:extLst>
+  </p:cSld>
+  <p:clrMapOvr>
+    <a:masterClrMapping/>
+  </p:clrMapOvr>
+</p:sld>
+</file>
+
+<file path=ppt/slides/slide4.xml><?xml version="1.0" encoding="utf-8"?>
+<p:sld xmlns:a="http://schemas.openxmlformats.org/drawingml/2006/main" xmlns:r="http://schemas.openxmlformats.org/officeDocument/2006/relationships" xmlns:p="http://schemas.openxmlformats.org/presentationml/2006/main">
+  <p:cSld>
+    <p:spTree>
+      <p:nvGrpSpPr>
+        <p:cNvPr id="1" name=""/>
+        <p:cNvGrpSpPr/>
+        <p:nvPr/>
+      </p:nvGrpSpPr>
+      <p:grpSpPr>
+        <a:xfrm>
+          <a:off x="0" y="0"/>
+          <a:ext cx="0" cy="0"/>
+          <a:chOff x="0" y="0"/>
+          <a:chExt cx="0" cy="0"/>
+        </a:xfrm>
+      </p:grpSpPr>
+      <p:sp>
+        <p:nvSpPr>
+          <p:cNvPr id="2" name="Title 1"/>
+          <p:cNvSpPr>
+            <a:spLocks noGrp="1"/>
+          </p:cNvSpPr>
+          <p:nvPr>
+            <p:ph type="title"/>
+          </p:nvPr>
+        </p:nvSpPr>
+        <p:spPr/>
+        <p:txBody>
+          <a:bodyPr/>
+          <a:lstStyle/>
+          <a:p>
+            <a:r>
+              <a:rPr lang="ro-RO" dirty="0" smtClean="0"/>
               <a:t>Aplicații </a:t>
             </a:r>
             <a:r>
@@ -8538,8 +9054,8 @@
         </p:nvSpPr>
         <p:spPr>
           <a:xfrm>
-            <a:off x="3463637" y="1751648"/>
-            <a:ext cx="6677891" cy="4195481"/>
+            <a:off x="3593563" y="1668520"/>
+            <a:ext cx="3509818" cy="4195481"/>
           </a:xfrm>
         </p:spPr>
         <p:txBody>
@@ -8621,7 +9137,7 @@
 </p:sld>
 </file>
 
-<file path=ppt/slides/slide4.xml><?xml version="1.0" encoding="utf-8"?>
+<file path=ppt/slides/slide5.xml><?xml version="1.0" encoding="utf-8"?>
 <p:sld xmlns:a="http://schemas.openxmlformats.org/drawingml/2006/main" xmlns:r="http://schemas.openxmlformats.org/officeDocument/2006/relationships" xmlns:p="http://schemas.openxmlformats.org/presentationml/2006/main">
   <p:cSld>
     <p:spTree>
@@ -8981,7 +9497,7 @@
           </a:prstGeom>
           <a:noFill/>
           <a:effectLst>
-            <a:softEdge rad="25400"/>
+            <a:softEdge rad="38100"/>
           </a:effectLst>
           <a:extLst>
             <a:ext uri="{909E8E84-426E-40DD-AFC4-6F175D3DCCD1}">
@@ -9025,7 +9541,7 @@
           </a:prstGeom>
           <a:noFill/>
           <a:effectLst>
-            <a:softEdge rad="25400"/>
+            <a:softEdge rad="38100"/>
           </a:effectLst>
           <a:extLst>
             <a:ext uri="{909E8E84-426E-40DD-AFC4-6F175D3DCCD1}">
@@ -9069,7 +9585,7 @@
           </a:prstGeom>
           <a:noFill/>
           <a:effectLst>
-            <a:softEdge rad="25400"/>
+            <a:softEdge rad="38100"/>
           </a:effectLst>
           <a:extLst>
             <a:ext uri="{909E8E84-426E-40DD-AFC4-6F175D3DCCD1}">
@@ -9105,7 +9621,7 @@
         </p:blipFill>
         <p:spPr bwMode="auto">
           <a:xfrm>
-            <a:off x="1055019" y="4665621"/>
+            <a:off x="1041452" y="5615405"/>
             <a:ext cx="1209375" cy="411352"/>
           </a:xfrm>
           <a:prstGeom prst="rect">
@@ -9113,7 +9629,7 @@
           </a:prstGeom>
           <a:noFill/>
           <a:effectLst>
-            <a:softEdge rad="25400"/>
+            <a:softEdge rad="38100"/>
           </a:effectLst>
           <a:extLst>
             <a:ext uri="{909E8E84-426E-40DD-AFC4-6F175D3DCCD1}">
@@ -9149,7 +9665,7 @@
         </p:blipFill>
         <p:spPr bwMode="auto">
           <a:xfrm>
-            <a:off x="1049568" y="5296987"/>
+            <a:off x="1049568" y="4646233"/>
             <a:ext cx="1153160" cy="674911"/>
           </a:xfrm>
           <a:prstGeom prst="rect">
@@ -9157,7 +9673,7 @@
           </a:prstGeom>
           <a:noFill/>
           <a:effectLst>
-            <a:softEdge rad="25400"/>
+            <a:softEdge rad="38100"/>
           </a:effectLst>
           <a:extLst>
             <a:ext uri="{909E8E84-426E-40DD-AFC4-6F175D3DCCD1}">
@@ -9201,7 +9717,7 @@
           </a:prstGeom>
           <a:noFill/>
           <a:effectLst>
-            <a:softEdge rad="25400"/>
+            <a:softEdge rad="38100"/>
           </a:effectLst>
           <a:extLst>
             <a:ext uri="{909E8E84-426E-40DD-AFC4-6F175D3DCCD1}">
@@ -9289,7 +9805,7 @@
           </a:prstGeom>
           <a:noFill/>
           <a:effectLst>
-            <a:softEdge rad="25400"/>
+            <a:softEdge rad="38100"/>
           </a:effectLst>
           <a:extLst>
             <a:ext uri="{909E8E84-426E-40DD-AFC4-6F175D3DCCD1}">
@@ -9333,7 +9849,7 @@
           </a:prstGeom>
           <a:noFill/>
           <a:effectLst>
-            <a:softEdge rad="25400"/>
+            <a:softEdge rad="88900"/>
           </a:effectLst>
           <a:extLst>
             <a:ext uri="{909E8E84-426E-40DD-AFC4-6F175D3DCCD1}">
@@ -9390,66 +9906,6 @@
           </a:extLst>
         </p:spPr>
       </p:pic>
-    </p:spTree>
-    <p:extLst>
-      <p:ext uri="{BB962C8B-B14F-4D97-AF65-F5344CB8AC3E}">
-        <p14:creationId xmlns:p14="http://schemas.microsoft.com/office/powerpoint/2010/main" val="2722139756"/>
-      </p:ext>
-    </p:extLst>
-  </p:cSld>
-  <p:clrMapOvr>
-    <a:masterClrMapping/>
-  </p:clrMapOvr>
-  <p:timing>
-    <p:tnLst>
-      <p:par>
-        <p:cTn id="1" dur="indefinite" restart="never" nodeType="tmRoot"/>
-      </p:par>
-    </p:tnLst>
-  </p:timing>
-</p:sld>
-</file>
-
-<file path=ppt/slides/slide5.xml><?xml version="1.0" encoding="utf-8"?>
-<p:sld xmlns:a="http://schemas.openxmlformats.org/drawingml/2006/main" xmlns:r="http://schemas.openxmlformats.org/officeDocument/2006/relationships" xmlns:p="http://schemas.openxmlformats.org/presentationml/2006/main">
-  <p:cSld>
-    <p:spTree>
-      <p:nvGrpSpPr>
-        <p:cNvPr id="1" name=""/>
-        <p:cNvGrpSpPr/>
-        <p:nvPr/>
-      </p:nvGrpSpPr>
-      <p:grpSpPr>
-        <a:xfrm>
-          <a:off x="0" y="0"/>
-          <a:ext cx="0" cy="0"/>
-          <a:chOff x="0" y="0"/>
-          <a:chExt cx="0" cy="0"/>
-        </a:xfrm>
-      </p:grpSpPr>
-      <p:sp>
-        <p:nvSpPr>
-          <p:cNvPr id="2" name="Title 1"/>
-          <p:cNvSpPr>
-            <a:spLocks noGrp="1"/>
-          </p:cNvSpPr>
-          <p:nvPr>
-            <p:ph type="title"/>
-          </p:nvPr>
-        </p:nvSpPr>
-        <p:spPr/>
-        <p:txBody>
-          <a:bodyPr/>
-          <a:lstStyle/>
-          <a:p>
-            <a:r>
-              <a:rPr lang="ro-RO" dirty="0" smtClean="0"/>
-              <a:t>Tehnologii folosite</a:t>
-            </a:r>
-            <a:endParaRPr lang="ro-RO" dirty="0"/>
-          </a:p>
-        </p:txBody>
-      </p:sp>
       <p:pic>
         <p:nvPicPr>
           <p:cNvPr id="4" name="Picture 3"/>
@@ -9459,115 +9915,25 @@
           <p:nvPr/>
         </p:nvPicPr>
         <p:blipFill>
-          <a:blip r:embed="rId2"/>
+          <a:blip r:embed="rId12"/>
           <a:stretch>
             <a:fillRect/>
           </a:stretch>
         </p:blipFill>
         <p:spPr>
           <a:xfrm>
-            <a:off x="4722556" y="1770010"/>
-            <a:ext cx="2360567" cy="454441"/>
+            <a:off x="7183393" y="493161"/>
+            <a:ext cx="2359356" cy="457240"/>
           </a:xfrm>
           <a:prstGeom prst="rect">
             <a:avLst/>
           </a:prstGeom>
-          <a:effectLst>
-            <a:softEdge rad="25400"/>
-          </a:effectLst>
-        </p:spPr>
-      </p:pic>
-      <p:pic>
-        <p:nvPicPr>
-          <p:cNvPr id="2050" name="Picture 2" descr="http://www.tutorial-zone.ro/wp-content/uploads/2013/10/logo-ubuntu.jpg"/>
-          <p:cNvPicPr>
-            <a:picLocks noGrp="1" noChangeAspect="1" noChangeArrowheads="1"/>
-          </p:cNvPicPr>
-          <p:nvPr>
-            <p:ph idx="1"/>
-          </p:nvPr>
-        </p:nvPicPr>
-        <p:blipFill>
-          <a:blip r:embed="rId3" cstate="print">
-            <a:extLst>
-              <a:ext uri="{28A0092B-C50C-407E-A947-70E740481C1C}">
-                <a14:useLocalDpi xmlns:a14="http://schemas.microsoft.com/office/drawing/2010/main" val="0"/>
-              </a:ext>
-            </a:extLst>
-          </a:blip>
-          <a:srcRect/>
-          <a:stretch>
-            <a:fillRect/>
-          </a:stretch>
-        </p:blipFill>
-        <p:spPr bwMode="auto">
-          <a:xfrm>
-            <a:off x="5265708" y="3170540"/>
-            <a:ext cx="1274262" cy="1056322"/>
-          </a:xfrm>
-          <a:prstGeom prst="rect">
-            <a:avLst/>
-          </a:prstGeom>
-          <a:noFill/>
-          <a:effectLst>
-            <a:softEdge rad="25400"/>
-          </a:effectLst>
-          <a:extLst>
-            <a:ext uri="{909E8E84-426E-40DD-AFC4-6F175D3DCCD1}">
-              <a14:hiddenFill xmlns:a14="http://schemas.microsoft.com/office/drawing/2010/main">
-                <a:solidFill>
-                  <a:srgbClr val="FFFFFF"/>
-                </a:solidFill>
-              </a14:hiddenFill>
-            </a:ext>
-          </a:extLst>
-        </p:spPr>
-      </p:pic>
-      <p:pic>
-        <p:nvPicPr>
-          <p:cNvPr id="2052" name="Picture 4" descr="http://upload.wikimedia.org/wikipedia/commons/f/ff/Windows_Azure_logo.png"/>
-          <p:cNvPicPr>
-            <a:picLocks noChangeAspect="1" noChangeArrowheads="1"/>
-          </p:cNvPicPr>
-          <p:nvPr/>
-        </p:nvPicPr>
-        <p:blipFill>
-          <a:blip r:embed="rId4">
-            <a:extLst>
-              <a:ext uri="{28A0092B-C50C-407E-A947-70E740481C1C}">
-                <a14:useLocalDpi xmlns:a14="http://schemas.microsoft.com/office/drawing/2010/main" val="0"/>
-              </a:ext>
-            </a:extLst>
-          </a:blip>
-          <a:srcRect/>
-          <a:stretch>
-            <a:fillRect/>
-          </a:stretch>
-        </p:blipFill>
-        <p:spPr bwMode="auto">
-          <a:xfrm>
-            <a:off x="4277777" y="5172951"/>
-            <a:ext cx="3250123" cy="477291"/>
-          </a:xfrm>
-          <a:prstGeom prst="rect">
-            <a:avLst/>
-          </a:prstGeom>
-          <a:noFill/>
-          <a:extLst>
-            <a:ext uri="{909E8E84-426E-40DD-AFC4-6F175D3DCCD1}">
-              <a14:hiddenFill xmlns:a14="http://schemas.microsoft.com/office/drawing/2010/main">
-                <a:solidFill>
-                  <a:srgbClr val="FFFFFF"/>
-                </a:solidFill>
-              </a14:hiddenFill>
-            </a:ext>
-          </a:extLst>
         </p:spPr>
       </p:pic>
     </p:spTree>
     <p:extLst>
       <p:ext uri="{BB962C8B-B14F-4D97-AF65-F5344CB8AC3E}">
-        <p14:creationId xmlns:p14="http://schemas.microsoft.com/office/powerpoint/2010/main" val="2112928333"/>
+        <p14:creationId xmlns:p14="http://schemas.microsoft.com/office/powerpoint/2010/main" val="2722139756"/>
       </p:ext>
     </p:extLst>
   </p:cSld>
@@ -9820,6 +10186,110 @@
             <p:ph type="title"/>
           </p:nvPr>
         </p:nvSpPr>
+        <p:spPr>
+          <a:xfrm>
+            <a:off x="516802" y="2521663"/>
+            <a:ext cx="4332289" cy="3943792"/>
+          </a:xfrm>
+        </p:spPr>
+        <p:txBody>
+          <a:bodyPr/>
+          <a:lstStyle/>
+          <a:p>
+            <a:r>
+              <a:rPr lang="ro-RO" dirty="0" smtClean="0"/>
+              <a:t>Aplicația</a:t>
+            </a:r>
+            <a:r>
+              <a:rPr lang="en-US" dirty="0" smtClean="0"/>
+              <a:t> </a:t>
+            </a:r>
+            <a:r>
+              <a:rPr lang="ro-RO" dirty="0" smtClean="0"/>
+              <a:t>implementat</a:t>
+            </a:r>
+            <a:r>
+              <a:rPr lang="ro-RO" dirty="0"/>
+              <a:t>ă</a:t>
+            </a:r>
+          </a:p>
+        </p:txBody>
+      </p:sp>
+      <p:pic>
+        <p:nvPicPr>
+          <p:cNvPr id="4" name="Content Placeholder 3"/>
+          <p:cNvPicPr>
+            <a:picLocks noGrp="1"/>
+          </p:cNvPicPr>
+          <p:nvPr>
+            <p:ph idx="1"/>
+          </p:nvPr>
+        </p:nvPicPr>
+        <p:blipFill>
+          <a:blip r:embed="rId2">
+            <a:extLst>
+              <a:ext uri="{28A0092B-C50C-407E-A947-70E740481C1C}">
+                <a14:useLocalDpi xmlns:a14="http://schemas.microsoft.com/office/drawing/2010/main" val="0"/>
+              </a:ext>
+            </a:extLst>
+          </a:blip>
+          <a:stretch>
+            <a:fillRect/>
+          </a:stretch>
+        </p:blipFill>
+        <p:spPr>
+          <a:xfrm>
+            <a:off x="4849091" y="73891"/>
+            <a:ext cx="4895274" cy="6677891"/>
+          </a:xfrm>
+          <a:prstGeom prst="rect">
+            <a:avLst/>
+          </a:prstGeom>
+          <a:effectLst>
+            <a:softEdge rad="38100"/>
+          </a:effectLst>
+        </p:spPr>
+      </p:pic>
+    </p:spTree>
+    <p:extLst>
+      <p:ext uri="{BB962C8B-B14F-4D97-AF65-F5344CB8AC3E}">
+        <p14:creationId xmlns:p14="http://schemas.microsoft.com/office/powerpoint/2010/main" val="4027119955"/>
+      </p:ext>
+    </p:extLst>
+  </p:cSld>
+  <p:clrMapOvr>
+    <a:masterClrMapping/>
+  </p:clrMapOvr>
+</p:sld>
+</file>
+
+<file path=ppt/slides/slide8.xml><?xml version="1.0" encoding="utf-8"?>
+<p:sld xmlns:a="http://schemas.openxmlformats.org/drawingml/2006/main" xmlns:r="http://schemas.openxmlformats.org/officeDocument/2006/relationships" xmlns:p="http://schemas.openxmlformats.org/presentationml/2006/main">
+  <p:cSld>
+    <p:spTree>
+      <p:nvGrpSpPr>
+        <p:cNvPr id="1" name=""/>
+        <p:cNvGrpSpPr/>
+        <p:nvPr/>
+      </p:nvGrpSpPr>
+      <p:grpSpPr>
+        <a:xfrm>
+          <a:off x="0" y="0"/>
+          <a:ext cx="0" cy="0"/>
+          <a:chOff x="0" y="0"/>
+          <a:chExt cx="0" cy="0"/>
+        </a:xfrm>
+      </p:grpSpPr>
+      <p:sp>
+        <p:nvSpPr>
+          <p:cNvPr id="2" name="Title 1"/>
+          <p:cNvSpPr>
+            <a:spLocks noGrp="1"/>
+          </p:cNvSpPr>
+          <p:nvPr>
+            <p:ph type="title"/>
+          </p:nvPr>
+        </p:nvSpPr>
         <p:spPr/>
         <p:txBody>
           <a:bodyPr/>
@@ -9939,8 +10409,8 @@
         </p:blipFill>
         <p:spPr>
           <a:xfrm>
-            <a:off x="2856413" y="1853248"/>
-            <a:ext cx="5886992" cy="3852357"/>
+            <a:off x="2846986" y="1938090"/>
+            <a:ext cx="5667257" cy="3708566"/>
           </a:xfrm>
           <a:prstGeom prst="rect">
             <a:avLst/>
@@ -9970,7 +10440,7 @@
 </p:sld>
 </file>
 
-<file path=ppt/slides/slide8.xml><?xml version="1.0" encoding="utf-8"?>
+<file path=ppt/slides/slide9.xml><?xml version="1.0" encoding="utf-8"?>
 <p:sld xmlns:a="http://schemas.openxmlformats.org/drawingml/2006/main" xmlns:r="http://schemas.openxmlformats.org/officeDocument/2006/relationships" xmlns:p="http://schemas.openxmlformats.org/presentationml/2006/main">
   <p:cSld>
     <p:spTree>
@@ -10195,199 +10665,6 @@
     <p:extLst>
       <p:ext uri="{BB962C8B-B14F-4D97-AF65-F5344CB8AC3E}">
         <p14:creationId xmlns:p14="http://schemas.microsoft.com/office/powerpoint/2010/main" val="82284249"/>
-      </p:ext>
-    </p:extLst>
-  </p:cSld>
-  <p:clrMapOvr>
-    <a:masterClrMapping/>
-  </p:clrMapOvr>
-  <p:timing>
-    <p:tnLst>
-      <p:par>
-        <p:cTn id="1" dur="indefinite" restart="never" nodeType="tmRoot"/>
-      </p:par>
-    </p:tnLst>
-  </p:timing>
-</p:sld>
-</file>
-
-<file path=ppt/slides/slide9.xml><?xml version="1.0" encoding="utf-8"?>
-<p:sld xmlns:a="http://schemas.openxmlformats.org/drawingml/2006/main" xmlns:r="http://schemas.openxmlformats.org/officeDocument/2006/relationships" xmlns:p="http://schemas.openxmlformats.org/presentationml/2006/main">
-  <p:cSld>
-    <p:spTree>
-      <p:nvGrpSpPr>
-        <p:cNvPr id="1" name=""/>
-        <p:cNvGrpSpPr/>
-        <p:nvPr/>
-      </p:nvGrpSpPr>
-      <p:grpSpPr>
-        <a:xfrm>
-          <a:off x="0" y="0"/>
-          <a:ext cx="0" cy="0"/>
-          <a:chOff x="0" y="0"/>
-          <a:chExt cx="0" cy="0"/>
-        </a:xfrm>
-      </p:grpSpPr>
-      <p:sp>
-        <p:nvSpPr>
-          <p:cNvPr id="2" name="Title 1"/>
-          <p:cNvSpPr>
-            <a:spLocks noGrp="1"/>
-          </p:cNvSpPr>
-          <p:nvPr>
-            <p:ph type="title"/>
-          </p:nvPr>
-        </p:nvSpPr>
-        <p:spPr/>
-        <p:txBody>
-          <a:bodyPr/>
-          <a:lstStyle/>
-          <a:p>
-            <a:r>
-              <a:rPr lang="ro-RO" dirty="0" smtClean="0"/>
-              <a:t>Aplicația</a:t>
-            </a:r>
-            <a:r>
-              <a:rPr lang="en-US" dirty="0" smtClean="0"/>
-              <a:t> implementat</a:t>
-            </a:r>
-            <a:r>
-              <a:rPr lang="ro-RO" dirty="0"/>
-              <a:t>ă</a:t>
-            </a:r>
-          </a:p>
-        </p:txBody>
-      </p:sp>
-      <p:sp>
-        <p:nvSpPr>
-          <p:cNvPr id="3" name="Content Placeholder 2"/>
-          <p:cNvSpPr>
-            <a:spLocks noGrp="1"/>
-          </p:cNvSpPr>
-          <p:nvPr>
-            <p:ph idx="1"/>
-          </p:nvPr>
-        </p:nvSpPr>
-        <p:spPr>
-          <a:xfrm>
-            <a:off x="1225231" y="2331592"/>
-            <a:ext cx="8946541" cy="3328979"/>
-          </a:xfrm>
-        </p:spPr>
-        <p:txBody>
-          <a:bodyPr/>
-          <a:lstStyle/>
-          <a:p>
-            <a:r>
-              <a:rPr lang="ro-RO" dirty="0" smtClean="0"/>
-              <a:t>Administrare</a:t>
-            </a:r>
-          </a:p>
-          <a:p>
-            <a:endParaRPr lang="en-US" dirty="0"/>
-          </a:p>
-          <a:p>
-            <a:endParaRPr lang="en-US" dirty="0" smtClean="0"/>
-          </a:p>
-          <a:p>
-            <a:r>
-              <a:rPr lang="ro-RO" dirty="0" smtClean="0"/>
-              <a:t>Autentificare</a:t>
-            </a:r>
-          </a:p>
-          <a:p>
-            <a:endParaRPr lang="ro-RO" dirty="0"/>
-          </a:p>
-          <a:p>
-            <a:endParaRPr lang="ro-RO" dirty="0"/>
-          </a:p>
-          <a:p>
-            <a:endParaRPr lang="en-US" dirty="0" smtClean="0"/>
-          </a:p>
-          <a:p>
-            <a:endParaRPr lang="en-US" dirty="0"/>
-          </a:p>
-          <a:p>
-            <a:endParaRPr lang="en-US" dirty="0" smtClean="0"/>
-          </a:p>
-          <a:p>
-            <a:pPr marL="0" indent="0">
-              <a:buNone/>
-            </a:pPr>
-            <a:endParaRPr lang="ro-RO" dirty="0" smtClean="0"/>
-          </a:p>
-          <a:p>
-            <a:endParaRPr lang="ro-RO" dirty="0" smtClean="0"/>
-          </a:p>
-        </p:txBody>
-      </p:sp>
-      <p:pic>
-        <p:nvPicPr>
-          <p:cNvPr id="4" name="Picture 3"/>
-          <p:cNvPicPr>
-            <a:picLocks noChangeAspect="1"/>
-          </p:cNvPicPr>
-          <p:nvPr/>
-        </p:nvPicPr>
-        <p:blipFill>
-          <a:blip r:embed="rId2"/>
-          <a:stretch>
-            <a:fillRect/>
-          </a:stretch>
-        </p:blipFill>
-        <p:spPr>
-          <a:xfrm>
-            <a:off x="6110839" y="3186184"/>
-            <a:ext cx="2017951" cy="3084843"/>
-          </a:xfrm>
-          <a:prstGeom prst="rect">
-            <a:avLst/>
-          </a:prstGeom>
-          <a:effectLst>
-            <a:softEdge rad="50800"/>
-          </a:effectLst>
-        </p:spPr>
-      </p:pic>
-      <p:pic>
-        <p:nvPicPr>
-          <p:cNvPr id="5" name="Picture 4"/>
-          <p:cNvPicPr/>
-          <p:nvPr/>
-        </p:nvPicPr>
-        <p:blipFill>
-          <a:blip r:embed="rId3">
-            <a:extLst>
-              <a:ext uri="{28A0092B-C50C-407E-A947-70E740481C1C}">
-                <a14:useLocalDpi xmlns:a14="http://schemas.microsoft.com/office/drawing/2010/main" val="0"/>
-              </a:ext>
-            </a:extLst>
-          </a:blip>
-          <a:srcRect/>
-          <a:stretch>
-            <a:fillRect/>
-          </a:stretch>
-        </p:blipFill>
-        <p:spPr bwMode="auto">
-          <a:xfrm>
-            <a:off x="4524253" y="2022271"/>
-            <a:ext cx="5191125" cy="476250"/>
-          </a:xfrm>
-          <a:prstGeom prst="rect">
-            <a:avLst/>
-          </a:prstGeom>
-          <a:noFill/>
-          <a:ln>
-            <a:noFill/>
-          </a:ln>
-          <a:effectLst>
-            <a:softEdge rad="50800"/>
-          </a:effectLst>
-        </p:spPr>
-      </p:pic>
-    </p:spTree>
-    <p:extLst>
-      <p:ext uri="{BB962C8B-B14F-4D97-AF65-F5344CB8AC3E}">
-        <p14:creationId xmlns:p14="http://schemas.microsoft.com/office/powerpoint/2010/main" val="3198695711"/>
       </p:ext>
     </p:extLst>
   </p:cSld>

--- a/documentation/Prezentare_Licenta_Matragociu_Bogdan.pptx
+++ b/documentation/Prezentare_Licenta_Matragociu_Bogdan.pptx
@@ -316,7 +316,7 @@
           <a:p>
             <a:fld id="{A4A4BF8C-F7B3-4F9F-B0A2-43022B6A3DD2}" type="datetimeFigureOut">
               <a:rPr lang="en-US" smtClean="0"/>
-              <a:t>7/2/2014</a:t>
+              <a:t>7/3/2014</a:t>
             </a:fld>
             <a:endParaRPr lang="en-US" dirty="0"/>
           </a:p>
@@ -591,7 +591,7 @@
           <a:p>
             <a:fld id="{A4A4BF8C-F7B3-4F9F-B0A2-43022B6A3DD2}" type="datetimeFigureOut">
               <a:rPr lang="en-US" smtClean="0"/>
-              <a:t>7/2/2014</a:t>
+              <a:t>7/3/2014</a:t>
             </a:fld>
             <a:endParaRPr lang="en-US" dirty="0"/>
           </a:p>
@@ -785,7 +785,7 @@
           <a:p>
             <a:fld id="{A4A4BF8C-F7B3-4F9F-B0A2-43022B6A3DD2}" type="datetimeFigureOut">
               <a:rPr lang="en-US" smtClean="0"/>
-              <a:t>7/2/2014</a:t>
+              <a:t>7/3/2014</a:t>
             </a:fld>
             <a:endParaRPr lang="en-US" dirty="0"/>
           </a:p>
@@ -1058,7 +1058,7 @@
           <a:p>
             <a:fld id="{A4A4BF8C-F7B3-4F9F-B0A2-43022B6A3DD2}" type="datetimeFigureOut">
               <a:rPr lang="en-US" smtClean="0"/>
-              <a:t>7/2/2014</a:t>
+              <a:t>7/3/2014</a:t>
             </a:fld>
             <a:endParaRPr lang="en-US" dirty="0"/>
           </a:p>
@@ -1399,7 +1399,7 @@
           <a:p>
             <a:fld id="{A4A4BF8C-F7B3-4F9F-B0A2-43022B6A3DD2}" type="datetimeFigureOut">
               <a:rPr lang="en-US" smtClean="0"/>
-              <a:t>7/2/2014</a:t>
+              <a:t>7/3/2014</a:t>
             </a:fld>
             <a:endParaRPr lang="en-US" dirty="0"/>
           </a:p>
@@ -2022,7 +2022,7 @@
           <a:p>
             <a:fld id="{A4A4BF8C-F7B3-4F9F-B0A2-43022B6A3DD2}" type="datetimeFigureOut">
               <a:rPr lang="en-US" smtClean="0"/>
-              <a:t>7/2/2014</a:t>
+              <a:t>7/3/2014</a:t>
             </a:fld>
             <a:endParaRPr lang="en-US" dirty="0"/>
           </a:p>
@@ -2882,7 +2882,7 @@
           <a:p>
             <a:fld id="{A4A4BF8C-F7B3-4F9F-B0A2-43022B6A3DD2}" type="datetimeFigureOut">
               <a:rPr lang="en-US" smtClean="0"/>
-              <a:t>7/2/2014</a:t>
+              <a:t>7/3/2014</a:t>
             </a:fld>
             <a:endParaRPr lang="en-US" dirty="0"/>
           </a:p>
@@ -3052,7 +3052,7 @@
           <a:p>
             <a:fld id="{A4A4BF8C-F7B3-4F9F-B0A2-43022B6A3DD2}" type="datetimeFigureOut">
               <a:rPr lang="en-US" smtClean="0"/>
-              <a:t>7/2/2014</a:t>
+              <a:t>7/3/2014</a:t>
             </a:fld>
             <a:endParaRPr lang="en-US" dirty="0"/>
           </a:p>
@@ -3232,7 +3232,7 @@
           <a:p>
             <a:fld id="{A4A4BF8C-F7B3-4F9F-B0A2-43022B6A3DD2}" type="datetimeFigureOut">
               <a:rPr lang="en-US" smtClean="0"/>
-              <a:t>7/2/2014</a:t>
+              <a:t>7/3/2014</a:t>
             </a:fld>
             <a:endParaRPr lang="en-US" dirty="0"/>
           </a:p>
@@ -3402,7 +3402,7 @@
           <a:p>
             <a:fld id="{A4A4BF8C-F7B3-4F9F-B0A2-43022B6A3DD2}" type="datetimeFigureOut">
               <a:rPr lang="en-US" smtClean="0"/>
-              <a:t>7/2/2014</a:t>
+              <a:t>7/3/2014</a:t>
             </a:fld>
             <a:endParaRPr lang="en-US" dirty="0"/>
           </a:p>
@@ -3649,7 +3649,7 @@
           <a:p>
             <a:fld id="{A4A4BF8C-F7B3-4F9F-B0A2-43022B6A3DD2}" type="datetimeFigureOut">
               <a:rPr lang="en-US" smtClean="0"/>
-              <a:t>7/2/2014</a:t>
+              <a:t>7/3/2014</a:t>
             </a:fld>
             <a:endParaRPr lang="en-US" dirty="0"/>
           </a:p>
@@ -3941,7 +3941,7 @@
           <a:p>
             <a:fld id="{A4A4BF8C-F7B3-4F9F-B0A2-43022B6A3DD2}" type="datetimeFigureOut">
               <a:rPr lang="en-US" smtClean="0"/>
-              <a:t>7/2/2014</a:t>
+              <a:t>7/3/2014</a:t>
             </a:fld>
             <a:endParaRPr lang="en-US" dirty="0"/>
           </a:p>
@@ -4385,7 +4385,7 @@
           <a:p>
             <a:fld id="{A4A4BF8C-F7B3-4F9F-B0A2-43022B6A3DD2}" type="datetimeFigureOut">
               <a:rPr lang="en-US" smtClean="0"/>
-              <a:t>7/2/2014</a:t>
+              <a:t>7/3/2014</a:t>
             </a:fld>
             <a:endParaRPr lang="en-US" dirty="0"/>
           </a:p>
@@ -4503,7 +4503,7 @@
           <a:p>
             <a:fld id="{A4A4BF8C-F7B3-4F9F-B0A2-43022B6A3DD2}" type="datetimeFigureOut">
               <a:rPr lang="en-US" smtClean="0"/>
-              <a:t>7/2/2014</a:t>
+              <a:t>7/3/2014</a:t>
             </a:fld>
             <a:endParaRPr lang="en-US" dirty="0"/>
           </a:p>
@@ -4598,7 +4598,7 @@
           <a:p>
             <a:fld id="{A4A4BF8C-F7B3-4F9F-B0A2-43022B6A3DD2}" type="datetimeFigureOut">
               <a:rPr lang="en-US" smtClean="0"/>
-              <a:t>7/2/2014</a:t>
+              <a:t>7/3/2014</a:t>
             </a:fld>
             <a:endParaRPr lang="en-US" dirty="0"/>
           </a:p>
@@ -4877,7 +4877,7 @@
           <a:p>
             <a:fld id="{A4A4BF8C-F7B3-4F9F-B0A2-43022B6A3DD2}" type="datetimeFigureOut">
               <a:rPr lang="en-US" smtClean="0"/>
-              <a:t>7/2/2014</a:t>
+              <a:t>7/3/2014</a:t>
             </a:fld>
             <a:endParaRPr lang="en-US" dirty="0"/>
           </a:p>
@@ -5152,7 +5152,7 @@
           <a:p>
             <a:fld id="{A4A4BF8C-F7B3-4F9F-B0A2-43022B6A3DD2}" type="datetimeFigureOut">
               <a:rPr lang="en-US" smtClean="0"/>
-              <a:t>7/2/2014</a:t>
+              <a:t>7/3/2014</a:t>
             </a:fld>
             <a:endParaRPr lang="en-US" dirty="0"/>
           </a:p>
@@ -5581,7 +5581,7 @@
           <a:p>
             <a:fld id="{A4A4BF8C-F7B3-4F9F-B0A2-43022B6A3DD2}" type="datetimeFigureOut">
               <a:rPr lang="en-US" smtClean="0"/>
-              <a:t>7/2/2014</a:t>
+              <a:t>7/3/2014</a:t>
             </a:fld>
             <a:endParaRPr lang="en-US" dirty="0"/>
           </a:p>
@@ -6515,6 +6515,13 @@
   <p:clrMapOvr>
     <a:masterClrMapping/>
   </p:clrMapOvr>
+  <p:timing>
+    <p:tnLst>
+      <p:par>
+        <p:cTn id="1" dur="indefinite" restart="never" nodeType="tmRoot"/>
+      </p:par>
+    </p:tnLst>
+  </p:timing>
 </p:sld>
 </file>
 
@@ -6604,7 +6611,6 @@
               <a:rPr lang="en-US" dirty="0" smtClean="0"/>
               <a:t>my.cnf</a:t>
             </a:r>
-            <a:endParaRPr lang="en-US" dirty="0" smtClean="0"/>
           </a:p>
           <a:p>
             <a:pPr marL="0" indent="0">
@@ -6612,15 +6618,7 @@
             </a:pPr>
             <a:r>
               <a:rPr lang="en-US" dirty="0"/>
-              <a:t>log-</a:t>
-            </a:r>
-            <a:r>
-              <a:rPr lang="en-US" dirty="0"/>
-              <a:t>basename</a:t>
-            </a:r>
-            <a:r>
-              <a:rPr lang="en-US" dirty="0"/>
-              <a:t>=master</a:t>
+              <a:t>log-basename=master</a:t>
             </a:r>
           </a:p>
           <a:p>
@@ -6638,11 +6636,7 @@
             </a:pPr>
             <a:r>
               <a:rPr lang="en-US" dirty="0"/>
-              <a:t>binlog</a:t>
-            </a:r>
-            <a:r>
-              <a:rPr lang="en-US" dirty="0"/>
-              <a:t>-format=row</a:t>
+              <a:t>binlog-format=row</a:t>
             </a:r>
           </a:p>
           <a:p>
@@ -6651,11 +6645,7 @@
             </a:pPr>
             <a:r>
               <a:rPr lang="en-US" dirty="0" smtClean="0"/>
-              <a:t>server_id</a:t>
-            </a:r>
-            <a:r>
-              <a:rPr lang="en-US" dirty="0" smtClean="0"/>
-              <a:t>=1</a:t>
+              <a:t>server_id=1</a:t>
             </a:r>
           </a:p>
           <a:p>
@@ -6674,19 +6664,7 @@
             </a:r>
             <a:r>
               <a:rPr lang="en-US" dirty="0" smtClean="0"/>
-              <a:t>utilizator_replicare</a:t>
-            </a:r>
-            <a:r>
-              <a:rPr lang="en-US" dirty="0" smtClean="0"/>
-              <a:t> IDENTIFIED BY ‘</a:t>
-            </a:r>
-            <a:r>
-              <a:rPr lang="en-US" dirty="0" smtClean="0"/>
-              <a:t>parola</a:t>
-            </a:r>
-            <a:r>
-              <a:rPr lang="en-US" dirty="0" smtClean="0"/>
-              <a:t>’;</a:t>
+              <a:t>utilizator_replicare IDENTIFIED BY ‘parola’;</a:t>
             </a:r>
           </a:p>
           <a:p>
@@ -7011,15 +6989,7 @@
             </a:r>
             <a:r>
               <a:rPr lang="en-US" dirty="0" smtClean="0"/>
-              <a:t>=‘</a:t>
-            </a:r>
-            <a:r>
-              <a:rPr lang="en-US" dirty="0" smtClean="0"/>
-              <a:t>utilizator_replicare</a:t>
-            </a:r>
-            <a:r>
-              <a:rPr lang="en-US" dirty="0" smtClean="0"/>
-              <a:t>',</a:t>
+              <a:t>=‘utilizator_replicare',</a:t>
             </a:r>
             <a:endParaRPr lang="en-US" dirty="0"/>
           </a:p>
@@ -7033,15 +7003,7 @@
             </a:r>
             <a:r>
               <a:rPr lang="en-US" dirty="0" smtClean="0"/>
-              <a:t>MASTER_PASSWORD=‘</a:t>
-            </a:r>
-            <a:r>
-              <a:rPr lang="en-US" dirty="0" smtClean="0"/>
-              <a:t>parola</a:t>
-            </a:r>
-            <a:r>
-              <a:rPr lang="en-US" dirty="0" smtClean="0"/>
-              <a:t>’,</a:t>
+              <a:t>MASTER_PASSWORD=‘parola’,</a:t>
             </a:r>
             <a:endParaRPr lang="en-US" dirty="0"/>
           </a:p>
@@ -7812,13 +7774,8 @@
             </a:r>
             <a:r>
               <a:rPr lang="en-US" dirty="0" smtClean="0"/>
-              <a:t>: 172.16.0.4 </a:t>
-            </a:r>
-            <a:r>
-              <a:rPr lang="en-US" dirty="0" smtClean="0"/>
-              <a:t>  &gt;  172.16.0.8</a:t>
-            </a:r>
-            <a:endParaRPr lang="en-US" dirty="0" smtClean="0"/>
+              <a:t>: 172.16.0.4   &gt;  172.16.0.8</a:t>
+            </a:r>
           </a:p>
           <a:p>
             <a:pPr lvl="1"/>
@@ -7836,11 +7793,7 @@
             </a:r>
             <a:r>
               <a:rPr lang="en-US" dirty="0" smtClean="0"/>
-              <a:t> </a:t>
-            </a:r>
-            <a:r>
-              <a:rPr lang="en-US" dirty="0" smtClean="0"/>
-              <a:t>de ban</a:t>
+              <a:t> de ban</a:t>
             </a:r>
             <a:r>
               <a:rPr lang="ro-RO" dirty="0" smtClean="0"/>
@@ -7848,11 +7801,7 @@
             </a:r>
             <a:r>
               <a:rPr lang="en-US" dirty="0" smtClean="0"/>
-              <a:t> : 100 </a:t>
-            </a:r>
-            <a:r>
-              <a:rPr lang="en-US" dirty="0" smtClean="0"/>
-              <a:t>Mbps</a:t>
+              <a:t> : 100 Mbps</a:t>
             </a:r>
           </a:p>
           <a:p>
@@ -7865,7 +7814,6 @@
               <a:rPr lang="en-US" dirty="0" smtClean="0"/>
               <a:t> : Europa de vest</a:t>
             </a:r>
-            <a:endParaRPr lang="en-US" dirty="0" smtClean="0"/>
           </a:p>
           <a:p>
             <a:pPr marL="457200" lvl="1" indent="0">
@@ -8054,37 +8002,12 @@
             </a:r>
             <a:r>
               <a:rPr lang="en-US" dirty="0"/>
-              <a:t>pt</a:t>
-            </a:r>
-            <a:r>
-              <a:rPr lang="en-US" dirty="0"/>
-              <a:t>-table-checksum -d </a:t>
-            </a:r>
-            <a:r>
-              <a:rPr lang="en-US" dirty="0"/>
-              <a:t>licenta</a:t>
-            </a:r>
-            <a:r>
-              <a:rPr lang="en-US" dirty="0"/>
-              <a:t> --replicate </a:t>
-            </a:r>
-            <a:r>
-              <a:rPr lang="en-US" dirty="0"/>
-              <a:t>percona.checksums</a:t>
-            </a:r>
-            <a:r>
-              <a:rPr lang="en-US" dirty="0"/>
-              <a:t> </a:t>
+              <a:t>pt-table-checksum -d licenta --replicate percona.checksums </a:t>
             </a:r>
             <a:r>
               <a:rPr lang="en-US" dirty="0" smtClean="0"/>
-              <a:t>h=</a:t>
-            </a:r>
-            <a:r>
-              <a:rPr lang="en-US" dirty="0" smtClean="0"/>
-              <a:t>localhost</a:t>
-            </a:r>
-            <a:endParaRPr lang="en-US" dirty="0" smtClean="0"/>
+              <a:t>h=localhost</a:t>
+            </a:r>
           </a:p>
           <a:p>
             <a:pPr lvl="1"/>
@@ -8109,11 +8032,7 @@
             </a:r>
             <a:r>
               <a:rPr lang="en-US" dirty="0"/>
-              <a:t>pt</a:t>
-            </a:r>
-            <a:r>
-              <a:rPr lang="en-US" dirty="0"/>
-              <a:t>-table-sync --sync-to-master --print h=172.16.0.8 --database </a:t>
+              <a:t>pt-table-sync --sync-to-master --print h=172.16.0.8 --database </a:t>
             </a:r>
             <a:r>
               <a:rPr lang="en-US" dirty="0" smtClean="0"/>
@@ -8133,11 +8052,7 @@
             </a:r>
             <a:r>
               <a:rPr lang="en-US" dirty="0"/>
-              <a:t>pt</a:t>
-            </a:r>
-            <a:r>
-              <a:rPr lang="en-US" dirty="0"/>
-              <a:t>-table-sync --sync-to-master </a:t>
+              <a:t>pt-table-sync --sync-to-master </a:t>
             </a:r>
             <a:r>
               <a:rPr lang="en-US" dirty="0" smtClean="0"/>
@@ -8145,13 +8060,8 @@
             </a:r>
             <a:r>
               <a:rPr lang="en-US" dirty="0"/>
-              <a:t>--database </a:t>
-            </a:r>
-            <a:r>
-              <a:rPr lang="en-US" dirty="0"/>
-              <a:t>licenta</a:t>
-            </a:r>
-            <a:endParaRPr lang="en-US" dirty="0"/>
+              <a:t>--database licenta</a:t>
+            </a:r>
           </a:p>
           <a:p>
             <a:endParaRPr lang="ro-RO" dirty="0"/>
@@ -8191,11 +8101,7 @@
             </a:r>
             <a:r>
               <a:rPr lang="ro-RO" dirty="0" smtClean="0"/>
-              <a:t>h=</a:t>
-            </a:r>
-            <a:r>
-              <a:rPr lang="ro-RO" dirty="0" smtClean="0"/>
-              <a:t>localhost</a:t>
+              <a:t>h=localhost</a:t>
             </a:r>
             <a:r>
               <a:rPr lang="en-US" dirty="0" smtClean="0"/>
@@ -8646,20 +8552,11 @@
               <a:rPr lang="ro-RO" dirty="0" smtClean="0"/>
               <a:t>lucrării</a:t>
             </a:r>
-            <a:endParaRPr lang="ro-RO" dirty="0" smtClean="0"/>
           </a:p>
           <a:p>
             <a:r>
               <a:rPr lang="ro-RO" dirty="0" smtClean="0"/>
-              <a:t>Aplicații </a:t>
-            </a:r>
-            <a:r>
-              <a:rPr lang="ro-RO" dirty="0" smtClean="0"/>
-              <a:t>web </a:t>
-            </a:r>
-            <a:r>
-              <a:rPr lang="ro-RO" dirty="0" smtClean="0"/>
-              <a:t>moderne</a:t>
+              <a:t>Aplicații web moderne</a:t>
             </a:r>
             <a:endParaRPr lang="en-US" dirty="0" smtClean="0"/>
           </a:p>
@@ -8730,11 +8627,7 @@
             </a:r>
             <a:r>
               <a:rPr lang="en-US" dirty="0" smtClean="0"/>
-              <a:t> in </a:t>
-            </a:r>
-            <a:r>
-              <a:rPr lang="en-US" dirty="0" smtClean="0"/>
-              <a:t>cloud</a:t>
+              <a:t> in cloud</a:t>
             </a:r>
           </a:p>
           <a:p>
@@ -8935,7 +8828,6 @@
               <a:rPr lang="ro-RO" dirty="0" smtClean="0"/>
               <a:t>MariaDB</a:t>
             </a:r>
-            <a:endParaRPr lang="ro-RO" dirty="0" smtClean="0"/>
           </a:p>
           <a:p>
             <a:pPr lvl="1"/>
@@ -8988,6 +8880,13 @@
   <p:clrMapOvr>
     <a:masterClrMapping/>
   </p:clrMapOvr>
+  <p:timing>
+    <p:tnLst>
+      <p:par>
+        <p:cTn id="1" dur="indefinite" restart="never" nodeType="tmRoot"/>
+      </p:par>
+    </p:tnLst>
+  </p:timing>
 </p:sld>
 </file>
 
@@ -10002,8 +9901,8 @@
         </p:nvSpPr>
         <p:spPr>
           <a:xfrm>
-            <a:off x="1878375" y="2279341"/>
-            <a:ext cx="8946541" cy="3328979"/>
+            <a:off x="465214" y="2277036"/>
+            <a:ext cx="2806836" cy="3328979"/>
           </a:xfrm>
         </p:spPr>
         <p:txBody>
@@ -10067,7 +9966,7 @@
         </p:blipFill>
         <p:spPr bwMode="auto">
           <a:xfrm>
-            <a:off x="5140526" y="2279341"/>
+            <a:off x="3022398" y="3030724"/>
             <a:ext cx="2422237" cy="1821602"/>
           </a:xfrm>
           <a:prstGeom prst="rect">
@@ -10101,7 +10000,7 @@
         </p:blipFill>
         <p:spPr>
           <a:xfrm>
-            <a:off x="8974547" y="1501095"/>
+            <a:off x="5057381" y="1970736"/>
             <a:ext cx="1393261" cy="942500"/>
           </a:xfrm>
           <a:prstGeom prst="rect">
@@ -10128,7 +10027,7 @@
         </p:blipFill>
         <p:spPr>
           <a:xfrm>
-            <a:off x="8839686" y="4645868"/>
+            <a:off x="4787661" y="5343605"/>
             <a:ext cx="1662981" cy="758124"/>
           </a:xfrm>
           <a:prstGeom prst="rect">
@@ -10136,6 +10035,33 @@
           </a:prstGeom>
           <a:effectLst>
             <a:softEdge rad="25400"/>
+          </a:effectLst>
+        </p:spPr>
+      </p:pic>
+      <p:pic>
+        <p:nvPicPr>
+          <p:cNvPr id="4" name="Picture 3"/>
+          <p:cNvPicPr>
+            <a:picLocks noChangeAspect="1"/>
+          </p:cNvPicPr>
+          <p:nvPr/>
+        </p:nvPicPr>
+        <p:blipFill>
+          <a:blip r:embed="rId5"/>
+          <a:stretch>
+            <a:fillRect/>
+          </a:stretch>
+        </p:blipFill>
+        <p:spPr>
+          <a:xfrm>
+            <a:off x="6800399" y="644919"/>
+            <a:ext cx="5186532" cy="5907016"/>
+          </a:xfrm>
+          <a:prstGeom prst="rect">
+            <a:avLst/>
+          </a:prstGeom>
+          <a:effectLst>
+            <a:softEdge rad="76200"/>
           </a:effectLst>
         </p:spPr>
       </p:pic>
@@ -10260,6 +10186,13 @@
   <p:clrMapOvr>
     <a:masterClrMapping/>
   </p:clrMapOvr>
+  <p:timing>
+    <p:tnLst>
+      <p:par>
+        <p:cTn id="1" dur="indefinite" restart="never" nodeType="tmRoot"/>
+      </p:par>
+    </p:tnLst>
+  </p:timing>
 </p:sld>
 </file>
 

--- a/documentation/Prezentare_Licenta_Matragociu_Bogdan.pptx
+++ b/documentation/Prezentare_Licenta_Matragociu_Bogdan.pptx
@@ -8,22 +8,24 @@
     <p:sldId id="256" r:id="rId2"/>
     <p:sldId id="257" r:id="rId3"/>
     <p:sldId id="276" r:id="rId4"/>
-    <p:sldId id="258" r:id="rId5"/>
-    <p:sldId id="259" r:id="rId6"/>
-    <p:sldId id="261" r:id="rId7"/>
-    <p:sldId id="275" r:id="rId8"/>
-    <p:sldId id="262" r:id="rId9"/>
-    <p:sldId id="263" r:id="rId10"/>
-    <p:sldId id="265" r:id="rId11"/>
-    <p:sldId id="273" r:id="rId12"/>
-    <p:sldId id="274" r:id="rId13"/>
-    <p:sldId id="270" r:id="rId14"/>
-    <p:sldId id="271" r:id="rId15"/>
-    <p:sldId id="266" r:id="rId16"/>
-    <p:sldId id="272" r:id="rId17"/>
-    <p:sldId id="267" r:id="rId18"/>
-    <p:sldId id="268" r:id="rId19"/>
-    <p:sldId id="269" r:id="rId20"/>
+    <p:sldId id="261" r:id="rId5"/>
+    <p:sldId id="273" r:id="rId6"/>
+    <p:sldId id="278" r:id="rId7"/>
+    <p:sldId id="279" r:id="rId8"/>
+    <p:sldId id="280" r:id="rId9"/>
+    <p:sldId id="283" r:id="rId10"/>
+    <p:sldId id="262" r:id="rId11"/>
+    <p:sldId id="263" r:id="rId12"/>
+    <p:sldId id="265" r:id="rId13"/>
+    <p:sldId id="284" r:id="rId14"/>
+    <p:sldId id="282" r:id="rId15"/>
+    <p:sldId id="275" r:id="rId16"/>
+    <p:sldId id="277" r:id="rId17"/>
+    <p:sldId id="266" r:id="rId18"/>
+    <p:sldId id="272" r:id="rId19"/>
+    <p:sldId id="267" r:id="rId20"/>
+    <p:sldId id="268" r:id="rId21"/>
+    <p:sldId id="269" r:id="rId22"/>
   </p:sldIdLst>
   <p:sldSz cx="12192000" cy="6858000"/>
   <p:notesSz cx="6858000" cy="9144000"/>
@@ -316,7 +318,7 @@
           <a:p>
             <a:fld id="{A4A4BF8C-F7B3-4F9F-B0A2-43022B6A3DD2}" type="datetimeFigureOut">
               <a:rPr lang="en-US" smtClean="0"/>
-              <a:t>7/3/2014</a:t>
+              <a:t>7/4/2014</a:t>
             </a:fld>
             <a:endParaRPr lang="en-US" dirty="0"/>
           </a:p>
@@ -591,7 +593,7 @@
           <a:p>
             <a:fld id="{A4A4BF8C-F7B3-4F9F-B0A2-43022B6A3DD2}" type="datetimeFigureOut">
               <a:rPr lang="en-US" smtClean="0"/>
-              <a:t>7/3/2014</a:t>
+              <a:t>7/4/2014</a:t>
             </a:fld>
             <a:endParaRPr lang="en-US" dirty="0"/>
           </a:p>
@@ -785,7 +787,7 @@
           <a:p>
             <a:fld id="{A4A4BF8C-F7B3-4F9F-B0A2-43022B6A3DD2}" type="datetimeFigureOut">
               <a:rPr lang="en-US" smtClean="0"/>
-              <a:t>7/3/2014</a:t>
+              <a:t>7/4/2014</a:t>
             </a:fld>
             <a:endParaRPr lang="en-US" dirty="0"/>
           </a:p>
@@ -1058,7 +1060,7 @@
           <a:p>
             <a:fld id="{A4A4BF8C-F7B3-4F9F-B0A2-43022B6A3DD2}" type="datetimeFigureOut">
               <a:rPr lang="en-US" smtClean="0"/>
-              <a:t>7/3/2014</a:t>
+              <a:t>7/4/2014</a:t>
             </a:fld>
             <a:endParaRPr lang="en-US" dirty="0"/>
           </a:p>
@@ -1399,7 +1401,7 @@
           <a:p>
             <a:fld id="{A4A4BF8C-F7B3-4F9F-B0A2-43022B6A3DD2}" type="datetimeFigureOut">
               <a:rPr lang="en-US" smtClean="0"/>
-              <a:t>7/3/2014</a:t>
+              <a:t>7/4/2014</a:t>
             </a:fld>
             <a:endParaRPr lang="en-US" dirty="0"/>
           </a:p>
@@ -2022,7 +2024,7 @@
           <a:p>
             <a:fld id="{A4A4BF8C-F7B3-4F9F-B0A2-43022B6A3DD2}" type="datetimeFigureOut">
               <a:rPr lang="en-US" smtClean="0"/>
-              <a:t>7/3/2014</a:t>
+              <a:t>7/4/2014</a:t>
             </a:fld>
             <a:endParaRPr lang="en-US" dirty="0"/>
           </a:p>
@@ -2882,7 +2884,7 @@
           <a:p>
             <a:fld id="{A4A4BF8C-F7B3-4F9F-B0A2-43022B6A3DD2}" type="datetimeFigureOut">
               <a:rPr lang="en-US" smtClean="0"/>
-              <a:t>7/3/2014</a:t>
+              <a:t>7/4/2014</a:t>
             </a:fld>
             <a:endParaRPr lang="en-US" dirty="0"/>
           </a:p>
@@ -3052,7 +3054,7 @@
           <a:p>
             <a:fld id="{A4A4BF8C-F7B3-4F9F-B0A2-43022B6A3DD2}" type="datetimeFigureOut">
               <a:rPr lang="en-US" smtClean="0"/>
-              <a:t>7/3/2014</a:t>
+              <a:t>7/4/2014</a:t>
             </a:fld>
             <a:endParaRPr lang="en-US" dirty="0"/>
           </a:p>
@@ -3232,7 +3234,7 @@
           <a:p>
             <a:fld id="{A4A4BF8C-F7B3-4F9F-B0A2-43022B6A3DD2}" type="datetimeFigureOut">
               <a:rPr lang="en-US" smtClean="0"/>
-              <a:t>7/3/2014</a:t>
+              <a:t>7/4/2014</a:t>
             </a:fld>
             <a:endParaRPr lang="en-US" dirty="0"/>
           </a:p>
@@ -3402,7 +3404,7 @@
           <a:p>
             <a:fld id="{A4A4BF8C-F7B3-4F9F-B0A2-43022B6A3DD2}" type="datetimeFigureOut">
               <a:rPr lang="en-US" smtClean="0"/>
-              <a:t>7/3/2014</a:t>
+              <a:t>7/4/2014</a:t>
             </a:fld>
             <a:endParaRPr lang="en-US" dirty="0"/>
           </a:p>
@@ -3649,7 +3651,7 @@
           <a:p>
             <a:fld id="{A4A4BF8C-F7B3-4F9F-B0A2-43022B6A3DD2}" type="datetimeFigureOut">
               <a:rPr lang="en-US" smtClean="0"/>
-              <a:t>7/3/2014</a:t>
+              <a:t>7/4/2014</a:t>
             </a:fld>
             <a:endParaRPr lang="en-US" dirty="0"/>
           </a:p>
@@ -3941,7 +3943,7 @@
           <a:p>
             <a:fld id="{A4A4BF8C-F7B3-4F9F-B0A2-43022B6A3DD2}" type="datetimeFigureOut">
               <a:rPr lang="en-US" smtClean="0"/>
-              <a:t>7/3/2014</a:t>
+              <a:t>7/4/2014</a:t>
             </a:fld>
             <a:endParaRPr lang="en-US" dirty="0"/>
           </a:p>
@@ -4385,7 +4387,7 @@
           <a:p>
             <a:fld id="{A4A4BF8C-F7B3-4F9F-B0A2-43022B6A3DD2}" type="datetimeFigureOut">
               <a:rPr lang="en-US" smtClean="0"/>
-              <a:t>7/3/2014</a:t>
+              <a:t>7/4/2014</a:t>
             </a:fld>
             <a:endParaRPr lang="en-US" dirty="0"/>
           </a:p>
@@ -4503,7 +4505,7 @@
           <a:p>
             <a:fld id="{A4A4BF8C-F7B3-4F9F-B0A2-43022B6A3DD2}" type="datetimeFigureOut">
               <a:rPr lang="en-US" smtClean="0"/>
-              <a:t>7/3/2014</a:t>
+              <a:t>7/4/2014</a:t>
             </a:fld>
             <a:endParaRPr lang="en-US" dirty="0"/>
           </a:p>
@@ -4598,7 +4600,7 @@
           <a:p>
             <a:fld id="{A4A4BF8C-F7B3-4F9F-B0A2-43022B6A3DD2}" type="datetimeFigureOut">
               <a:rPr lang="en-US" smtClean="0"/>
-              <a:t>7/3/2014</a:t>
+              <a:t>7/4/2014</a:t>
             </a:fld>
             <a:endParaRPr lang="en-US" dirty="0"/>
           </a:p>
@@ -4877,7 +4879,7 @@
           <a:p>
             <a:fld id="{A4A4BF8C-F7B3-4F9F-B0A2-43022B6A3DD2}" type="datetimeFigureOut">
               <a:rPr lang="en-US" smtClean="0"/>
-              <a:t>7/3/2014</a:t>
+              <a:t>7/4/2014</a:t>
             </a:fld>
             <a:endParaRPr lang="en-US" dirty="0"/>
           </a:p>
@@ -5152,7 +5154,7 @@
           <a:p>
             <a:fld id="{A4A4BF8C-F7B3-4F9F-B0A2-43022B6A3DD2}" type="datetimeFigureOut">
               <a:rPr lang="en-US" smtClean="0"/>
-              <a:t>7/3/2014</a:t>
+              <a:t>7/4/2014</a:t>
             </a:fld>
             <a:endParaRPr lang="en-US" dirty="0"/>
           </a:p>
@@ -5581,7 +5583,7 @@
           <a:p>
             <a:fld id="{A4A4BF8C-F7B3-4F9F-B0A2-43022B6A3DD2}" type="datetimeFigureOut">
               <a:rPr lang="en-US" smtClean="0"/>
-              <a:t>7/3/2014</a:t>
+              <a:t>7/4/2014</a:t>
             </a:fld>
             <a:endParaRPr lang="en-US" dirty="0"/>
           </a:p>
@@ -6226,16 +6228,428 @@
           <a:lstStyle/>
           <a:p>
             <a:r>
+              <a:rPr lang="ro-RO" dirty="0"/>
+              <a:t>Prezentarea</a:t>
+            </a:r>
+            <a:r>
+              <a:rPr lang="en-US" dirty="0"/>
+              <a:t> </a:t>
+            </a:r>
+            <a:r>
+              <a:rPr lang="ro-RO" dirty="0"/>
+              <a:t>aplicației</a:t>
+            </a:r>
+            <a:br>
+              <a:rPr lang="ro-RO" dirty="0"/>
+            </a:br>
+            <a:r>
+              <a:rPr lang="en-US" dirty="0"/>
+              <a:t/>
+            </a:r>
+            <a:br>
+              <a:rPr lang="en-US" dirty="0"/>
+            </a:br>
+            <a:endParaRPr lang="ro-RO" dirty="0"/>
+          </a:p>
+        </p:txBody>
+      </p:sp>
+      <p:sp>
+        <p:nvSpPr>
+          <p:cNvPr id="3" name="Content Placeholder 2"/>
+          <p:cNvSpPr>
+            <a:spLocks noGrp="1"/>
+          </p:cNvSpPr>
+          <p:nvPr>
+            <p:ph idx="1"/>
+          </p:nvPr>
+        </p:nvSpPr>
+        <p:spPr>
+          <a:xfrm>
+            <a:off x="1103312" y="1193074"/>
+            <a:ext cx="8946541" cy="5055325"/>
+          </a:xfrm>
+        </p:spPr>
+        <p:txBody>
+          <a:bodyPr>
+            <a:normAutofit lnSpcReduction="10000"/>
+          </a:bodyPr>
+          <a:lstStyle/>
+          <a:p>
+            <a:r>
               <a:rPr lang="ro-RO" dirty="0" smtClean="0"/>
-              <a:t>Aplicația</a:t>
+              <a:t>Interfața de management al articolelor, știrilor, evenimentelor, întrebărilor și răspunsurilor</a:t>
+            </a:r>
+          </a:p>
+          <a:p>
+            <a:endParaRPr lang="ro-RO" dirty="0" smtClean="0"/>
+          </a:p>
+          <a:p>
+            <a:endParaRPr lang="ro-RO" dirty="0" smtClean="0"/>
+          </a:p>
+          <a:p>
+            <a:endParaRPr lang="ro-RO" dirty="0" smtClean="0"/>
+          </a:p>
+          <a:p>
+            <a:endParaRPr lang="ro-RO" dirty="0" smtClean="0"/>
+          </a:p>
+          <a:p>
+            <a:endParaRPr lang="ro-RO" dirty="0" smtClean="0"/>
+          </a:p>
+          <a:p>
+            <a:endParaRPr lang="ro-RO" dirty="0" smtClean="0"/>
+          </a:p>
+          <a:p>
+            <a:endParaRPr lang="ro-RO" dirty="0" smtClean="0"/>
+          </a:p>
+          <a:p>
+            <a:endParaRPr lang="ro-RO" dirty="0" smtClean="0"/>
+          </a:p>
+          <a:p>
+            <a:endParaRPr lang="ro-RO" dirty="0" smtClean="0"/>
+          </a:p>
+          <a:p>
+            <a:endParaRPr lang="ro-RO" dirty="0" smtClean="0"/>
+          </a:p>
+          <a:p>
+            <a:r>
+              <a:rPr lang="ro-RO" dirty="0" smtClean="0"/>
+              <a:t>Domeniul medical, stomatologic</a:t>
+            </a:r>
+          </a:p>
+          <a:p>
+            <a:pPr marL="0" indent="0">
+              <a:buNone/>
+            </a:pPr>
+            <a:endParaRPr lang="ro-RO" dirty="0"/>
+          </a:p>
+        </p:txBody>
+      </p:sp>
+      <p:pic>
+        <p:nvPicPr>
+          <p:cNvPr id="5" name="Picture 4"/>
+          <p:cNvPicPr>
+            <a:picLocks noChangeAspect="1"/>
+          </p:cNvPicPr>
+          <p:nvPr/>
+        </p:nvPicPr>
+        <p:blipFill>
+          <a:blip r:embed="rId2"/>
+          <a:stretch>
+            <a:fillRect/>
+          </a:stretch>
+        </p:blipFill>
+        <p:spPr>
+          <a:xfrm>
+            <a:off x="3244640" y="1866453"/>
+            <a:ext cx="5667257" cy="3708566"/>
+          </a:xfrm>
+          <a:prstGeom prst="rect">
+            <a:avLst/>
+          </a:prstGeom>
+          <a:effectLst>
+            <a:softEdge rad="50800"/>
+          </a:effectLst>
+        </p:spPr>
+      </p:pic>
+    </p:spTree>
+    <p:extLst>
+      <p:ext uri="{BB962C8B-B14F-4D97-AF65-F5344CB8AC3E}">
+        <p14:creationId xmlns:p14="http://schemas.microsoft.com/office/powerpoint/2010/main" val="3989723667"/>
+      </p:ext>
+    </p:extLst>
+  </p:cSld>
+  <p:clrMapOvr>
+    <a:masterClrMapping/>
+  </p:clrMapOvr>
+  <p:timing>
+    <p:tnLst>
+      <p:par>
+        <p:cTn id="1" dur="indefinite" restart="never" nodeType="tmRoot"/>
+      </p:par>
+    </p:tnLst>
+  </p:timing>
+</p:sld>
+</file>
+
+<file path=ppt/slides/slide11.xml><?xml version="1.0" encoding="utf-8"?>
+<p:sld xmlns:a="http://schemas.openxmlformats.org/drawingml/2006/main" xmlns:r="http://schemas.openxmlformats.org/officeDocument/2006/relationships" xmlns:p="http://schemas.openxmlformats.org/presentationml/2006/main">
+  <p:cSld>
+    <p:spTree>
+      <p:nvGrpSpPr>
+        <p:cNvPr id="1" name=""/>
+        <p:cNvGrpSpPr/>
+        <p:nvPr/>
+      </p:nvGrpSpPr>
+      <p:grpSpPr>
+        <a:xfrm>
+          <a:off x="0" y="0"/>
+          <a:ext cx="0" cy="0"/>
+          <a:chOff x="0" y="0"/>
+          <a:chExt cx="0" cy="0"/>
+        </a:xfrm>
+      </p:grpSpPr>
+      <p:sp>
+        <p:nvSpPr>
+          <p:cNvPr id="2" name="Title 1"/>
+          <p:cNvSpPr>
+            <a:spLocks noGrp="1"/>
+          </p:cNvSpPr>
+          <p:nvPr>
+            <p:ph type="title"/>
+          </p:nvPr>
+        </p:nvSpPr>
+        <p:spPr/>
+        <p:txBody>
+          <a:bodyPr/>
+          <a:lstStyle/>
+          <a:p>
+            <a:r>
+              <a:rPr lang="ro-RO" dirty="0"/>
+              <a:t>Prezentarea</a:t>
+            </a:r>
+            <a:r>
+              <a:rPr lang="en-US" dirty="0"/>
+              <a:t> </a:t>
+            </a:r>
+            <a:r>
+              <a:rPr lang="ro-RO" dirty="0"/>
+              <a:t>aplicației</a:t>
+            </a:r>
+          </a:p>
+        </p:txBody>
+      </p:sp>
+      <p:sp>
+        <p:nvSpPr>
+          <p:cNvPr id="3" name="Content Placeholder 2"/>
+          <p:cNvSpPr>
+            <a:spLocks noGrp="1"/>
+          </p:cNvSpPr>
+          <p:nvPr>
+            <p:ph idx="1"/>
+          </p:nvPr>
+        </p:nvSpPr>
+        <p:spPr>
+          <a:xfrm>
+            <a:off x="1225231" y="2331592"/>
+            <a:ext cx="8946541" cy="3328979"/>
+          </a:xfrm>
+        </p:spPr>
+        <p:txBody>
+          <a:bodyPr/>
+          <a:lstStyle/>
+          <a:p>
+            <a:r>
+              <a:rPr lang="ro-RO" dirty="0" smtClean="0"/>
+              <a:t>Meniu</a:t>
             </a:r>
             <a:r>
               <a:rPr lang="en-US" dirty="0" smtClean="0"/>
-              <a:t> implementat</a:t>
-            </a:r>
+              <a:t> </a:t>
+            </a:r>
+            <a:r>
+              <a:rPr lang="ro-RO" dirty="0" smtClean="0"/>
+              <a:t>navigare</a:t>
+            </a:r>
+          </a:p>
+          <a:p>
+            <a:endParaRPr lang="en-US" dirty="0" smtClean="0"/>
+          </a:p>
+          <a:p>
+            <a:endParaRPr lang="en-US" dirty="0" smtClean="0"/>
+          </a:p>
+          <a:p>
+            <a:r>
+              <a:rPr lang="ro-RO" dirty="0" smtClean="0"/>
+              <a:t>Autentificare</a:t>
+            </a:r>
+          </a:p>
+          <a:p>
+            <a:endParaRPr lang="en-US" dirty="0" smtClean="0"/>
+          </a:p>
+          <a:p>
+            <a:endParaRPr lang="en-US" dirty="0" smtClean="0"/>
+          </a:p>
+          <a:p>
+            <a:r>
+              <a:rPr lang="ro-RO" dirty="0" smtClean="0"/>
+              <a:t>Rețele</a:t>
+            </a:r>
+            <a:r>
+              <a:rPr lang="en-US" dirty="0" smtClean="0"/>
+              <a:t> </a:t>
+            </a:r>
+            <a:r>
+              <a:rPr lang="ro-RO" dirty="0" smtClean="0"/>
+              <a:t>sociale</a:t>
+            </a:r>
+          </a:p>
+          <a:p>
+            <a:endParaRPr lang="en-US" dirty="0" smtClean="0"/>
+          </a:p>
+          <a:p>
+            <a:pPr marL="0" indent="0">
+              <a:buNone/>
+            </a:pPr>
+            <a:endParaRPr lang="ro-RO" dirty="0" smtClean="0"/>
+          </a:p>
+          <a:p>
+            <a:endParaRPr lang="ro-RO" dirty="0" smtClean="0"/>
+          </a:p>
+        </p:txBody>
+      </p:sp>
+      <p:pic>
+        <p:nvPicPr>
+          <p:cNvPr id="5" name="Picture 4"/>
+          <p:cNvPicPr/>
+          <p:nvPr/>
+        </p:nvPicPr>
+        <p:blipFill>
+          <a:blip r:embed="rId2">
+            <a:extLst>
+              <a:ext uri="{28A0092B-C50C-407E-A947-70E740481C1C}">
+                <a14:useLocalDpi xmlns:a14="http://schemas.microsoft.com/office/drawing/2010/main" val="0"/>
+              </a:ext>
+            </a:extLst>
+          </a:blip>
+          <a:srcRect/>
+          <a:stretch>
+            <a:fillRect/>
+          </a:stretch>
+        </p:blipFill>
+        <p:spPr bwMode="auto">
+          <a:xfrm>
+            <a:off x="5348472" y="2395629"/>
+            <a:ext cx="6390005" cy="306705"/>
+          </a:xfrm>
+          <a:prstGeom prst="rect">
+            <a:avLst/>
+          </a:prstGeom>
+          <a:noFill/>
+          <a:ln>
+            <a:noFill/>
+          </a:ln>
+          <a:effectLst>
+            <a:softEdge rad="38100"/>
+          </a:effectLst>
+        </p:spPr>
+      </p:pic>
+      <p:pic>
+        <p:nvPicPr>
+          <p:cNvPr id="4" name="Picture 3"/>
+          <p:cNvPicPr>
+            <a:picLocks noChangeAspect="1"/>
+          </p:cNvPicPr>
+          <p:nvPr/>
+        </p:nvPicPr>
+        <p:blipFill>
+          <a:blip r:embed="rId3"/>
+          <a:stretch>
+            <a:fillRect/>
+          </a:stretch>
+        </p:blipFill>
+        <p:spPr>
+          <a:xfrm>
+            <a:off x="5348472" y="3307023"/>
+            <a:ext cx="1766072" cy="689058"/>
+          </a:xfrm>
+          <a:prstGeom prst="rect">
+            <a:avLst/>
+          </a:prstGeom>
+          <a:effectLst>
+            <a:softEdge rad="38100"/>
+          </a:effectLst>
+        </p:spPr>
+      </p:pic>
+      <p:pic>
+        <p:nvPicPr>
+          <p:cNvPr id="8" name="Picture 7"/>
+          <p:cNvPicPr>
+            <a:picLocks noChangeAspect="1"/>
+          </p:cNvPicPr>
+          <p:nvPr/>
+        </p:nvPicPr>
+        <p:blipFill>
+          <a:blip r:embed="rId4"/>
+          <a:stretch>
+            <a:fillRect/>
+          </a:stretch>
+        </p:blipFill>
+        <p:spPr>
+          <a:xfrm>
+            <a:off x="5348472" y="4746017"/>
+            <a:ext cx="1466850" cy="781050"/>
+          </a:xfrm>
+          <a:prstGeom prst="rect">
+            <a:avLst/>
+          </a:prstGeom>
+          <a:effectLst>
+            <a:softEdge rad="38100"/>
+          </a:effectLst>
+        </p:spPr>
+      </p:pic>
+    </p:spTree>
+    <p:extLst>
+      <p:ext uri="{BB962C8B-B14F-4D97-AF65-F5344CB8AC3E}">
+        <p14:creationId xmlns:p14="http://schemas.microsoft.com/office/powerpoint/2010/main" val="82284249"/>
+      </p:ext>
+    </p:extLst>
+  </p:cSld>
+  <p:clrMapOvr>
+    <a:masterClrMapping/>
+  </p:clrMapOvr>
+  <p:timing>
+    <p:tnLst>
+      <p:par>
+        <p:cTn id="1" dur="indefinite" restart="never" nodeType="tmRoot"/>
+      </p:par>
+    </p:tnLst>
+  </p:timing>
+</p:sld>
+</file>
+
+<file path=ppt/slides/slide12.xml><?xml version="1.0" encoding="utf-8"?>
+<p:sld xmlns:a="http://schemas.openxmlformats.org/drawingml/2006/main" xmlns:r="http://schemas.openxmlformats.org/officeDocument/2006/relationships" xmlns:p="http://schemas.openxmlformats.org/presentationml/2006/main">
+  <p:cSld>
+    <p:spTree>
+      <p:nvGrpSpPr>
+        <p:cNvPr id="1" name=""/>
+        <p:cNvGrpSpPr/>
+        <p:nvPr/>
+      </p:nvGrpSpPr>
+      <p:grpSpPr>
+        <a:xfrm>
+          <a:off x="0" y="0"/>
+          <a:ext cx="0" cy="0"/>
+          <a:chOff x="0" y="0"/>
+          <a:chExt cx="0" cy="0"/>
+        </a:xfrm>
+      </p:grpSpPr>
+      <p:sp>
+        <p:nvSpPr>
+          <p:cNvPr id="2" name="Title 1"/>
+          <p:cNvSpPr>
+            <a:spLocks noGrp="1"/>
+          </p:cNvSpPr>
+          <p:nvPr>
+            <p:ph type="title"/>
+          </p:nvPr>
+        </p:nvSpPr>
+        <p:spPr/>
+        <p:txBody>
+          <a:bodyPr/>
+          <a:lstStyle/>
+          <a:p>
             <a:r>
               <a:rPr lang="ro-RO" dirty="0"/>
-              <a:t>ă</a:t>
+              <a:t>Prezentarea</a:t>
+            </a:r>
+            <a:r>
+              <a:rPr lang="en-US" dirty="0"/>
+              <a:t> </a:t>
+            </a:r>
+            <a:r>
+              <a:rPr lang="ro-RO" dirty="0"/>
+              <a:t>aplicației</a:t>
             </a:r>
           </a:p>
         </p:txBody>
@@ -6386,7 +6800,7 @@
 </p:sld>
 </file>
 
-<file path=ppt/slides/slide11.xml><?xml version="1.0" encoding="utf-8"?>
+<file path=ppt/slides/slide13.xml><?xml version="1.0" encoding="utf-8"?>
 <p:sld xmlns:a="http://schemas.openxmlformats.org/drawingml/2006/main" xmlns:r="http://schemas.openxmlformats.org/officeDocument/2006/relationships" xmlns:p="http://schemas.openxmlformats.org/presentationml/2006/main">
   <p:cSld>
     <p:spTree>
@@ -6419,6 +6833,3357 @@
           <a:lstStyle/>
           <a:p>
             <a:r>
+              <a:rPr lang="ro-RO" dirty="0" smtClean="0"/>
+              <a:t>Tehnologii folosite</a:t>
+            </a:r>
+            <a:endParaRPr lang="ro-RO" dirty="0"/>
+          </a:p>
+        </p:txBody>
+      </p:sp>
+      <p:sp>
+        <p:nvSpPr>
+          <p:cNvPr id="3" name="Content Placeholder 2"/>
+          <p:cNvSpPr>
+            <a:spLocks noGrp="1"/>
+          </p:cNvSpPr>
+          <p:nvPr>
+            <p:ph idx="1"/>
+          </p:nvPr>
+        </p:nvSpPr>
+        <p:spPr>
+          <a:xfrm>
+            <a:off x="5026258" y="1353450"/>
+            <a:ext cx="2075317" cy="565600"/>
+          </a:xfrm>
+        </p:spPr>
+        <p:txBody>
+          <a:bodyPr/>
+          <a:lstStyle/>
+          <a:p>
+            <a:r>
+              <a:rPr lang="en-US" dirty="0" smtClean="0"/>
+              <a:t>Client</a:t>
+            </a:r>
+            <a:endParaRPr lang="ro-RO" dirty="0"/>
+          </a:p>
+        </p:txBody>
+      </p:sp>
+      <p:sp>
+        <p:nvSpPr>
+          <p:cNvPr id="6" name="Content Placeholder 2"/>
+          <p:cNvSpPr txBox="1">
+            <a:spLocks/>
+          </p:cNvSpPr>
+          <p:nvPr/>
+        </p:nvSpPr>
+        <p:spPr>
+          <a:xfrm>
+            <a:off x="646111" y="1353450"/>
+            <a:ext cx="2075317" cy="444764"/>
+          </a:xfrm>
+          <a:prstGeom prst="rect">
+            <a:avLst/>
+          </a:prstGeom>
+        </p:spPr>
+        <p:txBody>
+          <a:bodyPr vert="horz" lIns="91440" tIns="45720" rIns="91440" bIns="45720" rtlCol="0">
+            <a:normAutofit/>
+          </a:bodyPr>
+          <a:lstStyle>
+            <a:lvl1pPr marL="342900" indent="-342900" algn="l" defTabSz="457200" rtl="0" eaLnBrk="1" latinLnBrk="0" hangingPunct="1">
+              <a:spcBef>
+                <a:spcPts val="1000"/>
+              </a:spcBef>
+              <a:spcAft>
+                <a:spcPts val="0"/>
+              </a:spcAft>
+              <a:buClr>
+                <a:schemeClr val="bg2">
+                  <a:lumMod val="40000"/>
+                  <a:lumOff val="60000"/>
+                </a:schemeClr>
+              </a:buClr>
+              <a:buSzPct val="80000"/>
+              <a:buFont typeface="Wingdings 3" charset="2"/>
+              <a:buChar char=""/>
+              <a:defRPr sz="2000" b="0" i="0" kern="1200">
+                <a:solidFill>
+                  <a:schemeClr val="tx1"/>
+                </a:solidFill>
+                <a:latin typeface="+mj-lt"/>
+                <a:ea typeface="+mj-ea"/>
+                <a:cs typeface="+mj-cs"/>
+              </a:defRPr>
+            </a:lvl1pPr>
+            <a:lvl2pPr marL="742950" indent="-285750" algn="l" defTabSz="457200" rtl="0" eaLnBrk="1" latinLnBrk="0" hangingPunct="1">
+              <a:spcBef>
+                <a:spcPts val="1000"/>
+              </a:spcBef>
+              <a:spcAft>
+                <a:spcPts val="0"/>
+              </a:spcAft>
+              <a:buClr>
+                <a:schemeClr val="bg2">
+                  <a:lumMod val="40000"/>
+                  <a:lumOff val="60000"/>
+                </a:schemeClr>
+              </a:buClr>
+              <a:buSzPct val="80000"/>
+              <a:buFont typeface="Wingdings 3" charset="2"/>
+              <a:buChar char=""/>
+              <a:defRPr sz="1800" b="0" i="0" kern="1200">
+                <a:solidFill>
+                  <a:schemeClr val="tx1"/>
+                </a:solidFill>
+                <a:latin typeface="+mj-lt"/>
+                <a:ea typeface="+mj-ea"/>
+                <a:cs typeface="+mj-cs"/>
+              </a:defRPr>
+            </a:lvl2pPr>
+            <a:lvl3pPr marL="1143000" indent="-228600" algn="l" defTabSz="457200" rtl="0" eaLnBrk="1" latinLnBrk="0" hangingPunct="1">
+              <a:spcBef>
+                <a:spcPts val="1000"/>
+              </a:spcBef>
+              <a:spcAft>
+                <a:spcPts val="0"/>
+              </a:spcAft>
+              <a:buClr>
+                <a:schemeClr val="bg2">
+                  <a:lumMod val="40000"/>
+                  <a:lumOff val="60000"/>
+                </a:schemeClr>
+              </a:buClr>
+              <a:buSzPct val="80000"/>
+              <a:buFont typeface="Wingdings 3" charset="2"/>
+              <a:buChar char=""/>
+              <a:defRPr sz="1600" b="0" i="0" kern="1200">
+                <a:solidFill>
+                  <a:schemeClr val="tx1"/>
+                </a:solidFill>
+                <a:latin typeface="+mj-lt"/>
+                <a:ea typeface="+mj-ea"/>
+                <a:cs typeface="+mj-cs"/>
+              </a:defRPr>
+            </a:lvl3pPr>
+            <a:lvl4pPr marL="1600200" indent="-228600" algn="l" defTabSz="457200" rtl="0" eaLnBrk="1" latinLnBrk="0" hangingPunct="1">
+              <a:spcBef>
+                <a:spcPts val="1000"/>
+              </a:spcBef>
+              <a:spcAft>
+                <a:spcPts val="0"/>
+              </a:spcAft>
+              <a:buClr>
+                <a:schemeClr val="bg2">
+                  <a:lumMod val="40000"/>
+                  <a:lumOff val="60000"/>
+                </a:schemeClr>
+              </a:buClr>
+              <a:buSzPct val="80000"/>
+              <a:buFont typeface="Wingdings 3" charset="2"/>
+              <a:buChar char=""/>
+              <a:defRPr sz="1400" b="0" i="0" kern="1200">
+                <a:solidFill>
+                  <a:schemeClr val="tx1"/>
+                </a:solidFill>
+                <a:latin typeface="+mj-lt"/>
+                <a:ea typeface="+mj-ea"/>
+                <a:cs typeface="+mj-cs"/>
+              </a:defRPr>
+            </a:lvl4pPr>
+            <a:lvl5pPr marL="2057400" indent="-228600" algn="l" defTabSz="457200" rtl="0" eaLnBrk="1" latinLnBrk="0" hangingPunct="1">
+              <a:spcBef>
+                <a:spcPts val="1000"/>
+              </a:spcBef>
+              <a:spcAft>
+                <a:spcPts val="0"/>
+              </a:spcAft>
+              <a:buClr>
+                <a:schemeClr val="bg2">
+                  <a:lumMod val="40000"/>
+                  <a:lumOff val="60000"/>
+                </a:schemeClr>
+              </a:buClr>
+              <a:buSzPct val="80000"/>
+              <a:buFont typeface="Wingdings 3" charset="2"/>
+              <a:buChar char=""/>
+              <a:defRPr sz="1400" b="0" i="0" kern="1200">
+                <a:solidFill>
+                  <a:schemeClr val="tx1"/>
+                </a:solidFill>
+                <a:latin typeface="+mj-lt"/>
+                <a:ea typeface="+mj-ea"/>
+                <a:cs typeface="+mj-cs"/>
+              </a:defRPr>
+            </a:lvl5pPr>
+            <a:lvl6pPr marL="2506000" indent="-228600" algn="l" defTabSz="457200" rtl="0" eaLnBrk="1" latinLnBrk="0" hangingPunct="1">
+              <a:spcBef>
+                <a:spcPts val="1000"/>
+              </a:spcBef>
+              <a:spcAft>
+                <a:spcPts val="0"/>
+              </a:spcAft>
+              <a:buClr>
+                <a:schemeClr val="bg2">
+                  <a:lumMod val="40000"/>
+                  <a:lumOff val="60000"/>
+                </a:schemeClr>
+              </a:buClr>
+              <a:buSzPct val="80000"/>
+              <a:buFont typeface="Wingdings 3" charset="2"/>
+              <a:buChar char=""/>
+              <a:defRPr sz="1400" b="0" i="0" kern="1200">
+                <a:solidFill>
+                  <a:schemeClr val="tx1"/>
+                </a:solidFill>
+                <a:latin typeface="+mj-lt"/>
+                <a:ea typeface="+mj-ea"/>
+                <a:cs typeface="+mj-cs"/>
+              </a:defRPr>
+            </a:lvl6pPr>
+            <a:lvl7pPr marL="2971800" indent="-228600" algn="l" defTabSz="457200" rtl="0" eaLnBrk="1" latinLnBrk="0" hangingPunct="1">
+              <a:spcBef>
+                <a:spcPts val="1000"/>
+              </a:spcBef>
+              <a:spcAft>
+                <a:spcPts val="0"/>
+              </a:spcAft>
+              <a:buClr>
+                <a:schemeClr val="bg2">
+                  <a:lumMod val="40000"/>
+                  <a:lumOff val="60000"/>
+                </a:schemeClr>
+              </a:buClr>
+              <a:buSzPct val="80000"/>
+              <a:buFont typeface="Wingdings 3" charset="2"/>
+              <a:buChar char=""/>
+              <a:defRPr sz="1400" b="0" i="0" kern="1200">
+                <a:solidFill>
+                  <a:schemeClr val="tx1"/>
+                </a:solidFill>
+                <a:latin typeface="+mj-lt"/>
+                <a:ea typeface="+mj-ea"/>
+                <a:cs typeface="+mj-cs"/>
+              </a:defRPr>
+            </a:lvl7pPr>
+            <a:lvl8pPr marL="3429000" indent="-228600" algn="l" defTabSz="457200" rtl="0" eaLnBrk="1" latinLnBrk="0" hangingPunct="1">
+              <a:spcBef>
+                <a:spcPts val="1000"/>
+              </a:spcBef>
+              <a:spcAft>
+                <a:spcPts val="0"/>
+              </a:spcAft>
+              <a:buClr>
+                <a:schemeClr val="bg2">
+                  <a:lumMod val="40000"/>
+                  <a:lumOff val="60000"/>
+                </a:schemeClr>
+              </a:buClr>
+              <a:buSzPct val="80000"/>
+              <a:buFont typeface="Wingdings 3" charset="2"/>
+              <a:buChar char=""/>
+              <a:defRPr sz="1400" b="0" i="0" kern="1200">
+                <a:solidFill>
+                  <a:schemeClr val="tx1"/>
+                </a:solidFill>
+                <a:latin typeface="+mj-lt"/>
+                <a:ea typeface="+mj-ea"/>
+                <a:cs typeface="+mj-cs"/>
+              </a:defRPr>
+            </a:lvl8pPr>
+            <a:lvl9pPr marL="3886200" indent="-228600" algn="l" defTabSz="457200" rtl="0" eaLnBrk="1" latinLnBrk="0" hangingPunct="1">
+              <a:spcBef>
+                <a:spcPts val="1000"/>
+              </a:spcBef>
+              <a:spcAft>
+                <a:spcPts val="0"/>
+              </a:spcAft>
+              <a:buClr>
+                <a:schemeClr val="bg2">
+                  <a:lumMod val="40000"/>
+                  <a:lumOff val="60000"/>
+                </a:schemeClr>
+              </a:buClr>
+              <a:buSzPct val="80000"/>
+              <a:buFont typeface="Wingdings 3" charset="2"/>
+              <a:buChar char=""/>
+              <a:defRPr sz="1400" b="0" i="0" kern="1200">
+                <a:solidFill>
+                  <a:schemeClr val="tx1"/>
+                </a:solidFill>
+                <a:latin typeface="+mj-lt"/>
+                <a:ea typeface="+mj-ea"/>
+                <a:cs typeface="+mj-cs"/>
+              </a:defRPr>
+            </a:lvl9pPr>
+          </a:lstStyle>
+          <a:p>
+            <a:r>
+              <a:rPr lang="en-US" dirty="0"/>
+              <a:t>S</a:t>
+            </a:r>
+            <a:r>
+              <a:rPr lang="en-US" dirty="0" smtClean="0"/>
+              <a:t>erver</a:t>
+            </a:r>
+            <a:endParaRPr lang="ro-RO" dirty="0"/>
+          </a:p>
+        </p:txBody>
+      </p:sp>
+      <p:pic>
+        <p:nvPicPr>
+          <p:cNvPr id="1030" name="Picture 6" descr="http://kuniga.files.wordpress.com/2011/09/maven-logo.png"/>
+          <p:cNvPicPr>
+            <a:picLocks noChangeAspect="1" noChangeArrowheads="1"/>
+          </p:cNvPicPr>
+          <p:nvPr/>
+        </p:nvPicPr>
+        <p:blipFill>
+          <a:blip r:embed="rId2">
+            <a:extLst>
+              <a:ext uri="{28A0092B-C50C-407E-A947-70E740481C1C}">
+                <a14:useLocalDpi xmlns:a14="http://schemas.microsoft.com/office/drawing/2010/main" val="0"/>
+              </a:ext>
+            </a:extLst>
+          </a:blip>
+          <a:srcRect/>
+          <a:stretch>
+            <a:fillRect/>
+          </a:stretch>
+        </p:blipFill>
+        <p:spPr bwMode="auto">
+          <a:xfrm>
+            <a:off x="9774036" y="5336982"/>
+            <a:ext cx="1519512" cy="519703"/>
+          </a:xfrm>
+          <a:prstGeom prst="rect">
+            <a:avLst/>
+          </a:prstGeom>
+          <a:noFill/>
+          <a:effectLst>
+            <a:softEdge rad="38100"/>
+          </a:effectLst>
+          <a:extLst>
+            <a:ext uri="{909E8E84-426E-40DD-AFC4-6F175D3DCCD1}">
+              <a14:hiddenFill xmlns:a14="http://schemas.microsoft.com/office/drawing/2010/main">
+                <a:solidFill>
+                  <a:srgbClr val="FFFFFF"/>
+                </a:solidFill>
+              </a14:hiddenFill>
+            </a:ext>
+          </a:extLst>
+        </p:spPr>
+      </p:pic>
+      <p:pic>
+        <p:nvPicPr>
+          <p:cNvPr id="1034" name="Picture 10" descr="http://blog.newrelic.com/wp-content/uploads/java-logo.jpg"/>
+          <p:cNvPicPr>
+            <a:picLocks noChangeAspect="1" noChangeArrowheads="1"/>
+          </p:cNvPicPr>
+          <p:nvPr/>
+        </p:nvPicPr>
+        <p:blipFill>
+          <a:blip r:embed="rId3" cstate="print">
+            <a:extLst>
+              <a:ext uri="{28A0092B-C50C-407E-A947-70E740481C1C}">
+                <a14:useLocalDpi xmlns:a14="http://schemas.microsoft.com/office/drawing/2010/main" val="0"/>
+              </a:ext>
+            </a:extLst>
+          </a:blip>
+          <a:srcRect/>
+          <a:stretch>
+            <a:fillRect/>
+          </a:stretch>
+        </p:blipFill>
+        <p:spPr bwMode="auto">
+          <a:xfrm>
+            <a:off x="433980" y="2173754"/>
+            <a:ext cx="1249789" cy="767919"/>
+          </a:xfrm>
+          <a:prstGeom prst="rect">
+            <a:avLst/>
+          </a:prstGeom>
+          <a:noFill/>
+          <a:effectLst>
+            <a:softEdge rad="38100"/>
+          </a:effectLst>
+          <a:extLst>
+            <a:ext uri="{909E8E84-426E-40DD-AFC4-6F175D3DCCD1}">
+              <a14:hiddenFill xmlns:a14="http://schemas.microsoft.com/office/drawing/2010/main">
+                <a:solidFill>
+                  <a:srgbClr val="FFFFFF"/>
+                </a:solidFill>
+              </a14:hiddenFill>
+            </a:ext>
+          </a:extLst>
+        </p:spPr>
+      </p:pic>
+      <p:pic>
+        <p:nvPicPr>
+          <p:cNvPr id="1038" name="Picture 14" descr="https://freedomsponsors.org/media/project_images/image3x1_258_20140430015456.png"/>
+          <p:cNvPicPr>
+            <a:picLocks noChangeAspect="1" noChangeArrowheads="1"/>
+          </p:cNvPicPr>
+          <p:nvPr/>
+        </p:nvPicPr>
+        <p:blipFill>
+          <a:blip r:embed="rId4" cstate="print">
+            <a:extLst>
+              <a:ext uri="{28A0092B-C50C-407E-A947-70E740481C1C}">
+                <a14:useLocalDpi xmlns:a14="http://schemas.microsoft.com/office/drawing/2010/main" val="0"/>
+              </a:ext>
+            </a:extLst>
+          </a:blip>
+          <a:srcRect/>
+          <a:stretch>
+            <a:fillRect/>
+          </a:stretch>
+        </p:blipFill>
+        <p:spPr bwMode="auto">
+          <a:xfrm>
+            <a:off x="433980" y="3123217"/>
+            <a:ext cx="2178322" cy="605846"/>
+          </a:xfrm>
+          <a:prstGeom prst="rect">
+            <a:avLst/>
+          </a:prstGeom>
+          <a:noFill/>
+          <a:effectLst>
+            <a:softEdge rad="38100"/>
+          </a:effectLst>
+          <a:extLst>
+            <a:ext uri="{909E8E84-426E-40DD-AFC4-6F175D3DCCD1}">
+              <a14:hiddenFill xmlns:a14="http://schemas.microsoft.com/office/drawing/2010/main">
+                <a:solidFill>
+                  <a:srgbClr val="FFFFFF"/>
+                </a:solidFill>
+              </a14:hiddenFill>
+            </a:ext>
+          </a:extLst>
+        </p:spPr>
+      </p:pic>
+      <p:pic>
+        <p:nvPicPr>
+          <p:cNvPr id="1040" name="Picture 16" descr="http://git-scm.com/images/logos/1color-orange-lightbg@2x.png"/>
+          <p:cNvPicPr>
+            <a:picLocks noChangeAspect="1" noChangeArrowheads="1"/>
+          </p:cNvPicPr>
+          <p:nvPr/>
+        </p:nvPicPr>
+        <p:blipFill>
+          <a:blip r:embed="rId5" cstate="print">
+            <a:extLst>
+              <a:ext uri="{28A0092B-C50C-407E-A947-70E740481C1C}">
+                <a14:useLocalDpi xmlns:a14="http://schemas.microsoft.com/office/drawing/2010/main" val="0"/>
+              </a:ext>
+            </a:extLst>
+          </a:blip>
+          <a:srcRect/>
+          <a:stretch>
+            <a:fillRect/>
+          </a:stretch>
+        </p:blipFill>
+        <p:spPr bwMode="auto">
+          <a:xfrm>
+            <a:off x="10084173" y="4738995"/>
+            <a:ext cx="1209375" cy="411352"/>
+          </a:xfrm>
+          <a:prstGeom prst="rect">
+            <a:avLst/>
+          </a:prstGeom>
+          <a:noFill/>
+          <a:effectLst>
+            <a:softEdge rad="38100"/>
+          </a:effectLst>
+          <a:extLst>
+            <a:ext uri="{909E8E84-426E-40DD-AFC4-6F175D3DCCD1}">
+              <a14:hiddenFill xmlns:a14="http://schemas.microsoft.com/office/drawing/2010/main">
+                <a:solidFill>
+                  <a:srgbClr val="FFFFFF"/>
+                </a:solidFill>
+              </a14:hiddenFill>
+            </a:ext>
+          </a:extLst>
+        </p:spPr>
+      </p:pic>
+      <p:pic>
+        <p:nvPicPr>
+          <p:cNvPr id="1042" name="Picture 18" descr="http://blogs.vmware.com/tp/.a/6a00d8341c328153ef016766a4de97970b-pi"/>
+          <p:cNvPicPr>
+            <a:picLocks noChangeAspect="1" noChangeArrowheads="1"/>
+          </p:cNvPicPr>
+          <p:nvPr/>
+        </p:nvPicPr>
+        <p:blipFill>
+          <a:blip r:embed="rId6">
+            <a:extLst>
+              <a:ext uri="{28A0092B-C50C-407E-A947-70E740481C1C}">
+                <a14:useLocalDpi xmlns:a14="http://schemas.microsoft.com/office/drawing/2010/main" val="0"/>
+              </a:ext>
+            </a:extLst>
+          </a:blip>
+          <a:srcRect/>
+          <a:stretch>
+            <a:fillRect/>
+          </a:stretch>
+        </p:blipFill>
+        <p:spPr bwMode="auto">
+          <a:xfrm>
+            <a:off x="433980" y="3955053"/>
+            <a:ext cx="1153160" cy="674911"/>
+          </a:xfrm>
+          <a:prstGeom prst="rect">
+            <a:avLst/>
+          </a:prstGeom>
+          <a:noFill/>
+          <a:effectLst>
+            <a:softEdge rad="38100"/>
+          </a:effectLst>
+          <a:extLst>
+            <a:ext uri="{909E8E84-426E-40DD-AFC4-6F175D3DCCD1}">
+              <a14:hiddenFill xmlns:a14="http://schemas.microsoft.com/office/drawing/2010/main">
+                <a:solidFill>
+                  <a:srgbClr val="FFFFFF"/>
+                </a:solidFill>
+              </a14:hiddenFill>
+            </a:ext>
+          </a:extLst>
+        </p:spPr>
+      </p:pic>
+      <p:pic>
+        <p:nvPicPr>
+          <p:cNvPr id="1044" name="Picture 20" descr="http://megahost.ro/blog/wp-content/uploads/2014/02/tomcat.jpg"/>
+          <p:cNvPicPr>
+            <a:picLocks noChangeAspect="1" noChangeArrowheads="1"/>
+          </p:cNvPicPr>
+          <p:nvPr/>
+        </p:nvPicPr>
+        <p:blipFill>
+          <a:blip r:embed="rId7">
+            <a:extLst>
+              <a:ext uri="{28A0092B-C50C-407E-A947-70E740481C1C}">
+                <a14:useLocalDpi xmlns:a14="http://schemas.microsoft.com/office/drawing/2010/main" val="0"/>
+              </a:ext>
+            </a:extLst>
+          </a:blip>
+          <a:srcRect/>
+          <a:stretch>
+            <a:fillRect/>
+          </a:stretch>
+        </p:blipFill>
+        <p:spPr bwMode="auto">
+          <a:xfrm>
+            <a:off x="433980" y="4925155"/>
+            <a:ext cx="1281339" cy="616764"/>
+          </a:xfrm>
+          <a:prstGeom prst="rect">
+            <a:avLst/>
+          </a:prstGeom>
+          <a:noFill/>
+          <a:effectLst>
+            <a:softEdge rad="38100"/>
+          </a:effectLst>
+          <a:extLst>
+            <a:ext uri="{909E8E84-426E-40DD-AFC4-6F175D3DCCD1}">
+              <a14:hiddenFill xmlns:a14="http://schemas.microsoft.com/office/drawing/2010/main">
+                <a:solidFill>
+                  <a:srgbClr val="FFFFFF"/>
+                </a:solidFill>
+              </a14:hiddenFill>
+            </a:ext>
+          </a:extLst>
+        </p:spPr>
+      </p:pic>
+      <p:pic>
+        <p:nvPicPr>
+          <p:cNvPr id="1052" name="Picture 28" descr="http://devget.net/wp-content/uploads/2014/05/html-css-js.png"/>
+          <p:cNvPicPr>
+            <a:picLocks noChangeAspect="1" noChangeArrowheads="1"/>
+          </p:cNvPicPr>
+          <p:nvPr/>
+        </p:nvPicPr>
+        <p:blipFill>
+          <a:blip r:embed="rId8">
+            <a:extLst>
+              <a:ext uri="{28A0092B-C50C-407E-A947-70E740481C1C}">
+                <a14:useLocalDpi xmlns:a14="http://schemas.microsoft.com/office/drawing/2010/main" val="0"/>
+              </a:ext>
+            </a:extLst>
+          </a:blip>
+          <a:srcRect/>
+          <a:stretch>
+            <a:fillRect/>
+          </a:stretch>
+        </p:blipFill>
+        <p:spPr bwMode="auto">
+          <a:xfrm>
+            <a:off x="4843374" y="2143927"/>
+            <a:ext cx="2575135" cy="1510746"/>
+          </a:xfrm>
+          <a:prstGeom prst="rect">
+            <a:avLst/>
+          </a:prstGeom>
+          <a:noFill/>
+          <a:effectLst>
+            <a:softEdge rad="0"/>
+          </a:effectLst>
+          <a:extLst>
+            <a:ext uri="{909E8E84-426E-40DD-AFC4-6F175D3DCCD1}">
+              <a14:hiddenFill xmlns:a14="http://schemas.microsoft.com/office/drawing/2010/main">
+                <a:solidFill>
+                  <a:srgbClr val="FFFFFF"/>
+                </a:solidFill>
+              </a14:hiddenFill>
+            </a:ext>
+          </a:extLst>
+        </p:spPr>
+      </p:pic>
+      <p:pic>
+        <p:nvPicPr>
+          <p:cNvPr id="1056" name="Picture 32" descr="http://arrayvelocity.com/wp-content/uploads/2014/02/ajax-jquery.png"/>
+          <p:cNvPicPr>
+            <a:picLocks noChangeAspect="1" noChangeArrowheads="1"/>
+          </p:cNvPicPr>
+          <p:nvPr/>
+        </p:nvPicPr>
+        <p:blipFill>
+          <a:blip r:embed="rId9" cstate="print">
+            <a:extLst>
+              <a:ext uri="{28A0092B-C50C-407E-A947-70E740481C1C}">
+                <a14:useLocalDpi xmlns:a14="http://schemas.microsoft.com/office/drawing/2010/main" val="0"/>
+              </a:ext>
+            </a:extLst>
+          </a:blip>
+          <a:srcRect/>
+          <a:stretch>
+            <a:fillRect/>
+          </a:stretch>
+        </p:blipFill>
+        <p:spPr bwMode="auto">
+          <a:xfrm>
+            <a:off x="4776852" y="3879550"/>
+            <a:ext cx="3044644" cy="664198"/>
+          </a:xfrm>
+          <a:prstGeom prst="rect">
+            <a:avLst/>
+          </a:prstGeom>
+          <a:noFill/>
+          <a:effectLst>
+            <a:softEdge rad="38100"/>
+          </a:effectLst>
+          <a:extLst>
+            <a:ext uri="{909E8E84-426E-40DD-AFC4-6F175D3DCCD1}">
+              <a14:hiddenFill xmlns:a14="http://schemas.microsoft.com/office/drawing/2010/main">
+                <a:solidFill>
+                  <a:srgbClr val="FFFFFF"/>
+                </a:solidFill>
+              </a14:hiddenFill>
+            </a:ext>
+          </a:extLst>
+        </p:spPr>
+      </p:pic>
+      <p:pic>
+        <p:nvPicPr>
+          <p:cNvPr id="1058" name="Picture 34" descr="http://www.revillweb.com/wp-content/uploads/2013/12/twitter-bootstrap.jpg"/>
+          <p:cNvPicPr>
+            <a:picLocks noChangeAspect="1" noChangeArrowheads="1"/>
+          </p:cNvPicPr>
+          <p:nvPr/>
+        </p:nvPicPr>
+        <p:blipFill>
+          <a:blip r:embed="rId10" cstate="print">
+            <a:extLst>
+              <a:ext uri="{28A0092B-C50C-407E-A947-70E740481C1C}">
+                <a14:useLocalDpi xmlns:a14="http://schemas.microsoft.com/office/drawing/2010/main" val="0"/>
+              </a:ext>
+            </a:extLst>
+          </a:blip>
+          <a:srcRect/>
+          <a:stretch>
+            <a:fillRect/>
+          </a:stretch>
+        </p:blipFill>
+        <p:spPr bwMode="auto">
+          <a:xfrm>
+            <a:off x="5188625" y="4992397"/>
+            <a:ext cx="1750581" cy="980326"/>
+          </a:xfrm>
+          <a:prstGeom prst="rect">
+            <a:avLst/>
+          </a:prstGeom>
+          <a:noFill/>
+          <a:effectLst>
+            <a:softEdge rad="88900"/>
+          </a:effectLst>
+          <a:extLst>
+            <a:ext uri="{909E8E84-426E-40DD-AFC4-6F175D3DCCD1}">
+              <a14:hiddenFill xmlns:a14="http://schemas.microsoft.com/office/drawing/2010/main">
+                <a:solidFill>
+                  <a:srgbClr val="FFFFFF"/>
+                </a:solidFill>
+              </a14:hiddenFill>
+            </a:ext>
+          </a:extLst>
+        </p:spPr>
+      </p:pic>
+      <p:pic>
+        <p:nvPicPr>
+          <p:cNvPr id="1060" name="Picture 36" descr="http://badges.mariadb.org/logo/Mariadb-seal-shaded-browntext-alt.png"/>
+          <p:cNvPicPr>
+            <a:picLocks noChangeAspect="1" noChangeArrowheads="1"/>
+          </p:cNvPicPr>
+          <p:nvPr/>
+        </p:nvPicPr>
+        <p:blipFill>
+          <a:blip r:embed="rId11">
+            <a:extLst>
+              <a:ext uri="{28A0092B-C50C-407E-A947-70E740481C1C}">
+                <a14:useLocalDpi xmlns:a14="http://schemas.microsoft.com/office/drawing/2010/main" val="0"/>
+              </a:ext>
+            </a:extLst>
+          </a:blip>
+          <a:srcRect/>
+          <a:stretch>
+            <a:fillRect/>
+          </a:stretch>
+        </p:blipFill>
+        <p:spPr bwMode="auto">
+          <a:xfrm>
+            <a:off x="2439497" y="4269398"/>
+            <a:ext cx="1613177" cy="1213162"/>
+          </a:xfrm>
+          <a:prstGeom prst="rect">
+            <a:avLst/>
+          </a:prstGeom>
+          <a:noFill/>
+          <a:effectLst>
+            <a:softEdge rad="0"/>
+          </a:effectLst>
+          <a:extLst>
+            <a:ext uri="{909E8E84-426E-40DD-AFC4-6F175D3DCCD1}">
+              <a14:hiddenFill xmlns:a14="http://schemas.microsoft.com/office/drawing/2010/main">
+                <a:solidFill>
+                  <a:srgbClr val="FFFFFF"/>
+                </a:solidFill>
+              </a14:hiddenFill>
+            </a:ext>
+          </a:extLst>
+        </p:spPr>
+      </p:pic>
+      <p:pic>
+        <p:nvPicPr>
+          <p:cNvPr id="4" name="Picture 3"/>
+          <p:cNvPicPr>
+            <a:picLocks noChangeAspect="1"/>
+          </p:cNvPicPr>
+          <p:nvPr/>
+        </p:nvPicPr>
+        <p:blipFill>
+          <a:blip r:embed="rId12"/>
+          <a:stretch>
+            <a:fillRect/>
+          </a:stretch>
+        </p:blipFill>
+        <p:spPr>
+          <a:xfrm>
+            <a:off x="8934192" y="6043320"/>
+            <a:ext cx="2359356" cy="457240"/>
+          </a:xfrm>
+          <a:prstGeom prst="rect">
+            <a:avLst/>
+          </a:prstGeom>
+        </p:spPr>
+      </p:pic>
+      <p:pic>
+        <p:nvPicPr>
+          <p:cNvPr id="5" name="Picture 4"/>
+          <p:cNvPicPr>
+            <a:picLocks noChangeAspect="1"/>
+          </p:cNvPicPr>
+          <p:nvPr/>
+        </p:nvPicPr>
+        <p:blipFill>
+          <a:blip r:embed="rId13"/>
+          <a:stretch>
+            <a:fillRect/>
+          </a:stretch>
+        </p:blipFill>
+        <p:spPr>
+          <a:xfrm>
+            <a:off x="8282841" y="957707"/>
+            <a:ext cx="3535986" cy="3334801"/>
+          </a:xfrm>
+          <a:prstGeom prst="rect">
+            <a:avLst/>
+          </a:prstGeom>
+        </p:spPr>
+      </p:pic>
+    </p:spTree>
+    <p:extLst>
+      <p:ext uri="{BB962C8B-B14F-4D97-AF65-F5344CB8AC3E}">
+        <p14:creationId xmlns:p14="http://schemas.microsoft.com/office/powerpoint/2010/main" val="3135851640"/>
+      </p:ext>
+    </p:extLst>
+  </p:cSld>
+  <p:clrMapOvr>
+    <a:masterClrMapping/>
+  </p:clrMapOvr>
+  <p:timing>
+    <p:tnLst>
+      <p:par>
+        <p:cTn id="1" dur="indefinite" restart="never" nodeType="tmRoot"/>
+      </p:par>
+    </p:tnLst>
+  </p:timing>
+</p:sld>
+</file>
+
+<file path=ppt/slides/slide14.xml><?xml version="1.0" encoding="utf-8"?>
+<p:sld xmlns:a="http://schemas.openxmlformats.org/drawingml/2006/main" xmlns:r="http://schemas.openxmlformats.org/officeDocument/2006/relationships" xmlns:p="http://schemas.openxmlformats.org/presentationml/2006/main">
+  <p:cSld>
+    <p:spTree>
+      <p:nvGrpSpPr>
+        <p:cNvPr id="1" name=""/>
+        <p:cNvGrpSpPr/>
+        <p:nvPr/>
+      </p:nvGrpSpPr>
+      <p:grpSpPr>
+        <a:xfrm>
+          <a:off x="0" y="0"/>
+          <a:ext cx="0" cy="0"/>
+          <a:chOff x="0" y="0"/>
+          <a:chExt cx="0" cy="0"/>
+        </a:xfrm>
+      </p:grpSpPr>
+      <p:sp>
+        <p:nvSpPr>
+          <p:cNvPr id="2" name="Title 1"/>
+          <p:cNvSpPr>
+            <a:spLocks noGrp="1"/>
+          </p:cNvSpPr>
+          <p:nvPr>
+            <p:ph type="title"/>
+          </p:nvPr>
+        </p:nvSpPr>
+        <p:spPr>
+          <a:xfrm>
+            <a:off x="236809" y="1227781"/>
+            <a:ext cx="4883832" cy="2351442"/>
+          </a:xfrm>
+        </p:spPr>
+        <p:txBody>
+          <a:bodyPr/>
+          <a:lstStyle/>
+          <a:p>
+            <a:r>
+              <a:rPr lang="ro-RO" dirty="0"/>
+              <a:t>Implementarea</a:t>
+            </a:r>
+            <a:r>
+              <a:rPr lang="en-US" dirty="0"/>
+              <a:t> </a:t>
+            </a:r>
+            <a:r>
+              <a:rPr lang="ro-RO" dirty="0"/>
+              <a:t>aplicației</a:t>
+            </a:r>
+            <a:br>
+              <a:rPr lang="ro-RO" dirty="0"/>
+            </a:br>
+            <a:endParaRPr lang="en-US" dirty="0"/>
+          </a:p>
+        </p:txBody>
+      </p:sp>
+      <p:sp>
+        <p:nvSpPr>
+          <p:cNvPr id="3" name="Content Placeholder 2"/>
+          <p:cNvSpPr>
+            <a:spLocks noGrp="1"/>
+          </p:cNvSpPr>
+          <p:nvPr>
+            <p:ph idx="1"/>
+          </p:nvPr>
+        </p:nvSpPr>
+        <p:spPr>
+          <a:xfrm>
+            <a:off x="894308" y="4249965"/>
+            <a:ext cx="2610272" cy="587645"/>
+          </a:xfrm>
+        </p:spPr>
+        <p:txBody>
+          <a:bodyPr>
+            <a:normAutofit fontScale="92500" lnSpcReduction="20000"/>
+          </a:bodyPr>
+          <a:lstStyle/>
+          <a:p>
+            <a:r>
+              <a:rPr lang="en-US" dirty="0" smtClean="0"/>
+              <a:t>Schema </a:t>
+            </a:r>
+            <a:r>
+              <a:rPr lang="ro-RO" dirty="0" smtClean="0"/>
+              <a:t>bazei</a:t>
+            </a:r>
+            <a:r>
+              <a:rPr lang="en-US" dirty="0" smtClean="0"/>
+              <a:t> de date</a:t>
+            </a:r>
+            <a:endParaRPr lang="en-US" dirty="0"/>
+          </a:p>
+        </p:txBody>
+      </p:sp>
+      <p:pic>
+        <p:nvPicPr>
+          <p:cNvPr id="4" name="Picture 3"/>
+          <p:cNvPicPr>
+            <a:picLocks noChangeAspect="1"/>
+          </p:cNvPicPr>
+          <p:nvPr/>
+        </p:nvPicPr>
+        <p:blipFill>
+          <a:blip r:embed="rId2"/>
+          <a:stretch>
+            <a:fillRect/>
+          </a:stretch>
+        </p:blipFill>
+        <p:spPr>
+          <a:xfrm>
+            <a:off x="4553587" y="174043"/>
+            <a:ext cx="5765482" cy="6566391"/>
+          </a:xfrm>
+          <a:prstGeom prst="rect">
+            <a:avLst/>
+          </a:prstGeom>
+          <a:effectLst>
+            <a:softEdge rad="76200"/>
+          </a:effectLst>
+        </p:spPr>
+      </p:pic>
+    </p:spTree>
+    <p:extLst>
+      <p:ext uri="{BB962C8B-B14F-4D97-AF65-F5344CB8AC3E}">
+        <p14:creationId xmlns:p14="http://schemas.microsoft.com/office/powerpoint/2010/main" val="3257586297"/>
+      </p:ext>
+    </p:extLst>
+  </p:cSld>
+  <p:clrMapOvr>
+    <a:masterClrMapping/>
+  </p:clrMapOvr>
+</p:sld>
+</file>
+
+<file path=ppt/slides/slide15.xml><?xml version="1.0" encoding="utf-8"?>
+<p:sld xmlns:a="http://schemas.openxmlformats.org/drawingml/2006/main" xmlns:r="http://schemas.openxmlformats.org/officeDocument/2006/relationships" xmlns:p="http://schemas.openxmlformats.org/presentationml/2006/main">
+  <p:cSld>
+    <p:spTree>
+      <p:nvGrpSpPr>
+        <p:cNvPr id="1" name=""/>
+        <p:cNvGrpSpPr/>
+        <p:nvPr/>
+      </p:nvGrpSpPr>
+      <p:grpSpPr>
+        <a:xfrm>
+          <a:off x="0" y="0"/>
+          <a:ext cx="0" cy="0"/>
+          <a:chOff x="0" y="0"/>
+          <a:chExt cx="0" cy="0"/>
+        </a:xfrm>
+      </p:grpSpPr>
+      <p:sp>
+        <p:nvSpPr>
+          <p:cNvPr id="2" name="Title 1"/>
+          <p:cNvSpPr>
+            <a:spLocks noGrp="1"/>
+          </p:cNvSpPr>
+          <p:nvPr>
+            <p:ph type="title"/>
+          </p:nvPr>
+        </p:nvSpPr>
+        <p:spPr>
+          <a:xfrm>
+            <a:off x="516802" y="2521663"/>
+            <a:ext cx="4332289" cy="3943792"/>
+          </a:xfrm>
+        </p:spPr>
+        <p:txBody>
+          <a:bodyPr/>
+          <a:lstStyle/>
+          <a:p>
+            <a:r>
+              <a:rPr lang="ro-RO" dirty="0"/>
+              <a:t>Implementarea</a:t>
+            </a:r>
+            <a:r>
+              <a:rPr lang="en-US" dirty="0"/>
+              <a:t> </a:t>
+            </a:r>
+            <a:r>
+              <a:rPr lang="ro-RO" dirty="0"/>
+              <a:t>aplicației</a:t>
+            </a:r>
+          </a:p>
+        </p:txBody>
+      </p:sp>
+      <p:pic>
+        <p:nvPicPr>
+          <p:cNvPr id="4" name="Content Placeholder 3"/>
+          <p:cNvPicPr>
+            <a:picLocks noGrp="1"/>
+          </p:cNvPicPr>
+          <p:nvPr>
+            <p:ph idx="1"/>
+          </p:nvPr>
+        </p:nvPicPr>
+        <p:blipFill>
+          <a:blip r:embed="rId2">
+            <a:extLst>
+              <a:ext uri="{28A0092B-C50C-407E-A947-70E740481C1C}">
+                <a14:useLocalDpi xmlns:a14="http://schemas.microsoft.com/office/drawing/2010/main" val="0"/>
+              </a:ext>
+            </a:extLst>
+          </a:blip>
+          <a:stretch>
+            <a:fillRect/>
+          </a:stretch>
+        </p:blipFill>
+        <p:spPr>
+          <a:xfrm>
+            <a:off x="4849091" y="73891"/>
+            <a:ext cx="4895274" cy="6677891"/>
+          </a:xfrm>
+          <a:prstGeom prst="rect">
+            <a:avLst/>
+          </a:prstGeom>
+          <a:effectLst>
+            <a:softEdge rad="38100"/>
+          </a:effectLst>
+        </p:spPr>
+      </p:pic>
+    </p:spTree>
+    <p:extLst>
+      <p:ext uri="{BB962C8B-B14F-4D97-AF65-F5344CB8AC3E}">
+        <p14:creationId xmlns:p14="http://schemas.microsoft.com/office/powerpoint/2010/main" val="4027119955"/>
+      </p:ext>
+    </p:extLst>
+  </p:cSld>
+  <p:clrMapOvr>
+    <a:masterClrMapping/>
+  </p:clrMapOvr>
+  <p:timing>
+    <p:tnLst>
+      <p:par>
+        <p:cTn id="1" dur="indefinite" restart="never" nodeType="tmRoot"/>
+      </p:par>
+    </p:tnLst>
+  </p:timing>
+</p:sld>
+</file>
+
+<file path=ppt/slides/slide16.xml><?xml version="1.0" encoding="utf-8"?>
+<p:sld xmlns:a="http://schemas.openxmlformats.org/drawingml/2006/main" xmlns:r="http://schemas.openxmlformats.org/officeDocument/2006/relationships" xmlns:p="http://schemas.openxmlformats.org/presentationml/2006/main">
+  <p:cSld>
+    <p:spTree>
+      <p:nvGrpSpPr>
+        <p:cNvPr id="1" name=""/>
+        <p:cNvGrpSpPr/>
+        <p:nvPr/>
+      </p:nvGrpSpPr>
+      <p:grpSpPr>
+        <a:xfrm>
+          <a:off x="0" y="0"/>
+          <a:ext cx="0" cy="0"/>
+          <a:chOff x="0" y="0"/>
+          <a:chExt cx="0" cy="0"/>
+        </a:xfrm>
+      </p:grpSpPr>
+      <p:sp>
+        <p:nvSpPr>
+          <p:cNvPr id="2" name="Title 1"/>
+          <p:cNvSpPr>
+            <a:spLocks noGrp="1"/>
+          </p:cNvSpPr>
+          <p:nvPr>
+            <p:ph type="title"/>
+          </p:nvPr>
+        </p:nvSpPr>
+        <p:spPr/>
+        <p:txBody>
+          <a:bodyPr/>
+          <a:lstStyle/>
+          <a:p>
+            <a:r>
+              <a:rPr lang="ro-RO" dirty="0"/>
+              <a:t>Implementarea</a:t>
+            </a:r>
+            <a:r>
+              <a:rPr lang="en-US" dirty="0"/>
+              <a:t> </a:t>
+            </a:r>
+            <a:r>
+              <a:rPr lang="ro-RO" dirty="0"/>
+              <a:t>aplicației</a:t>
+            </a:r>
+          </a:p>
+        </p:txBody>
+      </p:sp>
+      <p:pic>
+        <p:nvPicPr>
+          <p:cNvPr id="4" name="Content Placeholder 3"/>
+          <p:cNvPicPr>
+            <a:picLocks noGrp="1" noChangeAspect="1"/>
+          </p:cNvPicPr>
+          <p:nvPr>
+            <p:ph idx="1"/>
+          </p:nvPr>
+        </p:nvPicPr>
+        <p:blipFill>
+          <a:blip r:embed="rId2">
+            <a:extLst>
+              <a:ext uri="{28A0092B-C50C-407E-A947-70E740481C1C}">
+                <a14:useLocalDpi xmlns:a14="http://schemas.microsoft.com/office/drawing/2010/main" val="0"/>
+              </a:ext>
+            </a:extLst>
+          </a:blip>
+          <a:stretch>
+            <a:fillRect/>
+          </a:stretch>
+        </p:blipFill>
+        <p:spPr>
+          <a:xfrm>
+            <a:off x="-36696" y="2967791"/>
+            <a:ext cx="12261455" cy="3150205"/>
+          </a:xfrm>
+          <a:effectLst>
+            <a:softEdge rad="152400"/>
+          </a:effectLst>
+        </p:spPr>
+      </p:pic>
+      <p:sp>
+        <p:nvSpPr>
+          <p:cNvPr id="6" name="Content Placeholder 2"/>
+          <p:cNvSpPr txBox="1">
+            <a:spLocks/>
+          </p:cNvSpPr>
+          <p:nvPr/>
+        </p:nvSpPr>
+        <p:spPr>
+          <a:xfrm>
+            <a:off x="1066105" y="2139427"/>
+            <a:ext cx="10063449" cy="664734"/>
+          </a:xfrm>
+          <a:prstGeom prst="rect">
+            <a:avLst/>
+          </a:prstGeom>
+        </p:spPr>
+        <p:txBody>
+          <a:bodyPr vert="horz" lIns="91440" tIns="45720" rIns="91440" bIns="45720" rtlCol="0">
+            <a:normAutofit/>
+          </a:bodyPr>
+          <a:lstStyle>
+            <a:lvl1pPr marL="342900" indent="-342900" algn="l" defTabSz="457200" rtl="0" eaLnBrk="1" latinLnBrk="0" hangingPunct="1">
+              <a:spcBef>
+                <a:spcPts val="1000"/>
+              </a:spcBef>
+              <a:spcAft>
+                <a:spcPts val="0"/>
+              </a:spcAft>
+              <a:buClr>
+                <a:schemeClr val="bg2">
+                  <a:lumMod val="40000"/>
+                  <a:lumOff val="60000"/>
+                </a:schemeClr>
+              </a:buClr>
+              <a:buSzPct val="80000"/>
+              <a:buFont typeface="Wingdings 3" charset="2"/>
+              <a:buChar char=""/>
+              <a:defRPr sz="2000" b="0" i="0" kern="1200">
+                <a:solidFill>
+                  <a:schemeClr val="tx1"/>
+                </a:solidFill>
+                <a:latin typeface="+mj-lt"/>
+                <a:ea typeface="+mj-ea"/>
+                <a:cs typeface="+mj-cs"/>
+              </a:defRPr>
+            </a:lvl1pPr>
+            <a:lvl2pPr marL="742950" indent="-285750" algn="l" defTabSz="457200" rtl="0" eaLnBrk="1" latinLnBrk="0" hangingPunct="1">
+              <a:spcBef>
+                <a:spcPts val="1000"/>
+              </a:spcBef>
+              <a:spcAft>
+                <a:spcPts val="0"/>
+              </a:spcAft>
+              <a:buClr>
+                <a:schemeClr val="bg2">
+                  <a:lumMod val="40000"/>
+                  <a:lumOff val="60000"/>
+                </a:schemeClr>
+              </a:buClr>
+              <a:buSzPct val="80000"/>
+              <a:buFont typeface="Wingdings 3" charset="2"/>
+              <a:buChar char=""/>
+              <a:defRPr sz="1800" b="0" i="0" kern="1200">
+                <a:solidFill>
+                  <a:schemeClr val="tx1"/>
+                </a:solidFill>
+                <a:latin typeface="+mj-lt"/>
+                <a:ea typeface="+mj-ea"/>
+                <a:cs typeface="+mj-cs"/>
+              </a:defRPr>
+            </a:lvl2pPr>
+            <a:lvl3pPr marL="1143000" indent="-228600" algn="l" defTabSz="457200" rtl="0" eaLnBrk="1" latinLnBrk="0" hangingPunct="1">
+              <a:spcBef>
+                <a:spcPts val="1000"/>
+              </a:spcBef>
+              <a:spcAft>
+                <a:spcPts val="0"/>
+              </a:spcAft>
+              <a:buClr>
+                <a:schemeClr val="bg2">
+                  <a:lumMod val="40000"/>
+                  <a:lumOff val="60000"/>
+                </a:schemeClr>
+              </a:buClr>
+              <a:buSzPct val="80000"/>
+              <a:buFont typeface="Wingdings 3" charset="2"/>
+              <a:buChar char=""/>
+              <a:defRPr sz="1600" b="0" i="0" kern="1200">
+                <a:solidFill>
+                  <a:schemeClr val="tx1"/>
+                </a:solidFill>
+                <a:latin typeface="+mj-lt"/>
+                <a:ea typeface="+mj-ea"/>
+                <a:cs typeface="+mj-cs"/>
+              </a:defRPr>
+            </a:lvl3pPr>
+            <a:lvl4pPr marL="1600200" indent="-228600" algn="l" defTabSz="457200" rtl="0" eaLnBrk="1" latinLnBrk="0" hangingPunct="1">
+              <a:spcBef>
+                <a:spcPts val="1000"/>
+              </a:spcBef>
+              <a:spcAft>
+                <a:spcPts val="0"/>
+              </a:spcAft>
+              <a:buClr>
+                <a:schemeClr val="bg2">
+                  <a:lumMod val="40000"/>
+                  <a:lumOff val="60000"/>
+                </a:schemeClr>
+              </a:buClr>
+              <a:buSzPct val="80000"/>
+              <a:buFont typeface="Wingdings 3" charset="2"/>
+              <a:buChar char=""/>
+              <a:defRPr sz="1400" b="0" i="0" kern="1200">
+                <a:solidFill>
+                  <a:schemeClr val="tx1"/>
+                </a:solidFill>
+                <a:latin typeface="+mj-lt"/>
+                <a:ea typeface="+mj-ea"/>
+                <a:cs typeface="+mj-cs"/>
+              </a:defRPr>
+            </a:lvl4pPr>
+            <a:lvl5pPr marL="2057400" indent="-228600" algn="l" defTabSz="457200" rtl="0" eaLnBrk="1" latinLnBrk="0" hangingPunct="1">
+              <a:spcBef>
+                <a:spcPts val="1000"/>
+              </a:spcBef>
+              <a:spcAft>
+                <a:spcPts val="0"/>
+              </a:spcAft>
+              <a:buClr>
+                <a:schemeClr val="bg2">
+                  <a:lumMod val="40000"/>
+                  <a:lumOff val="60000"/>
+                </a:schemeClr>
+              </a:buClr>
+              <a:buSzPct val="80000"/>
+              <a:buFont typeface="Wingdings 3" charset="2"/>
+              <a:buChar char=""/>
+              <a:defRPr sz="1400" b="0" i="0" kern="1200">
+                <a:solidFill>
+                  <a:schemeClr val="tx1"/>
+                </a:solidFill>
+                <a:latin typeface="+mj-lt"/>
+                <a:ea typeface="+mj-ea"/>
+                <a:cs typeface="+mj-cs"/>
+              </a:defRPr>
+            </a:lvl5pPr>
+            <a:lvl6pPr marL="2506000" indent="-228600" algn="l" defTabSz="457200" rtl="0" eaLnBrk="1" latinLnBrk="0" hangingPunct="1">
+              <a:spcBef>
+                <a:spcPts val="1000"/>
+              </a:spcBef>
+              <a:spcAft>
+                <a:spcPts val="0"/>
+              </a:spcAft>
+              <a:buClr>
+                <a:schemeClr val="bg2">
+                  <a:lumMod val="40000"/>
+                  <a:lumOff val="60000"/>
+                </a:schemeClr>
+              </a:buClr>
+              <a:buSzPct val="80000"/>
+              <a:buFont typeface="Wingdings 3" charset="2"/>
+              <a:buChar char=""/>
+              <a:defRPr sz="1400" b="0" i="0" kern="1200">
+                <a:solidFill>
+                  <a:schemeClr val="tx1"/>
+                </a:solidFill>
+                <a:latin typeface="+mj-lt"/>
+                <a:ea typeface="+mj-ea"/>
+                <a:cs typeface="+mj-cs"/>
+              </a:defRPr>
+            </a:lvl6pPr>
+            <a:lvl7pPr marL="2971800" indent="-228600" algn="l" defTabSz="457200" rtl="0" eaLnBrk="1" latinLnBrk="0" hangingPunct="1">
+              <a:spcBef>
+                <a:spcPts val="1000"/>
+              </a:spcBef>
+              <a:spcAft>
+                <a:spcPts val="0"/>
+              </a:spcAft>
+              <a:buClr>
+                <a:schemeClr val="bg2">
+                  <a:lumMod val="40000"/>
+                  <a:lumOff val="60000"/>
+                </a:schemeClr>
+              </a:buClr>
+              <a:buSzPct val="80000"/>
+              <a:buFont typeface="Wingdings 3" charset="2"/>
+              <a:buChar char=""/>
+              <a:defRPr sz="1400" b="0" i="0" kern="1200">
+                <a:solidFill>
+                  <a:schemeClr val="tx1"/>
+                </a:solidFill>
+                <a:latin typeface="+mj-lt"/>
+                <a:ea typeface="+mj-ea"/>
+                <a:cs typeface="+mj-cs"/>
+              </a:defRPr>
+            </a:lvl7pPr>
+            <a:lvl8pPr marL="3429000" indent="-228600" algn="l" defTabSz="457200" rtl="0" eaLnBrk="1" latinLnBrk="0" hangingPunct="1">
+              <a:spcBef>
+                <a:spcPts val="1000"/>
+              </a:spcBef>
+              <a:spcAft>
+                <a:spcPts val="0"/>
+              </a:spcAft>
+              <a:buClr>
+                <a:schemeClr val="bg2">
+                  <a:lumMod val="40000"/>
+                  <a:lumOff val="60000"/>
+                </a:schemeClr>
+              </a:buClr>
+              <a:buSzPct val="80000"/>
+              <a:buFont typeface="Wingdings 3" charset="2"/>
+              <a:buChar char=""/>
+              <a:defRPr sz="1400" b="0" i="0" kern="1200">
+                <a:solidFill>
+                  <a:schemeClr val="tx1"/>
+                </a:solidFill>
+                <a:latin typeface="+mj-lt"/>
+                <a:ea typeface="+mj-ea"/>
+                <a:cs typeface="+mj-cs"/>
+              </a:defRPr>
+            </a:lvl8pPr>
+            <a:lvl9pPr marL="3886200" indent="-228600" algn="l" defTabSz="457200" rtl="0" eaLnBrk="1" latinLnBrk="0" hangingPunct="1">
+              <a:spcBef>
+                <a:spcPts val="1000"/>
+              </a:spcBef>
+              <a:spcAft>
+                <a:spcPts val="0"/>
+              </a:spcAft>
+              <a:buClr>
+                <a:schemeClr val="bg2">
+                  <a:lumMod val="40000"/>
+                  <a:lumOff val="60000"/>
+                </a:schemeClr>
+              </a:buClr>
+              <a:buSzPct val="80000"/>
+              <a:buFont typeface="Wingdings 3" charset="2"/>
+              <a:buChar char=""/>
+              <a:defRPr sz="1400" b="0" i="0" kern="1200">
+                <a:solidFill>
+                  <a:schemeClr val="tx1"/>
+                </a:solidFill>
+                <a:latin typeface="+mj-lt"/>
+                <a:ea typeface="+mj-ea"/>
+                <a:cs typeface="+mj-cs"/>
+              </a:defRPr>
+            </a:lvl9pPr>
+          </a:lstStyle>
+          <a:p>
+            <a:r>
+              <a:rPr lang="ro-RO" dirty="0" smtClean="0"/>
+              <a:t>Diagrama</a:t>
+            </a:r>
+            <a:r>
+              <a:rPr lang="en-US" dirty="0" smtClean="0"/>
+              <a:t> UML – </a:t>
+            </a:r>
+            <a:r>
+              <a:rPr lang="ro-RO" dirty="0" smtClean="0"/>
+              <a:t>fluxul</a:t>
+            </a:r>
+            <a:r>
+              <a:rPr lang="en-US" dirty="0" smtClean="0"/>
+              <a:t> de date </a:t>
+            </a:r>
+            <a:r>
+              <a:rPr lang="ro-RO" dirty="0" smtClean="0"/>
+              <a:t>pentru</a:t>
+            </a:r>
+            <a:r>
+              <a:rPr lang="en-US" dirty="0" smtClean="0"/>
+              <a:t> </a:t>
+            </a:r>
+            <a:r>
+              <a:rPr lang="ro-RO" dirty="0" smtClean="0"/>
+              <a:t>pagina</a:t>
+            </a:r>
+            <a:r>
+              <a:rPr lang="en-US" dirty="0" smtClean="0"/>
+              <a:t> de </a:t>
+            </a:r>
+            <a:r>
+              <a:rPr lang="ro-RO" dirty="0" smtClean="0"/>
+              <a:t>întrebări</a:t>
+            </a:r>
+            <a:r>
+              <a:rPr lang="en-US" dirty="0" smtClean="0"/>
+              <a:t> </a:t>
+            </a:r>
+            <a:r>
+              <a:rPr lang="ro-RO" dirty="0"/>
+              <a:t>ș</a:t>
+            </a:r>
+            <a:r>
+              <a:rPr lang="ro-RO" dirty="0" smtClean="0"/>
+              <a:t>i</a:t>
+            </a:r>
+            <a:r>
+              <a:rPr lang="en-US" dirty="0" smtClean="0"/>
+              <a:t> </a:t>
+            </a:r>
+            <a:r>
+              <a:rPr lang="ro-RO" dirty="0" smtClean="0"/>
+              <a:t>răspunsuri</a:t>
+            </a:r>
+          </a:p>
+        </p:txBody>
+      </p:sp>
+    </p:spTree>
+    <p:extLst>
+      <p:ext uri="{BB962C8B-B14F-4D97-AF65-F5344CB8AC3E}">
+        <p14:creationId xmlns:p14="http://schemas.microsoft.com/office/powerpoint/2010/main" val="2786794507"/>
+      </p:ext>
+    </p:extLst>
+  </p:cSld>
+  <p:clrMapOvr>
+    <a:masterClrMapping/>
+  </p:clrMapOvr>
+  <p:timing>
+    <p:tnLst>
+      <p:par>
+        <p:cTn id="1" dur="indefinite" restart="never" nodeType="tmRoot"/>
+      </p:par>
+    </p:tnLst>
+  </p:timing>
+</p:sld>
+</file>
+
+<file path=ppt/slides/slide17.xml><?xml version="1.0" encoding="utf-8"?>
+<p:sld xmlns:a="http://schemas.openxmlformats.org/drawingml/2006/main" xmlns:r="http://schemas.openxmlformats.org/officeDocument/2006/relationships" xmlns:p="http://schemas.openxmlformats.org/presentationml/2006/main">
+  <p:cSld>
+    <p:spTree>
+      <p:nvGrpSpPr>
+        <p:cNvPr id="1" name=""/>
+        <p:cNvGrpSpPr/>
+        <p:nvPr/>
+      </p:nvGrpSpPr>
+      <p:grpSpPr>
+        <a:xfrm>
+          <a:off x="0" y="0"/>
+          <a:ext cx="0" cy="0"/>
+          <a:chOff x="0" y="0"/>
+          <a:chExt cx="0" cy="0"/>
+        </a:xfrm>
+      </p:grpSpPr>
+      <p:sp>
+        <p:nvSpPr>
+          <p:cNvPr id="2" name="Title 1"/>
+          <p:cNvSpPr>
+            <a:spLocks noGrp="1"/>
+          </p:cNvSpPr>
+          <p:nvPr>
+            <p:ph type="title"/>
+          </p:nvPr>
+        </p:nvSpPr>
+        <p:spPr/>
+        <p:txBody>
+          <a:bodyPr/>
+          <a:lstStyle/>
+          <a:p>
+            <a:r>
+              <a:rPr lang="ro-RO" dirty="0"/>
+              <a:t>Implementare</a:t>
+            </a:r>
+            <a:r>
+              <a:rPr lang="en-US" dirty="0"/>
+              <a:t> </a:t>
+            </a:r>
+            <a:r>
+              <a:rPr lang="ro-RO" dirty="0"/>
+              <a:t>topologiei</a:t>
+            </a:r>
+            <a:r>
+              <a:rPr lang="en-US" dirty="0"/>
+              <a:t> in cloud</a:t>
+            </a:r>
+          </a:p>
+        </p:txBody>
+      </p:sp>
+      <p:sp>
+        <p:nvSpPr>
+          <p:cNvPr id="3" name="Content Placeholder 2"/>
+          <p:cNvSpPr>
+            <a:spLocks noGrp="1"/>
+          </p:cNvSpPr>
+          <p:nvPr>
+            <p:ph idx="1"/>
+          </p:nvPr>
+        </p:nvSpPr>
+        <p:spPr>
+          <a:xfrm>
+            <a:off x="336956" y="3124072"/>
+            <a:ext cx="2885215" cy="3328979"/>
+          </a:xfrm>
+        </p:spPr>
+        <p:txBody>
+          <a:bodyPr/>
+          <a:lstStyle/>
+          <a:p>
+            <a:r>
+              <a:rPr lang="ro-RO" dirty="0" smtClean="0"/>
+              <a:t>Topologia</a:t>
+            </a:r>
+            <a:r>
+              <a:rPr lang="en-US" dirty="0" smtClean="0"/>
+              <a:t> </a:t>
+            </a:r>
+            <a:r>
+              <a:rPr lang="ro-RO" dirty="0" smtClean="0"/>
+              <a:t>implementata</a:t>
+            </a:r>
+          </a:p>
+        </p:txBody>
+      </p:sp>
+      <p:pic>
+        <p:nvPicPr>
+          <p:cNvPr id="4" name="Picture 3"/>
+          <p:cNvPicPr>
+            <a:picLocks noChangeAspect="1"/>
+          </p:cNvPicPr>
+          <p:nvPr/>
+        </p:nvPicPr>
+        <p:blipFill>
+          <a:blip r:embed="rId2"/>
+          <a:stretch>
+            <a:fillRect/>
+          </a:stretch>
+        </p:blipFill>
+        <p:spPr>
+          <a:xfrm>
+            <a:off x="2856411" y="1185869"/>
+            <a:ext cx="8987245" cy="5440786"/>
+          </a:xfrm>
+          <a:prstGeom prst="rect">
+            <a:avLst/>
+          </a:prstGeom>
+          <a:effectLst>
+            <a:softEdge rad="76200"/>
+          </a:effectLst>
+        </p:spPr>
+      </p:pic>
+    </p:spTree>
+    <p:extLst>
+      <p:ext uri="{BB962C8B-B14F-4D97-AF65-F5344CB8AC3E}">
+        <p14:creationId xmlns:p14="http://schemas.microsoft.com/office/powerpoint/2010/main" val="3247952930"/>
+      </p:ext>
+    </p:extLst>
+  </p:cSld>
+  <p:clrMapOvr>
+    <a:masterClrMapping/>
+  </p:clrMapOvr>
+  <p:timing>
+    <p:tnLst>
+      <p:par>
+        <p:cTn id="1" dur="indefinite" restart="never" nodeType="tmRoot"/>
+      </p:par>
+    </p:tnLst>
+  </p:timing>
+</p:sld>
+</file>
+
+<file path=ppt/slides/slide18.xml><?xml version="1.0" encoding="utf-8"?>
+<p:sld xmlns:a="http://schemas.openxmlformats.org/drawingml/2006/main" xmlns:r="http://schemas.openxmlformats.org/officeDocument/2006/relationships" xmlns:p="http://schemas.openxmlformats.org/presentationml/2006/main">
+  <p:cSld>
+    <p:spTree>
+      <p:nvGrpSpPr>
+        <p:cNvPr id="1" name=""/>
+        <p:cNvGrpSpPr/>
+        <p:nvPr/>
+      </p:nvGrpSpPr>
+      <p:grpSpPr>
+        <a:xfrm>
+          <a:off x="0" y="0"/>
+          <a:ext cx="0" cy="0"/>
+          <a:chOff x="0" y="0"/>
+          <a:chExt cx="0" cy="0"/>
+        </a:xfrm>
+      </p:grpSpPr>
+      <p:sp>
+        <p:nvSpPr>
+          <p:cNvPr id="2" name="Title 1"/>
+          <p:cNvSpPr>
+            <a:spLocks noGrp="1"/>
+          </p:cNvSpPr>
+          <p:nvPr>
+            <p:ph type="title"/>
+          </p:nvPr>
+        </p:nvSpPr>
+        <p:spPr/>
+        <p:txBody>
+          <a:bodyPr/>
+          <a:lstStyle/>
+          <a:p>
+            <a:r>
+              <a:rPr lang="ro-RO" dirty="0"/>
+              <a:t>Implementare</a:t>
+            </a:r>
+            <a:r>
+              <a:rPr lang="en-US" dirty="0"/>
+              <a:t> </a:t>
+            </a:r>
+            <a:r>
+              <a:rPr lang="ro-RO" dirty="0"/>
+              <a:t>topologiei</a:t>
+            </a:r>
+            <a:r>
+              <a:rPr lang="en-US" dirty="0"/>
+              <a:t> in cloud</a:t>
+            </a:r>
+          </a:p>
+        </p:txBody>
+      </p:sp>
+      <p:sp>
+        <p:nvSpPr>
+          <p:cNvPr id="3" name="Content Placeholder 2"/>
+          <p:cNvSpPr>
+            <a:spLocks noGrp="1"/>
+          </p:cNvSpPr>
+          <p:nvPr>
+            <p:ph idx="1"/>
+          </p:nvPr>
+        </p:nvSpPr>
+        <p:spPr/>
+        <p:txBody>
+          <a:bodyPr/>
+          <a:lstStyle/>
+          <a:p>
+            <a:r>
+              <a:rPr lang="ro-RO" dirty="0" smtClean="0"/>
+              <a:t>Configurație</a:t>
+            </a:r>
+            <a:r>
+              <a:rPr lang="en-US" dirty="0" smtClean="0"/>
+              <a:t> </a:t>
+            </a:r>
+            <a:r>
+              <a:rPr lang="ro-RO" dirty="0" smtClean="0"/>
+              <a:t>mașini</a:t>
+            </a:r>
+            <a:r>
+              <a:rPr lang="en-US" dirty="0" smtClean="0"/>
+              <a:t> </a:t>
+            </a:r>
+            <a:r>
+              <a:rPr lang="ro-RO" dirty="0" smtClean="0"/>
+              <a:t>virtuale</a:t>
+            </a:r>
+            <a:endParaRPr lang="en-US" dirty="0" smtClean="0"/>
+          </a:p>
+          <a:p>
+            <a:pPr lvl="1"/>
+            <a:r>
+              <a:rPr lang="en-US" dirty="0" smtClean="0"/>
+              <a:t>1 core - 1.6 GHz</a:t>
+            </a:r>
+          </a:p>
+          <a:p>
+            <a:pPr lvl="1"/>
+            <a:r>
+              <a:rPr lang="en-US" dirty="0" smtClean="0"/>
+              <a:t>1.75 GB RAM</a:t>
+            </a:r>
+          </a:p>
+          <a:p>
+            <a:pPr marL="0" indent="0">
+              <a:buNone/>
+            </a:pPr>
+            <a:endParaRPr lang="en-US" dirty="0"/>
+          </a:p>
+          <a:p>
+            <a:r>
+              <a:rPr lang="ro-RO" dirty="0" smtClean="0"/>
+              <a:t>Rețea</a:t>
+            </a:r>
+            <a:r>
+              <a:rPr lang="en-US" dirty="0" smtClean="0"/>
+              <a:t> </a:t>
+            </a:r>
+            <a:r>
+              <a:rPr lang="ro-RO" dirty="0" smtClean="0"/>
+              <a:t>virtuală</a:t>
+            </a:r>
+          </a:p>
+          <a:p>
+            <a:pPr lvl="1"/>
+            <a:r>
+              <a:rPr lang="ro-RO" dirty="0" smtClean="0"/>
+              <a:t>Clas</a:t>
+            </a:r>
+            <a:r>
+              <a:rPr lang="ro-RO" dirty="0"/>
+              <a:t>ă</a:t>
+            </a:r>
+            <a:r>
+              <a:rPr lang="en-US" dirty="0" smtClean="0"/>
+              <a:t> IP-</a:t>
+            </a:r>
+            <a:r>
+              <a:rPr lang="ro-RO" dirty="0" smtClean="0"/>
+              <a:t>uri</a:t>
+            </a:r>
+            <a:r>
+              <a:rPr lang="en-US" dirty="0" smtClean="0"/>
+              <a:t> </a:t>
+            </a:r>
+            <a:r>
+              <a:rPr lang="ro-RO" dirty="0" smtClean="0"/>
+              <a:t>folosite</a:t>
+            </a:r>
+            <a:r>
+              <a:rPr lang="en-US" dirty="0" smtClean="0"/>
+              <a:t>: 172.16.0.4   &gt;  172.16.0.8</a:t>
+            </a:r>
+          </a:p>
+          <a:p>
+            <a:pPr lvl="1"/>
+            <a:r>
+              <a:rPr lang="ro-RO" dirty="0" smtClean="0"/>
+              <a:t>Lungi</a:t>
+            </a:r>
+            <a:r>
+              <a:rPr lang="en-US" dirty="0" smtClean="0"/>
+              <a:t>m</a:t>
+            </a:r>
+            <a:r>
+              <a:rPr lang="ro-RO" dirty="0" smtClean="0"/>
+              <a:t>e</a:t>
+            </a:r>
+            <a:r>
+              <a:rPr lang="en-US" dirty="0" smtClean="0"/>
+              <a:t> de ban</a:t>
+            </a:r>
+            <a:r>
+              <a:rPr lang="ro-RO" dirty="0" smtClean="0"/>
+              <a:t>ă</a:t>
+            </a:r>
+            <a:r>
+              <a:rPr lang="en-US" dirty="0" smtClean="0"/>
+              <a:t> : 100 Mbps</a:t>
+            </a:r>
+          </a:p>
+          <a:p>
+            <a:pPr lvl="1"/>
+            <a:r>
+              <a:rPr lang="ro-RO" dirty="0" smtClean="0"/>
+              <a:t>Locație</a:t>
+            </a:r>
+            <a:r>
+              <a:rPr lang="en-US" dirty="0" smtClean="0"/>
+              <a:t> : Europa de vest</a:t>
+            </a:r>
+          </a:p>
+          <a:p>
+            <a:pPr marL="457200" lvl="1" indent="0">
+              <a:buNone/>
+            </a:pPr>
+            <a:endParaRPr lang="en-US" dirty="0"/>
+          </a:p>
+          <a:p>
+            <a:pPr marL="457200" lvl="1" indent="0" algn="r">
+              <a:buNone/>
+            </a:pPr>
+            <a:endParaRPr lang="en-US" dirty="0"/>
+          </a:p>
+        </p:txBody>
+      </p:sp>
+      <p:pic>
+        <p:nvPicPr>
+          <p:cNvPr id="4" name="Picture 3"/>
+          <p:cNvPicPr>
+            <a:picLocks noChangeAspect="1"/>
+          </p:cNvPicPr>
+          <p:nvPr/>
+        </p:nvPicPr>
+        <p:blipFill>
+          <a:blip r:embed="rId2"/>
+          <a:stretch>
+            <a:fillRect/>
+          </a:stretch>
+        </p:blipFill>
+        <p:spPr>
+          <a:xfrm>
+            <a:off x="7788041" y="2696390"/>
+            <a:ext cx="3249450" cy="475529"/>
+          </a:xfrm>
+          <a:prstGeom prst="rect">
+            <a:avLst/>
+          </a:prstGeom>
+        </p:spPr>
+      </p:pic>
+      <p:pic>
+        <p:nvPicPr>
+          <p:cNvPr id="5" name="Picture 4"/>
+          <p:cNvPicPr>
+            <a:picLocks noChangeAspect="1"/>
+          </p:cNvPicPr>
+          <p:nvPr/>
+        </p:nvPicPr>
+        <p:blipFill>
+          <a:blip r:embed="rId3"/>
+          <a:stretch>
+            <a:fillRect/>
+          </a:stretch>
+        </p:blipFill>
+        <p:spPr>
+          <a:xfrm>
+            <a:off x="9195950" y="3900891"/>
+            <a:ext cx="1274174" cy="1054699"/>
+          </a:xfrm>
+          <a:prstGeom prst="rect">
+            <a:avLst/>
+          </a:prstGeom>
+        </p:spPr>
+      </p:pic>
+    </p:spTree>
+    <p:extLst>
+      <p:ext uri="{BB962C8B-B14F-4D97-AF65-F5344CB8AC3E}">
+        <p14:creationId xmlns:p14="http://schemas.microsoft.com/office/powerpoint/2010/main" val="1367706050"/>
+      </p:ext>
+    </p:extLst>
+  </p:cSld>
+  <p:clrMapOvr>
+    <a:masterClrMapping/>
+  </p:clrMapOvr>
+</p:sld>
+</file>
+
+<file path=ppt/slides/slide19.xml><?xml version="1.0" encoding="utf-8"?>
+<p:sld xmlns:a="http://schemas.openxmlformats.org/drawingml/2006/main" xmlns:r="http://schemas.openxmlformats.org/officeDocument/2006/relationships" xmlns:p="http://schemas.openxmlformats.org/presentationml/2006/main">
+  <p:cSld>
+    <p:spTree>
+      <p:nvGrpSpPr>
+        <p:cNvPr id="1" name=""/>
+        <p:cNvGrpSpPr/>
+        <p:nvPr/>
+      </p:nvGrpSpPr>
+      <p:grpSpPr>
+        <a:xfrm>
+          <a:off x="0" y="0"/>
+          <a:ext cx="0" cy="0"/>
+          <a:chOff x="0" y="0"/>
+          <a:chExt cx="0" cy="0"/>
+        </a:xfrm>
+      </p:grpSpPr>
+      <p:sp>
+        <p:nvSpPr>
+          <p:cNvPr id="2" name="Title 1"/>
+          <p:cNvSpPr>
+            <a:spLocks noGrp="1"/>
+          </p:cNvSpPr>
+          <p:nvPr>
+            <p:ph type="title"/>
+          </p:nvPr>
+        </p:nvSpPr>
+        <p:spPr/>
+        <p:txBody>
+          <a:bodyPr/>
+          <a:lstStyle/>
+          <a:p>
+            <a:r>
+              <a:rPr lang="ro-RO" dirty="0"/>
+              <a:t>Implementare</a:t>
+            </a:r>
+            <a:r>
+              <a:rPr lang="en-US" dirty="0"/>
+              <a:t> </a:t>
+            </a:r>
+            <a:r>
+              <a:rPr lang="ro-RO" dirty="0"/>
+              <a:t>topologiei</a:t>
+            </a:r>
+            <a:r>
+              <a:rPr lang="en-US" dirty="0"/>
+              <a:t> in cloud</a:t>
+            </a:r>
+            <a:endParaRPr lang="ro-RO" dirty="0"/>
+          </a:p>
+        </p:txBody>
+      </p:sp>
+      <p:sp>
+        <p:nvSpPr>
+          <p:cNvPr id="3" name="Content Placeholder 2"/>
+          <p:cNvSpPr>
+            <a:spLocks noGrp="1"/>
+          </p:cNvSpPr>
+          <p:nvPr>
+            <p:ph idx="1"/>
+          </p:nvPr>
+        </p:nvSpPr>
+        <p:spPr>
+          <a:xfrm>
+            <a:off x="748937" y="1375954"/>
+            <a:ext cx="10337074" cy="4833257"/>
+          </a:xfrm>
+        </p:spPr>
+        <p:txBody>
+          <a:bodyPr>
+            <a:normAutofit fontScale="92500"/>
+          </a:bodyPr>
+          <a:lstStyle/>
+          <a:p>
+            <a:r>
+              <a:rPr lang="ro-RO" dirty="0" smtClean="0"/>
+              <a:t>Crearea</a:t>
+            </a:r>
+            <a:r>
+              <a:rPr lang="en-US" dirty="0" smtClean="0"/>
+              <a:t> </a:t>
+            </a:r>
+            <a:r>
+              <a:rPr lang="ro-RO" dirty="0" smtClean="0"/>
+              <a:t>tabelelor</a:t>
+            </a:r>
+            <a:r>
+              <a:rPr lang="en-US" dirty="0" smtClean="0"/>
+              <a:t> cu </a:t>
+            </a:r>
+            <a:r>
+              <a:rPr lang="ro-RO" dirty="0" smtClean="0"/>
+              <a:t>sume</a:t>
+            </a:r>
+            <a:r>
+              <a:rPr lang="en-US" dirty="0" smtClean="0"/>
+              <a:t> de control</a:t>
+            </a:r>
+            <a:r>
+              <a:rPr lang="ro-RO" dirty="0" smtClean="0"/>
+              <a:t> :</a:t>
+            </a:r>
+            <a:endParaRPr lang="en-US" dirty="0" smtClean="0"/>
+          </a:p>
+          <a:p>
+            <a:pPr lvl="1"/>
+            <a:r>
+              <a:rPr lang="ro-RO" dirty="0" smtClean="0"/>
+              <a:t> </a:t>
+            </a:r>
+            <a:r>
+              <a:rPr lang="en-US" dirty="0"/>
+              <a:t>pt-table-checksum -d licenta --replicate percona.checksums </a:t>
+            </a:r>
+            <a:r>
+              <a:rPr lang="en-US" dirty="0" smtClean="0"/>
+              <a:t>h=localhost</a:t>
+            </a:r>
+          </a:p>
+          <a:p>
+            <a:pPr lvl="1"/>
+            <a:endParaRPr lang="en-US" dirty="0" smtClean="0"/>
+          </a:p>
+          <a:p>
+            <a:r>
+              <a:rPr lang="ro-RO" dirty="0" smtClean="0"/>
+              <a:t>Sincronizare diferențe: </a:t>
+            </a:r>
+            <a:endParaRPr lang="en-US" dirty="0" smtClean="0"/>
+          </a:p>
+          <a:p>
+            <a:pPr lvl="1"/>
+            <a:r>
+              <a:rPr lang="ro-RO" dirty="0" smtClean="0"/>
+              <a:t>Vizualizare</a:t>
+            </a:r>
+            <a:r>
+              <a:rPr lang="en-US" dirty="0" smtClean="0"/>
+              <a:t> :	</a:t>
+            </a:r>
+            <a:r>
+              <a:rPr lang="en-US" dirty="0"/>
+              <a:t>pt-table-sync --sync-to-master --print h=172.16.0.8 --database </a:t>
+            </a:r>
+            <a:r>
+              <a:rPr lang="en-US" dirty="0" smtClean="0"/>
+              <a:t>licenta</a:t>
+            </a:r>
+            <a:endParaRPr lang="ro-RO" dirty="0" smtClean="0"/>
+          </a:p>
+          <a:p>
+            <a:pPr lvl="1"/>
+            <a:r>
+              <a:rPr lang="ro-RO" dirty="0" smtClean="0"/>
+              <a:t>Executare</a:t>
+            </a:r>
+            <a:r>
+              <a:rPr lang="en-US" dirty="0" smtClean="0"/>
+              <a:t> : 	</a:t>
+            </a:r>
+            <a:r>
+              <a:rPr lang="en-US" dirty="0"/>
+              <a:t>pt-table-sync --sync-to-master </a:t>
+            </a:r>
+            <a:r>
+              <a:rPr lang="en-US" dirty="0" smtClean="0"/>
+              <a:t>--execute h=172.16.0.8 </a:t>
+            </a:r>
+            <a:r>
+              <a:rPr lang="en-US" dirty="0"/>
+              <a:t>--database licenta</a:t>
+            </a:r>
+          </a:p>
+          <a:p>
+            <a:endParaRPr lang="ro-RO" dirty="0"/>
+          </a:p>
+          <a:p>
+            <a:r>
+              <a:rPr lang="ro-RO" dirty="0" smtClean="0"/>
+              <a:t>Update</a:t>
+            </a:r>
+            <a:r>
+              <a:rPr lang="en-US" dirty="0" smtClean="0"/>
+              <a:t> </a:t>
+            </a:r>
+            <a:r>
+              <a:rPr lang="ro-RO" dirty="0" smtClean="0"/>
+              <a:t>timp </a:t>
+            </a:r>
+            <a:r>
+              <a:rPr lang="ro-RO" dirty="0"/>
+              <a:t>pe master </a:t>
+            </a:r>
+            <a:r>
+              <a:rPr lang="ro-RO" dirty="0" smtClean="0"/>
+              <a:t>:</a:t>
+            </a:r>
+            <a:endParaRPr lang="en-US" dirty="0" smtClean="0"/>
+          </a:p>
+          <a:p>
+            <a:pPr lvl="1"/>
+            <a:r>
+              <a:rPr lang="ro-RO" dirty="0" smtClean="0"/>
+              <a:t>pt-heartbeat </a:t>
+            </a:r>
+            <a:r>
+              <a:rPr lang="ro-RO" dirty="0"/>
+              <a:t>-D licenta --update </a:t>
+            </a:r>
+            <a:r>
+              <a:rPr lang="ro-RO" dirty="0" smtClean="0"/>
+              <a:t>h=localhost</a:t>
+            </a:r>
+            <a:r>
+              <a:rPr lang="en-US" dirty="0" smtClean="0"/>
+              <a:t> --create-table</a:t>
+            </a:r>
+            <a:endParaRPr lang="ro-RO" dirty="0"/>
+          </a:p>
+          <a:p>
+            <a:endParaRPr lang="ro-RO" dirty="0"/>
+          </a:p>
+          <a:p>
+            <a:r>
+              <a:rPr lang="ro-RO" dirty="0"/>
+              <a:t>Verificare timp </a:t>
+            </a:r>
+            <a:r>
+              <a:rPr lang="en-US" dirty="0" smtClean="0"/>
+              <a:t>de </a:t>
+            </a:r>
+            <a:r>
+              <a:rPr lang="ro-RO" dirty="0" smtClean="0"/>
+              <a:t>replicare pe</a:t>
+            </a:r>
+            <a:r>
+              <a:rPr lang="en-US" dirty="0" smtClean="0"/>
+              <a:t> slave-uri</a:t>
+            </a:r>
+            <a:r>
+              <a:rPr lang="ro-RO" dirty="0" smtClean="0"/>
+              <a:t>:</a:t>
+            </a:r>
+            <a:endParaRPr lang="en-US" dirty="0" smtClean="0"/>
+          </a:p>
+          <a:p>
+            <a:pPr lvl="1"/>
+            <a:r>
+              <a:rPr lang="ro-RO" dirty="0" smtClean="0"/>
+              <a:t>pt-heartbeat </a:t>
+            </a:r>
+            <a:r>
+              <a:rPr lang="ro-RO" dirty="0"/>
+              <a:t>-D licenta --check h=172.16.0.8 --master-server-id=1</a:t>
+            </a:r>
+            <a:endParaRPr lang="ro-RO" dirty="0" smtClean="0"/>
+          </a:p>
+          <a:p>
+            <a:endParaRPr lang="ro-RO" dirty="0" smtClean="0"/>
+          </a:p>
+        </p:txBody>
+      </p:sp>
+    </p:spTree>
+    <p:extLst>
+      <p:ext uri="{BB962C8B-B14F-4D97-AF65-F5344CB8AC3E}">
+        <p14:creationId xmlns:p14="http://schemas.microsoft.com/office/powerpoint/2010/main" val="302119784"/>
+      </p:ext>
+    </p:extLst>
+  </p:cSld>
+  <p:clrMapOvr>
+    <a:masterClrMapping/>
+  </p:clrMapOvr>
+  <p:timing>
+    <p:tnLst>
+      <p:par>
+        <p:cTn id="1" dur="indefinite" restart="never" nodeType="tmRoot"/>
+      </p:par>
+    </p:tnLst>
+  </p:timing>
+</p:sld>
+</file>
+
+<file path=ppt/slides/slide2.xml><?xml version="1.0" encoding="utf-8"?>
+<p:sld xmlns:a="http://schemas.openxmlformats.org/drawingml/2006/main" xmlns:r="http://schemas.openxmlformats.org/officeDocument/2006/relationships" xmlns:p="http://schemas.openxmlformats.org/presentationml/2006/main">
+  <p:cSld>
+    <p:spTree>
+      <p:nvGrpSpPr>
+        <p:cNvPr id="1" name=""/>
+        <p:cNvGrpSpPr/>
+        <p:nvPr/>
+      </p:nvGrpSpPr>
+      <p:grpSpPr>
+        <a:xfrm>
+          <a:off x="0" y="0"/>
+          <a:ext cx="0" cy="0"/>
+          <a:chOff x="0" y="0"/>
+          <a:chExt cx="0" cy="0"/>
+        </a:xfrm>
+      </p:grpSpPr>
+      <p:sp>
+        <p:nvSpPr>
+          <p:cNvPr id="2" name="Title 1"/>
+          <p:cNvSpPr>
+            <a:spLocks noGrp="1"/>
+          </p:cNvSpPr>
+          <p:nvPr>
+            <p:ph type="title"/>
+          </p:nvPr>
+        </p:nvSpPr>
+        <p:spPr/>
+        <p:txBody>
+          <a:bodyPr/>
+          <a:lstStyle/>
+          <a:p>
+            <a:r>
+              <a:rPr lang="ro-RO" dirty="0" smtClean="0"/>
+              <a:t>Cuprins</a:t>
+            </a:r>
+            <a:endParaRPr lang="ro-RO" dirty="0"/>
+          </a:p>
+        </p:txBody>
+      </p:sp>
+      <p:sp>
+        <p:nvSpPr>
+          <p:cNvPr id="3" name="Content Placeholder 2"/>
+          <p:cNvSpPr>
+            <a:spLocks noGrp="1"/>
+          </p:cNvSpPr>
+          <p:nvPr>
+            <p:ph idx="1"/>
+          </p:nvPr>
+        </p:nvSpPr>
+        <p:spPr>
+          <a:xfrm>
+            <a:off x="2726011" y="1917012"/>
+            <a:ext cx="7080106" cy="4195481"/>
+          </a:xfrm>
+        </p:spPr>
+        <p:txBody>
+          <a:bodyPr>
+            <a:normAutofit/>
+          </a:bodyPr>
+          <a:lstStyle/>
+          <a:p>
+            <a:r>
+              <a:rPr lang="ro-RO" dirty="0" smtClean="0"/>
+              <a:t>Scopul</a:t>
+            </a:r>
+            <a:r>
+              <a:rPr lang="en-US" dirty="0" smtClean="0"/>
+              <a:t> </a:t>
+            </a:r>
+            <a:r>
+              <a:rPr lang="ro-RO" dirty="0" smtClean="0"/>
+              <a:t>lucrării</a:t>
+            </a:r>
+          </a:p>
+          <a:p>
+            <a:r>
+              <a:rPr lang="ro-RO" dirty="0" smtClean="0"/>
+              <a:t>Baze</a:t>
+            </a:r>
+            <a:r>
+              <a:rPr lang="en-US" dirty="0" smtClean="0"/>
+              <a:t> de date</a:t>
+            </a:r>
+          </a:p>
+          <a:p>
+            <a:r>
+              <a:rPr lang="ro-RO" dirty="0" smtClean="0"/>
+              <a:t>Topologii</a:t>
+            </a:r>
+            <a:r>
+              <a:rPr lang="en-US" dirty="0" smtClean="0"/>
+              <a:t> de </a:t>
+            </a:r>
+            <a:r>
+              <a:rPr lang="ro-RO" dirty="0" smtClean="0"/>
+              <a:t>replicare</a:t>
+            </a:r>
+            <a:endParaRPr lang="en-US" dirty="0" smtClean="0"/>
+          </a:p>
+          <a:p>
+            <a:r>
+              <a:rPr lang="ro-RO" dirty="0"/>
+              <a:t>Aplicații web </a:t>
+            </a:r>
+            <a:r>
+              <a:rPr lang="ro-RO" dirty="0" smtClean="0"/>
+              <a:t>moderne</a:t>
+            </a:r>
+            <a:endParaRPr lang="en-US" dirty="0" smtClean="0"/>
+          </a:p>
+          <a:p>
+            <a:r>
+              <a:rPr lang="ro-RO" dirty="0" smtClean="0"/>
+              <a:t>Prezentarea</a:t>
+            </a:r>
+            <a:r>
+              <a:rPr lang="en-US" dirty="0" smtClean="0"/>
+              <a:t> </a:t>
+            </a:r>
+            <a:r>
+              <a:rPr lang="ro-RO" dirty="0" smtClean="0"/>
+              <a:t>aplicației</a:t>
+            </a:r>
+          </a:p>
+          <a:p>
+            <a:r>
+              <a:rPr lang="ro-RO" dirty="0" smtClean="0"/>
+              <a:t>Tehnologii</a:t>
+            </a:r>
+            <a:r>
+              <a:rPr lang="en-US" dirty="0" smtClean="0"/>
+              <a:t> </a:t>
+            </a:r>
+            <a:r>
+              <a:rPr lang="ro-RO" dirty="0" smtClean="0"/>
+              <a:t>utilizate</a:t>
+            </a:r>
+            <a:endParaRPr lang="en-US" dirty="0" smtClean="0"/>
+          </a:p>
+          <a:p>
+            <a:r>
+              <a:rPr lang="ro-RO" dirty="0" smtClean="0"/>
+              <a:t>Implementarea</a:t>
+            </a:r>
+            <a:r>
+              <a:rPr lang="en-US" dirty="0" smtClean="0"/>
+              <a:t> </a:t>
+            </a:r>
+            <a:r>
+              <a:rPr lang="ro-RO" dirty="0" smtClean="0"/>
+              <a:t>aplicației</a:t>
+            </a:r>
+          </a:p>
+          <a:p>
+            <a:r>
+              <a:rPr lang="ro-RO" dirty="0" smtClean="0"/>
+              <a:t>Implementare</a:t>
+            </a:r>
+            <a:r>
+              <a:rPr lang="en-US" dirty="0" smtClean="0"/>
+              <a:t> </a:t>
+            </a:r>
+            <a:r>
+              <a:rPr lang="ro-RO" dirty="0" smtClean="0"/>
+              <a:t>topologiei</a:t>
+            </a:r>
+            <a:r>
+              <a:rPr lang="en-US" dirty="0" smtClean="0"/>
+              <a:t> in cloud</a:t>
+            </a:r>
+          </a:p>
+          <a:p>
+            <a:r>
+              <a:rPr lang="ro-RO" dirty="0" smtClean="0"/>
+              <a:t>Concluzii</a:t>
+            </a:r>
+          </a:p>
+        </p:txBody>
+      </p:sp>
+    </p:spTree>
+    <p:extLst>
+      <p:ext uri="{BB962C8B-B14F-4D97-AF65-F5344CB8AC3E}">
+        <p14:creationId xmlns:p14="http://schemas.microsoft.com/office/powerpoint/2010/main" val="3065739090"/>
+      </p:ext>
+    </p:extLst>
+  </p:cSld>
+  <p:clrMapOvr>
+    <a:masterClrMapping/>
+  </p:clrMapOvr>
+  <p:timing>
+    <p:tnLst>
+      <p:par>
+        <p:cTn id="1" dur="indefinite" restart="never" nodeType="tmRoot"/>
+      </p:par>
+    </p:tnLst>
+  </p:timing>
+</p:sld>
+</file>
+
+<file path=ppt/slides/slide20.xml><?xml version="1.0" encoding="utf-8"?>
+<p:sld xmlns:a="http://schemas.openxmlformats.org/drawingml/2006/main" xmlns:r="http://schemas.openxmlformats.org/officeDocument/2006/relationships" xmlns:p="http://schemas.openxmlformats.org/presentationml/2006/main">
+  <p:cSld>
+    <p:spTree>
+      <p:nvGrpSpPr>
+        <p:cNvPr id="1" name=""/>
+        <p:cNvGrpSpPr/>
+        <p:nvPr/>
+      </p:nvGrpSpPr>
+      <p:grpSpPr>
+        <a:xfrm>
+          <a:off x="0" y="0"/>
+          <a:ext cx="0" cy="0"/>
+          <a:chOff x="0" y="0"/>
+          <a:chExt cx="0" cy="0"/>
+        </a:xfrm>
+      </p:grpSpPr>
+      <p:sp>
+        <p:nvSpPr>
+          <p:cNvPr id="2" name="Title 1"/>
+          <p:cNvSpPr>
+            <a:spLocks noGrp="1"/>
+          </p:cNvSpPr>
+          <p:nvPr>
+            <p:ph type="title"/>
+          </p:nvPr>
+        </p:nvSpPr>
+        <p:spPr/>
+        <p:txBody>
+          <a:bodyPr/>
+          <a:lstStyle/>
+          <a:p>
+            <a:r>
+              <a:rPr lang="ro-RO" dirty="0" smtClean="0"/>
+              <a:t>Concluzii</a:t>
+            </a:r>
+            <a:endParaRPr lang="ro-RO" dirty="0"/>
+          </a:p>
+        </p:txBody>
+      </p:sp>
+      <p:sp>
+        <p:nvSpPr>
+          <p:cNvPr id="5" name="Content Placeholder 2"/>
+          <p:cNvSpPr>
+            <a:spLocks noGrp="1"/>
+          </p:cNvSpPr>
+          <p:nvPr>
+            <p:ph idx="1"/>
+          </p:nvPr>
+        </p:nvSpPr>
+        <p:spPr>
+          <a:xfrm>
+            <a:off x="1302636" y="2613738"/>
+            <a:ext cx="8091672" cy="3286583"/>
+          </a:xfrm>
+        </p:spPr>
+        <p:txBody>
+          <a:bodyPr>
+            <a:normAutofit/>
+          </a:bodyPr>
+          <a:lstStyle/>
+          <a:p>
+            <a:pPr lvl="1"/>
+            <a:r>
+              <a:rPr lang="ro-RO" dirty="0" smtClean="0"/>
+              <a:t>Aplicații</a:t>
+            </a:r>
+            <a:r>
+              <a:rPr lang="en-US" dirty="0" smtClean="0"/>
+              <a:t> web </a:t>
+            </a:r>
+            <a:r>
+              <a:rPr lang="ro-RO" dirty="0" smtClean="0"/>
+              <a:t>moderne</a:t>
+            </a:r>
+            <a:endParaRPr lang="en-US" dirty="0" smtClean="0"/>
+          </a:p>
+          <a:p>
+            <a:pPr lvl="1"/>
+            <a:endParaRPr lang="ro-RO" dirty="0"/>
+          </a:p>
+          <a:p>
+            <a:pPr lvl="1"/>
+            <a:r>
+              <a:rPr lang="ro-RO" dirty="0"/>
+              <a:t>Sistemul</a:t>
+            </a:r>
+            <a:r>
+              <a:rPr lang="en-US" dirty="0"/>
+              <a:t> de </a:t>
+            </a:r>
+            <a:r>
+              <a:rPr lang="ro-RO" dirty="0"/>
+              <a:t>gestiune</a:t>
+            </a:r>
+            <a:r>
+              <a:rPr lang="en-US" dirty="0"/>
+              <a:t> al </a:t>
+            </a:r>
+            <a:r>
+              <a:rPr lang="ro-RO" dirty="0"/>
+              <a:t>bazelor</a:t>
+            </a:r>
+            <a:r>
+              <a:rPr lang="en-US" dirty="0"/>
+              <a:t> de date </a:t>
+            </a:r>
+            <a:r>
+              <a:rPr lang="ro-RO" dirty="0" smtClean="0"/>
+              <a:t>MariaDB</a:t>
+            </a:r>
+            <a:endParaRPr lang="en-US" dirty="0" smtClean="0"/>
+          </a:p>
+          <a:p>
+            <a:pPr lvl="1"/>
+            <a:endParaRPr lang="ro-RO" dirty="0"/>
+          </a:p>
+          <a:p>
+            <a:pPr lvl="1"/>
+            <a:r>
+              <a:rPr lang="ro-RO" dirty="0"/>
+              <a:t>Posibilități</a:t>
+            </a:r>
+            <a:r>
+              <a:rPr lang="en-US" dirty="0"/>
+              <a:t> de </a:t>
+            </a:r>
+            <a:r>
+              <a:rPr lang="ro-RO" dirty="0"/>
+              <a:t>distribuire</a:t>
+            </a:r>
+            <a:r>
+              <a:rPr lang="en-US" dirty="0"/>
+              <a:t> </a:t>
+            </a:r>
+            <a:r>
+              <a:rPr lang="ro-RO" dirty="0"/>
+              <a:t>și</a:t>
+            </a:r>
+            <a:r>
+              <a:rPr lang="en-US" dirty="0"/>
+              <a:t> </a:t>
+            </a:r>
+            <a:r>
+              <a:rPr lang="ro-RO" dirty="0"/>
+              <a:t>replicare</a:t>
+            </a:r>
+          </a:p>
+          <a:p>
+            <a:pPr marL="0" indent="0">
+              <a:buNone/>
+            </a:pPr>
+            <a:endParaRPr lang="en-US" dirty="0" smtClean="0"/>
+          </a:p>
+          <a:p>
+            <a:endParaRPr lang="ro-RO" dirty="0" smtClean="0"/>
+          </a:p>
+        </p:txBody>
+      </p:sp>
+    </p:spTree>
+    <p:extLst>
+      <p:ext uri="{BB962C8B-B14F-4D97-AF65-F5344CB8AC3E}">
+        <p14:creationId xmlns:p14="http://schemas.microsoft.com/office/powerpoint/2010/main" val="1380150624"/>
+      </p:ext>
+    </p:extLst>
+  </p:cSld>
+  <p:clrMapOvr>
+    <a:masterClrMapping/>
+  </p:clrMapOvr>
+  <p:timing>
+    <p:tnLst>
+      <p:par>
+        <p:cTn id="1" dur="indefinite" restart="never" nodeType="tmRoot"/>
+      </p:par>
+    </p:tnLst>
+  </p:timing>
+</p:sld>
+</file>
+
+<file path=ppt/slides/slide21.xml><?xml version="1.0" encoding="utf-8"?>
+<p:sld xmlns:a="http://schemas.openxmlformats.org/drawingml/2006/main" xmlns:r="http://schemas.openxmlformats.org/officeDocument/2006/relationships" xmlns:p="http://schemas.openxmlformats.org/presentationml/2006/main">
+  <p:cSld>
+    <p:spTree>
+      <p:nvGrpSpPr>
+        <p:cNvPr id="1" name=""/>
+        <p:cNvGrpSpPr/>
+        <p:nvPr/>
+      </p:nvGrpSpPr>
+      <p:grpSpPr>
+        <a:xfrm>
+          <a:off x="0" y="0"/>
+          <a:ext cx="0" cy="0"/>
+          <a:chOff x="0" y="0"/>
+          <a:chExt cx="0" cy="0"/>
+        </a:xfrm>
+      </p:grpSpPr>
+      <p:sp>
+        <p:nvSpPr>
+          <p:cNvPr id="2" name="Title 1"/>
+          <p:cNvSpPr>
+            <a:spLocks noGrp="1"/>
+          </p:cNvSpPr>
+          <p:nvPr>
+            <p:ph type="title"/>
+          </p:nvPr>
+        </p:nvSpPr>
+        <p:spPr/>
+        <p:txBody>
+          <a:bodyPr/>
+          <a:lstStyle/>
+          <a:p>
+            <a:r>
+              <a:rPr lang="en-US" dirty="0" smtClean="0"/>
+              <a:t/>
+            </a:r>
+            <a:br>
+              <a:rPr lang="en-US" dirty="0" smtClean="0"/>
+            </a:br>
+            <a:r>
+              <a:rPr lang="en-US" dirty="0"/>
+              <a:t>V</a:t>
+            </a:r>
+            <a:r>
+              <a:rPr lang="ro-RO" dirty="0" smtClean="0"/>
+              <a:t>ă</a:t>
+            </a:r>
+            <a:r>
+              <a:rPr lang="en-US" dirty="0" smtClean="0"/>
+              <a:t> </a:t>
+            </a:r>
+            <a:r>
+              <a:rPr lang="ro-RO" dirty="0" smtClean="0"/>
+              <a:t>mulțumesc</a:t>
+            </a:r>
+            <a:endParaRPr lang="ro-RO" dirty="0"/>
+          </a:p>
+        </p:txBody>
+      </p:sp>
+      <p:pic>
+        <p:nvPicPr>
+          <p:cNvPr id="1028" name="Picture 4" descr="http://drpmarketingsolutions.com/wp-content/uploads/2014/06/Thank-you-sign1.jpg"/>
+          <p:cNvPicPr>
+            <a:picLocks noChangeAspect="1" noChangeArrowheads="1"/>
+          </p:cNvPicPr>
+          <p:nvPr/>
+        </p:nvPicPr>
+        <p:blipFill>
+          <a:blip r:embed="rId2" cstate="print">
+            <a:extLst>
+              <a:ext uri="{28A0092B-C50C-407E-A947-70E740481C1C}">
+                <a14:useLocalDpi xmlns:a14="http://schemas.microsoft.com/office/drawing/2010/main" val="0"/>
+              </a:ext>
+            </a:extLst>
+          </a:blip>
+          <a:srcRect/>
+          <a:stretch>
+            <a:fillRect/>
+          </a:stretch>
+        </p:blipFill>
+        <p:spPr bwMode="auto">
+          <a:xfrm>
+            <a:off x="3821242" y="2347275"/>
+            <a:ext cx="4514442" cy="3461072"/>
+          </a:xfrm>
+          <a:prstGeom prst="rect">
+            <a:avLst/>
+          </a:prstGeom>
+          <a:noFill/>
+          <a:effectLst>
+            <a:softEdge rad="444500"/>
+          </a:effectLst>
+          <a:extLst>
+            <a:ext uri="{909E8E84-426E-40DD-AFC4-6F175D3DCCD1}">
+              <a14:hiddenFill xmlns:a14="http://schemas.microsoft.com/office/drawing/2010/main">
+                <a:solidFill>
+                  <a:srgbClr val="FFFFFF"/>
+                </a:solidFill>
+              </a14:hiddenFill>
+            </a:ext>
+          </a:extLst>
+        </p:spPr>
+      </p:pic>
+    </p:spTree>
+    <p:extLst>
+      <p:ext uri="{BB962C8B-B14F-4D97-AF65-F5344CB8AC3E}">
+        <p14:creationId xmlns:p14="http://schemas.microsoft.com/office/powerpoint/2010/main" val="2589889427"/>
+      </p:ext>
+    </p:extLst>
+  </p:cSld>
+  <p:clrMapOvr>
+    <a:masterClrMapping/>
+  </p:clrMapOvr>
+  <p:timing>
+    <p:tnLst>
+      <p:par>
+        <p:cTn id="1" dur="indefinite" restart="never" nodeType="tmRoot"/>
+      </p:par>
+    </p:tnLst>
+  </p:timing>
+</p:sld>
+</file>
+
+<file path=ppt/slides/slide3.xml><?xml version="1.0" encoding="utf-8"?>
+<p:sld xmlns:a="http://schemas.openxmlformats.org/drawingml/2006/main" xmlns:r="http://schemas.openxmlformats.org/officeDocument/2006/relationships" xmlns:p="http://schemas.openxmlformats.org/presentationml/2006/main">
+  <p:cSld>
+    <p:spTree>
+      <p:nvGrpSpPr>
+        <p:cNvPr id="1" name=""/>
+        <p:cNvGrpSpPr/>
+        <p:nvPr/>
+      </p:nvGrpSpPr>
+      <p:grpSpPr>
+        <a:xfrm>
+          <a:off x="0" y="0"/>
+          <a:ext cx="0" cy="0"/>
+          <a:chOff x="0" y="0"/>
+          <a:chExt cx="0" cy="0"/>
+        </a:xfrm>
+      </p:grpSpPr>
+      <p:sp>
+        <p:nvSpPr>
+          <p:cNvPr id="2" name="Title 1"/>
+          <p:cNvSpPr>
+            <a:spLocks noGrp="1"/>
+          </p:cNvSpPr>
+          <p:nvPr>
+            <p:ph type="title"/>
+          </p:nvPr>
+        </p:nvSpPr>
+        <p:spPr/>
+        <p:txBody>
+          <a:bodyPr/>
+          <a:lstStyle/>
+          <a:p>
+            <a:r>
+              <a:rPr lang="ro-RO" dirty="0" smtClean="0"/>
+              <a:t>Scopul</a:t>
+            </a:r>
+            <a:r>
+              <a:rPr lang="en-US" dirty="0" smtClean="0"/>
+              <a:t> </a:t>
+            </a:r>
+            <a:r>
+              <a:rPr lang="ro-RO" dirty="0" smtClean="0"/>
+              <a:t>lucrării</a:t>
+            </a:r>
+            <a:endParaRPr lang="ro-RO" dirty="0"/>
+          </a:p>
+        </p:txBody>
+      </p:sp>
+      <p:sp>
+        <p:nvSpPr>
+          <p:cNvPr id="3" name="Content Placeholder 2"/>
+          <p:cNvSpPr>
+            <a:spLocks noGrp="1"/>
+          </p:cNvSpPr>
+          <p:nvPr>
+            <p:ph idx="1"/>
+          </p:nvPr>
+        </p:nvSpPr>
+        <p:spPr/>
+        <p:txBody>
+          <a:bodyPr/>
+          <a:lstStyle/>
+          <a:p>
+            <a:r>
+              <a:rPr lang="ro-RO" dirty="0" smtClean="0"/>
+              <a:t>Studiul</a:t>
+            </a:r>
+            <a:r>
+              <a:rPr lang="en-US" dirty="0" smtClean="0"/>
+              <a:t> </a:t>
+            </a:r>
+            <a:r>
+              <a:rPr lang="ro-RO" dirty="0" smtClean="0"/>
+              <a:t>si</a:t>
+            </a:r>
+            <a:r>
+              <a:rPr lang="en-US" dirty="0" smtClean="0"/>
+              <a:t> </a:t>
+            </a:r>
+            <a:r>
+              <a:rPr lang="ro-RO" dirty="0" smtClean="0"/>
+              <a:t>implementarea</a:t>
+            </a:r>
+          </a:p>
+          <a:p>
+            <a:pPr marL="0" indent="0">
+              <a:buNone/>
+            </a:pPr>
+            <a:endParaRPr lang="en-US" dirty="0" smtClean="0"/>
+          </a:p>
+          <a:p>
+            <a:pPr lvl="1"/>
+            <a:r>
+              <a:rPr lang="ro-RO" dirty="0" smtClean="0"/>
+              <a:t>Sistemul</a:t>
+            </a:r>
+            <a:r>
+              <a:rPr lang="en-US" dirty="0" smtClean="0"/>
+              <a:t> </a:t>
+            </a:r>
+            <a:r>
+              <a:rPr lang="en-US" dirty="0" smtClean="0"/>
+              <a:t>de </a:t>
+            </a:r>
+            <a:r>
+              <a:rPr lang="ro-RO" dirty="0" smtClean="0"/>
+              <a:t>gestiune</a:t>
+            </a:r>
+            <a:r>
+              <a:rPr lang="en-US" dirty="0" smtClean="0"/>
+              <a:t> al </a:t>
+            </a:r>
+            <a:r>
+              <a:rPr lang="ro-RO" dirty="0" smtClean="0"/>
+              <a:t>bazelor</a:t>
+            </a:r>
+            <a:r>
+              <a:rPr lang="en-US" dirty="0" smtClean="0"/>
+              <a:t> de date </a:t>
+            </a:r>
+            <a:r>
+              <a:rPr lang="ro-RO" dirty="0" smtClean="0"/>
+              <a:t>MariaDB</a:t>
+            </a:r>
+          </a:p>
+          <a:p>
+            <a:pPr lvl="1"/>
+            <a:r>
+              <a:rPr lang="ro-RO" dirty="0" smtClean="0"/>
+              <a:t>Posibilități</a:t>
+            </a:r>
+            <a:r>
+              <a:rPr lang="en-US" dirty="0" smtClean="0"/>
+              <a:t> de </a:t>
+            </a:r>
+            <a:r>
+              <a:rPr lang="ro-RO" dirty="0" smtClean="0"/>
+              <a:t>distribuire</a:t>
+            </a:r>
+            <a:r>
+              <a:rPr lang="en-US" dirty="0" smtClean="0"/>
+              <a:t> </a:t>
+            </a:r>
+            <a:r>
+              <a:rPr lang="ro-RO" dirty="0"/>
+              <a:t>ș</a:t>
+            </a:r>
+            <a:r>
+              <a:rPr lang="ro-RO" dirty="0" smtClean="0"/>
+              <a:t>i</a:t>
+            </a:r>
+            <a:r>
+              <a:rPr lang="en-US" dirty="0" smtClean="0"/>
+              <a:t> </a:t>
+            </a:r>
+            <a:r>
+              <a:rPr lang="ro-RO" dirty="0" smtClean="0"/>
+              <a:t>replicare</a:t>
+            </a:r>
+            <a:endParaRPr lang="en-US" dirty="0" smtClean="0"/>
+          </a:p>
+          <a:p>
+            <a:pPr lvl="1"/>
+            <a:r>
+              <a:rPr lang="ro-RO" dirty="0"/>
+              <a:t>Aplicații</a:t>
+            </a:r>
+            <a:r>
+              <a:rPr lang="en-US" dirty="0"/>
+              <a:t> web </a:t>
+            </a:r>
+            <a:r>
+              <a:rPr lang="ro-RO" dirty="0"/>
+              <a:t>moderne</a:t>
+            </a:r>
+          </a:p>
+          <a:p>
+            <a:pPr lvl="1"/>
+            <a:endParaRPr lang="ro-RO" dirty="0" smtClean="0"/>
+          </a:p>
+          <a:p>
+            <a:pPr lvl="1"/>
+            <a:endParaRPr lang="en-US" dirty="0" smtClean="0"/>
+          </a:p>
+        </p:txBody>
+      </p:sp>
+    </p:spTree>
+    <p:extLst>
+      <p:ext uri="{BB962C8B-B14F-4D97-AF65-F5344CB8AC3E}">
+        <p14:creationId xmlns:p14="http://schemas.microsoft.com/office/powerpoint/2010/main" val="4163646141"/>
+      </p:ext>
+    </p:extLst>
+  </p:cSld>
+  <p:clrMapOvr>
+    <a:masterClrMapping/>
+  </p:clrMapOvr>
+  <p:timing>
+    <p:tnLst>
+      <p:par>
+        <p:cTn id="1" dur="indefinite" restart="never" nodeType="tmRoot"/>
+      </p:par>
+    </p:tnLst>
+  </p:timing>
+</p:sld>
+</file>
+
+<file path=ppt/slides/slide4.xml><?xml version="1.0" encoding="utf-8"?>
+<p:sld xmlns:a="http://schemas.openxmlformats.org/drawingml/2006/main" xmlns:r="http://schemas.openxmlformats.org/officeDocument/2006/relationships" xmlns:p="http://schemas.openxmlformats.org/presentationml/2006/main">
+  <p:cSld>
+    <p:spTree>
+      <p:nvGrpSpPr>
+        <p:cNvPr id="1" name=""/>
+        <p:cNvGrpSpPr/>
+        <p:nvPr/>
+      </p:nvGrpSpPr>
+      <p:grpSpPr>
+        <a:xfrm>
+          <a:off x="0" y="0"/>
+          <a:ext cx="0" cy="0"/>
+          <a:chOff x="0" y="0"/>
+          <a:chExt cx="0" cy="0"/>
+        </a:xfrm>
+      </p:grpSpPr>
+      <p:sp>
+        <p:nvSpPr>
+          <p:cNvPr id="2" name="Title 1"/>
+          <p:cNvSpPr>
+            <a:spLocks noGrp="1"/>
+          </p:cNvSpPr>
+          <p:nvPr>
+            <p:ph type="title"/>
+          </p:nvPr>
+        </p:nvSpPr>
+        <p:spPr/>
+        <p:txBody>
+          <a:bodyPr/>
+          <a:lstStyle/>
+          <a:p>
+            <a:r>
+              <a:rPr lang="ro-RO" dirty="0" smtClean="0"/>
+              <a:t>Baze de date</a:t>
+            </a:r>
+            <a:endParaRPr lang="ro-RO" dirty="0"/>
+          </a:p>
+        </p:txBody>
+      </p:sp>
+      <p:sp>
+        <p:nvSpPr>
+          <p:cNvPr id="3" name="Content Placeholder 2"/>
+          <p:cNvSpPr>
+            <a:spLocks noGrp="1"/>
+          </p:cNvSpPr>
+          <p:nvPr>
+            <p:ph idx="1"/>
+          </p:nvPr>
+        </p:nvSpPr>
+        <p:spPr>
+          <a:xfrm>
+            <a:off x="1268232" y="3222345"/>
+            <a:ext cx="2806836" cy="1664490"/>
+          </a:xfrm>
+        </p:spPr>
+        <p:txBody>
+          <a:bodyPr/>
+          <a:lstStyle/>
+          <a:p>
+            <a:r>
+              <a:rPr lang="en-US" dirty="0" smtClean="0"/>
+              <a:t>MariaDB</a:t>
+            </a:r>
+            <a:endParaRPr lang="en-US" dirty="0"/>
+          </a:p>
+          <a:p>
+            <a:pPr marL="0" indent="0">
+              <a:buNone/>
+            </a:pPr>
+            <a:endParaRPr lang="en-US" dirty="0" smtClean="0"/>
+          </a:p>
+          <a:p>
+            <a:r>
+              <a:rPr lang="en-US" dirty="0" smtClean="0"/>
+              <a:t>SQL </a:t>
+            </a:r>
+            <a:r>
+              <a:rPr lang="ro-RO" dirty="0" smtClean="0"/>
+              <a:t>sau</a:t>
+            </a:r>
+            <a:r>
+              <a:rPr lang="en-US" dirty="0" smtClean="0"/>
+              <a:t> NoSQL ?</a:t>
+            </a:r>
+          </a:p>
+        </p:txBody>
+      </p:sp>
+      <p:pic>
+        <p:nvPicPr>
+          <p:cNvPr id="7" name="Picture 36" descr="http://badges.mariadb.org/logo/Mariadb-seal-shaded-browntext-alt.png"/>
+          <p:cNvPicPr>
+            <a:picLocks noChangeAspect="1" noChangeArrowheads="1"/>
+          </p:cNvPicPr>
+          <p:nvPr/>
+        </p:nvPicPr>
+        <p:blipFill>
+          <a:blip r:embed="rId2">
+            <a:extLst>
+              <a:ext uri="{28A0092B-C50C-407E-A947-70E740481C1C}">
+                <a14:useLocalDpi xmlns:a14="http://schemas.microsoft.com/office/drawing/2010/main" val="0"/>
+              </a:ext>
+            </a:extLst>
+          </a:blip>
+          <a:srcRect/>
+          <a:stretch>
+            <a:fillRect/>
+          </a:stretch>
+        </p:blipFill>
+        <p:spPr bwMode="auto">
+          <a:xfrm>
+            <a:off x="4619317" y="2277036"/>
+            <a:ext cx="3470326" cy="2609798"/>
+          </a:xfrm>
+          <a:prstGeom prst="rect">
+            <a:avLst/>
+          </a:prstGeom>
+          <a:noFill/>
+          <a:extLst>
+            <a:ext uri="{909E8E84-426E-40DD-AFC4-6F175D3DCCD1}">
+              <a14:hiddenFill xmlns:a14="http://schemas.microsoft.com/office/drawing/2010/main">
+                <a:solidFill>
+                  <a:srgbClr val="FFFFFF"/>
+                </a:solidFill>
+              </a14:hiddenFill>
+            </a:ext>
+          </a:extLst>
+        </p:spPr>
+      </p:pic>
+      <p:pic>
+        <p:nvPicPr>
+          <p:cNvPr id="5" name="Picture 4"/>
+          <p:cNvPicPr>
+            <a:picLocks noChangeAspect="1"/>
+          </p:cNvPicPr>
+          <p:nvPr/>
+        </p:nvPicPr>
+        <p:blipFill>
+          <a:blip r:embed="rId3"/>
+          <a:stretch>
+            <a:fillRect/>
+          </a:stretch>
+        </p:blipFill>
+        <p:spPr>
+          <a:xfrm>
+            <a:off x="5972112" y="1197070"/>
+            <a:ext cx="970006" cy="656178"/>
+          </a:xfrm>
+          <a:prstGeom prst="rect">
+            <a:avLst/>
+          </a:prstGeom>
+          <a:effectLst>
+            <a:softEdge rad="25400"/>
+          </a:effectLst>
+        </p:spPr>
+      </p:pic>
+      <p:pic>
+        <p:nvPicPr>
+          <p:cNvPr id="6" name="Picture 5"/>
+          <p:cNvPicPr>
+            <a:picLocks noChangeAspect="1"/>
+          </p:cNvPicPr>
+          <p:nvPr/>
+        </p:nvPicPr>
+        <p:blipFill>
+          <a:blip r:embed="rId4"/>
+          <a:stretch>
+            <a:fillRect/>
+          </a:stretch>
+        </p:blipFill>
+        <p:spPr>
+          <a:xfrm>
+            <a:off x="5819948" y="5606015"/>
+            <a:ext cx="1274334" cy="580946"/>
+          </a:xfrm>
+          <a:prstGeom prst="rect">
+            <a:avLst/>
+          </a:prstGeom>
+          <a:effectLst>
+            <a:softEdge rad="25400"/>
+          </a:effectLst>
+        </p:spPr>
+      </p:pic>
+      <p:sp>
+        <p:nvSpPr>
+          <p:cNvPr id="9" name="Content Placeholder 2"/>
+          <p:cNvSpPr txBox="1">
+            <a:spLocks/>
+          </p:cNvSpPr>
+          <p:nvPr/>
+        </p:nvSpPr>
+        <p:spPr>
+          <a:xfrm>
+            <a:off x="8959181" y="3116792"/>
+            <a:ext cx="2741406" cy="1660482"/>
+          </a:xfrm>
+          <a:prstGeom prst="rect">
+            <a:avLst/>
+          </a:prstGeom>
+        </p:spPr>
+        <p:txBody>
+          <a:bodyPr vert="horz" lIns="91440" tIns="45720" rIns="91440" bIns="45720" rtlCol="0">
+            <a:normAutofit/>
+          </a:bodyPr>
+          <a:lstStyle>
+            <a:lvl1pPr marL="342900" indent="-342900" algn="l" defTabSz="457200" rtl="0" eaLnBrk="1" latinLnBrk="0" hangingPunct="1">
+              <a:spcBef>
+                <a:spcPts val="1000"/>
+              </a:spcBef>
+              <a:spcAft>
+                <a:spcPts val="0"/>
+              </a:spcAft>
+              <a:buClr>
+                <a:schemeClr val="bg2">
+                  <a:lumMod val="40000"/>
+                  <a:lumOff val="60000"/>
+                </a:schemeClr>
+              </a:buClr>
+              <a:buSzPct val="80000"/>
+              <a:buFont typeface="Wingdings 3" charset="2"/>
+              <a:buChar char=""/>
+              <a:defRPr sz="2000" b="0" i="0" kern="1200">
+                <a:solidFill>
+                  <a:schemeClr val="tx1"/>
+                </a:solidFill>
+                <a:latin typeface="+mj-lt"/>
+                <a:ea typeface="+mj-ea"/>
+                <a:cs typeface="+mj-cs"/>
+              </a:defRPr>
+            </a:lvl1pPr>
+            <a:lvl2pPr marL="742950" indent="-285750" algn="l" defTabSz="457200" rtl="0" eaLnBrk="1" latinLnBrk="0" hangingPunct="1">
+              <a:spcBef>
+                <a:spcPts val="1000"/>
+              </a:spcBef>
+              <a:spcAft>
+                <a:spcPts val="0"/>
+              </a:spcAft>
+              <a:buClr>
+                <a:schemeClr val="bg2">
+                  <a:lumMod val="40000"/>
+                  <a:lumOff val="60000"/>
+                </a:schemeClr>
+              </a:buClr>
+              <a:buSzPct val="80000"/>
+              <a:buFont typeface="Wingdings 3" charset="2"/>
+              <a:buChar char=""/>
+              <a:defRPr sz="1800" b="0" i="0" kern="1200">
+                <a:solidFill>
+                  <a:schemeClr val="tx1"/>
+                </a:solidFill>
+                <a:latin typeface="+mj-lt"/>
+                <a:ea typeface="+mj-ea"/>
+                <a:cs typeface="+mj-cs"/>
+              </a:defRPr>
+            </a:lvl2pPr>
+            <a:lvl3pPr marL="1143000" indent="-228600" algn="l" defTabSz="457200" rtl="0" eaLnBrk="1" latinLnBrk="0" hangingPunct="1">
+              <a:spcBef>
+                <a:spcPts val="1000"/>
+              </a:spcBef>
+              <a:spcAft>
+                <a:spcPts val="0"/>
+              </a:spcAft>
+              <a:buClr>
+                <a:schemeClr val="bg2">
+                  <a:lumMod val="40000"/>
+                  <a:lumOff val="60000"/>
+                </a:schemeClr>
+              </a:buClr>
+              <a:buSzPct val="80000"/>
+              <a:buFont typeface="Wingdings 3" charset="2"/>
+              <a:buChar char=""/>
+              <a:defRPr sz="1600" b="0" i="0" kern="1200">
+                <a:solidFill>
+                  <a:schemeClr val="tx1"/>
+                </a:solidFill>
+                <a:latin typeface="+mj-lt"/>
+                <a:ea typeface="+mj-ea"/>
+                <a:cs typeface="+mj-cs"/>
+              </a:defRPr>
+            </a:lvl3pPr>
+            <a:lvl4pPr marL="1600200" indent="-228600" algn="l" defTabSz="457200" rtl="0" eaLnBrk="1" latinLnBrk="0" hangingPunct="1">
+              <a:spcBef>
+                <a:spcPts val="1000"/>
+              </a:spcBef>
+              <a:spcAft>
+                <a:spcPts val="0"/>
+              </a:spcAft>
+              <a:buClr>
+                <a:schemeClr val="bg2">
+                  <a:lumMod val="40000"/>
+                  <a:lumOff val="60000"/>
+                </a:schemeClr>
+              </a:buClr>
+              <a:buSzPct val="80000"/>
+              <a:buFont typeface="Wingdings 3" charset="2"/>
+              <a:buChar char=""/>
+              <a:defRPr sz="1400" b="0" i="0" kern="1200">
+                <a:solidFill>
+                  <a:schemeClr val="tx1"/>
+                </a:solidFill>
+                <a:latin typeface="+mj-lt"/>
+                <a:ea typeface="+mj-ea"/>
+                <a:cs typeface="+mj-cs"/>
+              </a:defRPr>
+            </a:lvl4pPr>
+            <a:lvl5pPr marL="2057400" indent="-228600" algn="l" defTabSz="457200" rtl="0" eaLnBrk="1" latinLnBrk="0" hangingPunct="1">
+              <a:spcBef>
+                <a:spcPts val="1000"/>
+              </a:spcBef>
+              <a:spcAft>
+                <a:spcPts val="0"/>
+              </a:spcAft>
+              <a:buClr>
+                <a:schemeClr val="bg2">
+                  <a:lumMod val="40000"/>
+                  <a:lumOff val="60000"/>
+                </a:schemeClr>
+              </a:buClr>
+              <a:buSzPct val="80000"/>
+              <a:buFont typeface="Wingdings 3" charset="2"/>
+              <a:buChar char=""/>
+              <a:defRPr sz="1400" b="0" i="0" kern="1200">
+                <a:solidFill>
+                  <a:schemeClr val="tx1"/>
+                </a:solidFill>
+                <a:latin typeface="+mj-lt"/>
+                <a:ea typeface="+mj-ea"/>
+                <a:cs typeface="+mj-cs"/>
+              </a:defRPr>
+            </a:lvl5pPr>
+            <a:lvl6pPr marL="2506000" indent="-228600" algn="l" defTabSz="457200" rtl="0" eaLnBrk="1" latinLnBrk="0" hangingPunct="1">
+              <a:spcBef>
+                <a:spcPts val="1000"/>
+              </a:spcBef>
+              <a:spcAft>
+                <a:spcPts val="0"/>
+              </a:spcAft>
+              <a:buClr>
+                <a:schemeClr val="bg2">
+                  <a:lumMod val="40000"/>
+                  <a:lumOff val="60000"/>
+                </a:schemeClr>
+              </a:buClr>
+              <a:buSzPct val="80000"/>
+              <a:buFont typeface="Wingdings 3" charset="2"/>
+              <a:buChar char=""/>
+              <a:defRPr sz="1400" b="0" i="0" kern="1200">
+                <a:solidFill>
+                  <a:schemeClr val="tx1"/>
+                </a:solidFill>
+                <a:latin typeface="+mj-lt"/>
+                <a:ea typeface="+mj-ea"/>
+                <a:cs typeface="+mj-cs"/>
+              </a:defRPr>
+            </a:lvl6pPr>
+            <a:lvl7pPr marL="2971800" indent="-228600" algn="l" defTabSz="457200" rtl="0" eaLnBrk="1" latinLnBrk="0" hangingPunct="1">
+              <a:spcBef>
+                <a:spcPts val="1000"/>
+              </a:spcBef>
+              <a:spcAft>
+                <a:spcPts val="0"/>
+              </a:spcAft>
+              <a:buClr>
+                <a:schemeClr val="bg2">
+                  <a:lumMod val="40000"/>
+                  <a:lumOff val="60000"/>
+                </a:schemeClr>
+              </a:buClr>
+              <a:buSzPct val="80000"/>
+              <a:buFont typeface="Wingdings 3" charset="2"/>
+              <a:buChar char=""/>
+              <a:defRPr sz="1400" b="0" i="0" kern="1200">
+                <a:solidFill>
+                  <a:schemeClr val="tx1"/>
+                </a:solidFill>
+                <a:latin typeface="+mj-lt"/>
+                <a:ea typeface="+mj-ea"/>
+                <a:cs typeface="+mj-cs"/>
+              </a:defRPr>
+            </a:lvl7pPr>
+            <a:lvl8pPr marL="3429000" indent="-228600" algn="l" defTabSz="457200" rtl="0" eaLnBrk="1" latinLnBrk="0" hangingPunct="1">
+              <a:spcBef>
+                <a:spcPts val="1000"/>
+              </a:spcBef>
+              <a:spcAft>
+                <a:spcPts val="0"/>
+              </a:spcAft>
+              <a:buClr>
+                <a:schemeClr val="bg2">
+                  <a:lumMod val="40000"/>
+                  <a:lumOff val="60000"/>
+                </a:schemeClr>
+              </a:buClr>
+              <a:buSzPct val="80000"/>
+              <a:buFont typeface="Wingdings 3" charset="2"/>
+              <a:buChar char=""/>
+              <a:defRPr sz="1400" b="0" i="0" kern="1200">
+                <a:solidFill>
+                  <a:schemeClr val="tx1"/>
+                </a:solidFill>
+                <a:latin typeface="+mj-lt"/>
+                <a:ea typeface="+mj-ea"/>
+                <a:cs typeface="+mj-cs"/>
+              </a:defRPr>
+            </a:lvl8pPr>
+            <a:lvl9pPr marL="3886200" indent="-228600" algn="l" defTabSz="457200" rtl="0" eaLnBrk="1" latinLnBrk="0" hangingPunct="1">
+              <a:spcBef>
+                <a:spcPts val="1000"/>
+              </a:spcBef>
+              <a:spcAft>
+                <a:spcPts val="0"/>
+              </a:spcAft>
+              <a:buClr>
+                <a:schemeClr val="bg2">
+                  <a:lumMod val="40000"/>
+                  <a:lumOff val="60000"/>
+                </a:schemeClr>
+              </a:buClr>
+              <a:buSzPct val="80000"/>
+              <a:buFont typeface="Wingdings 3" charset="2"/>
+              <a:buChar char=""/>
+              <a:defRPr sz="1400" b="0" i="0" kern="1200">
+                <a:solidFill>
+                  <a:schemeClr val="tx1"/>
+                </a:solidFill>
+                <a:latin typeface="+mj-lt"/>
+                <a:ea typeface="+mj-ea"/>
+                <a:cs typeface="+mj-cs"/>
+              </a:defRPr>
+            </a:lvl9pPr>
+          </a:lstStyle>
+          <a:p>
+            <a:r>
+              <a:rPr lang="ro-RO" dirty="0" smtClean="0"/>
+              <a:t>Baze</a:t>
+            </a:r>
+            <a:r>
+              <a:rPr lang="en-US" dirty="0" smtClean="0"/>
+              <a:t> de date</a:t>
+            </a:r>
+          </a:p>
+          <a:p>
+            <a:pPr lvl="1"/>
+            <a:r>
+              <a:rPr lang="ro-RO" dirty="0" smtClean="0"/>
+              <a:t>Centralizate</a:t>
+            </a:r>
+          </a:p>
+          <a:p>
+            <a:pPr lvl="1"/>
+            <a:r>
+              <a:rPr lang="ro-RO" dirty="0" smtClean="0"/>
+              <a:t>Distribuite</a:t>
+            </a:r>
+          </a:p>
+        </p:txBody>
+      </p:sp>
+    </p:spTree>
+    <p:extLst>
+      <p:ext uri="{BB962C8B-B14F-4D97-AF65-F5344CB8AC3E}">
+        <p14:creationId xmlns:p14="http://schemas.microsoft.com/office/powerpoint/2010/main" val="708032500"/>
+      </p:ext>
+    </p:extLst>
+  </p:cSld>
+  <p:clrMapOvr>
+    <a:masterClrMapping/>
+  </p:clrMapOvr>
+  <p:timing>
+    <p:tnLst>
+      <p:par>
+        <p:cTn id="1" dur="indefinite" restart="never" nodeType="tmRoot"/>
+      </p:par>
+    </p:tnLst>
+  </p:timing>
+</p:sld>
+</file>
+
+<file path=ppt/slides/slide5.xml><?xml version="1.0" encoding="utf-8"?>
+<p:sld xmlns:a="http://schemas.openxmlformats.org/drawingml/2006/main" xmlns:r="http://schemas.openxmlformats.org/officeDocument/2006/relationships" xmlns:p="http://schemas.openxmlformats.org/presentationml/2006/main">
+  <p:cSld>
+    <p:spTree>
+      <p:nvGrpSpPr>
+        <p:cNvPr id="1" name=""/>
+        <p:cNvGrpSpPr/>
+        <p:nvPr/>
+      </p:nvGrpSpPr>
+      <p:grpSpPr>
+        <a:xfrm>
+          <a:off x="0" y="0"/>
+          <a:ext cx="0" cy="0"/>
+          <a:chOff x="0" y="0"/>
+          <a:chExt cx="0" cy="0"/>
+        </a:xfrm>
+      </p:grpSpPr>
+      <p:sp>
+        <p:nvSpPr>
+          <p:cNvPr id="2" name="Title 1"/>
+          <p:cNvSpPr>
+            <a:spLocks noGrp="1"/>
+          </p:cNvSpPr>
+          <p:nvPr>
+            <p:ph type="title"/>
+          </p:nvPr>
+        </p:nvSpPr>
+        <p:spPr/>
+        <p:txBody>
+          <a:bodyPr/>
+          <a:lstStyle/>
+          <a:p>
+            <a:r>
               <a:rPr lang="ro-RO" dirty="0"/>
               <a:t>Topologii</a:t>
             </a:r>
@@ -6446,12 +10211,14 @@
         </p:nvSpPr>
         <p:spPr>
           <a:xfrm>
-            <a:off x="477672" y="2052918"/>
-            <a:ext cx="1992573" cy="4195481"/>
+            <a:off x="340752" y="1953083"/>
+            <a:ext cx="2293808" cy="4195481"/>
           </a:xfrm>
         </p:spPr>
         <p:txBody>
-          <a:bodyPr/>
+          <a:bodyPr>
+            <a:normAutofit lnSpcReduction="10000"/>
+          </a:bodyPr>
           <a:lstStyle/>
           <a:p>
             <a:r>
@@ -6474,6 +10241,52 @@
               <a:rPr lang="en-US" dirty="0" smtClean="0"/>
               <a:t>?</a:t>
             </a:r>
+          </a:p>
+          <a:p>
+            <a:endParaRPr lang="en-US" dirty="0"/>
+          </a:p>
+          <a:p>
+            <a:endParaRPr lang="en-US" dirty="0" smtClean="0"/>
+          </a:p>
+          <a:p>
+            <a:endParaRPr lang="en-US" dirty="0"/>
+          </a:p>
+          <a:p>
+            <a:endParaRPr lang="en-US" dirty="0" smtClean="0"/>
+          </a:p>
+          <a:p>
+            <a:r>
+              <a:rPr lang="ro-RO" dirty="0" smtClean="0"/>
+              <a:t>Tipuri</a:t>
+            </a:r>
+            <a:r>
+              <a:rPr lang="en-US" dirty="0" smtClean="0"/>
+              <a:t>:</a:t>
+            </a:r>
+          </a:p>
+          <a:p>
+            <a:pPr lvl="1"/>
+            <a:r>
+              <a:rPr lang="en-US" dirty="0" smtClean="0"/>
+              <a:t>statement</a:t>
+            </a:r>
+          </a:p>
+          <a:p>
+            <a:pPr lvl="1"/>
+            <a:r>
+              <a:rPr lang="en-US" dirty="0" smtClean="0"/>
+              <a:t>row</a:t>
+            </a:r>
+          </a:p>
+          <a:p>
+            <a:pPr lvl="1"/>
+            <a:r>
+              <a:rPr lang="en-US" dirty="0" smtClean="0"/>
+              <a:t>mixed</a:t>
+            </a:r>
+          </a:p>
+          <a:p>
+            <a:pPr lvl="1"/>
             <a:endParaRPr lang="en-US" dirty="0"/>
           </a:p>
         </p:txBody>
@@ -6525,7 +10338,7 @@
 </p:sld>
 </file>
 
-<file path=ppt/slides/slide12.xml><?xml version="1.0" encoding="utf-8"?>
+<file path=ppt/slides/slide6.xml><?xml version="1.0" encoding="utf-8"?>
 <p:sld xmlns:a="http://schemas.openxmlformats.org/drawingml/2006/main" xmlns:r="http://schemas.openxmlformats.org/officeDocument/2006/relationships" xmlns:p="http://schemas.openxmlformats.org/presentationml/2006/main">
   <p:cSld>
     <p:spTree>
@@ -7132,7 +10945,7 @@
     </p:spTree>
     <p:extLst>
       <p:ext uri="{BB962C8B-B14F-4D97-AF65-F5344CB8AC3E}">
-        <p14:creationId xmlns:p14="http://schemas.microsoft.com/office/powerpoint/2010/main" val="276071842"/>
+        <p14:creationId xmlns:p14="http://schemas.microsoft.com/office/powerpoint/2010/main" val="1941174498"/>
       </p:ext>
     </p:extLst>
   </p:cSld>
@@ -7142,7 +10955,7 @@
 </p:sld>
 </file>
 
-<file path=ppt/slides/slide13.xml><?xml version="1.0" encoding="utf-8"?>
+<file path=ppt/slides/slide7.xml><?xml version="1.0" encoding="utf-8"?>
 <p:sld xmlns:a="http://schemas.openxmlformats.org/drawingml/2006/main" xmlns:r="http://schemas.openxmlformats.org/officeDocument/2006/relationships" xmlns:p="http://schemas.openxmlformats.org/presentationml/2006/main">
   <p:cSld>
     <p:spTree>
@@ -7285,2901 +11098,7 @@
     </p:spTree>
     <p:extLst>
       <p:ext uri="{BB962C8B-B14F-4D97-AF65-F5344CB8AC3E}">
-        <p14:creationId xmlns:p14="http://schemas.microsoft.com/office/powerpoint/2010/main" val="1302811389"/>
-      </p:ext>
-    </p:extLst>
-  </p:cSld>
-  <p:clrMapOvr>
-    <a:masterClrMapping/>
-  </p:clrMapOvr>
-  <p:timing>
-    <p:tnLst>
-      <p:par>
-        <p:cTn id="1" dur="indefinite" restart="never" nodeType="tmRoot"/>
-      </p:par>
-    </p:tnLst>
-  </p:timing>
-</p:sld>
-</file>
-
-<file path=ppt/slides/slide14.xml><?xml version="1.0" encoding="utf-8"?>
-<p:sld xmlns:a="http://schemas.openxmlformats.org/drawingml/2006/main" xmlns:r="http://schemas.openxmlformats.org/officeDocument/2006/relationships" xmlns:p="http://schemas.openxmlformats.org/presentationml/2006/main">
-  <p:cSld>
-    <p:spTree>
-      <p:nvGrpSpPr>
-        <p:cNvPr id="1" name=""/>
-        <p:cNvGrpSpPr/>
-        <p:nvPr/>
-      </p:nvGrpSpPr>
-      <p:grpSpPr>
-        <a:xfrm>
-          <a:off x="0" y="0"/>
-          <a:ext cx="0" cy="0"/>
-          <a:chOff x="0" y="0"/>
-          <a:chExt cx="0" cy="0"/>
-        </a:xfrm>
-      </p:grpSpPr>
-      <p:sp>
-        <p:nvSpPr>
-          <p:cNvPr id="2" name="Title 1"/>
-          <p:cNvSpPr>
-            <a:spLocks noGrp="1"/>
-          </p:cNvSpPr>
-          <p:nvPr>
-            <p:ph type="title"/>
-          </p:nvPr>
-        </p:nvSpPr>
-        <p:spPr/>
-        <p:txBody>
-          <a:bodyPr/>
-          <a:lstStyle/>
-          <a:p>
-            <a:r>
-              <a:rPr lang="ro-RO" dirty="0"/>
-              <a:t>Topologii</a:t>
-            </a:r>
-            <a:r>
-              <a:rPr lang="en-US" dirty="0"/>
-              <a:t> de </a:t>
-            </a:r>
-            <a:r>
-              <a:rPr lang="ro-RO" dirty="0"/>
-              <a:t>replicare</a:t>
-            </a:r>
-            <a:endParaRPr lang="en-US" dirty="0"/>
-          </a:p>
-        </p:txBody>
-      </p:sp>
-      <p:sp>
-        <p:nvSpPr>
-          <p:cNvPr id="3" name="Content Placeholder 2"/>
-          <p:cNvSpPr>
-            <a:spLocks noGrp="1"/>
-          </p:cNvSpPr>
-          <p:nvPr>
-            <p:ph idx="1"/>
-          </p:nvPr>
-        </p:nvSpPr>
-        <p:spPr/>
-        <p:txBody>
-          <a:bodyPr/>
-          <a:lstStyle/>
-          <a:p>
-            <a:r>
-              <a:rPr lang="en-US" dirty="0" smtClean="0"/>
-              <a:t>Un master </a:t>
-            </a:r>
-            <a:r>
-              <a:rPr lang="ro-RO" dirty="0" smtClean="0"/>
-              <a:t>mai</a:t>
-            </a:r>
-            <a:r>
-              <a:rPr lang="en-US" dirty="0" smtClean="0"/>
-              <a:t> </a:t>
-            </a:r>
-            <a:r>
-              <a:rPr lang="ro-RO" dirty="0" smtClean="0"/>
-              <a:t>multe</a:t>
-            </a:r>
-            <a:r>
-              <a:rPr lang="en-US" dirty="0" smtClean="0"/>
-              <a:t> slave-</a:t>
-            </a:r>
-            <a:r>
-              <a:rPr lang="ro-RO" dirty="0" smtClean="0"/>
-              <a:t>uri</a:t>
-            </a:r>
-          </a:p>
-          <a:p>
-            <a:r>
-              <a:rPr lang="en-US" dirty="0" smtClean="0"/>
-              <a:t>Master-master – mod </a:t>
-            </a:r>
-            <a:r>
-              <a:rPr lang="ro-RO" dirty="0" smtClean="0"/>
-              <a:t>activ-activ</a:t>
-            </a:r>
-          </a:p>
-          <a:p>
-            <a:r>
-              <a:rPr lang="en-US" dirty="0" smtClean="0"/>
-              <a:t>Master-master – mod </a:t>
-            </a:r>
-            <a:r>
-              <a:rPr lang="ro-RO" dirty="0" smtClean="0"/>
-              <a:t>pasiv-pasiv</a:t>
-            </a:r>
-          </a:p>
-          <a:p>
-            <a:r>
-              <a:rPr lang="en-US" dirty="0" smtClean="0"/>
-              <a:t>Master-master – cu </a:t>
-            </a:r>
-            <a:r>
-              <a:rPr lang="ro-RO" dirty="0" smtClean="0"/>
-              <a:t>mai</a:t>
-            </a:r>
-            <a:r>
-              <a:rPr lang="en-US" dirty="0" smtClean="0"/>
-              <a:t> </a:t>
-            </a:r>
-            <a:r>
-              <a:rPr lang="ro-RO" dirty="0" smtClean="0"/>
-              <a:t>multe</a:t>
-            </a:r>
-            <a:r>
-              <a:rPr lang="en-US" dirty="0" smtClean="0"/>
-              <a:t> slave-</a:t>
-            </a:r>
-            <a:r>
-              <a:rPr lang="ro-RO" dirty="0" smtClean="0"/>
-              <a:t>uri</a:t>
-            </a:r>
-          </a:p>
-          <a:p>
-            <a:r>
-              <a:rPr lang="ro-RO" dirty="0" smtClean="0"/>
-              <a:t>Inel</a:t>
-            </a:r>
-          </a:p>
-          <a:p>
-            <a:r>
-              <a:rPr lang="en-US" dirty="0" smtClean="0"/>
-              <a:t>Master de </a:t>
-            </a:r>
-            <a:r>
-              <a:rPr lang="ro-RO" dirty="0" smtClean="0"/>
-              <a:t>distribuție</a:t>
-            </a:r>
-          </a:p>
-          <a:p>
-            <a:r>
-              <a:rPr lang="en-US" dirty="0" smtClean="0"/>
-              <a:t>Arbore </a:t>
-            </a:r>
-            <a:r>
-              <a:rPr lang="ro-RO" dirty="0" smtClean="0"/>
-              <a:t>sau</a:t>
-            </a:r>
-            <a:r>
-              <a:rPr lang="en-US" dirty="0" smtClean="0"/>
-              <a:t> </a:t>
-            </a:r>
-            <a:r>
-              <a:rPr lang="ro-RO" dirty="0" smtClean="0"/>
-              <a:t>piramida</a:t>
-            </a:r>
-          </a:p>
-          <a:p>
-            <a:endParaRPr lang="en-US" dirty="0" smtClean="0"/>
-          </a:p>
-          <a:p>
-            <a:endParaRPr lang="en-US" dirty="0"/>
-          </a:p>
-        </p:txBody>
-      </p:sp>
-    </p:spTree>
-    <p:extLst>
-      <p:ext uri="{BB962C8B-B14F-4D97-AF65-F5344CB8AC3E}">
-        <p14:creationId xmlns:p14="http://schemas.microsoft.com/office/powerpoint/2010/main" val="976531277"/>
-      </p:ext>
-    </p:extLst>
-  </p:cSld>
-  <p:clrMapOvr>
-    <a:masterClrMapping/>
-  </p:clrMapOvr>
-</p:sld>
-</file>
-
-<file path=ppt/slides/slide15.xml><?xml version="1.0" encoding="utf-8"?>
-<p:sld xmlns:a="http://schemas.openxmlformats.org/drawingml/2006/main" xmlns:r="http://schemas.openxmlformats.org/officeDocument/2006/relationships" xmlns:p="http://schemas.openxmlformats.org/presentationml/2006/main">
-  <p:cSld>
-    <p:spTree>
-      <p:nvGrpSpPr>
-        <p:cNvPr id="1" name=""/>
-        <p:cNvGrpSpPr/>
-        <p:nvPr/>
-      </p:nvGrpSpPr>
-      <p:grpSpPr>
-        <a:xfrm>
-          <a:off x="0" y="0"/>
-          <a:ext cx="0" cy="0"/>
-          <a:chOff x="0" y="0"/>
-          <a:chExt cx="0" cy="0"/>
-        </a:xfrm>
-      </p:grpSpPr>
-      <p:sp>
-        <p:nvSpPr>
-          <p:cNvPr id="2" name="Title 1"/>
-          <p:cNvSpPr>
-            <a:spLocks noGrp="1"/>
-          </p:cNvSpPr>
-          <p:nvPr>
-            <p:ph type="title"/>
-          </p:nvPr>
-        </p:nvSpPr>
-        <p:spPr/>
-        <p:txBody>
-          <a:bodyPr/>
-          <a:lstStyle/>
-          <a:p>
-            <a:r>
-              <a:rPr lang="ro-RO" dirty="0"/>
-              <a:t>Implementare</a:t>
-            </a:r>
-            <a:r>
-              <a:rPr lang="en-US" dirty="0"/>
-              <a:t> </a:t>
-            </a:r>
-            <a:r>
-              <a:rPr lang="ro-RO" dirty="0"/>
-              <a:t>topologiei</a:t>
-            </a:r>
-            <a:r>
-              <a:rPr lang="en-US" dirty="0"/>
-              <a:t> in cloud</a:t>
-            </a:r>
-          </a:p>
-        </p:txBody>
-      </p:sp>
-      <p:sp>
-        <p:nvSpPr>
-          <p:cNvPr id="3" name="Content Placeholder 2"/>
-          <p:cNvSpPr>
-            <a:spLocks noGrp="1"/>
-          </p:cNvSpPr>
-          <p:nvPr>
-            <p:ph idx="1"/>
-          </p:nvPr>
-        </p:nvSpPr>
-        <p:spPr>
-          <a:xfrm>
-            <a:off x="336956" y="3124072"/>
-            <a:ext cx="2885215" cy="3328979"/>
-          </a:xfrm>
-        </p:spPr>
-        <p:txBody>
-          <a:bodyPr/>
-          <a:lstStyle/>
-          <a:p>
-            <a:r>
-              <a:rPr lang="ro-RO" dirty="0" smtClean="0"/>
-              <a:t>Topologia</a:t>
-            </a:r>
-            <a:r>
-              <a:rPr lang="en-US" dirty="0" smtClean="0"/>
-              <a:t> </a:t>
-            </a:r>
-            <a:r>
-              <a:rPr lang="ro-RO" dirty="0" smtClean="0"/>
-              <a:t>implementata</a:t>
-            </a:r>
-          </a:p>
-        </p:txBody>
-      </p:sp>
-      <p:pic>
-        <p:nvPicPr>
-          <p:cNvPr id="4" name="Picture 3"/>
-          <p:cNvPicPr>
-            <a:picLocks noChangeAspect="1"/>
-          </p:cNvPicPr>
-          <p:nvPr/>
-        </p:nvPicPr>
-        <p:blipFill>
-          <a:blip r:embed="rId2"/>
-          <a:stretch>
-            <a:fillRect/>
-          </a:stretch>
-        </p:blipFill>
-        <p:spPr>
-          <a:xfrm>
-            <a:off x="2856411" y="1185869"/>
-            <a:ext cx="8987245" cy="5440786"/>
-          </a:xfrm>
-          <a:prstGeom prst="rect">
-            <a:avLst/>
-          </a:prstGeom>
-          <a:effectLst>
-            <a:softEdge rad="76200"/>
-          </a:effectLst>
-        </p:spPr>
-      </p:pic>
-    </p:spTree>
-    <p:extLst>
-      <p:ext uri="{BB962C8B-B14F-4D97-AF65-F5344CB8AC3E}">
-        <p14:creationId xmlns:p14="http://schemas.microsoft.com/office/powerpoint/2010/main" val="3247952930"/>
-      </p:ext>
-    </p:extLst>
-  </p:cSld>
-  <p:clrMapOvr>
-    <a:masterClrMapping/>
-  </p:clrMapOvr>
-  <p:timing>
-    <p:tnLst>
-      <p:par>
-        <p:cTn id="1" dur="indefinite" restart="never" nodeType="tmRoot"/>
-      </p:par>
-    </p:tnLst>
-  </p:timing>
-</p:sld>
-</file>
-
-<file path=ppt/slides/slide16.xml><?xml version="1.0" encoding="utf-8"?>
-<p:sld xmlns:a="http://schemas.openxmlformats.org/drawingml/2006/main" xmlns:r="http://schemas.openxmlformats.org/officeDocument/2006/relationships" xmlns:p="http://schemas.openxmlformats.org/presentationml/2006/main">
-  <p:cSld>
-    <p:spTree>
-      <p:nvGrpSpPr>
-        <p:cNvPr id="1" name=""/>
-        <p:cNvGrpSpPr/>
-        <p:nvPr/>
-      </p:nvGrpSpPr>
-      <p:grpSpPr>
-        <a:xfrm>
-          <a:off x="0" y="0"/>
-          <a:ext cx="0" cy="0"/>
-          <a:chOff x="0" y="0"/>
-          <a:chExt cx="0" cy="0"/>
-        </a:xfrm>
-      </p:grpSpPr>
-      <p:sp>
-        <p:nvSpPr>
-          <p:cNvPr id="2" name="Title 1"/>
-          <p:cNvSpPr>
-            <a:spLocks noGrp="1"/>
-          </p:cNvSpPr>
-          <p:nvPr>
-            <p:ph type="title"/>
-          </p:nvPr>
-        </p:nvSpPr>
-        <p:spPr/>
-        <p:txBody>
-          <a:bodyPr/>
-          <a:lstStyle/>
-          <a:p>
-            <a:r>
-              <a:rPr lang="ro-RO" dirty="0"/>
-              <a:t>Implementare</a:t>
-            </a:r>
-            <a:r>
-              <a:rPr lang="en-US" dirty="0"/>
-              <a:t> </a:t>
-            </a:r>
-            <a:r>
-              <a:rPr lang="ro-RO" dirty="0"/>
-              <a:t>topologiei</a:t>
-            </a:r>
-            <a:r>
-              <a:rPr lang="en-US" dirty="0"/>
-              <a:t> in cloud</a:t>
-            </a:r>
-          </a:p>
-        </p:txBody>
-      </p:sp>
-      <p:sp>
-        <p:nvSpPr>
-          <p:cNvPr id="3" name="Content Placeholder 2"/>
-          <p:cNvSpPr>
-            <a:spLocks noGrp="1"/>
-          </p:cNvSpPr>
-          <p:nvPr>
-            <p:ph idx="1"/>
-          </p:nvPr>
-        </p:nvSpPr>
-        <p:spPr/>
-        <p:txBody>
-          <a:bodyPr/>
-          <a:lstStyle/>
-          <a:p>
-            <a:r>
-              <a:rPr lang="ro-RO" dirty="0" smtClean="0"/>
-              <a:t>Configurație</a:t>
-            </a:r>
-            <a:r>
-              <a:rPr lang="en-US" dirty="0" smtClean="0"/>
-              <a:t> </a:t>
-            </a:r>
-            <a:r>
-              <a:rPr lang="ro-RO" dirty="0" smtClean="0"/>
-              <a:t>mașini</a:t>
-            </a:r>
-            <a:r>
-              <a:rPr lang="en-US" dirty="0" smtClean="0"/>
-              <a:t> </a:t>
-            </a:r>
-            <a:r>
-              <a:rPr lang="ro-RO" dirty="0" smtClean="0"/>
-              <a:t>virtuale</a:t>
-            </a:r>
-            <a:endParaRPr lang="en-US" dirty="0" smtClean="0"/>
-          </a:p>
-          <a:p>
-            <a:pPr lvl="1"/>
-            <a:r>
-              <a:rPr lang="en-US" dirty="0" smtClean="0"/>
-              <a:t>1 core - 1.6 GHz</a:t>
-            </a:r>
-          </a:p>
-          <a:p>
-            <a:pPr lvl="1"/>
-            <a:r>
-              <a:rPr lang="en-US" dirty="0" smtClean="0"/>
-              <a:t>1.75 GB RAM</a:t>
-            </a:r>
-          </a:p>
-          <a:p>
-            <a:pPr marL="0" indent="0">
-              <a:buNone/>
-            </a:pPr>
-            <a:endParaRPr lang="en-US" dirty="0"/>
-          </a:p>
-          <a:p>
-            <a:r>
-              <a:rPr lang="ro-RO" dirty="0" smtClean="0"/>
-              <a:t>Rețea</a:t>
-            </a:r>
-            <a:r>
-              <a:rPr lang="en-US" dirty="0" smtClean="0"/>
-              <a:t> </a:t>
-            </a:r>
-            <a:r>
-              <a:rPr lang="ro-RO" dirty="0" smtClean="0"/>
-              <a:t>virtuală</a:t>
-            </a:r>
-          </a:p>
-          <a:p>
-            <a:pPr lvl="1"/>
-            <a:r>
-              <a:rPr lang="ro-RO" dirty="0" smtClean="0"/>
-              <a:t>Clas</a:t>
-            </a:r>
-            <a:r>
-              <a:rPr lang="ro-RO" dirty="0"/>
-              <a:t>ă</a:t>
-            </a:r>
-            <a:r>
-              <a:rPr lang="en-US" dirty="0" smtClean="0"/>
-              <a:t> IP-</a:t>
-            </a:r>
-            <a:r>
-              <a:rPr lang="ro-RO" dirty="0" smtClean="0"/>
-              <a:t>uri</a:t>
-            </a:r>
-            <a:r>
-              <a:rPr lang="en-US" dirty="0" smtClean="0"/>
-              <a:t> </a:t>
-            </a:r>
-            <a:r>
-              <a:rPr lang="ro-RO" dirty="0" smtClean="0"/>
-              <a:t>folosite</a:t>
-            </a:r>
-            <a:r>
-              <a:rPr lang="en-US" dirty="0" smtClean="0"/>
-              <a:t>: 172.16.0.4   &gt;  172.16.0.8</a:t>
-            </a:r>
-          </a:p>
-          <a:p>
-            <a:pPr lvl="1"/>
-            <a:r>
-              <a:rPr lang="ro-RO" dirty="0" smtClean="0"/>
-              <a:t>Lungi</a:t>
-            </a:r>
-            <a:r>
-              <a:rPr lang="en-US" dirty="0" smtClean="0"/>
-              <a:t>m</a:t>
-            </a:r>
-            <a:r>
-              <a:rPr lang="ro-RO" dirty="0" smtClean="0"/>
-              <a:t>e</a:t>
-            </a:r>
-            <a:r>
-              <a:rPr lang="en-US" dirty="0" smtClean="0"/>
-              <a:t> de ban</a:t>
-            </a:r>
-            <a:r>
-              <a:rPr lang="ro-RO" dirty="0" smtClean="0"/>
-              <a:t>ă</a:t>
-            </a:r>
-            <a:r>
-              <a:rPr lang="en-US" dirty="0" smtClean="0"/>
-              <a:t> : 100 Mbps</a:t>
-            </a:r>
-          </a:p>
-          <a:p>
-            <a:pPr lvl="1"/>
-            <a:r>
-              <a:rPr lang="ro-RO" dirty="0" smtClean="0"/>
-              <a:t>Locație</a:t>
-            </a:r>
-            <a:r>
-              <a:rPr lang="en-US" dirty="0" smtClean="0"/>
-              <a:t> : Europa de vest</a:t>
-            </a:r>
-          </a:p>
-          <a:p>
-            <a:pPr marL="457200" lvl="1" indent="0">
-              <a:buNone/>
-            </a:pPr>
-            <a:endParaRPr lang="en-US" dirty="0"/>
-          </a:p>
-          <a:p>
-            <a:pPr marL="457200" lvl="1" indent="0" algn="r">
-              <a:buNone/>
-            </a:pPr>
-            <a:endParaRPr lang="en-US" dirty="0"/>
-          </a:p>
-        </p:txBody>
-      </p:sp>
-      <p:pic>
-        <p:nvPicPr>
-          <p:cNvPr id="4" name="Picture 3"/>
-          <p:cNvPicPr>
-            <a:picLocks noChangeAspect="1"/>
-          </p:cNvPicPr>
-          <p:nvPr/>
-        </p:nvPicPr>
-        <p:blipFill>
-          <a:blip r:embed="rId2"/>
-          <a:stretch>
-            <a:fillRect/>
-          </a:stretch>
-        </p:blipFill>
-        <p:spPr>
-          <a:xfrm>
-            <a:off x="7788041" y="2696390"/>
-            <a:ext cx="3249450" cy="475529"/>
-          </a:xfrm>
-          <a:prstGeom prst="rect">
-            <a:avLst/>
-          </a:prstGeom>
-        </p:spPr>
-      </p:pic>
-      <p:pic>
-        <p:nvPicPr>
-          <p:cNvPr id="5" name="Picture 4"/>
-          <p:cNvPicPr>
-            <a:picLocks noChangeAspect="1"/>
-          </p:cNvPicPr>
-          <p:nvPr/>
-        </p:nvPicPr>
-        <p:blipFill>
-          <a:blip r:embed="rId3"/>
-          <a:stretch>
-            <a:fillRect/>
-          </a:stretch>
-        </p:blipFill>
-        <p:spPr>
-          <a:xfrm>
-            <a:off x="9195950" y="3900891"/>
-            <a:ext cx="1274174" cy="1054699"/>
-          </a:xfrm>
-          <a:prstGeom prst="rect">
-            <a:avLst/>
-          </a:prstGeom>
-        </p:spPr>
-      </p:pic>
-    </p:spTree>
-    <p:extLst>
-      <p:ext uri="{BB962C8B-B14F-4D97-AF65-F5344CB8AC3E}">
-        <p14:creationId xmlns:p14="http://schemas.microsoft.com/office/powerpoint/2010/main" val="1367706050"/>
-      </p:ext>
-    </p:extLst>
-  </p:cSld>
-  <p:clrMapOvr>
-    <a:masterClrMapping/>
-  </p:clrMapOvr>
-</p:sld>
-</file>
-
-<file path=ppt/slides/slide17.xml><?xml version="1.0" encoding="utf-8"?>
-<p:sld xmlns:a="http://schemas.openxmlformats.org/drawingml/2006/main" xmlns:r="http://schemas.openxmlformats.org/officeDocument/2006/relationships" xmlns:p="http://schemas.openxmlformats.org/presentationml/2006/main">
-  <p:cSld>
-    <p:spTree>
-      <p:nvGrpSpPr>
-        <p:cNvPr id="1" name=""/>
-        <p:cNvGrpSpPr/>
-        <p:nvPr/>
-      </p:nvGrpSpPr>
-      <p:grpSpPr>
-        <a:xfrm>
-          <a:off x="0" y="0"/>
-          <a:ext cx="0" cy="0"/>
-          <a:chOff x="0" y="0"/>
-          <a:chExt cx="0" cy="0"/>
-        </a:xfrm>
-      </p:grpSpPr>
-      <p:sp>
-        <p:nvSpPr>
-          <p:cNvPr id="2" name="Title 1"/>
-          <p:cNvSpPr>
-            <a:spLocks noGrp="1"/>
-          </p:cNvSpPr>
-          <p:nvPr>
-            <p:ph type="title"/>
-          </p:nvPr>
-        </p:nvSpPr>
-        <p:spPr/>
-        <p:txBody>
-          <a:bodyPr/>
-          <a:lstStyle/>
-          <a:p>
-            <a:r>
-              <a:rPr lang="ro-RO" dirty="0"/>
-              <a:t>Implementare</a:t>
-            </a:r>
-            <a:r>
-              <a:rPr lang="en-US" dirty="0"/>
-              <a:t> </a:t>
-            </a:r>
-            <a:r>
-              <a:rPr lang="ro-RO" dirty="0"/>
-              <a:t>topologiei</a:t>
-            </a:r>
-            <a:r>
-              <a:rPr lang="en-US" dirty="0"/>
-              <a:t> in cloud</a:t>
-            </a:r>
-            <a:endParaRPr lang="ro-RO" dirty="0"/>
-          </a:p>
-        </p:txBody>
-      </p:sp>
-      <p:sp>
-        <p:nvSpPr>
-          <p:cNvPr id="3" name="Content Placeholder 2"/>
-          <p:cNvSpPr>
-            <a:spLocks noGrp="1"/>
-          </p:cNvSpPr>
-          <p:nvPr>
-            <p:ph idx="1"/>
-          </p:nvPr>
-        </p:nvSpPr>
-        <p:spPr>
-          <a:xfrm>
-            <a:off x="748937" y="1375954"/>
-            <a:ext cx="10337074" cy="4833257"/>
-          </a:xfrm>
-        </p:spPr>
-        <p:txBody>
-          <a:bodyPr>
-            <a:normAutofit fontScale="92500"/>
-          </a:bodyPr>
-          <a:lstStyle/>
-          <a:p>
-            <a:r>
-              <a:rPr lang="ro-RO" dirty="0" smtClean="0"/>
-              <a:t>Crearea</a:t>
-            </a:r>
-            <a:r>
-              <a:rPr lang="en-US" dirty="0" smtClean="0"/>
-              <a:t> </a:t>
-            </a:r>
-            <a:r>
-              <a:rPr lang="ro-RO" dirty="0" smtClean="0"/>
-              <a:t>tabelelor</a:t>
-            </a:r>
-            <a:r>
-              <a:rPr lang="en-US" dirty="0" smtClean="0"/>
-              <a:t> cu </a:t>
-            </a:r>
-            <a:r>
-              <a:rPr lang="ro-RO" dirty="0" smtClean="0"/>
-              <a:t>sume</a:t>
-            </a:r>
-            <a:r>
-              <a:rPr lang="en-US" dirty="0" smtClean="0"/>
-              <a:t> de control</a:t>
-            </a:r>
-            <a:r>
-              <a:rPr lang="ro-RO" dirty="0" smtClean="0"/>
-              <a:t> :</a:t>
-            </a:r>
-            <a:endParaRPr lang="en-US" dirty="0" smtClean="0"/>
-          </a:p>
-          <a:p>
-            <a:pPr lvl="1"/>
-            <a:r>
-              <a:rPr lang="ro-RO" dirty="0" smtClean="0"/>
-              <a:t> </a:t>
-            </a:r>
-            <a:r>
-              <a:rPr lang="en-US" dirty="0"/>
-              <a:t>pt-table-checksum -d licenta --replicate percona.checksums </a:t>
-            </a:r>
-            <a:r>
-              <a:rPr lang="en-US" dirty="0" smtClean="0"/>
-              <a:t>h=localhost</a:t>
-            </a:r>
-          </a:p>
-          <a:p>
-            <a:pPr lvl="1"/>
-            <a:endParaRPr lang="en-US" dirty="0" smtClean="0"/>
-          </a:p>
-          <a:p>
-            <a:r>
-              <a:rPr lang="ro-RO" dirty="0" smtClean="0"/>
-              <a:t>Sincronizare diferențe: </a:t>
-            </a:r>
-            <a:endParaRPr lang="en-US" dirty="0" smtClean="0"/>
-          </a:p>
-          <a:p>
-            <a:pPr lvl="1"/>
-            <a:r>
-              <a:rPr lang="ro-RO" dirty="0" smtClean="0"/>
-              <a:t>Vizualizare</a:t>
-            </a:r>
-            <a:r>
-              <a:rPr lang="en-US" dirty="0" smtClean="0"/>
-              <a:t> :	</a:t>
-            </a:r>
-            <a:r>
-              <a:rPr lang="en-US" dirty="0"/>
-              <a:t>pt-table-sync --sync-to-master --print h=172.16.0.8 --database </a:t>
-            </a:r>
-            <a:r>
-              <a:rPr lang="en-US" dirty="0" smtClean="0"/>
-              <a:t>licenta</a:t>
-            </a:r>
-            <a:endParaRPr lang="ro-RO" dirty="0" smtClean="0"/>
-          </a:p>
-          <a:p>
-            <a:pPr lvl="1"/>
-            <a:r>
-              <a:rPr lang="ro-RO" dirty="0" smtClean="0"/>
-              <a:t>Executare</a:t>
-            </a:r>
-            <a:r>
-              <a:rPr lang="en-US" dirty="0" smtClean="0"/>
-              <a:t> : 	</a:t>
-            </a:r>
-            <a:r>
-              <a:rPr lang="en-US" dirty="0"/>
-              <a:t>pt-table-sync --sync-to-master </a:t>
-            </a:r>
-            <a:r>
-              <a:rPr lang="en-US" dirty="0" smtClean="0"/>
-              <a:t>--execute h=172.16.0.8 </a:t>
-            </a:r>
-            <a:r>
-              <a:rPr lang="en-US" dirty="0"/>
-              <a:t>--database licenta</a:t>
-            </a:r>
-          </a:p>
-          <a:p>
-            <a:endParaRPr lang="ro-RO" dirty="0"/>
-          </a:p>
-          <a:p>
-            <a:r>
-              <a:rPr lang="ro-RO" dirty="0" smtClean="0"/>
-              <a:t>Update</a:t>
-            </a:r>
-            <a:r>
-              <a:rPr lang="en-US" dirty="0" smtClean="0"/>
-              <a:t> </a:t>
-            </a:r>
-            <a:r>
-              <a:rPr lang="ro-RO" dirty="0" smtClean="0"/>
-              <a:t>timp </a:t>
-            </a:r>
-            <a:r>
-              <a:rPr lang="ro-RO" dirty="0"/>
-              <a:t>pe master </a:t>
-            </a:r>
-            <a:r>
-              <a:rPr lang="ro-RO" dirty="0" smtClean="0"/>
-              <a:t>:</a:t>
-            </a:r>
-            <a:endParaRPr lang="en-US" dirty="0" smtClean="0"/>
-          </a:p>
-          <a:p>
-            <a:pPr lvl="1"/>
-            <a:r>
-              <a:rPr lang="ro-RO" dirty="0" smtClean="0"/>
-              <a:t>pt-heartbeat </a:t>
-            </a:r>
-            <a:r>
-              <a:rPr lang="ro-RO" dirty="0"/>
-              <a:t>-D licenta --update </a:t>
-            </a:r>
-            <a:r>
-              <a:rPr lang="ro-RO" dirty="0" smtClean="0"/>
-              <a:t>h=localhost</a:t>
-            </a:r>
-            <a:r>
-              <a:rPr lang="en-US" dirty="0" smtClean="0"/>
-              <a:t> --create-table</a:t>
-            </a:r>
-            <a:endParaRPr lang="ro-RO" dirty="0"/>
-          </a:p>
-          <a:p>
-            <a:endParaRPr lang="ro-RO" dirty="0"/>
-          </a:p>
-          <a:p>
-            <a:r>
-              <a:rPr lang="ro-RO" dirty="0"/>
-              <a:t>Verificare timp </a:t>
-            </a:r>
-            <a:r>
-              <a:rPr lang="en-US" dirty="0" smtClean="0"/>
-              <a:t>de </a:t>
-            </a:r>
-            <a:r>
-              <a:rPr lang="ro-RO" dirty="0" smtClean="0"/>
-              <a:t>replicare pe</a:t>
-            </a:r>
-            <a:r>
-              <a:rPr lang="en-US" dirty="0" smtClean="0"/>
-              <a:t> slave-uri</a:t>
-            </a:r>
-            <a:r>
-              <a:rPr lang="ro-RO" dirty="0" smtClean="0"/>
-              <a:t>:</a:t>
-            </a:r>
-            <a:endParaRPr lang="en-US" dirty="0" smtClean="0"/>
-          </a:p>
-          <a:p>
-            <a:pPr lvl="1"/>
-            <a:r>
-              <a:rPr lang="ro-RO" dirty="0" smtClean="0"/>
-              <a:t>pt-heartbeat </a:t>
-            </a:r>
-            <a:r>
-              <a:rPr lang="ro-RO" dirty="0"/>
-              <a:t>-D licenta --check h=172.16.0.8 --master-server-id=1</a:t>
-            </a:r>
-            <a:endParaRPr lang="ro-RO" dirty="0" smtClean="0"/>
-          </a:p>
-          <a:p>
-            <a:endParaRPr lang="ro-RO" dirty="0" smtClean="0"/>
-          </a:p>
-        </p:txBody>
-      </p:sp>
-    </p:spTree>
-    <p:extLst>
-      <p:ext uri="{BB962C8B-B14F-4D97-AF65-F5344CB8AC3E}">
-        <p14:creationId xmlns:p14="http://schemas.microsoft.com/office/powerpoint/2010/main" val="302119784"/>
-      </p:ext>
-    </p:extLst>
-  </p:cSld>
-  <p:clrMapOvr>
-    <a:masterClrMapping/>
-  </p:clrMapOvr>
-  <p:timing>
-    <p:tnLst>
-      <p:par>
-        <p:cTn id="1" dur="indefinite" restart="never" nodeType="tmRoot"/>
-      </p:par>
-    </p:tnLst>
-  </p:timing>
-</p:sld>
-</file>
-
-<file path=ppt/slides/slide18.xml><?xml version="1.0" encoding="utf-8"?>
-<p:sld xmlns:a="http://schemas.openxmlformats.org/drawingml/2006/main" xmlns:r="http://schemas.openxmlformats.org/officeDocument/2006/relationships" xmlns:p="http://schemas.openxmlformats.org/presentationml/2006/main">
-  <p:cSld>
-    <p:spTree>
-      <p:nvGrpSpPr>
-        <p:cNvPr id="1" name=""/>
-        <p:cNvGrpSpPr/>
-        <p:nvPr/>
-      </p:nvGrpSpPr>
-      <p:grpSpPr>
-        <a:xfrm>
-          <a:off x="0" y="0"/>
-          <a:ext cx="0" cy="0"/>
-          <a:chOff x="0" y="0"/>
-          <a:chExt cx="0" cy="0"/>
-        </a:xfrm>
-      </p:grpSpPr>
-      <p:sp>
-        <p:nvSpPr>
-          <p:cNvPr id="2" name="Title 1"/>
-          <p:cNvSpPr>
-            <a:spLocks noGrp="1"/>
-          </p:cNvSpPr>
-          <p:nvPr>
-            <p:ph type="title"/>
-          </p:nvPr>
-        </p:nvSpPr>
-        <p:spPr/>
-        <p:txBody>
-          <a:bodyPr/>
-          <a:lstStyle/>
-          <a:p>
-            <a:r>
-              <a:rPr lang="ro-RO" dirty="0" smtClean="0"/>
-              <a:t>Concluzii</a:t>
-            </a:r>
-            <a:endParaRPr lang="ro-RO" dirty="0"/>
-          </a:p>
-        </p:txBody>
-      </p:sp>
-      <p:sp>
-        <p:nvSpPr>
-          <p:cNvPr id="5" name="Content Placeholder 2"/>
-          <p:cNvSpPr>
-            <a:spLocks noGrp="1"/>
-          </p:cNvSpPr>
-          <p:nvPr>
-            <p:ph idx="1"/>
-          </p:nvPr>
-        </p:nvSpPr>
-        <p:spPr>
-          <a:xfrm>
-            <a:off x="1302636" y="2613738"/>
-            <a:ext cx="8091672" cy="3286583"/>
-          </a:xfrm>
-        </p:spPr>
-        <p:txBody>
-          <a:bodyPr>
-            <a:normAutofit/>
-          </a:bodyPr>
-          <a:lstStyle/>
-          <a:p>
-            <a:pPr lvl="1"/>
-            <a:r>
-              <a:rPr lang="ro-RO" dirty="0"/>
-              <a:t>Aplicații</a:t>
-            </a:r>
-            <a:r>
-              <a:rPr lang="en-US" dirty="0"/>
-              <a:t> web </a:t>
-            </a:r>
-            <a:r>
-              <a:rPr lang="ro-RO" dirty="0" smtClean="0"/>
-              <a:t>moderne</a:t>
-            </a:r>
-            <a:endParaRPr lang="en-US" dirty="0" smtClean="0"/>
-          </a:p>
-          <a:p>
-            <a:pPr lvl="1"/>
-            <a:endParaRPr lang="ro-RO" dirty="0"/>
-          </a:p>
-          <a:p>
-            <a:pPr lvl="1"/>
-            <a:r>
-              <a:rPr lang="ro-RO" dirty="0"/>
-              <a:t>Sistemul</a:t>
-            </a:r>
-            <a:r>
-              <a:rPr lang="en-US" dirty="0"/>
-              <a:t> de </a:t>
-            </a:r>
-            <a:r>
-              <a:rPr lang="ro-RO" dirty="0"/>
-              <a:t>gestiune</a:t>
-            </a:r>
-            <a:r>
-              <a:rPr lang="en-US" dirty="0"/>
-              <a:t> al </a:t>
-            </a:r>
-            <a:r>
-              <a:rPr lang="ro-RO" dirty="0"/>
-              <a:t>bazelor</a:t>
-            </a:r>
-            <a:r>
-              <a:rPr lang="en-US" dirty="0"/>
-              <a:t> de date </a:t>
-            </a:r>
-            <a:r>
-              <a:rPr lang="ro-RO" dirty="0" err="1" smtClean="0"/>
-              <a:t>MariaDB</a:t>
-            </a:r>
-            <a:endParaRPr lang="en-US" dirty="0" smtClean="0"/>
-          </a:p>
-          <a:p>
-            <a:pPr lvl="1"/>
-            <a:endParaRPr lang="ro-RO" dirty="0"/>
-          </a:p>
-          <a:p>
-            <a:pPr lvl="1"/>
-            <a:r>
-              <a:rPr lang="ro-RO" dirty="0"/>
-              <a:t>Posibilități</a:t>
-            </a:r>
-            <a:r>
-              <a:rPr lang="en-US" dirty="0"/>
-              <a:t> de </a:t>
-            </a:r>
-            <a:r>
-              <a:rPr lang="ro-RO" dirty="0"/>
-              <a:t>distribuire</a:t>
-            </a:r>
-            <a:r>
-              <a:rPr lang="en-US" dirty="0"/>
-              <a:t> </a:t>
-            </a:r>
-            <a:r>
-              <a:rPr lang="ro-RO" dirty="0"/>
-              <a:t>și</a:t>
-            </a:r>
-            <a:r>
-              <a:rPr lang="en-US" dirty="0"/>
-              <a:t> </a:t>
-            </a:r>
-            <a:r>
-              <a:rPr lang="ro-RO" dirty="0"/>
-              <a:t>replicare</a:t>
-            </a:r>
-          </a:p>
-          <a:p>
-            <a:pPr marL="0" indent="0">
-              <a:buNone/>
-            </a:pPr>
-            <a:endParaRPr lang="en-US" dirty="0" smtClean="0"/>
-          </a:p>
-          <a:p>
-            <a:endParaRPr lang="ro-RO" dirty="0" smtClean="0"/>
-          </a:p>
-        </p:txBody>
-      </p:sp>
-    </p:spTree>
-    <p:extLst>
-      <p:ext uri="{BB962C8B-B14F-4D97-AF65-F5344CB8AC3E}">
-        <p14:creationId xmlns:p14="http://schemas.microsoft.com/office/powerpoint/2010/main" val="1380150624"/>
-      </p:ext>
-    </p:extLst>
-  </p:cSld>
-  <p:clrMapOvr>
-    <a:masterClrMapping/>
-  </p:clrMapOvr>
-  <p:timing>
-    <p:tnLst>
-      <p:par>
-        <p:cTn id="1" dur="indefinite" restart="never" nodeType="tmRoot"/>
-      </p:par>
-    </p:tnLst>
-  </p:timing>
-</p:sld>
-</file>
-
-<file path=ppt/slides/slide19.xml><?xml version="1.0" encoding="utf-8"?>
-<p:sld xmlns:a="http://schemas.openxmlformats.org/drawingml/2006/main" xmlns:r="http://schemas.openxmlformats.org/officeDocument/2006/relationships" xmlns:p="http://schemas.openxmlformats.org/presentationml/2006/main">
-  <p:cSld>
-    <p:spTree>
-      <p:nvGrpSpPr>
-        <p:cNvPr id="1" name=""/>
-        <p:cNvGrpSpPr/>
-        <p:nvPr/>
-      </p:nvGrpSpPr>
-      <p:grpSpPr>
-        <a:xfrm>
-          <a:off x="0" y="0"/>
-          <a:ext cx="0" cy="0"/>
-          <a:chOff x="0" y="0"/>
-          <a:chExt cx="0" cy="0"/>
-        </a:xfrm>
-      </p:grpSpPr>
-      <p:sp>
-        <p:nvSpPr>
-          <p:cNvPr id="2" name="Title 1"/>
-          <p:cNvSpPr>
-            <a:spLocks noGrp="1"/>
-          </p:cNvSpPr>
-          <p:nvPr>
-            <p:ph type="title"/>
-          </p:nvPr>
-        </p:nvSpPr>
-        <p:spPr/>
-        <p:txBody>
-          <a:bodyPr/>
-          <a:lstStyle/>
-          <a:p>
-            <a:r>
-              <a:rPr lang="en-US" dirty="0" smtClean="0"/>
-              <a:t/>
-            </a:r>
-            <a:br>
-              <a:rPr lang="en-US" dirty="0" smtClean="0"/>
-            </a:br>
-            <a:r>
-              <a:rPr lang="ro-RO" dirty="0" smtClean="0"/>
-              <a:t>Întrebări</a:t>
-            </a:r>
-            <a:r>
-              <a:rPr lang="en-US" dirty="0" smtClean="0"/>
-              <a:t> </a:t>
-            </a:r>
-            <a:r>
-              <a:rPr lang="ro-RO" dirty="0" smtClean="0"/>
-              <a:t>și</a:t>
-            </a:r>
-            <a:r>
-              <a:rPr lang="en-US" dirty="0" smtClean="0"/>
-              <a:t> </a:t>
-            </a:r>
-            <a:r>
-              <a:rPr lang="ro-RO" dirty="0" smtClean="0"/>
-              <a:t>răspunsuri</a:t>
-            </a:r>
-            <a:endParaRPr lang="ro-RO" dirty="0"/>
-          </a:p>
-        </p:txBody>
-      </p:sp>
-      <p:pic>
-        <p:nvPicPr>
-          <p:cNvPr id="4098" name="Picture 2" descr="http://www.rdpusa.com/wp-content/uploads/2012/05/QandA1.jpeg"/>
-          <p:cNvPicPr>
-            <a:picLocks noChangeAspect="1" noChangeArrowheads="1"/>
-          </p:cNvPicPr>
-          <p:nvPr/>
-        </p:nvPicPr>
-        <p:blipFill>
-          <a:blip r:embed="rId2">
-            <a:extLst>
-              <a:ext uri="{28A0092B-C50C-407E-A947-70E740481C1C}">
-                <a14:useLocalDpi xmlns:a14="http://schemas.microsoft.com/office/drawing/2010/main" val="0"/>
-              </a:ext>
-            </a:extLst>
-          </a:blip>
-          <a:srcRect/>
-          <a:stretch>
-            <a:fillRect/>
-          </a:stretch>
-        </p:blipFill>
-        <p:spPr bwMode="auto">
-          <a:xfrm>
-            <a:off x="3754853" y="2601393"/>
-            <a:ext cx="4802306" cy="2919049"/>
-          </a:xfrm>
-          <a:prstGeom prst="rect">
-            <a:avLst/>
-          </a:prstGeom>
-          <a:noFill/>
-          <a:effectLst>
-            <a:softEdge rad="127000"/>
-          </a:effectLst>
-          <a:extLst>
-            <a:ext uri="{909E8E84-426E-40DD-AFC4-6F175D3DCCD1}">
-              <a14:hiddenFill xmlns:a14="http://schemas.microsoft.com/office/drawing/2010/main">
-                <a:solidFill>
-                  <a:srgbClr val="FFFFFF"/>
-                </a:solidFill>
-              </a14:hiddenFill>
-            </a:ext>
-          </a:extLst>
-        </p:spPr>
-      </p:pic>
-    </p:spTree>
-    <p:extLst>
-      <p:ext uri="{BB962C8B-B14F-4D97-AF65-F5344CB8AC3E}">
-        <p14:creationId xmlns:p14="http://schemas.microsoft.com/office/powerpoint/2010/main" val="2589889427"/>
-      </p:ext>
-    </p:extLst>
-  </p:cSld>
-  <p:clrMapOvr>
-    <a:masterClrMapping/>
-  </p:clrMapOvr>
-  <p:timing>
-    <p:tnLst>
-      <p:par>
-        <p:cTn id="1" dur="indefinite" restart="never" nodeType="tmRoot"/>
-      </p:par>
-    </p:tnLst>
-  </p:timing>
-</p:sld>
-</file>
-
-<file path=ppt/slides/slide2.xml><?xml version="1.0" encoding="utf-8"?>
-<p:sld xmlns:a="http://schemas.openxmlformats.org/drawingml/2006/main" xmlns:r="http://schemas.openxmlformats.org/officeDocument/2006/relationships" xmlns:p="http://schemas.openxmlformats.org/presentationml/2006/main">
-  <p:cSld>
-    <p:spTree>
-      <p:nvGrpSpPr>
-        <p:cNvPr id="1" name=""/>
-        <p:cNvGrpSpPr/>
-        <p:nvPr/>
-      </p:nvGrpSpPr>
-      <p:grpSpPr>
-        <a:xfrm>
-          <a:off x="0" y="0"/>
-          <a:ext cx="0" cy="0"/>
-          <a:chOff x="0" y="0"/>
-          <a:chExt cx="0" cy="0"/>
-        </a:xfrm>
-      </p:grpSpPr>
-      <p:sp>
-        <p:nvSpPr>
-          <p:cNvPr id="2" name="Title 1"/>
-          <p:cNvSpPr>
-            <a:spLocks noGrp="1"/>
-          </p:cNvSpPr>
-          <p:nvPr>
-            <p:ph type="title"/>
-          </p:nvPr>
-        </p:nvSpPr>
-        <p:spPr/>
-        <p:txBody>
-          <a:bodyPr/>
-          <a:lstStyle/>
-          <a:p>
-            <a:r>
-              <a:rPr lang="ro-RO" dirty="0" smtClean="0"/>
-              <a:t>Cuprins</a:t>
-            </a:r>
-            <a:endParaRPr lang="ro-RO" dirty="0"/>
-          </a:p>
-        </p:txBody>
-      </p:sp>
-      <p:sp>
-        <p:nvSpPr>
-          <p:cNvPr id="3" name="Content Placeholder 2"/>
-          <p:cNvSpPr>
-            <a:spLocks noGrp="1"/>
-          </p:cNvSpPr>
-          <p:nvPr>
-            <p:ph idx="1"/>
-          </p:nvPr>
-        </p:nvSpPr>
-        <p:spPr>
-          <a:xfrm>
-            <a:off x="2830514" y="1655755"/>
-            <a:ext cx="7080106" cy="4195481"/>
-          </a:xfrm>
-        </p:spPr>
-        <p:txBody>
-          <a:bodyPr>
-            <a:normAutofit/>
-          </a:bodyPr>
-          <a:lstStyle/>
-          <a:p>
-            <a:r>
-              <a:rPr lang="ro-RO" dirty="0" smtClean="0"/>
-              <a:t>Scopul</a:t>
-            </a:r>
-            <a:r>
-              <a:rPr lang="en-US" dirty="0" smtClean="0"/>
-              <a:t> </a:t>
-            </a:r>
-            <a:r>
-              <a:rPr lang="ro-RO" dirty="0" smtClean="0"/>
-              <a:t>lucrării</a:t>
-            </a:r>
-          </a:p>
-          <a:p>
-            <a:r>
-              <a:rPr lang="ro-RO" dirty="0" smtClean="0"/>
-              <a:t>Aplicații web moderne</a:t>
-            </a:r>
-            <a:endParaRPr lang="en-US" dirty="0" smtClean="0"/>
-          </a:p>
-          <a:p>
-            <a:r>
-              <a:rPr lang="ro-RO" dirty="0" smtClean="0"/>
-              <a:t>Tehnologii</a:t>
-            </a:r>
-            <a:r>
-              <a:rPr lang="en-US" dirty="0" smtClean="0"/>
-              <a:t> </a:t>
-            </a:r>
-            <a:r>
-              <a:rPr lang="ro-RO" dirty="0" smtClean="0"/>
-              <a:t>utilizate</a:t>
-            </a:r>
-          </a:p>
-          <a:p>
-            <a:r>
-              <a:rPr lang="ro-RO" dirty="0" smtClean="0"/>
-              <a:t>Baze</a:t>
-            </a:r>
-            <a:r>
-              <a:rPr lang="en-US" dirty="0" smtClean="0"/>
-              <a:t> de date</a:t>
-            </a:r>
-          </a:p>
-          <a:p>
-            <a:r>
-              <a:rPr lang="ro-RO" dirty="0" smtClean="0"/>
-              <a:t>Aplicația</a:t>
-            </a:r>
-            <a:r>
-              <a:rPr lang="en-US" dirty="0" smtClean="0"/>
-              <a:t> </a:t>
-            </a:r>
-            <a:r>
-              <a:rPr lang="ro-RO" dirty="0" smtClean="0"/>
-              <a:t>implementata</a:t>
-            </a:r>
-          </a:p>
-          <a:p>
-            <a:r>
-              <a:rPr lang="ro-RO" dirty="0" smtClean="0"/>
-              <a:t>Topologii</a:t>
-            </a:r>
-            <a:r>
-              <a:rPr lang="en-US" dirty="0" smtClean="0"/>
-              <a:t> de </a:t>
-            </a:r>
-            <a:r>
-              <a:rPr lang="ro-RO" dirty="0" smtClean="0"/>
-              <a:t>replicare</a:t>
-            </a:r>
-          </a:p>
-          <a:p>
-            <a:r>
-              <a:rPr lang="ro-RO" dirty="0" smtClean="0"/>
-              <a:t>Implementare</a:t>
-            </a:r>
-            <a:r>
-              <a:rPr lang="en-US" dirty="0" smtClean="0"/>
-              <a:t> </a:t>
-            </a:r>
-            <a:r>
-              <a:rPr lang="ro-RO" dirty="0" smtClean="0"/>
-              <a:t>topologiei</a:t>
-            </a:r>
-            <a:r>
-              <a:rPr lang="en-US" dirty="0" smtClean="0"/>
-              <a:t> in cloud</a:t>
-            </a:r>
-          </a:p>
-          <a:p>
-            <a:r>
-              <a:rPr lang="ro-RO" dirty="0" smtClean="0"/>
-              <a:t>Concluzii</a:t>
-            </a:r>
-          </a:p>
-          <a:p>
-            <a:r>
-              <a:rPr lang="ro-RO" dirty="0" smtClean="0"/>
-              <a:t>Întrebări</a:t>
-            </a:r>
-            <a:r>
-              <a:rPr lang="en-US" dirty="0" smtClean="0"/>
-              <a:t> </a:t>
-            </a:r>
-            <a:r>
-              <a:rPr lang="ro-RO" dirty="0"/>
-              <a:t>și</a:t>
-            </a:r>
-            <a:r>
-              <a:rPr lang="en-US" dirty="0"/>
-              <a:t> </a:t>
-            </a:r>
-            <a:r>
-              <a:rPr lang="ro-RO" dirty="0"/>
-              <a:t>răspunsuri</a:t>
-            </a:r>
-            <a:endParaRPr lang="en-US" dirty="0" smtClean="0"/>
-          </a:p>
-          <a:p>
-            <a:endParaRPr lang="ro-RO" dirty="0" smtClean="0"/>
-          </a:p>
-          <a:p>
-            <a:pPr marL="0" indent="0">
-              <a:buNone/>
-            </a:pPr>
-            <a:endParaRPr lang="ro-RO" dirty="0" smtClean="0"/>
-          </a:p>
-          <a:p>
-            <a:endParaRPr lang="ro-RO" dirty="0"/>
-          </a:p>
-        </p:txBody>
-      </p:sp>
-    </p:spTree>
-    <p:extLst>
-      <p:ext uri="{BB962C8B-B14F-4D97-AF65-F5344CB8AC3E}">
-        <p14:creationId xmlns:p14="http://schemas.microsoft.com/office/powerpoint/2010/main" val="3065739090"/>
-      </p:ext>
-    </p:extLst>
-  </p:cSld>
-  <p:clrMapOvr>
-    <a:masterClrMapping/>
-  </p:clrMapOvr>
-  <p:timing>
-    <p:tnLst>
-      <p:par>
-        <p:cTn id="1" dur="indefinite" restart="never" nodeType="tmRoot"/>
-      </p:par>
-    </p:tnLst>
-  </p:timing>
-</p:sld>
-</file>
-
-<file path=ppt/slides/slide3.xml><?xml version="1.0" encoding="utf-8"?>
-<p:sld xmlns:a="http://schemas.openxmlformats.org/drawingml/2006/main" xmlns:r="http://schemas.openxmlformats.org/officeDocument/2006/relationships" xmlns:p="http://schemas.openxmlformats.org/presentationml/2006/main">
-  <p:cSld>
-    <p:spTree>
-      <p:nvGrpSpPr>
-        <p:cNvPr id="1" name=""/>
-        <p:cNvGrpSpPr/>
-        <p:nvPr/>
-      </p:nvGrpSpPr>
-      <p:grpSpPr>
-        <a:xfrm>
-          <a:off x="0" y="0"/>
-          <a:ext cx="0" cy="0"/>
-          <a:chOff x="0" y="0"/>
-          <a:chExt cx="0" cy="0"/>
-        </a:xfrm>
-      </p:grpSpPr>
-      <p:sp>
-        <p:nvSpPr>
-          <p:cNvPr id="2" name="Title 1"/>
-          <p:cNvSpPr>
-            <a:spLocks noGrp="1"/>
-          </p:cNvSpPr>
-          <p:nvPr>
-            <p:ph type="title"/>
-          </p:nvPr>
-        </p:nvSpPr>
-        <p:spPr/>
-        <p:txBody>
-          <a:bodyPr/>
-          <a:lstStyle/>
-          <a:p>
-            <a:r>
-              <a:rPr lang="ro-RO" dirty="0" smtClean="0"/>
-              <a:t>Scopul</a:t>
-            </a:r>
-            <a:r>
-              <a:rPr lang="en-US" dirty="0" smtClean="0"/>
-              <a:t> </a:t>
-            </a:r>
-            <a:r>
-              <a:rPr lang="ro-RO" dirty="0" smtClean="0"/>
-              <a:t>lucrării</a:t>
-            </a:r>
-            <a:endParaRPr lang="ro-RO" dirty="0"/>
-          </a:p>
-        </p:txBody>
-      </p:sp>
-      <p:sp>
-        <p:nvSpPr>
-          <p:cNvPr id="3" name="Content Placeholder 2"/>
-          <p:cNvSpPr>
-            <a:spLocks noGrp="1"/>
-          </p:cNvSpPr>
-          <p:nvPr>
-            <p:ph idx="1"/>
-          </p:nvPr>
-        </p:nvSpPr>
-        <p:spPr/>
-        <p:txBody>
-          <a:bodyPr/>
-          <a:lstStyle/>
-          <a:p>
-            <a:r>
-              <a:rPr lang="ro-RO" dirty="0" smtClean="0"/>
-              <a:t>Studiul</a:t>
-            </a:r>
-            <a:r>
-              <a:rPr lang="en-US" dirty="0" smtClean="0"/>
-              <a:t> </a:t>
-            </a:r>
-            <a:r>
-              <a:rPr lang="ro-RO" dirty="0" smtClean="0"/>
-              <a:t>si</a:t>
-            </a:r>
-            <a:r>
-              <a:rPr lang="en-US" dirty="0" smtClean="0"/>
-              <a:t> </a:t>
-            </a:r>
-            <a:r>
-              <a:rPr lang="ro-RO" dirty="0" smtClean="0"/>
-              <a:t>implementarea</a:t>
-            </a:r>
-          </a:p>
-          <a:p>
-            <a:pPr marL="0" indent="0">
-              <a:buNone/>
-            </a:pPr>
-            <a:endParaRPr lang="en-US" dirty="0" smtClean="0"/>
-          </a:p>
-          <a:p>
-            <a:pPr lvl="1"/>
-            <a:r>
-              <a:rPr lang="ro-RO" dirty="0" smtClean="0"/>
-              <a:t>Aplicații</a:t>
-            </a:r>
-            <a:r>
-              <a:rPr lang="en-US" dirty="0" smtClean="0"/>
-              <a:t> web </a:t>
-            </a:r>
-            <a:r>
-              <a:rPr lang="ro-RO" dirty="0" smtClean="0"/>
-              <a:t>moderne</a:t>
-            </a:r>
-          </a:p>
-          <a:p>
-            <a:pPr lvl="1"/>
-            <a:r>
-              <a:rPr lang="ro-RO" dirty="0" smtClean="0"/>
-              <a:t>Sistemul</a:t>
-            </a:r>
-            <a:r>
-              <a:rPr lang="en-US" dirty="0" smtClean="0"/>
-              <a:t> de </a:t>
-            </a:r>
-            <a:r>
-              <a:rPr lang="ro-RO" dirty="0" smtClean="0"/>
-              <a:t>gestiune</a:t>
-            </a:r>
-            <a:r>
-              <a:rPr lang="en-US" dirty="0" smtClean="0"/>
-              <a:t> al </a:t>
-            </a:r>
-            <a:r>
-              <a:rPr lang="ro-RO" dirty="0" smtClean="0"/>
-              <a:t>bazelor</a:t>
-            </a:r>
-            <a:r>
-              <a:rPr lang="en-US" dirty="0" smtClean="0"/>
-              <a:t> de date </a:t>
-            </a:r>
-            <a:r>
-              <a:rPr lang="ro-RO" dirty="0" smtClean="0"/>
-              <a:t>MariaDB</a:t>
-            </a:r>
-          </a:p>
-          <a:p>
-            <a:pPr lvl="1"/>
-            <a:r>
-              <a:rPr lang="ro-RO" dirty="0" smtClean="0"/>
-              <a:t>Posibilități</a:t>
-            </a:r>
-            <a:r>
-              <a:rPr lang="en-US" dirty="0" smtClean="0"/>
-              <a:t> de </a:t>
-            </a:r>
-            <a:r>
-              <a:rPr lang="ro-RO" dirty="0" smtClean="0"/>
-              <a:t>distribuire</a:t>
-            </a:r>
-            <a:r>
-              <a:rPr lang="en-US" dirty="0" smtClean="0"/>
-              <a:t> </a:t>
-            </a:r>
-            <a:r>
-              <a:rPr lang="ro-RO" dirty="0"/>
-              <a:t>ș</a:t>
-            </a:r>
-            <a:r>
-              <a:rPr lang="ro-RO" dirty="0" smtClean="0"/>
-              <a:t>i</a:t>
-            </a:r>
-            <a:r>
-              <a:rPr lang="en-US" dirty="0" smtClean="0"/>
-              <a:t> </a:t>
-            </a:r>
-            <a:r>
-              <a:rPr lang="ro-RO" dirty="0" smtClean="0"/>
-              <a:t>replicare</a:t>
-            </a:r>
-          </a:p>
-          <a:p>
-            <a:pPr lvl="1"/>
-            <a:endParaRPr lang="en-US" dirty="0" smtClean="0"/>
-          </a:p>
-        </p:txBody>
-      </p:sp>
-    </p:spTree>
-    <p:extLst>
-      <p:ext uri="{BB962C8B-B14F-4D97-AF65-F5344CB8AC3E}">
-        <p14:creationId xmlns:p14="http://schemas.microsoft.com/office/powerpoint/2010/main" val="4163646141"/>
-      </p:ext>
-    </p:extLst>
-  </p:cSld>
-  <p:clrMapOvr>
-    <a:masterClrMapping/>
-  </p:clrMapOvr>
-  <p:timing>
-    <p:tnLst>
-      <p:par>
-        <p:cTn id="1" dur="indefinite" restart="never" nodeType="tmRoot"/>
-      </p:par>
-    </p:tnLst>
-  </p:timing>
-</p:sld>
-</file>
-
-<file path=ppt/slides/slide4.xml><?xml version="1.0" encoding="utf-8"?>
-<p:sld xmlns:a="http://schemas.openxmlformats.org/drawingml/2006/main" xmlns:r="http://schemas.openxmlformats.org/officeDocument/2006/relationships" xmlns:p="http://schemas.openxmlformats.org/presentationml/2006/main">
-  <p:cSld>
-    <p:spTree>
-      <p:nvGrpSpPr>
-        <p:cNvPr id="1" name=""/>
-        <p:cNvGrpSpPr/>
-        <p:nvPr/>
-      </p:nvGrpSpPr>
-      <p:grpSpPr>
-        <a:xfrm>
-          <a:off x="0" y="0"/>
-          <a:ext cx="0" cy="0"/>
-          <a:chOff x="0" y="0"/>
-          <a:chExt cx="0" cy="0"/>
-        </a:xfrm>
-      </p:grpSpPr>
-      <p:sp>
-        <p:nvSpPr>
-          <p:cNvPr id="2" name="Title 1"/>
-          <p:cNvSpPr>
-            <a:spLocks noGrp="1"/>
-          </p:cNvSpPr>
-          <p:nvPr>
-            <p:ph type="title"/>
-          </p:nvPr>
-        </p:nvSpPr>
-        <p:spPr/>
-        <p:txBody>
-          <a:bodyPr/>
-          <a:lstStyle/>
-          <a:p>
-            <a:r>
-              <a:rPr lang="ro-RO" dirty="0" smtClean="0"/>
-              <a:t>Aplicații </a:t>
-            </a:r>
-            <a:r>
-              <a:rPr lang="ro-RO" dirty="0"/>
-              <a:t>web moderne</a:t>
-            </a:r>
-            <a:r>
-              <a:rPr lang="en-US" dirty="0"/>
-              <a:t/>
-            </a:r>
-            <a:br>
-              <a:rPr lang="en-US" dirty="0"/>
-            </a:br>
-            <a:endParaRPr lang="ro-RO" dirty="0"/>
-          </a:p>
-        </p:txBody>
-      </p:sp>
-      <p:sp>
-        <p:nvSpPr>
-          <p:cNvPr id="3" name="Content Placeholder 2"/>
-          <p:cNvSpPr>
-            <a:spLocks noGrp="1"/>
-          </p:cNvSpPr>
-          <p:nvPr>
-            <p:ph idx="1"/>
-          </p:nvPr>
-        </p:nvSpPr>
-        <p:spPr>
-          <a:xfrm>
-            <a:off x="3593563" y="1668520"/>
-            <a:ext cx="3509818" cy="4195481"/>
-          </a:xfrm>
-        </p:spPr>
-        <p:txBody>
-          <a:bodyPr/>
-          <a:lstStyle/>
-          <a:p>
-            <a:r>
-              <a:rPr lang="en-US" dirty="0" smtClean="0"/>
-              <a:t>Spring – Java</a:t>
-            </a:r>
-          </a:p>
-          <a:p>
-            <a:r>
-              <a:rPr lang="en-US" dirty="0" smtClean="0"/>
-              <a:t>Struts – Java</a:t>
-            </a:r>
-          </a:p>
-          <a:p>
-            <a:r>
-              <a:rPr lang="en-US" dirty="0" smtClean="0"/>
-              <a:t>Play – Scala</a:t>
-            </a:r>
-          </a:p>
-          <a:p>
-            <a:r>
-              <a:rPr lang="en-US" dirty="0" smtClean="0"/>
-              <a:t>Zend – PHP</a:t>
-            </a:r>
-          </a:p>
-          <a:p>
-            <a:r>
-              <a:rPr lang="en-US" dirty="0" smtClean="0"/>
-              <a:t>Django – Phyton</a:t>
-            </a:r>
-          </a:p>
-          <a:p>
-            <a:r>
-              <a:rPr lang="en-US" dirty="0" smtClean="0"/>
-              <a:t>Rails – Ruby</a:t>
-            </a:r>
-          </a:p>
-          <a:p>
-            <a:r>
-              <a:rPr lang="en-US" dirty="0" smtClean="0"/>
-              <a:t>Grails – Groovy</a:t>
-            </a:r>
-          </a:p>
-          <a:p>
-            <a:r>
-              <a:rPr lang="en-US" dirty="0" smtClean="0"/>
-              <a:t>Catalyst – Perl</a:t>
-            </a:r>
-          </a:p>
-          <a:p>
-            <a:pPr marL="0" indent="0">
-              <a:buNone/>
-            </a:pPr>
-            <a:endParaRPr lang="ro-RO" dirty="0"/>
-          </a:p>
-        </p:txBody>
-      </p:sp>
-    </p:spTree>
-    <p:extLst>
-      <p:ext uri="{BB962C8B-B14F-4D97-AF65-F5344CB8AC3E}">
-        <p14:creationId xmlns:p14="http://schemas.microsoft.com/office/powerpoint/2010/main" val="4280257640"/>
-      </p:ext>
-    </p:extLst>
-  </p:cSld>
-  <p:clrMapOvr>
-    <a:masterClrMapping/>
-  </p:clrMapOvr>
-  <p:timing>
-    <p:tnLst>
-      <p:par>
-        <p:cTn id="1" dur="indefinite" restart="never" nodeType="tmRoot"/>
-      </p:par>
-    </p:tnLst>
-  </p:timing>
-</p:sld>
-</file>
-
-<file path=ppt/slides/slide5.xml><?xml version="1.0" encoding="utf-8"?>
-<p:sld xmlns:a="http://schemas.openxmlformats.org/drawingml/2006/main" xmlns:r="http://schemas.openxmlformats.org/officeDocument/2006/relationships" xmlns:p="http://schemas.openxmlformats.org/presentationml/2006/main">
-  <p:cSld>
-    <p:spTree>
-      <p:nvGrpSpPr>
-        <p:cNvPr id="1" name=""/>
-        <p:cNvGrpSpPr/>
-        <p:nvPr/>
-      </p:nvGrpSpPr>
-      <p:grpSpPr>
-        <a:xfrm>
-          <a:off x="0" y="0"/>
-          <a:ext cx="0" cy="0"/>
-          <a:chOff x="0" y="0"/>
-          <a:chExt cx="0" cy="0"/>
-        </a:xfrm>
-      </p:grpSpPr>
-      <p:sp>
-        <p:nvSpPr>
-          <p:cNvPr id="2" name="Title 1"/>
-          <p:cNvSpPr>
-            <a:spLocks noGrp="1"/>
-          </p:cNvSpPr>
-          <p:nvPr>
-            <p:ph type="title"/>
-          </p:nvPr>
-        </p:nvSpPr>
-        <p:spPr/>
-        <p:txBody>
-          <a:bodyPr/>
-          <a:lstStyle/>
-          <a:p>
-            <a:r>
-              <a:rPr lang="ro-RO" dirty="0" smtClean="0"/>
-              <a:t>Tehnologii folosite</a:t>
-            </a:r>
-            <a:endParaRPr lang="ro-RO" dirty="0"/>
-          </a:p>
-        </p:txBody>
-      </p:sp>
-      <p:sp>
-        <p:nvSpPr>
-          <p:cNvPr id="3" name="Content Placeholder 2"/>
-          <p:cNvSpPr>
-            <a:spLocks noGrp="1"/>
-          </p:cNvSpPr>
-          <p:nvPr>
-            <p:ph idx="1"/>
-          </p:nvPr>
-        </p:nvSpPr>
-        <p:spPr>
-          <a:xfrm>
-            <a:off x="7264361" y="1338514"/>
-            <a:ext cx="2075317" cy="565600"/>
-          </a:xfrm>
-        </p:spPr>
-        <p:txBody>
-          <a:bodyPr/>
-          <a:lstStyle/>
-          <a:p>
-            <a:r>
-              <a:rPr lang="en-US" dirty="0" smtClean="0"/>
-              <a:t>Client</a:t>
-            </a:r>
-            <a:endParaRPr lang="ro-RO" dirty="0"/>
-          </a:p>
-        </p:txBody>
-      </p:sp>
-      <p:sp>
-        <p:nvSpPr>
-          <p:cNvPr id="6" name="Content Placeholder 2"/>
-          <p:cNvSpPr txBox="1">
-            <a:spLocks/>
-          </p:cNvSpPr>
-          <p:nvPr/>
-        </p:nvSpPr>
-        <p:spPr>
-          <a:xfrm>
-            <a:off x="1569220" y="1338514"/>
-            <a:ext cx="2075317" cy="444764"/>
-          </a:xfrm>
-          <a:prstGeom prst="rect">
-            <a:avLst/>
-          </a:prstGeom>
-        </p:spPr>
-        <p:txBody>
-          <a:bodyPr vert="horz" lIns="91440" tIns="45720" rIns="91440" bIns="45720" rtlCol="0">
-            <a:normAutofit/>
-          </a:bodyPr>
-          <a:lstStyle>
-            <a:lvl1pPr marL="342900" indent="-342900" algn="l" defTabSz="457200" rtl="0" eaLnBrk="1" latinLnBrk="0" hangingPunct="1">
-              <a:spcBef>
-                <a:spcPts val="1000"/>
-              </a:spcBef>
-              <a:spcAft>
-                <a:spcPts val="0"/>
-              </a:spcAft>
-              <a:buClr>
-                <a:schemeClr val="bg2">
-                  <a:lumMod val="40000"/>
-                  <a:lumOff val="60000"/>
-                </a:schemeClr>
-              </a:buClr>
-              <a:buSzPct val="80000"/>
-              <a:buFont typeface="Wingdings 3" charset="2"/>
-              <a:buChar char=""/>
-              <a:defRPr sz="2000" b="0" i="0" kern="1200">
-                <a:solidFill>
-                  <a:schemeClr val="tx1"/>
-                </a:solidFill>
-                <a:latin typeface="+mj-lt"/>
-                <a:ea typeface="+mj-ea"/>
-                <a:cs typeface="+mj-cs"/>
-              </a:defRPr>
-            </a:lvl1pPr>
-            <a:lvl2pPr marL="742950" indent="-285750" algn="l" defTabSz="457200" rtl="0" eaLnBrk="1" latinLnBrk="0" hangingPunct="1">
-              <a:spcBef>
-                <a:spcPts val="1000"/>
-              </a:spcBef>
-              <a:spcAft>
-                <a:spcPts val="0"/>
-              </a:spcAft>
-              <a:buClr>
-                <a:schemeClr val="bg2">
-                  <a:lumMod val="40000"/>
-                  <a:lumOff val="60000"/>
-                </a:schemeClr>
-              </a:buClr>
-              <a:buSzPct val="80000"/>
-              <a:buFont typeface="Wingdings 3" charset="2"/>
-              <a:buChar char=""/>
-              <a:defRPr sz="1800" b="0" i="0" kern="1200">
-                <a:solidFill>
-                  <a:schemeClr val="tx1"/>
-                </a:solidFill>
-                <a:latin typeface="+mj-lt"/>
-                <a:ea typeface="+mj-ea"/>
-                <a:cs typeface="+mj-cs"/>
-              </a:defRPr>
-            </a:lvl2pPr>
-            <a:lvl3pPr marL="1143000" indent="-228600" algn="l" defTabSz="457200" rtl="0" eaLnBrk="1" latinLnBrk="0" hangingPunct="1">
-              <a:spcBef>
-                <a:spcPts val="1000"/>
-              </a:spcBef>
-              <a:spcAft>
-                <a:spcPts val="0"/>
-              </a:spcAft>
-              <a:buClr>
-                <a:schemeClr val="bg2">
-                  <a:lumMod val="40000"/>
-                  <a:lumOff val="60000"/>
-                </a:schemeClr>
-              </a:buClr>
-              <a:buSzPct val="80000"/>
-              <a:buFont typeface="Wingdings 3" charset="2"/>
-              <a:buChar char=""/>
-              <a:defRPr sz="1600" b="0" i="0" kern="1200">
-                <a:solidFill>
-                  <a:schemeClr val="tx1"/>
-                </a:solidFill>
-                <a:latin typeface="+mj-lt"/>
-                <a:ea typeface="+mj-ea"/>
-                <a:cs typeface="+mj-cs"/>
-              </a:defRPr>
-            </a:lvl3pPr>
-            <a:lvl4pPr marL="1600200" indent="-228600" algn="l" defTabSz="457200" rtl="0" eaLnBrk="1" latinLnBrk="0" hangingPunct="1">
-              <a:spcBef>
-                <a:spcPts val="1000"/>
-              </a:spcBef>
-              <a:spcAft>
-                <a:spcPts val="0"/>
-              </a:spcAft>
-              <a:buClr>
-                <a:schemeClr val="bg2">
-                  <a:lumMod val="40000"/>
-                  <a:lumOff val="60000"/>
-                </a:schemeClr>
-              </a:buClr>
-              <a:buSzPct val="80000"/>
-              <a:buFont typeface="Wingdings 3" charset="2"/>
-              <a:buChar char=""/>
-              <a:defRPr sz="1400" b="0" i="0" kern="1200">
-                <a:solidFill>
-                  <a:schemeClr val="tx1"/>
-                </a:solidFill>
-                <a:latin typeface="+mj-lt"/>
-                <a:ea typeface="+mj-ea"/>
-                <a:cs typeface="+mj-cs"/>
-              </a:defRPr>
-            </a:lvl4pPr>
-            <a:lvl5pPr marL="2057400" indent="-228600" algn="l" defTabSz="457200" rtl="0" eaLnBrk="1" latinLnBrk="0" hangingPunct="1">
-              <a:spcBef>
-                <a:spcPts val="1000"/>
-              </a:spcBef>
-              <a:spcAft>
-                <a:spcPts val="0"/>
-              </a:spcAft>
-              <a:buClr>
-                <a:schemeClr val="bg2">
-                  <a:lumMod val="40000"/>
-                  <a:lumOff val="60000"/>
-                </a:schemeClr>
-              </a:buClr>
-              <a:buSzPct val="80000"/>
-              <a:buFont typeface="Wingdings 3" charset="2"/>
-              <a:buChar char=""/>
-              <a:defRPr sz="1400" b="0" i="0" kern="1200">
-                <a:solidFill>
-                  <a:schemeClr val="tx1"/>
-                </a:solidFill>
-                <a:latin typeface="+mj-lt"/>
-                <a:ea typeface="+mj-ea"/>
-                <a:cs typeface="+mj-cs"/>
-              </a:defRPr>
-            </a:lvl5pPr>
-            <a:lvl6pPr marL="2506000" indent="-228600" algn="l" defTabSz="457200" rtl="0" eaLnBrk="1" latinLnBrk="0" hangingPunct="1">
-              <a:spcBef>
-                <a:spcPts val="1000"/>
-              </a:spcBef>
-              <a:spcAft>
-                <a:spcPts val="0"/>
-              </a:spcAft>
-              <a:buClr>
-                <a:schemeClr val="bg2">
-                  <a:lumMod val="40000"/>
-                  <a:lumOff val="60000"/>
-                </a:schemeClr>
-              </a:buClr>
-              <a:buSzPct val="80000"/>
-              <a:buFont typeface="Wingdings 3" charset="2"/>
-              <a:buChar char=""/>
-              <a:defRPr sz="1400" b="0" i="0" kern="1200">
-                <a:solidFill>
-                  <a:schemeClr val="tx1"/>
-                </a:solidFill>
-                <a:latin typeface="+mj-lt"/>
-                <a:ea typeface="+mj-ea"/>
-                <a:cs typeface="+mj-cs"/>
-              </a:defRPr>
-            </a:lvl6pPr>
-            <a:lvl7pPr marL="2971800" indent="-228600" algn="l" defTabSz="457200" rtl="0" eaLnBrk="1" latinLnBrk="0" hangingPunct="1">
-              <a:spcBef>
-                <a:spcPts val="1000"/>
-              </a:spcBef>
-              <a:spcAft>
-                <a:spcPts val="0"/>
-              </a:spcAft>
-              <a:buClr>
-                <a:schemeClr val="bg2">
-                  <a:lumMod val="40000"/>
-                  <a:lumOff val="60000"/>
-                </a:schemeClr>
-              </a:buClr>
-              <a:buSzPct val="80000"/>
-              <a:buFont typeface="Wingdings 3" charset="2"/>
-              <a:buChar char=""/>
-              <a:defRPr sz="1400" b="0" i="0" kern="1200">
-                <a:solidFill>
-                  <a:schemeClr val="tx1"/>
-                </a:solidFill>
-                <a:latin typeface="+mj-lt"/>
-                <a:ea typeface="+mj-ea"/>
-                <a:cs typeface="+mj-cs"/>
-              </a:defRPr>
-            </a:lvl7pPr>
-            <a:lvl8pPr marL="3429000" indent="-228600" algn="l" defTabSz="457200" rtl="0" eaLnBrk="1" latinLnBrk="0" hangingPunct="1">
-              <a:spcBef>
-                <a:spcPts val="1000"/>
-              </a:spcBef>
-              <a:spcAft>
-                <a:spcPts val="0"/>
-              </a:spcAft>
-              <a:buClr>
-                <a:schemeClr val="bg2">
-                  <a:lumMod val="40000"/>
-                  <a:lumOff val="60000"/>
-                </a:schemeClr>
-              </a:buClr>
-              <a:buSzPct val="80000"/>
-              <a:buFont typeface="Wingdings 3" charset="2"/>
-              <a:buChar char=""/>
-              <a:defRPr sz="1400" b="0" i="0" kern="1200">
-                <a:solidFill>
-                  <a:schemeClr val="tx1"/>
-                </a:solidFill>
-                <a:latin typeface="+mj-lt"/>
-                <a:ea typeface="+mj-ea"/>
-                <a:cs typeface="+mj-cs"/>
-              </a:defRPr>
-            </a:lvl8pPr>
-            <a:lvl9pPr marL="3886200" indent="-228600" algn="l" defTabSz="457200" rtl="0" eaLnBrk="1" latinLnBrk="0" hangingPunct="1">
-              <a:spcBef>
-                <a:spcPts val="1000"/>
-              </a:spcBef>
-              <a:spcAft>
-                <a:spcPts val="0"/>
-              </a:spcAft>
-              <a:buClr>
-                <a:schemeClr val="bg2">
-                  <a:lumMod val="40000"/>
-                  <a:lumOff val="60000"/>
-                </a:schemeClr>
-              </a:buClr>
-              <a:buSzPct val="80000"/>
-              <a:buFont typeface="Wingdings 3" charset="2"/>
-              <a:buChar char=""/>
-              <a:defRPr sz="1400" b="0" i="0" kern="1200">
-                <a:solidFill>
-                  <a:schemeClr val="tx1"/>
-                </a:solidFill>
-                <a:latin typeface="+mj-lt"/>
-                <a:ea typeface="+mj-ea"/>
-                <a:cs typeface="+mj-cs"/>
-              </a:defRPr>
-            </a:lvl9pPr>
-          </a:lstStyle>
-          <a:p>
-            <a:r>
-              <a:rPr lang="en-US" dirty="0"/>
-              <a:t>S</a:t>
-            </a:r>
-            <a:r>
-              <a:rPr lang="en-US" dirty="0" smtClean="0"/>
-              <a:t>erver</a:t>
-            </a:r>
-            <a:endParaRPr lang="ro-RO" dirty="0"/>
-          </a:p>
-        </p:txBody>
-      </p:sp>
-      <p:pic>
-        <p:nvPicPr>
-          <p:cNvPr id="1030" name="Picture 6" descr="http://kuniga.files.wordpress.com/2011/09/maven-logo.png"/>
-          <p:cNvPicPr>
-            <a:picLocks noChangeAspect="1" noChangeArrowheads="1"/>
-          </p:cNvPicPr>
-          <p:nvPr/>
-        </p:nvPicPr>
-        <p:blipFill>
-          <a:blip r:embed="rId2">
-            <a:extLst>
-              <a:ext uri="{28A0092B-C50C-407E-A947-70E740481C1C}">
-                <a14:useLocalDpi xmlns:a14="http://schemas.microsoft.com/office/drawing/2010/main" val="0"/>
-              </a:ext>
-            </a:extLst>
-          </a:blip>
-          <a:srcRect/>
-          <a:stretch>
-            <a:fillRect/>
-          </a:stretch>
-        </p:blipFill>
-        <p:spPr bwMode="auto">
-          <a:xfrm>
-            <a:off x="1030708" y="2149994"/>
-            <a:ext cx="1519512" cy="519703"/>
-          </a:xfrm>
-          <a:prstGeom prst="rect">
-            <a:avLst/>
-          </a:prstGeom>
-          <a:noFill/>
-          <a:effectLst>
-            <a:softEdge rad="38100"/>
-          </a:effectLst>
-          <a:extLst>
-            <a:ext uri="{909E8E84-426E-40DD-AFC4-6F175D3DCCD1}">
-              <a14:hiddenFill xmlns:a14="http://schemas.microsoft.com/office/drawing/2010/main">
-                <a:solidFill>
-                  <a:srgbClr val="FFFFFF"/>
-                </a:solidFill>
-              </a14:hiddenFill>
-            </a:ext>
-          </a:extLst>
-        </p:spPr>
-      </p:pic>
-      <p:pic>
-        <p:nvPicPr>
-          <p:cNvPr id="1034" name="Picture 10" descr="http://blog.newrelic.com/wp-content/uploads/java-logo.jpg"/>
-          <p:cNvPicPr>
-            <a:picLocks noChangeAspect="1" noChangeArrowheads="1"/>
-          </p:cNvPicPr>
-          <p:nvPr/>
-        </p:nvPicPr>
-        <p:blipFill>
-          <a:blip r:embed="rId3" cstate="print">
-            <a:extLst>
-              <a:ext uri="{28A0092B-C50C-407E-A947-70E740481C1C}">
-                <a14:useLocalDpi xmlns:a14="http://schemas.microsoft.com/office/drawing/2010/main" val="0"/>
-              </a:ext>
-            </a:extLst>
-          </a:blip>
-          <a:srcRect/>
-          <a:stretch>
-            <a:fillRect/>
-          </a:stretch>
-        </p:blipFill>
-        <p:spPr bwMode="auto">
-          <a:xfrm>
-            <a:off x="1049568" y="3619518"/>
-            <a:ext cx="1249789" cy="767919"/>
-          </a:xfrm>
-          <a:prstGeom prst="rect">
-            <a:avLst/>
-          </a:prstGeom>
-          <a:noFill/>
-          <a:effectLst>
-            <a:softEdge rad="38100"/>
-          </a:effectLst>
-          <a:extLst>
-            <a:ext uri="{909E8E84-426E-40DD-AFC4-6F175D3DCCD1}">
-              <a14:hiddenFill xmlns:a14="http://schemas.microsoft.com/office/drawing/2010/main">
-                <a:solidFill>
-                  <a:srgbClr val="FFFFFF"/>
-                </a:solidFill>
-              </a14:hiddenFill>
-            </a:ext>
-          </a:extLst>
-        </p:spPr>
-      </p:pic>
-      <p:pic>
-        <p:nvPicPr>
-          <p:cNvPr id="1038" name="Picture 14" descr="https://freedomsponsors.org/media/project_images/image3x1_258_20140430015456.png"/>
-          <p:cNvPicPr>
-            <a:picLocks noChangeAspect="1" noChangeArrowheads="1"/>
-          </p:cNvPicPr>
-          <p:nvPr/>
-        </p:nvPicPr>
-        <p:blipFill>
-          <a:blip r:embed="rId4" cstate="print">
-            <a:extLst>
-              <a:ext uri="{28A0092B-C50C-407E-A947-70E740481C1C}">
-                <a14:useLocalDpi xmlns:a14="http://schemas.microsoft.com/office/drawing/2010/main" val="0"/>
-              </a:ext>
-            </a:extLst>
-          </a:blip>
-          <a:srcRect/>
-          <a:stretch>
-            <a:fillRect/>
-          </a:stretch>
-        </p:blipFill>
-        <p:spPr bwMode="auto">
-          <a:xfrm>
-            <a:off x="1049568" y="2834014"/>
-            <a:ext cx="2178322" cy="605846"/>
-          </a:xfrm>
-          <a:prstGeom prst="rect">
-            <a:avLst/>
-          </a:prstGeom>
-          <a:noFill/>
-          <a:effectLst>
-            <a:softEdge rad="38100"/>
-          </a:effectLst>
-          <a:extLst>
-            <a:ext uri="{909E8E84-426E-40DD-AFC4-6F175D3DCCD1}">
-              <a14:hiddenFill xmlns:a14="http://schemas.microsoft.com/office/drawing/2010/main">
-                <a:solidFill>
-                  <a:srgbClr val="FFFFFF"/>
-                </a:solidFill>
-              </a14:hiddenFill>
-            </a:ext>
-          </a:extLst>
-        </p:spPr>
-      </p:pic>
-      <p:pic>
-        <p:nvPicPr>
-          <p:cNvPr id="1040" name="Picture 16" descr="http://git-scm.com/images/logos/1color-orange-lightbg@2x.png"/>
-          <p:cNvPicPr>
-            <a:picLocks noChangeAspect="1" noChangeArrowheads="1"/>
-          </p:cNvPicPr>
-          <p:nvPr/>
-        </p:nvPicPr>
-        <p:blipFill>
-          <a:blip r:embed="rId5" cstate="print">
-            <a:extLst>
-              <a:ext uri="{28A0092B-C50C-407E-A947-70E740481C1C}">
-                <a14:useLocalDpi xmlns:a14="http://schemas.microsoft.com/office/drawing/2010/main" val="0"/>
-              </a:ext>
-            </a:extLst>
-          </a:blip>
-          <a:srcRect/>
-          <a:stretch>
-            <a:fillRect/>
-          </a:stretch>
-        </p:blipFill>
-        <p:spPr bwMode="auto">
-          <a:xfrm>
-            <a:off x="1041452" y="5615405"/>
-            <a:ext cx="1209375" cy="411352"/>
-          </a:xfrm>
-          <a:prstGeom prst="rect">
-            <a:avLst/>
-          </a:prstGeom>
-          <a:noFill/>
-          <a:effectLst>
-            <a:softEdge rad="38100"/>
-          </a:effectLst>
-          <a:extLst>
-            <a:ext uri="{909E8E84-426E-40DD-AFC4-6F175D3DCCD1}">
-              <a14:hiddenFill xmlns:a14="http://schemas.microsoft.com/office/drawing/2010/main">
-                <a:solidFill>
-                  <a:srgbClr val="FFFFFF"/>
-                </a:solidFill>
-              </a14:hiddenFill>
-            </a:ext>
-          </a:extLst>
-        </p:spPr>
-      </p:pic>
-      <p:pic>
-        <p:nvPicPr>
-          <p:cNvPr id="1042" name="Picture 18" descr="http://blogs.vmware.com/tp/.a/6a00d8341c328153ef016766a4de97970b-pi"/>
-          <p:cNvPicPr>
-            <a:picLocks noChangeAspect="1" noChangeArrowheads="1"/>
-          </p:cNvPicPr>
-          <p:nvPr/>
-        </p:nvPicPr>
-        <p:blipFill>
-          <a:blip r:embed="rId6">
-            <a:extLst>
-              <a:ext uri="{28A0092B-C50C-407E-A947-70E740481C1C}">
-                <a14:useLocalDpi xmlns:a14="http://schemas.microsoft.com/office/drawing/2010/main" val="0"/>
-              </a:ext>
-            </a:extLst>
-          </a:blip>
-          <a:srcRect/>
-          <a:stretch>
-            <a:fillRect/>
-          </a:stretch>
-        </p:blipFill>
-        <p:spPr bwMode="auto">
-          <a:xfrm>
-            <a:off x="1049568" y="4646233"/>
-            <a:ext cx="1153160" cy="674911"/>
-          </a:xfrm>
-          <a:prstGeom prst="rect">
-            <a:avLst/>
-          </a:prstGeom>
-          <a:noFill/>
-          <a:effectLst>
-            <a:softEdge rad="38100"/>
-          </a:effectLst>
-          <a:extLst>
-            <a:ext uri="{909E8E84-426E-40DD-AFC4-6F175D3DCCD1}">
-              <a14:hiddenFill xmlns:a14="http://schemas.microsoft.com/office/drawing/2010/main">
-                <a:solidFill>
-                  <a:srgbClr val="FFFFFF"/>
-                </a:solidFill>
-              </a14:hiddenFill>
-            </a:ext>
-          </a:extLst>
-        </p:spPr>
-      </p:pic>
-      <p:pic>
-        <p:nvPicPr>
-          <p:cNvPr id="1044" name="Picture 20" descr="http://megahost.ro/blog/wp-content/uploads/2014/02/tomcat.jpg"/>
-          <p:cNvPicPr>
-            <a:picLocks noChangeAspect="1" noChangeArrowheads="1"/>
-          </p:cNvPicPr>
-          <p:nvPr/>
-        </p:nvPicPr>
-        <p:blipFill>
-          <a:blip r:embed="rId7">
-            <a:extLst>
-              <a:ext uri="{28A0092B-C50C-407E-A947-70E740481C1C}">
-                <a14:useLocalDpi xmlns:a14="http://schemas.microsoft.com/office/drawing/2010/main" val="0"/>
-              </a:ext>
-            </a:extLst>
-          </a:blip>
-          <a:srcRect/>
-          <a:stretch>
-            <a:fillRect/>
-          </a:stretch>
-        </p:blipFill>
-        <p:spPr bwMode="auto">
-          <a:xfrm>
-            <a:off x="3585467" y="2834014"/>
-            <a:ext cx="1281339" cy="616764"/>
-          </a:xfrm>
-          <a:prstGeom prst="rect">
-            <a:avLst/>
-          </a:prstGeom>
-          <a:noFill/>
-          <a:effectLst>
-            <a:softEdge rad="38100"/>
-          </a:effectLst>
-          <a:extLst>
-            <a:ext uri="{909E8E84-426E-40DD-AFC4-6F175D3DCCD1}">
-              <a14:hiddenFill xmlns:a14="http://schemas.microsoft.com/office/drawing/2010/main">
-                <a:solidFill>
-                  <a:srgbClr val="FFFFFF"/>
-                </a:solidFill>
-              </a14:hiddenFill>
-            </a:ext>
-          </a:extLst>
-        </p:spPr>
-      </p:pic>
-      <p:pic>
-        <p:nvPicPr>
-          <p:cNvPr id="1052" name="Picture 28" descr="http://devget.net/wp-content/uploads/2014/05/html-css-js.png"/>
-          <p:cNvPicPr>
-            <a:picLocks noChangeAspect="1" noChangeArrowheads="1"/>
-          </p:cNvPicPr>
-          <p:nvPr/>
-        </p:nvPicPr>
-        <p:blipFill>
-          <a:blip r:embed="rId8">
-            <a:extLst>
-              <a:ext uri="{28A0092B-C50C-407E-A947-70E740481C1C}">
-                <a14:useLocalDpi xmlns:a14="http://schemas.microsoft.com/office/drawing/2010/main" val="0"/>
-              </a:ext>
-            </a:extLst>
-          </a:blip>
-          <a:srcRect/>
-          <a:stretch>
-            <a:fillRect/>
-          </a:stretch>
-        </p:blipFill>
-        <p:spPr bwMode="auto">
-          <a:xfrm>
-            <a:off x="7183393" y="1904114"/>
-            <a:ext cx="2575135" cy="1510746"/>
-          </a:xfrm>
-          <a:prstGeom prst="rect">
-            <a:avLst/>
-          </a:prstGeom>
-          <a:noFill/>
-          <a:effectLst>
-            <a:softEdge rad="0"/>
-          </a:effectLst>
-          <a:extLst>
-            <a:ext uri="{909E8E84-426E-40DD-AFC4-6F175D3DCCD1}">
-              <a14:hiddenFill xmlns:a14="http://schemas.microsoft.com/office/drawing/2010/main">
-                <a:solidFill>
-                  <a:srgbClr val="FFFFFF"/>
-                </a:solidFill>
-              </a14:hiddenFill>
-            </a:ext>
-          </a:extLst>
-        </p:spPr>
-      </p:pic>
-      <p:pic>
-        <p:nvPicPr>
-          <p:cNvPr id="1056" name="Picture 32" descr="http://arrayvelocity.com/wp-content/uploads/2014/02/ajax-jquery.png"/>
-          <p:cNvPicPr>
-            <a:picLocks noChangeAspect="1" noChangeArrowheads="1"/>
-          </p:cNvPicPr>
-          <p:nvPr/>
-        </p:nvPicPr>
-        <p:blipFill>
-          <a:blip r:embed="rId9" cstate="print">
-            <a:extLst>
-              <a:ext uri="{28A0092B-C50C-407E-A947-70E740481C1C}">
-                <a14:useLocalDpi xmlns:a14="http://schemas.microsoft.com/office/drawing/2010/main" val="0"/>
-              </a:ext>
-            </a:extLst>
-          </a:blip>
-          <a:srcRect/>
-          <a:stretch>
-            <a:fillRect/>
-          </a:stretch>
-        </p:blipFill>
-        <p:spPr bwMode="auto">
-          <a:xfrm>
-            <a:off x="7183393" y="3733846"/>
-            <a:ext cx="3044644" cy="664198"/>
-          </a:xfrm>
-          <a:prstGeom prst="rect">
-            <a:avLst/>
-          </a:prstGeom>
-          <a:noFill/>
-          <a:effectLst>
-            <a:softEdge rad="38100"/>
-          </a:effectLst>
-          <a:extLst>
-            <a:ext uri="{909E8E84-426E-40DD-AFC4-6F175D3DCCD1}">
-              <a14:hiddenFill xmlns:a14="http://schemas.microsoft.com/office/drawing/2010/main">
-                <a:solidFill>
-                  <a:srgbClr val="FFFFFF"/>
-                </a:solidFill>
-              </a14:hiddenFill>
-            </a:ext>
-          </a:extLst>
-        </p:spPr>
-      </p:pic>
-      <p:pic>
-        <p:nvPicPr>
-          <p:cNvPr id="1058" name="Picture 34" descr="http://www.revillweb.com/wp-content/uploads/2013/12/twitter-bootstrap.jpg"/>
-          <p:cNvPicPr>
-            <a:picLocks noChangeAspect="1" noChangeArrowheads="1"/>
-          </p:cNvPicPr>
-          <p:nvPr/>
-        </p:nvPicPr>
-        <p:blipFill>
-          <a:blip r:embed="rId10" cstate="print">
-            <a:extLst>
-              <a:ext uri="{28A0092B-C50C-407E-A947-70E740481C1C}">
-                <a14:useLocalDpi xmlns:a14="http://schemas.microsoft.com/office/drawing/2010/main" val="0"/>
-              </a:ext>
-            </a:extLst>
-          </a:blip>
-          <a:srcRect/>
-          <a:stretch>
-            <a:fillRect/>
-          </a:stretch>
-        </p:blipFill>
-        <p:spPr bwMode="auto">
-          <a:xfrm>
-            <a:off x="7183393" y="4717030"/>
-            <a:ext cx="1750581" cy="980326"/>
-          </a:xfrm>
-          <a:prstGeom prst="rect">
-            <a:avLst/>
-          </a:prstGeom>
-          <a:noFill/>
-          <a:effectLst>
-            <a:softEdge rad="88900"/>
-          </a:effectLst>
-          <a:extLst>
-            <a:ext uri="{909E8E84-426E-40DD-AFC4-6F175D3DCCD1}">
-              <a14:hiddenFill xmlns:a14="http://schemas.microsoft.com/office/drawing/2010/main">
-                <a:solidFill>
-                  <a:srgbClr val="FFFFFF"/>
-                </a:solidFill>
-              </a14:hiddenFill>
-            </a:ext>
-          </a:extLst>
-        </p:spPr>
-      </p:pic>
-      <p:pic>
-        <p:nvPicPr>
-          <p:cNvPr id="1060" name="Picture 36" descr="http://badges.mariadb.org/logo/Mariadb-seal-shaded-browntext-alt.png"/>
-          <p:cNvPicPr>
-            <a:picLocks noChangeAspect="1" noChangeArrowheads="1"/>
-          </p:cNvPicPr>
-          <p:nvPr/>
-        </p:nvPicPr>
-        <p:blipFill>
-          <a:blip r:embed="rId11">
-            <a:extLst>
-              <a:ext uri="{28A0092B-C50C-407E-A947-70E740481C1C}">
-                <a14:useLocalDpi xmlns:a14="http://schemas.microsoft.com/office/drawing/2010/main" val="0"/>
-              </a:ext>
-            </a:extLst>
-          </a:blip>
-          <a:srcRect/>
-          <a:stretch>
-            <a:fillRect/>
-          </a:stretch>
-        </p:blipFill>
-        <p:spPr bwMode="auto">
-          <a:xfrm>
-            <a:off x="3508300" y="4758736"/>
-            <a:ext cx="1613177" cy="1213162"/>
-          </a:xfrm>
-          <a:prstGeom prst="rect">
-            <a:avLst/>
-          </a:prstGeom>
-          <a:noFill/>
-          <a:effectLst>
-            <a:softEdge rad="0"/>
-          </a:effectLst>
-          <a:extLst>
-            <a:ext uri="{909E8E84-426E-40DD-AFC4-6F175D3DCCD1}">
-              <a14:hiddenFill xmlns:a14="http://schemas.microsoft.com/office/drawing/2010/main">
-                <a:solidFill>
-                  <a:srgbClr val="FFFFFF"/>
-                </a:solidFill>
-              </a14:hiddenFill>
-            </a:ext>
-          </a:extLst>
-        </p:spPr>
-      </p:pic>
-      <p:pic>
-        <p:nvPicPr>
-          <p:cNvPr id="4" name="Picture 3"/>
-          <p:cNvPicPr>
-            <a:picLocks noChangeAspect="1"/>
-          </p:cNvPicPr>
-          <p:nvPr/>
-        </p:nvPicPr>
-        <p:blipFill>
-          <a:blip r:embed="rId12"/>
-          <a:stretch>
-            <a:fillRect/>
-          </a:stretch>
-        </p:blipFill>
-        <p:spPr>
-          <a:xfrm>
-            <a:off x="7183393" y="493161"/>
-            <a:ext cx="2359356" cy="457240"/>
-          </a:xfrm>
-          <a:prstGeom prst="rect">
-            <a:avLst/>
-          </a:prstGeom>
-        </p:spPr>
-      </p:pic>
-    </p:spTree>
-    <p:extLst>
-      <p:ext uri="{BB962C8B-B14F-4D97-AF65-F5344CB8AC3E}">
-        <p14:creationId xmlns:p14="http://schemas.microsoft.com/office/powerpoint/2010/main" val="2722139756"/>
-      </p:ext>
-    </p:extLst>
-  </p:cSld>
-  <p:clrMapOvr>
-    <a:masterClrMapping/>
-  </p:clrMapOvr>
-  <p:timing>
-    <p:tnLst>
-      <p:par>
-        <p:cTn id="1" dur="indefinite" restart="never" nodeType="tmRoot"/>
-      </p:par>
-    </p:tnLst>
-  </p:timing>
-</p:sld>
-</file>
-
-<file path=ppt/slides/slide6.xml><?xml version="1.0" encoding="utf-8"?>
-<p:sld xmlns:a="http://schemas.openxmlformats.org/drawingml/2006/main" xmlns:r="http://schemas.openxmlformats.org/officeDocument/2006/relationships" xmlns:p="http://schemas.openxmlformats.org/presentationml/2006/main">
-  <p:cSld>
-    <p:spTree>
-      <p:nvGrpSpPr>
-        <p:cNvPr id="1" name=""/>
-        <p:cNvGrpSpPr/>
-        <p:nvPr/>
-      </p:nvGrpSpPr>
-      <p:grpSpPr>
-        <a:xfrm>
-          <a:off x="0" y="0"/>
-          <a:ext cx="0" cy="0"/>
-          <a:chOff x="0" y="0"/>
-          <a:chExt cx="0" cy="0"/>
-        </a:xfrm>
-      </p:grpSpPr>
-      <p:sp>
-        <p:nvSpPr>
-          <p:cNvPr id="2" name="Title 1"/>
-          <p:cNvSpPr>
-            <a:spLocks noGrp="1"/>
-          </p:cNvSpPr>
-          <p:nvPr>
-            <p:ph type="title"/>
-          </p:nvPr>
-        </p:nvSpPr>
-        <p:spPr/>
-        <p:txBody>
-          <a:bodyPr/>
-          <a:lstStyle/>
-          <a:p>
-            <a:r>
-              <a:rPr lang="ro-RO" dirty="0" smtClean="0"/>
-              <a:t>Baze de date</a:t>
-            </a:r>
-            <a:endParaRPr lang="ro-RO" dirty="0"/>
-          </a:p>
-        </p:txBody>
-      </p:sp>
-      <p:sp>
-        <p:nvSpPr>
-          <p:cNvPr id="3" name="Content Placeholder 2"/>
-          <p:cNvSpPr>
-            <a:spLocks noGrp="1"/>
-          </p:cNvSpPr>
-          <p:nvPr>
-            <p:ph idx="1"/>
-          </p:nvPr>
-        </p:nvSpPr>
-        <p:spPr>
-          <a:xfrm>
-            <a:off x="465214" y="2277036"/>
-            <a:ext cx="2806836" cy="3328979"/>
-          </a:xfrm>
-        </p:spPr>
-        <p:txBody>
-          <a:bodyPr/>
-          <a:lstStyle/>
-          <a:p>
-            <a:r>
-              <a:rPr lang="en-US" dirty="0" smtClean="0"/>
-              <a:t>MariaDB</a:t>
-            </a:r>
-            <a:endParaRPr lang="en-US" dirty="0"/>
-          </a:p>
-          <a:p>
-            <a:endParaRPr lang="en-US" dirty="0" smtClean="0"/>
-          </a:p>
-          <a:p>
-            <a:endParaRPr lang="en-US" dirty="0"/>
-          </a:p>
-          <a:p>
-            <a:pPr marL="0" indent="0">
-              <a:buNone/>
-            </a:pPr>
-            <a:endParaRPr lang="en-US" dirty="0" smtClean="0"/>
-          </a:p>
-          <a:p>
-            <a:r>
-              <a:rPr lang="en-US" dirty="0" smtClean="0"/>
-              <a:t>SQL </a:t>
-            </a:r>
-            <a:r>
-              <a:rPr lang="ro-RO" dirty="0" smtClean="0"/>
-              <a:t>sau</a:t>
-            </a:r>
-            <a:r>
-              <a:rPr lang="en-US" dirty="0" smtClean="0"/>
-              <a:t> NoSQL ?</a:t>
-            </a:r>
-          </a:p>
-        </p:txBody>
-      </p:sp>
-      <p:pic>
-        <p:nvPicPr>
-          <p:cNvPr id="7" name="Picture 36" descr="http://badges.mariadb.org/logo/Mariadb-seal-shaded-browntext-alt.png"/>
-          <p:cNvPicPr>
-            <a:picLocks noChangeAspect="1" noChangeArrowheads="1"/>
-          </p:cNvPicPr>
-          <p:nvPr/>
-        </p:nvPicPr>
-        <p:blipFill>
-          <a:blip r:embed="rId2">
-            <a:extLst>
-              <a:ext uri="{28A0092B-C50C-407E-A947-70E740481C1C}">
-                <a14:useLocalDpi xmlns:a14="http://schemas.microsoft.com/office/drawing/2010/main" val="0"/>
-              </a:ext>
-            </a:extLst>
-          </a:blip>
-          <a:srcRect/>
-          <a:stretch>
-            <a:fillRect/>
-          </a:stretch>
-        </p:blipFill>
-        <p:spPr bwMode="auto">
-          <a:xfrm>
-            <a:off x="3022398" y="3030724"/>
-            <a:ext cx="2422237" cy="1821602"/>
-          </a:xfrm>
-          <a:prstGeom prst="rect">
-            <a:avLst/>
-          </a:prstGeom>
-          <a:noFill/>
-          <a:extLst>
-            <a:ext uri="{909E8E84-426E-40DD-AFC4-6F175D3DCCD1}">
-              <a14:hiddenFill xmlns:a14="http://schemas.microsoft.com/office/drawing/2010/main">
-                <a:solidFill>
-                  <a:srgbClr val="FFFFFF"/>
-                </a:solidFill>
-              </a14:hiddenFill>
-            </a:ext>
-          </a:extLst>
-        </p:spPr>
-      </p:pic>
-      <p:pic>
-        <p:nvPicPr>
-          <p:cNvPr id="5" name="Picture 4"/>
-          <p:cNvPicPr>
-            <a:picLocks noChangeAspect="1"/>
-          </p:cNvPicPr>
-          <p:nvPr/>
-        </p:nvPicPr>
-        <p:blipFill>
-          <a:blip r:embed="rId3"/>
-          <a:stretch>
-            <a:fillRect/>
-          </a:stretch>
-        </p:blipFill>
-        <p:spPr>
-          <a:xfrm>
-            <a:off x="5057381" y="1970736"/>
-            <a:ext cx="1393261" cy="942500"/>
-          </a:xfrm>
-          <a:prstGeom prst="rect">
-            <a:avLst/>
-          </a:prstGeom>
-          <a:effectLst>
-            <a:softEdge rad="25400"/>
-          </a:effectLst>
-        </p:spPr>
-      </p:pic>
-      <p:pic>
-        <p:nvPicPr>
-          <p:cNvPr id="6" name="Picture 5"/>
-          <p:cNvPicPr>
-            <a:picLocks noChangeAspect="1"/>
-          </p:cNvPicPr>
-          <p:nvPr/>
-        </p:nvPicPr>
-        <p:blipFill>
-          <a:blip r:embed="rId4"/>
-          <a:stretch>
-            <a:fillRect/>
-          </a:stretch>
-        </p:blipFill>
-        <p:spPr>
-          <a:xfrm>
-            <a:off x="4787661" y="5343605"/>
-            <a:ext cx="1662981" cy="758124"/>
-          </a:xfrm>
-          <a:prstGeom prst="rect">
-            <a:avLst/>
-          </a:prstGeom>
-          <a:effectLst>
-            <a:softEdge rad="25400"/>
-          </a:effectLst>
-        </p:spPr>
-      </p:pic>
-      <p:pic>
-        <p:nvPicPr>
-          <p:cNvPr id="4" name="Picture 3"/>
-          <p:cNvPicPr>
-            <a:picLocks noChangeAspect="1"/>
-          </p:cNvPicPr>
-          <p:nvPr/>
-        </p:nvPicPr>
-        <p:blipFill>
-          <a:blip r:embed="rId5"/>
-          <a:stretch>
-            <a:fillRect/>
-          </a:stretch>
-        </p:blipFill>
-        <p:spPr>
-          <a:xfrm>
-            <a:off x="6800399" y="644919"/>
-            <a:ext cx="5186532" cy="5907016"/>
-          </a:xfrm>
-          <a:prstGeom prst="rect">
-            <a:avLst/>
-          </a:prstGeom>
-          <a:effectLst>
-            <a:softEdge rad="76200"/>
-          </a:effectLst>
-        </p:spPr>
-      </p:pic>
-    </p:spTree>
-    <p:extLst>
-      <p:ext uri="{BB962C8B-B14F-4D97-AF65-F5344CB8AC3E}">
-        <p14:creationId xmlns:p14="http://schemas.microsoft.com/office/powerpoint/2010/main" val="708032500"/>
-      </p:ext>
-    </p:extLst>
-  </p:cSld>
-  <p:clrMapOvr>
-    <a:masterClrMapping/>
-  </p:clrMapOvr>
-  <p:timing>
-    <p:tnLst>
-      <p:par>
-        <p:cTn id="1" dur="indefinite" restart="never" nodeType="tmRoot"/>
-      </p:par>
-    </p:tnLst>
-  </p:timing>
-</p:sld>
-</file>
-
-<file path=ppt/slides/slide7.xml><?xml version="1.0" encoding="utf-8"?>
-<p:sld xmlns:a="http://schemas.openxmlformats.org/drawingml/2006/main" xmlns:r="http://schemas.openxmlformats.org/officeDocument/2006/relationships" xmlns:p="http://schemas.openxmlformats.org/presentationml/2006/main">
-  <p:cSld>
-    <p:spTree>
-      <p:nvGrpSpPr>
-        <p:cNvPr id="1" name=""/>
-        <p:cNvGrpSpPr/>
-        <p:nvPr/>
-      </p:nvGrpSpPr>
-      <p:grpSpPr>
-        <a:xfrm>
-          <a:off x="0" y="0"/>
-          <a:ext cx="0" cy="0"/>
-          <a:chOff x="0" y="0"/>
-          <a:chExt cx="0" cy="0"/>
-        </a:xfrm>
-      </p:grpSpPr>
-      <p:sp>
-        <p:nvSpPr>
-          <p:cNvPr id="2" name="Title 1"/>
-          <p:cNvSpPr>
-            <a:spLocks noGrp="1"/>
-          </p:cNvSpPr>
-          <p:nvPr>
-            <p:ph type="title"/>
-          </p:nvPr>
-        </p:nvSpPr>
-        <p:spPr>
-          <a:xfrm>
-            <a:off x="516802" y="2521663"/>
-            <a:ext cx="4332289" cy="3943792"/>
-          </a:xfrm>
-        </p:spPr>
-        <p:txBody>
-          <a:bodyPr/>
-          <a:lstStyle/>
-          <a:p>
-            <a:r>
-              <a:rPr lang="ro-RO" dirty="0" smtClean="0"/>
-              <a:t>Aplicația</a:t>
-            </a:r>
-            <a:r>
-              <a:rPr lang="en-US" dirty="0" smtClean="0"/>
-              <a:t> </a:t>
-            </a:r>
-            <a:r>
-              <a:rPr lang="ro-RO" dirty="0" smtClean="0"/>
-              <a:t>implementat</a:t>
-            </a:r>
-            <a:r>
-              <a:rPr lang="ro-RO" dirty="0"/>
-              <a:t>ă</a:t>
-            </a:r>
-          </a:p>
-        </p:txBody>
-      </p:sp>
-      <p:pic>
-        <p:nvPicPr>
-          <p:cNvPr id="4" name="Content Placeholder 3"/>
-          <p:cNvPicPr>
-            <a:picLocks noGrp="1"/>
-          </p:cNvPicPr>
-          <p:nvPr>
-            <p:ph idx="1"/>
-          </p:nvPr>
-        </p:nvPicPr>
-        <p:blipFill>
-          <a:blip r:embed="rId2">
-            <a:extLst>
-              <a:ext uri="{28A0092B-C50C-407E-A947-70E740481C1C}">
-                <a14:useLocalDpi xmlns:a14="http://schemas.microsoft.com/office/drawing/2010/main" val="0"/>
-              </a:ext>
-            </a:extLst>
-          </a:blip>
-          <a:stretch>
-            <a:fillRect/>
-          </a:stretch>
-        </p:blipFill>
-        <p:spPr>
-          <a:xfrm>
-            <a:off x="4849091" y="73891"/>
-            <a:ext cx="4895274" cy="6677891"/>
-          </a:xfrm>
-          <a:prstGeom prst="rect">
-            <a:avLst/>
-          </a:prstGeom>
-          <a:effectLst>
-            <a:softEdge rad="38100"/>
-          </a:effectLst>
-        </p:spPr>
-      </p:pic>
-    </p:spTree>
-    <p:extLst>
-      <p:ext uri="{BB962C8B-B14F-4D97-AF65-F5344CB8AC3E}">
-        <p14:creationId xmlns:p14="http://schemas.microsoft.com/office/powerpoint/2010/main" val="4027119955"/>
+        <p14:creationId xmlns:p14="http://schemas.microsoft.com/office/powerpoint/2010/main" val="873910837"/>
       </p:ext>
     </p:extLst>
   </p:cSld>
@@ -10229,8 +11148,43 @@
           <a:lstStyle/>
           <a:p>
             <a:r>
+              <a:rPr lang="ro-RO" dirty="0"/>
+              <a:t>Topologii</a:t>
+            </a:r>
+            <a:r>
+              <a:rPr lang="en-US" dirty="0"/>
+              <a:t> de </a:t>
+            </a:r>
+            <a:r>
+              <a:rPr lang="ro-RO" dirty="0"/>
+              <a:t>replicare</a:t>
+            </a:r>
+            <a:endParaRPr lang="en-US" dirty="0"/>
+          </a:p>
+        </p:txBody>
+      </p:sp>
+      <p:sp>
+        <p:nvSpPr>
+          <p:cNvPr id="3" name="Content Placeholder 2"/>
+          <p:cNvSpPr>
+            <a:spLocks noGrp="1"/>
+          </p:cNvSpPr>
+          <p:nvPr>
+            <p:ph idx="1"/>
+          </p:nvPr>
+        </p:nvSpPr>
+        <p:spPr/>
+        <p:txBody>
+          <a:bodyPr/>
+          <a:lstStyle/>
+          <a:p>
+            <a:r>
+              <a:rPr lang="en-US" dirty="0" smtClean="0"/>
+              <a:t>Un master </a:t>
+            </a:r>
+            <a:r>
               <a:rPr lang="ro-RO" dirty="0" smtClean="0"/>
-              <a:t>Aplicația</a:t>
+              <a:t>mai</a:t>
             </a:r>
             <a:r>
               <a:rPr lang="en-US" dirty="0" smtClean="0"/>
@@ -10238,138 +11192,115 @@
             </a:r>
             <a:r>
               <a:rPr lang="ro-RO" dirty="0" smtClean="0"/>
-              <a:t>implementat</a:t>
-            </a:r>
-            <a:r>
-              <a:rPr lang="ro-RO" dirty="0"/>
-              <a:t>ă</a:t>
-            </a:r>
-            <a:r>
-              <a:rPr lang="en-US" dirty="0"/>
-              <a:t/>
-            </a:r>
-            <a:br>
-              <a:rPr lang="en-US" dirty="0"/>
-            </a:br>
-            <a:endParaRPr lang="ro-RO" dirty="0"/>
-          </a:p>
-        </p:txBody>
-      </p:sp>
-      <p:sp>
-        <p:nvSpPr>
-          <p:cNvPr id="3" name="Content Placeholder 2"/>
-          <p:cNvSpPr>
-            <a:spLocks noGrp="1"/>
-          </p:cNvSpPr>
-          <p:nvPr>
-            <p:ph idx="1"/>
-          </p:nvPr>
-        </p:nvSpPr>
-        <p:spPr>
-          <a:xfrm>
-            <a:off x="1103312" y="1193074"/>
-            <a:ext cx="8946541" cy="5055325"/>
-          </a:xfrm>
-        </p:spPr>
-        <p:txBody>
-          <a:bodyPr>
-            <a:normAutofit lnSpcReduction="10000"/>
-          </a:bodyPr>
-          <a:lstStyle/>
-          <a:p>
+              <a:t>multe</a:t>
+            </a:r>
+            <a:r>
+              <a:rPr lang="en-US" dirty="0" smtClean="0"/>
+              <a:t> slave-</a:t>
+            </a:r>
             <a:r>
               <a:rPr lang="ro-RO" dirty="0" smtClean="0"/>
-              <a:t>Interfața de management al articolelor, știrilor, evenimentelor, întrebărilor și răspunsurilor</a:t>
-            </a:r>
-          </a:p>
-          <a:p>
-            <a:endParaRPr lang="ro-RO" dirty="0" smtClean="0"/>
-          </a:p>
-          <a:p>
-            <a:endParaRPr lang="ro-RO" dirty="0" smtClean="0"/>
-          </a:p>
-          <a:p>
-            <a:endParaRPr lang="ro-RO" dirty="0" smtClean="0"/>
-          </a:p>
-          <a:p>
-            <a:endParaRPr lang="ro-RO" dirty="0" smtClean="0"/>
-          </a:p>
-          <a:p>
-            <a:endParaRPr lang="ro-RO" dirty="0" smtClean="0"/>
-          </a:p>
-          <a:p>
-            <a:endParaRPr lang="ro-RO" dirty="0" smtClean="0"/>
-          </a:p>
-          <a:p>
-            <a:endParaRPr lang="ro-RO" dirty="0" smtClean="0"/>
-          </a:p>
-          <a:p>
-            <a:endParaRPr lang="ro-RO" dirty="0" smtClean="0"/>
-          </a:p>
-          <a:p>
-            <a:endParaRPr lang="ro-RO" dirty="0" smtClean="0"/>
-          </a:p>
-          <a:p>
-            <a:endParaRPr lang="ro-RO" dirty="0" smtClean="0"/>
-          </a:p>
-          <a:p>
+              <a:t>uri</a:t>
+            </a:r>
+          </a:p>
+          <a:p>
+            <a:r>
+              <a:rPr lang="en-US" dirty="0" smtClean="0"/>
+              <a:t>Master-master – mod </a:t>
+            </a:r>
             <a:r>
               <a:rPr lang="ro-RO" dirty="0" smtClean="0"/>
-              <a:t>Domeniul medical, stomatologic</a:t>
-            </a:r>
-          </a:p>
-          <a:p>
-            <a:pPr marL="0" indent="0">
-              <a:buNone/>
-            </a:pPr>
-            <a:endParaRPr lang="ro-RO" dirty="0"/>
-          </a:p>
-        </p:txBody>
-      </p:sp>
-      <p:pic>
-        <p:nvPicPr>
-          <p:cNvPr id="5" name="Picture 4"/>
-          <p:cNvPicPr>
-            <a:picLocks noChangeAspect="1"/>
-          </p:cNvPicPr>
-          <p:nvPr/>
-        </p:nvPicPr>
-        <p:blipFill>
-          <a:blip r:embed="rId2"/>
-          <a:stretch>
-            <a:fillRect/>
-          </a:stretch>
-        </p:blipFill>
-        <p:spPr>
-          <a:xfrm>
-            <a:off x="2846986" y="1938090"/>
-            <a:ext cx="5667257" cy="3708566"/>
-          </a:xfrm>
-          <a:prstGeom prst="rect">
-            <a:avLst/>
-          </a:prstGeom>
-          <a:effectLst>
-            <a:softEdge rad="50800"/>
-          </a:effectLst>
-        </p:spPr>
-      </p:pic>
+              <a:t>activ-activ</a:t>
+            </a:r>
+          </a:p>
+          <a:p>
+            <a:r>
+              <a:rPr lang="en-US" dirty="0" smtClean="0"/>
+              <a:t>Master-master – mod </a:t>
+            </a:r>
+            <a:r>
+              <a:rPr lang="ro-RO" dirty="0" smtClean="0"/>
+              <a:t>pasiv-pasiv</a:t>
+            </a:r>
+          </a:p>
+          <a:p>
+            <a:r>
+              <a:rPr lang="en-US" dirty="0" smtClean="0"/>
+              <a:t>Master-master – cu </a:t>
+            </a:r>
+            <a:r>
+              <a:rPr lang="ro-RO" dirty="0" smtClean="0"/>
+              <a:t>mai</a:t>
+            </a:r>
+            <a:r>
+              <a:rPr lang="en-US" dirty="0" smtClean="0"/>
+              <a:t> </a:t>
+            </a:r>
+            <a:r>
+              <a:rPr lang="ro-RO" dirty="0" smtClean="0"/>
+              <a:t>multe</a:t>
+            </a:r>
+            <a:r>
+              <a:rPr lang="en-US" dirty="0" smtClean="0"/>
+              <a:t> slave-</a:t>
+            </a:r>
+            <a:r>
+              <a:rPr lang="ro-RO" dirty="0" smtClean="0"/>
+              <a:t>uri</a:t>
+            </a:r>
+          </a:p>
+          <a:p>
+            <a:r>
+              <a:rPr lang="ro-RO" dirty="0" smtClean="0"/>
+              <a:t>Inel</a:t>
+            </a:r>
+          </a:p>
+          <a:p>
+            <a:r>
+              <a:rPr lang="en-US" dirty="0" smtClean="0"/>
+              <a:t>Master de </a:t>
+            </a:r>
+            <a:r>
+              <a:rPr lang="ro-RO" dirty="0" smtClean="0"/>
+              <a:t>distribuție</a:t>
+            </a:r>
+          </a:p>
+          <a:p>
+            <a:r>
+              <a:rPr lang="en-US" dirty="0" smtClean="0"/>
+              <a:t>Arbore </a:t>
+            </a:r>
+            <a:r>
+              <a:rPr lang="ro-RO" dirty="0" smtClean="0"/>
+              <a:t>sau</a:t>
+            </a:r>
+            <a:r>
+              <a:rPr lang="en-US" dirty="0" smtClean="0"/>
+              <a:t> </a:t>
+            </a:r>
+            <a:r>
+              <a:rPr lang="ro-RO" dirty="0" smtClean="0"/>
+              <a:t>piramida</a:t>
+            </a:r>
+          </a:p>
+          <a:p>
+            <a:endParaRPr lang="en-US" dirty="0" smtClean="0"/>
+          </a:p>
+          <a:p>
+            <a:endParaRPr lang="en-US" dirty="0"/>
+          </a:p>
+        </p:txBody>
+      </p:sp>
     </p:spTree>
     <p:extLst>
       <p:ext uri="{BB962C8B-B14F-4D97-AF65-F5344CB8AC3E}">
-        <p14:creationId xmlns:p14="http://schemas.microsoft.com/office/powerpoint/2010/main" val="3989723667"/>
+        <p14:creationId xmlns:p14="http://schemas.microsoft.com/office/powerpoint/2010/main" val="3217258127"/>
       </p:ext>
     </p:extLst>
   </p:cSld>
   <p:clrMapOvr>
     <a:masterClrMapping/>
   </p:clrMapOvr>
-  <p:timing>
-    <p:tnLst>
-      <p:par>
-        <p:cTn id="1" dur="indefinite" restart="never" nodeType="tmRoot"/>
-      </p:par>
-    </p:tnLst>
-  </p:timing>
 </p:sld>
 </file>
 
@@ -10407,20 +11338,19 @@
           <a:p>
             <a:r>
               <a:rPr lang="ro-RO" dirty="0" smtClean="0"/>
-              <a:t>Aplicația</a:t>
-            </a:r>
-            <a:r>
-              <a:rPr lang="en-US" dirty="0" smtClean="0"/>
-              <a:t> implementat</a:t>
-            </a:r>
-            <a:r>
-              <a:rPr lang="ro-RO" dirty="0" smtClean="0"/>
-              <a:t>ă</a:t>
-            </a:r>
-            <a:r>
-              <a:rPr lang="en-US" dirty="0" smtClean="0"/>
-              <a:t> </a:t>
-            </a:r>
+              <a:t>Aplicații </a:t>
+            </a:r>
+            <a:r>
+              <a:rPr lang="ro-RO" dirty="0"/>
+              <a:t>web moderne</a:t>
+            </a:r>
+            <a:r>
+              <a:rPr lang="en-US" dirty="0"/>
+              <a:t/>
+            </a:r>
+            <a:br>
+              <a:rPr lang="en-US" dirty="0"/>
+            </a:br>
             <a:endParaRPr lang="ro-RO" dirty="0"/>
           </a:p>
         </p:txBody>
@@ -10437,8 +11367,8 @@
         </p:nvSpPr>
         <p:spPr>
           <a:xfrm>
-            <a:off x="1225231" y="2331592"/>
-            <a:ext cx="8946541" cy="3328979"/>
+            <a:off x="3309236" y="1772305"/>
+            <a:ext cx="3509818" cy="4195481"/>
           </a:xfrm>
         </p:spPr>
         <p:txBody>
@@ -10446,158 +11376,70 @@
           <a:lstStyle/>
           <a:p>
             <a:r>
-              <a:rPr lang="ro-RO" dirty="0" smtClean="0"/>
-              <a:t>Meniu</a:t>
-            </a:r>
-            <a:r>
               <a:rPr lang="en-US" dirty="0" smtClean="0"/>
-              <a:t> </a:t>
-            </a:r>
-            <a:r>
-              <a:rPr lang="ro-RO" dirty="0" smtClean="0"/>
-              <a:t>navigare</a:t>
-            </a:r>
-          </a:p>
-          <a:p>
-            <a:endParaRPr lang="en-US" dirty="0" smtClean="0"/>
-          </a:p>
-          <a:p>
-            <a:endParaRPr lang="en-US" dirty="0" smtClean="0"/>
-          </a:p>
-          <a:p>
-            <a:r>
-              <a:rPr lang="ro-RO" dirty="0" smtClean="0"/>
-              <a:t>Autentificare</a:t>
-            </a:r>
-          </a:p>
-          <a:p>
-            <a:endParaRPr lang="en-US" dirty="0" smtClean="0"/>
-          </a:p>
-          <a:p>
-            <a:endParaRPr lang="en-US" dirty="0" smtClean="0"/>
-          </a:p>
-          <a:p>
-            <a:r>
-              <a:rPr lang="ro-RO" dirty="0" smtClean="0"/>
-              <a:t>Rețele</a:t>
-            </a:r>
+              <a:t>Spring – Java</a:t>
+            </a:r>
+          </a:p>
+          <a:p>
             <a:r>
               <a:rPr lang="en-US" dirty="0" smtClean="0"/>
-              <a:t> </a:t>
-            </a:r>
-            <a:r>
-              <a:rPr lang="ro-RO" dirty="0" smtClean="0"/>
-              <a:t>sociale</a:t>
-            </a:r>
-          </a:p>
-          <a:p>
-            <a:endParaRPr lang="en-US" dirty="0" smtClean="0"/>
+              <a:t>Struts – Java</a:t>
+            </a:r>
+          </a:p>
+          <a:p>
+            <a:r>
+              <a:rPr lang="en-US" dirty="0" smtClean="0"/>
+              <a:t>Play – Scala</a:t>
+            </a:r>
+          </a:p>
+          <a:p>
+            <a:r>
+              <a:rPr lang="en-US" dirty="0" smtClean="0"/>
+              <a:t>Zend – PHP</a:t>
+            </a:r>
+          </a:p>
+          <a:p>
+            <a:r>
+              <a:rPr lang="en-US" dirty="0" smtClean="0"/>
+              <a:t>Django – Phyton</a:t>
+            </a:r>
+          </a:p>
+          <a:p>
+            <a:r>
+              <a:rPr lang="en-US" dirty="0" smtClean="0"/>
+              <a:t>Rails – Ruby</a:t>
+            </a:r>
+          </a:p>
+          <a:p>
+            <a:r>
+              <a:rPr lang="en-US" dirty="0" smtClean="0"/>
+              <a:t>Grails – Groovy</a:t>
+            </a:r>
+          </a:p>
+          <a:p>
+            <a:r>
+              <a:rPr lang="en-US" dirty="0" smtClean="0"/>
+              <a:t>Catalyst – Perl</a:t>
+            </a:r>
+          </a:p>
+          <a:p>
+            <a:r>
+              <a:rPr lang="en-US" dirty="0" smtClean="0"/>
+              <a:t>.NET – C#</a:t>
+            </a:r>
           </a:p>
           <a:p>
             <a:pPr marL="0" indent="0">
               <a:buNone/>
             </a:pPr>
-            <a:endParaRPr lang="ro-RO" dirty="0" smtClean="0"/>
-          </a:p>
-          <a:p>
-            <a:endParaRPr lang="ro-RO" dirty="0" smtClean="0"/>
-          </a:p>
-        </p:txBody>
-      </p:sp>
-      <p:pic>
-        <p:nvPicPr>
-          <p:cNvPr id="5" name="Picture 4"/>
-          <p:cNvPicPr/>
-          <p:nvPr/>
-        </p:nvPicPr>
-        <p:blipFill>
-          <a:blip r:embed="rId2">
-            <a:extLst>
-              <a:ext uri="{28A0092B-C50C-407E-A947-70E740481C1C}">
-                <a14:useLocalDpi xmlns:a14="http://schemas.microsoft.com/office/drawing/2010/main" val="0"/>
-              </a:ext>
-            </a:extLst>
-          </a:blip>
-          <a:srcRect/>
-          <a:stretch>
-            <a:fillRect/>
-          </a:stretch>
-        </p:blipFill>
-        <p:spPr bwMode="auto">
-          <a:xfrm>
-            <a:off x="5348472" y="2395629"/>
-            <a:ext cx="6390005" cy="306705"/>
-          </a:xfrm>
-          <a:prstGeom prst="rect">
-            <a:avLst/>
-          </a:prstGeom>
-          <a:noFill/>
-          <a:ln>
-            <a:noFill/>
-          </a:ln>
-          <a:effectLst>
-            <a:softEdge rad="38100"/>
-          </a:effectLst>
-        </p:spPr>
-      </p:pic>
-      <p:pic>
-        <p:nvPicPr>
-          <p:cNvPr id="4" name="Picture 3"/>
-          <p:cNvPicPr>
-            <a:picLocks noChangeAspect="1"/>
-          </p:cNvPicPr>
-          <p:nvPr/>
-        </p:nvPicPr>
-        <p:blipFill>
-          <a:blip r:embed="rId3"/>
-          <a:stretch>
-            <a:fillRect/>
-          </a:stretch>
-        </p:blipFill>
-        <p:spPr>
-          <a:xfrm>
-            <a:off x="5348472" y="3307023"/>
-            <a:ext cx="1766072" cy="689058"/>
-          </a:xfrm>
-          <a:prstGeom prst="rect">
-            <a:avLst/>
-          </a:prstGeom>
-          <a:effectLst>
-            <a:softEdge rad="38100"/>
-          </a:effectLst>
-        </p:spPr>
-      </p:pic>
-      <p:pic>
-        <p:nvPicPr>
-          <p:cNvPr id="8" name="Picture 7"/>
-          <p:cNvPicPr>
-            <a:picLocks noChangeAspect="1"/>
-          </p:cNvPicPr>
-          <p:nvPr/>
-        </p:nvPicPr>
-        <p:blipFill>
-          <a:blip r:embed="rId4"/>
-          <a:stretch>
-            <a:fillRect/>
-          </a:stretch>
-        </p:blipFill>
-        <p:spPr>
-          <a:xfrm>
-            <a:off x="5348472" y="4746017"/>
-            <a:ext cx="1466850" cy="781050"/>
-          </a:xfrm>
-          <a:prstGeom prst="rect">
-            <a:avLst/>
-          </a:prstGeom>
-          <a:effectLst>
-            <a:softEdge rad="38100"/>
-          </a:effectLst>
-        </p:spPr>
-      </p:pic>
+            <a:endParaRPr lang="ro-RO" dirty="0"/>
+          </a:p>
+        </p:txBody>
+      </p:sp>
     </p:spTree>
     <p:extLst>
       <p:ext uri="{BB962C8B-B14F-4D97-AF65-F5344CB8AC3E}">
-        <p14:creationId xmlns:p14="http://schemas.microsoft.com/office/powerpoint/2010/main" val="82284249"/>
+        <p14:creationId xmlns:p14="http://schemas.microsoft.com/office/powerpoint/2010/main" val="1948460209"/>
       </p:ext>
     </p:extLst>
   </p:cSld>

--- a/documentation/Prezentare_Licenta_Matragociu_Bogdan.pptx
+++ b/documentation/Prezentare_Licenta_Matragociu_Bogdan.pptx
@@ -318,7 +318,7 @@
           <a:p>
             <a:fld id="{A4A4BF8C-F7B3-4F9F-B0A2-43022B6A3DD2}" type="datetimeFigureOut">
               <a:rPr lang="en-US" smtClean="0"/>
-              <a:t>7/4/2014</a:t>
+              <a:t>7/7/2014</a:t>
             </a:fld>
             <a:endParaRPr lang="en-US" dirty="0"/>
           </a:p>
@@ -593,7 +593,7 @@
           <a:p>
             <a:fld id="{A4A4BF8C-F7B3-4F9F-B0A2-43022B6A3DD2}" type="datetimeFigureOut">
               <a:rPr lang="en-US" smtClean="0"/>
-              <a:t>7/4/2014</a:t>
+              <a:t>7/7/2014</a:t>
             </a:fld>
             <a:endParaRPr lang="en-US" dirty="0"/>
           </a:p>
@@ -787,7 +787,7 @@
           <a:p>
             <a:fld id="{A4A4BF8C-F7B3-4F9F-B0A2-43022B6A3DD2}" type="datetimeFigureOut">
               <a:rPr lang="en-US" smtClean="0"/>
-              <a:t>7/4/2014</a:t>
+              <a:t>7/7/2014</a:t>
             </a:fld>
             <a:endParaRPr lang="en-US" dirty="0"/>
           </a:p>
@@ -1060,7 +1060,7 @@
           <a:p>
             <a:fld id="{A4A4BF8C-F7B3-4F9F-B0A2-43022B6A3DD2}" type="datetimeFigureOut">
               <a:rPr lang="en-US" smtClean="0"/>
-              <a:t>7/4/2014</a:t>
+              <a:t>7/7/2014</a:t>
             </a:fld>
             <a:endParaRPr lang="en-US" dirty="0"/>
           </a:p>
@@ -1401,7 +1401,7 @@
           <a:p>
             <a:fld id="{A4A4BF8C-F7B3-4F9F-B0A2-43022B6A3DD2}" type="datetimeFigureOut">
               <a:rPr lang="en-US" smtClean="0"/>
-              <a:t>7/4/2014</a:t>
+              <a:t>7/7/2014</a:t>
             </a:fld>
             <a:endParaRPr lang="en-US" dirty="0"/>
           </a:p>
@@ -2024,7 +2024,7 @@
           <a:p>
             <a:fld id="{A4A4BF8C-F7B3-4F9F-B0A2-43022B6A3DD2}" type="datetimeFigureOut">
               <a:rPr lang="en-US" smtClean="0"/>
-              <a:t>7/4/2014</a:t>
+              <a:t>7/7/2014</a:t>
             </a:fld>
             <a:endParaRPr lang="en-US" dirty="0"/>
           </a:p>
@@ -2884,7 +2884,7 @@
           <a:p>
             <a:fld id="{A4A4BF8C-F7B3-4F9F-B0A2-43022B6A3DD2}" type="datetimeFigureOut">
               <a:rPr lang="en-US" smtClean="0"/>
-              <a:t>7/4/2014</a:t>
+              <a:t>7/7/2014</a:t>
             </a:fld>
             <a:endParaRPr lang="en-US" dirty="0"/>
           </a:p>
@@ -3054,7 +3054,7 @@
           <a:p>
             <a:fld id="{A4A4BF8C-F7B3-4F9F-B0A2-43022B6A3DD2}" type="datetimeFigureOut">
               <a:rPr lang="en-US" smtClean="0"/>
-              <a:t>7/4/2014</a:t>
+              <a:t>7/7/2014</a:t>
             </a:fld>
             <a:endParaRPr lang="en-US" dirty="0"/>
           </a:p>
@@ -3234,7 +3234,7 @@
           <a:p>
             <a:fld id="{A4A4BF8C-F7B3-4F9F-B0A2-43022B6A3DD2}" type="datetimeFigureOut">
               <a:rPr lang="en-US" smtClean="0"/>
-              <a:t>7/4/2014</a:t>
+              <a:t>7/7/2014</a:t>
             </a:fld>
             <a:endParaRPr lang="en-US" dirty="0"/>
           </a:p>
@@ -3404,7 +3404,7 @@
           <a:p>
             <a:fld id="{A4A4BF8C-F7B3-4F9F-B0A2-43022B6A3DD2}" type="datetimeFigureOut">
               <a:rPr lang="en-US" smtClean="0"/>
-              <a:t>7/4/2014</a:t>
+              <a:t>7/7/2014</a:t>
             </a:fld>
             <a:endParaRPr lang="en-US" dirty="0"/>
           </a:p>
@@ -3651,7 +3651,7 @@
           <a:p>
             <a:fld id="{A4A4BF8C-F7B3-4F9F-B0A2-43022B6A3DD2}" type="datetimeFigureOut">
               <a:rPr lang="en-US" smtClean="0"/>
-              <a:t>7/4/2014</a:t>
+              <a:t>7/7/2014</a:t>
             </a:fld>
             <a:endParaRPr lang="en-US" dirty="0"/>
           </a:p>
@@ -3943,7 +3943,7 @@
           <a:p>
             <a:fld id="{A4A4BF8C-F7B3-4F9F-B0A2-43022B6A3DD2}" type="datetimeFigureOut">
               <a:rPr lang="en-US" smtClean="0"/>
-              <a:t>7/4/2014</a:t>
+              <a:t>7/7/2014</a:t>
             </a:fld>
             <a:endParaRPr lang="en-US" dirty="0"/>
           </a:p>
@@ -4387,7 +4387,7 @@
           <a:p>
             <a:fld id="{A4A4BF8C-F7B3-4F9F-B0A2-43022B6A3DD2}" type="datetimeFigureOut">
               <a:rPr lang="en-US" smtClean="0"/>
-              <a:t>7/4/2014</a:t>
+              <a:t>7/7/2014</a:t>
             </a:fld>
             <a:endParaRPr lang="en-US" dirty="0"/>
           </a:p>
@@ -4505,7 +4505,7 @@
           <a:p>
             <a:fld id="{A4A4BF8C-F7B3-4F9F-B0A2-43022B6A3DD2}" type="datetimeFigureOut">
               <a:rPr lang="en-US" smtClean="0"/>
-              <a:t>7/4/2014</a:t>
+              <a:t>7/7/2014</a:t>
             </a:fld>
             <a:endParaRPr lang="en-US" dirty="0"/>
           </a:p>
@@ -4600,7 +4600,7 @@
           <a:p>
             <a:fld id="{A4A4BF8C-F7B3-4F9F-B0A2-43022B6A3DD2}" type="datetimeFigureOut">
               <a:rPr lang="en-US" smtClean="0"/>
-              <a:t>7/4/2014</a:t>
+              <a:t>7/7/2014</a:t>
             </a:fld>
             <a:endParaRPr lang="en-US" dirty="0"/>
           </a:p>
@@ -4879,7 +4879,7 @@
           <a:p>
             <a:fld id="{A4A4BF8C-F7B3-4F9F-B0A2-43022B6A3DD2}" type="datetimeFigureOut">
               <a:rPr lang="en-US" smtClean="0"/>
-              <a:t>7/4/2014</a:t>
+              <a:t>7/7/2014</a:t>
             </a:fld>
             <a:endParaRPr lang="en-US" dirty="0"/>
           </a:p>
@@ -5154,7 +5154,7 @@
           <a:p>
             <a:fld id="{A4A4BF8C-F7B3-4F9F-B0A2-43022B6A3DD2}" type="datetimeFigureOut">
               <a:rPr lang="en-US" smtClean="0"/>
-              <a:t>7/4/2014</a:t>
+              <a:t>7/7/2014</a:t>
             </a:fld>
             <a:endParaRPr lang="en-US" dirty="0"/>
           </a:p>
@@ -5583,7 +5583,7 @@
           <a:p>
             <a:fld id="{A4A4BF8C-F7B3-4F9F-B0A2-43022B6A3DD2}" type="datetimeFigureOut">
               <a:rPr lang="en-US" smtClean="0"/>
-              <a:t>7/4/2014</a:t>
+              <a:t>7/7/2014</a:t>
             </a:fld>
             <a:endParaRPr lang="en-US" dirty="0"/>
           </a:p>
@@ -9566,11 +9566,7 @@
             </a:r>
             <a:r>
               <a:rPr lang="en-US" dirty="0" smtClean="0"/>
-              <a:t> </a:t>
-            </a:r>
-            <a:r>
-              <a:rPr lang="en-US" dirty="0" smtClean="0"/>
-              <a:t>de </a:t>
+              <a:t> de </a:t>
             </a:r>
             <a:r>
               <a:rPr lang="ro-RO" dirty="0" smtClean="0"/>
@@ -9726,7 +9722,7 @@
         </p:nvSpPr>
         <p:spPr>
           <a:xfrm>
-            <a:off x="1268232" y="3222345"/>
+            <a:off x="423500" y="3222344"/>
             <a:ext cx="2806836" cy="1664490"/>
           </a:xfrm>
         </p:spPr>
@@ -9785,7 +9781,7 @@
         </p:blipFill>
         <p:spPr bwMode="auto">
           <a:xfrm>
-            <a:off x="4619317" y="2277036"/>
+            <a:off x="3019786" y="2424732"/>
             <a:ext cx="3470326" cy="2609798"/>
           </a:xfrm>
           <a:prstGeom prst="rect">
@@ -9819,7 +9815,7 @@
         </p:blipFill>
         <p:spPr>
           <a:xfrm>
-            <a:off x="5972112" y="1197070"/>
+            <a:off x="4134314" y="1197070"/>
             <a:ext cx="970006" cy="656178"/>
           </a:xfrm>
           <a:prstGeom prst="rect">
@@ -9846,7 +9842,7 @@
         </p:blipFill>
         <p:spPr>
           <a:xfrm>
-            <a:off x="5819948" y="5606015"/>
+            <a:off x="3982150" y="5606015"/>
             <a:ext cx="1274334" cy="580946"/>
           </a:xfrm>
           <a:prstGeom prst="rect">
@@ -9867,7 +9863,7 @@
         </p:nvSpPr>
         <p:spPr>
           <a:xfrm>
-            <a:off x="8959181" y="3116792"/>
+            <a:off x="7715695" y="1302504"/>
             <a:ext cx="2741406" cy="1660482"/>
           </a:xfrm>
           <a:prstGeom prst="rect">
@@ -10128,6 +10124,322 @@
               <a:rPr lang="ro-RO" dirty="0" smtClean="0"/>
               <a:t>Distribuite</a:t>
             </a:r>
+          </a:p>
+        </p:txBody>
+      </p:sp>
+      <p:sp>
+        <p:nvSpPr>
+          <p:cNvPr id="8" name="Content Placeholder 2"/>
+          <p:cNvSpPr txBox="1">
+            <a:spLocks/>
+          </p:cNvSpPr>
+          <p:nvPr/>
+        </p:nvSpPr>
+        <p:spPr>
+          <a:xfrm>
+            <a:off x="8386354" y="3675017"/>
+            <a:ext cx="3173731" cy="2600835"/>
+          </a:xfrm>
+          <a:prstGeom prst="rect">
+            <a:avLst/>
+          </a:prstGeom>
+        </p:spPr>
+        <p:txBody>
+          <a:bodyPr vert="horz" lIns="91440" tIns="45720" rIns="91440" bIns="45720" rtlCol="0">
+            <a:normAutofit/>
+          </a:bodyPr>
+          <a:lstStyle>
+            <a:lvl1pPr marL="342900" indent="-342900" algn="l" defTabSz="457200" rtl="0" eaLnBrk="1" latinLnBrk="0" hangingPunct="1">
+              <a:spcBef>
+                <a:spcPts val="1000"/>
+              </a:spcBef>
+              <a:spcAft>
+                <a:spcPts val="0"/>
+              </a:spcAft>
+              <a:buClr>
+                <a:schemeClr val="bg2">
+                  <a:lumMod val="40000"/>
+                  <a:lumOff val="60000"/>
+                </a:schemeClr>
+              </a:buClr>
+              <a:buSzPct val="80000"/>
+              <a:buFont typeface="Wingdings 3" charset="2"/>
+              <a:buChar char=""/>
+              <a:defRPr sz="2000" b="0" i="0" kern="1200">
+                <a:solidFill>
+                  <a:schemeClr val="tx1"/>
+                </a:solidFill>
+                <a:latin typeface="+mj-lt"/>
+                <a:ea typeface="+mj-ea"/>
+                <a:cs typeface="+mj-cs"/>
+              </a:defRPr>
+            </a:lvl1pPr>
+            <a:lvl2pPr marL="742950" indent="-285750" algn="l" defTabSz="457200" rtl="0" eaLnBrk="1" latinLnBrk="0" hangingPunct="1">
+              <a:spcBef>
+                <a:spcPts val="1000"/>
+              </a:spcBef>
+              <a:spcAft>
+                <a:spcPts val="0"/>
+              </a:spcAft>
+              <a:buClr>
+                <a:schemeClr val="bg2">
+                  <a:lumMod val="40000"/>
+                  <a:lumOff val="60000"/>
+                </a:schemeClr>
+              </a:buClr>
+              <a:buSzPct val="80000"/>
+              <a:buFont typeface="Wingdings 3" charset="2"/>
+              <a:buChar char=""/>
+              <a:defRPr sz="1800" b="0" i="0" kern="1200">
+                <a:solidFill>
+                  <a:schemeClr val="tx1"/>
+                </a:solidFill>
+                <a:latin typeface="+mj-lt"/>
+                <a:ea typeface="+mj-ea"/>
+                <a:cs typeface="+mj-cs"/>
+              </a:defRPr>
+            </a:lvl2pPr>
+            <a:lvl3pPr marL="1143000" indent="-228600" algn="l" defTabSz="457200" rtl="0" eaLnBrk="1" latinLnBrk="0" hangingPunct="1">
+              <a:spcBef>
+                <a:spcPts val="1000"/>
+              </a:spcBef>
+              <a:spcAft>
+                <a:spcPts val="0"/>
+              </a:spcAft>
+              <a:buClr>
+                <a:schemeClr val="bg2">
+                  <a:lumMod val="40000"/>
+                  <a:lumOff val="60000"/>
+                </a:schemeClr>
+              </a:buClr>
+              <a:buSzPct val="80000"/>
+              <a:buFont typeface="Wingdings 3" charset="2"/>
+              <a:buChar char=""/>
+              <a:defRPr sz="1600" b="0" i="0" kern="1200">
+                <a:solidFill>
+                  <a:schemeClr val="tx1"/>
+                </a:solidFill>
+                <a:latin typeface="+mj-lt"/>
+                <a:ea typeface="+mj-ea"/>
+                <a:cs typeface="+mj-cs"/>
+              </a:defRPr>
+            </a:lvl3pPr>
+            <a:lvl4pPr marL="1600200" indent="-228600" algn="l" defTabSz="457200" rtl="0" eaLnBrk="1" latinLnBrk="0" hangingPunct="1">
+              <a:spcBef>
+                <a:spcPts val="1000"/>
+              </a:spcBef>
+              <a:spcAft>
+                <a:spcPts val="0"/>
+              </a:spcAft>
+              <a:buClr>
+                <a:schemeClr val="bg2">
+                  <a:lumMod val="40000"/>
+                  <a:lumOff val="60000"/>
+                </a:schemeClr>
+              </a:buClr>
+              <a:buSzPct val="80000"/>
+              <a:buFont typeface="Wingdings 3" charset="2"/>
+              <a:buChar char=""/>
+              <a:defRPr sz="1400" b="0" i="0" kern="1200">
+                <a:solidFill>
+                  <a:schemeClr val="tx1"/>
+                </a:solidFill>
+                <a:latin typeface="+mj-lt"/>
+                <a:ea typeface="+mj-ea"/>
+                <a:cs typeface="+mj-cs"/>
+              </a:defRPr>
+            </a:lvl4pPr>
+            <a:lvl5pPr marL="2057400" indent="-228600" algn="l" defTabSz="457200" rtl="0" eaLnBrk="1" latinLnBrk="0" hangingPunct="1">
+              <a:spcBef>
+                <a:spcPts val="1000"/>
+              </a:spcBef>
+              <a:spcAft>
+                <a:spcPts val="0"/>
+              </a:spcAft>
+              <a:buClr>
+                <a:schemeClr val="bg2">
+                  <a:lumMod val="40000"/>
+                  <a:lumOff val="60000"/>
+                </a:schemeClr>
+              </a:buClr>
+              <a:buSzPct val="80000"/>
+              <a:buFont typeface="Wingdings 3" charset="2"/>
+              <a:buChar char=""/>
+              <a:defRPr sz="1400" b="0" i="0" kern="1200">
+                <a:solidFill>
+                  <a:schemeClr val="tx1"/>
+                </a:solidFill>
+                <a:latin typeface="+mj-lt"/>
+                <a:ea typeface="+mj-ea"/>
+                <a:cs typeface="+mj-cs"/>
+              </a:defRPr>
+            </a:lvl5pPr>
+            <a:lvl6pPr marL="2506000" indent="-228600" algn="l" defTabSz="457200" rtl="0" eaLnBrk="1" latinLnBrk="0" hangingPunct="1">
+              <a:spcBef>
+                <a:spcPts val="1000"/>
+              </a:spcBef>
+              <a:spcAft>
+                <a:spcPts val="0"/>
+              </a:spcAft>
+              <a:buClr>
+                <a:schemeClr val="bg2">
+                  <a:lumMod val="40000"/>
+                  <a:lumOff val="60000"/>
+                </a:schemeClr>
+              </a:buClr>
+              <a:buSzPct val="80000"/>
+              <a:buFont typeface="Wingdings 3" charset="2"/>
+              <a:buChar char=""/>
+              <a:defRPr sz="1400" b="0" i="0" kern="1200">
+                <a:solidFill>
+                  <a:schemeClr val="tx1"/>
+                </a:solidFill>
+                <a:latin typeface="+mj-lt"/>
+                <a:ea typeface="+mj-ea"/>
+                <a:cs typeface="+mj-cs"/>
+              </a:defRPr>
+            </a:lvl6pPr>
+            <a:lvl7pPr marL="2971800" indent="-228600" algn="l" defTabSz="457200" rtl="0" eaLnBrk="1" latinLnBrk="0" hangingPunct="1">
+              <a:spcBef>
+                <a:spcPts val="1000"/>
+              </a:spcBef>
+              <a:spcAft>
+                <a:spcPts val="0"/>
+              </a:spcAft>
+              <a:buClr>
+                <a:schemeClr val="bg2">
+                  <a:lumMod val="40000"/>
+                  <a:lumOff val="60000"/>
+                </a:schemeClr>
+              </a:buClr>
+              <a:buSzPct val="80000"/>
+              <a:buFont typeface="Wingdings 3" charset="2"/>
+              <a:buChar char=""/>
+              <a:defRPr sz="1400" b="0" i="0" kern="1200">
+                <a:solidFill>
+                  <a:schemeClr val="tx1"/>
+                </a:solidFill>
+                <a:latin typeface="+mj-lt"/>
+                <a:ea typeface="+mj-ea"/>
+                <a:cs typeface="+mj-cs"/>
+              </a:defRPr>
+            </a:lvl7pPr>
+            <a:lvl8pPr marL="3429000" indent="-228600" algn="l" defTabSz="457200" rtl="0" eaLnBrk="1" latinLnBrk="0" hangingPunct="1">
+              <a:spcBef>
+                <a:spcPts val="1000"/>
+              </a:spcBef>
+              <a:spcAft>
+                <a:spcPts val="0"/>
+              </a:spcAft>
+              <a:buClr>
+                <a:schemeClr val="bg2">
+                  <a:lumMod val="40000"/>
+                  <a:lumOff val="60000"/>
+                </a:schemeClr>
+              </a:buClr>
+              <a:buSzPct val="80000"/>
+              <a:buFont typeface="Wingdings 3" charset="2"/>
+              <a:buChar char=""/>
+              <a:defRPr sz="1400" b="0" i="0" kern="1200">
+                <a:solidFill>
+                  <a:schemeClr val="tx1"/>
+                </a:solidFill>
+                <a:latin typeface="+mj-lt"/>
+                <a:ea typeface="+mj-ea"/>
+                <a:cs typeface="+mj-cs"/>
+              </a:defRPr>
+            </a:lvl8pPr>
+            <a:lvl9pPr marL="3886200" indent="-228600" algn="l" defTabSz="457200" rtl="0" eaLnBrk="1" latinLnBrk="0" hangingPunct="1">
+              <a:spcBef>
+                <a:spcPts val="1000"/>
+              </a:spcBef>
+              <a:spcAft>
+                <a:spcPts val="0"/>
+              </a:spcAft>
+              <a:buClr>
+                <a:schemeClr val="bg2">
+                  <a:lumMod val="40000"/>
+                  <a:lumOff val="60000"/>
+                </a:schemeClr>
+              </a:buClr>
+              <a:buSzPct val="80000"/>
+              <a:buFont typeface="Wingdings 3" charset="2"/>
+              <a:buChar char=""/>
+              <a:defRPr sz="1400" b="0" i="0" kern="1200">
+                <a:solidFill>
+                  <a:schemeClr val="tx1"/>
+                </a:solidFill>
+                <a:latin typeface="+mj-lt"/>
+                <a:ea typeface="+mj-ea"/>
+                <a:cs typeface="+mj-cs"/>
+              </a:defRPr>
+            </a:lvl9pPr>
+          </a:lstStyle>
+          <a:p>
+            <a:r>
+              <a:rPr lang="ro-RO" dirty="0" smtClean="0"/>
+              <a:t>Structură</a:t>
+            </a:r>
+          </a:p>
+          <a:p>
+            <a:r>
+              <a:rPr lang="ro-RO" dirty="0" smtClean="0"/>
+              <a:t>Interogare</a:t>
+            </a:r>
+          </a:p>
+          <a:p>
+            <a:r>
+              <a:rPr lang="ro-RO" dirty="0" smtClean="0"/>
+              <a:t>Scalabilitate</a:t>
+            </a:r>
+            <a:endParaRPr lang="ro-RO" dirty="0" smtClean="0"/>
+          </a:p>
+          <a:p>
+            <a:r>
+              <a:rPr lang="ro-RO" dirty="0" smtClean="0"/>
+              <a:t>Siguranță</a:t>
+            </a:r>
+          </a:p>
+          <a:p>
+            <a:r>
+              <a:rPr lang="ro-RO" dirty="0" smtClean="0"/>
+              <a:t>Suport</a:t>
+            </a:r>
+            <a:r>
+              <a:rPr lang="en-US" dirty="0" smtClean="0"/>
+              <a:t> </a:t>
+            </a:r>
+            <a:r>
+              <a:rPr lang="ro-RO" dirty="0"/>
+              <a:t>ș</a:t>
+            </a:r>
+            <a:r>
+              <a:rPr lang="ro-RO" dirty="0" smtClean="0"/>
+              <a:t>i</a:t>
+            </a:r>
+            <a:r>
+              <a:rPr lang="en-US" dirty="0" smtClean="0"/>
+              <a:t> </a:t>
+            </a:r>
+            <a:r>
+              <a:rPr lang="ro-RO" dirty="0" smtClean="0"/>
+              <a:t>mentenanță</a:t>
+            </a:r>
+          </a:p>
+          <a:p>
+            <a:r>
+              <a:rPr lang="ro-RO" dirty="0" smtClean="0"/>
+              <a:t>Interogări</a:t>
+            </a:r>
+            <a:r>
+              <a:rPr lang="en-US" dirty="0" smtClean="0"/>
+              <a:t> </a:t>
+            </a:r>
+            <a:r>
+              <a:rPr lang="ro-RO" dirty="0" smtClean="0"/>
+              <a:t>complexe</a:t>
+            </a:r>
+            <a:endParaRPr lang="ro-RO" dirty="0" smtClean="0"/>
           </a:p>
         </p:txBody>
       </p:sp>

--- a/documentation/Prezentare_Licenta_Matragociu_Bogdan.pptx
+++ b/documentation/Prezentare_Licenta_Matragociu_Bogdan.pptx
@@ -8479,7 +8479,12 @@
             <p:ph idx="1"/>
           </p:nvPr>
         </p:nvSpPr>
-        <p:spPr/>
+        <p:spPr>
+          <a:xfrm>
+            <a:off x="1103312" y="2052918"/>
+            <a:ext cx="10470379" cy="4195481"/>
+          </a:xfrm>
+        </p:spPr>
         <p:txBody>
           <a:bodyPr/>
           <a:lstStyle/>
@@ -8614,6 +8619,19 @@
               <a:buNone/>
             </a:pPr>
             <a:endParaRPr lang="en-US" dirty="0"/>
+          </a:p>
+          <a:p>
+            <a:pPr marL="457200" lvl="1" indent="0" algn="r">
+              <a:buNone/>
+            </a:pPr>
+            <a:r>
+              <a:rPr lang="en-US" dirty="0" err="1"/>
+              <a:t>ssh</a:t>
+            </a:r>
+            <a:r>
+              <a:rPr lang="en-US" dirty="0"/>
+              <a:t> azureuser@23.100.13.77</a:t>
+            </a:r>
           </a:p>
           <a:p>
             <a:pPr marL="457200" lvl="1" indent="0" algn="r">
@@ -8895,11 +8913,11 @@
             </a:r>
             <a:r>
               <a:rPr lang="ro-RO" dirty="0" smtClean="0"/>
-              <a:t>h=localhost</a:t>
-            </a:r>
-            <a:r>
-              <a:rPr lang="en-US" dirty="0" smtClean="0"/>
-              <a:t> --create-table</a:t>
+              <a:t>h=</a:t>
+            </a:r>
+            <a:r>
+              <a:rPr lang="ro-RO" dirty="0" err="1" smtClean="0"/>
+              <a:t>localhost</a:t>
             </a:r>
             <a:endParaRPr lang="ro-RO" dirty="0"/>
           </a:p>
@@ -8937,7 +8955,31 @@
             </a:r>
             <a:r>
               <a:rPr lang="ro-RO" dirty="0"/>
-              <a:t>-D licenta --check h=172.16.0.8 --master-server-id=1</a:t>
+              <a:t>-D </a:t>
+            </a:r>
+            <a:r>
+              <a:rPr lang="ro-RO" dirty="0" err="1"/>
+              <a:t>licenta</a:t>
+            </a:r>
+            <a:r>
+              <a:rPr lang="ro-RO" dirty="0"/>
+              <a:t> </a:t>
+            </a:r>
+            <a:r>
+              <a:rPr lang="ro-RO" dirty="0" smtClean="0"/>
+              <a:t>--</a:t>
+            </a:r>
+            <a:r>
+              <a:rPr lang="en-US" dirty="0" smtClean="0"/>
+              <a:t>monitor</a:t>
+            </a:r>
+            <a:r>
+              <a:rPr lang="ro-RO" dirty="0" smtClean="0"/>
+              <a:t> </a:t>
+            </a:r>
+            <a:r>
+              <a:rPr lang="ro-RO" dirty="0"/>
+              <a:t>h=172.16.0.8 --master-server-id=1</a:t>
             </a:r>
             <a:endParaRPr lang="ro-RO" dirty="0" smtClean="0"/>
           </a:p>
@@ -10392,7 +10434,6 @@
               <a:rPr lang="ro-RO" dirty="0" smtClean="0"/>
               <a:t>Scalabilitate</a:t>
             </a:r>
-            <a:endParaRPr lang="ro-RO" dirty="0" smtClean="0"/>
           </a:p>
           <a:p>
             <a:r>
@@ -10439,7 +10480,6 @@
               <a:rPr lang="ro-RO" dirty="0" smtClean="0"/>
               <a:t>complexe</a:t>
             </a:r>
-            <a:endParaRPr lang="ro-RO" dirty="0" smtClean="0"/>
           </a:p>
         </p:txBody>
       </p:sp>

--- a/documentation/Prezentare_Licenta_Matragociu_Bogdan.pptx
+++ b/documentation/Prezentare_Licenta_Matragociu_Bogdan.pptx
@@ -4,6 +4,9 @@
   <p:sldMasterIdLst>
     <p:sldMasterId id="2147483660" r:id="rId1"/>
   </p:sldMasterIdLst>
+  <p:notesMasterIdLst>
+    <p:notesMasterId r:id="rId23"/>
+  </p:notesMasterIdLst>
   <p:sldIdLst>
     <p:sldId id="256" r:id="rId2"/>
     <p:sldId id="257" r:id="rId3"/>
@@ -132,6 +135,440 @@
 </p:presentation>
 </file>
 
+<file path=ppt/notesMasters/notesMaster1.xml><?xml version="1.0" encoding="utf-8"?>
+<p:notesMaster xmlns:a="http://schemas.openxmlformats.org/drawingml/2006/main" xmlns:r="http://schemas.openxmlformats.org/officeDocument/2006/relationships" xmlns:p="http://schemas.openxmlformats.org/presentationml/2006/main">
+  <p:cSld>
+    <p:bg>
+      <p:bgRef idx="1001">
+        <a:schemeClr val="bg1"/>
+      </p:bgRef>
+    </p:bg>
+    <p:spTree>
+      <p:nvGrpSpPr>
+        <p:cNvPr id="1" name=""/>
+        <p:cNvGrpSpPr/>
+        <p:nvPr/>
+      </p:nvGrpSpPr>
+      <p:grpSpPr>
+        <a:xfrm>
+          <a:off x="0" y="0"/>
+          <a:ext cx="0" cy="0"/>
+          <a:chOff x="0" y="0"/>
+          <a:chExt cx="0" cy="0"/>
+        </a:xfrm>
+      </p:grpSpPr>
+      <p:sp>
+        <p:nvSpPr>
+          <p:cNvPr id="2" name="Header Placeholder 1"/>
+          <p:cNvSpPr>
+            <a:spLocks noGrp="1"/>
+          </p:cNvSpPr>
+          <p:nvPr>
+            <p:ph type="hdr" sz="quarter"/>
+          </p:nvPr>
+        </p:nvSpPr>
+        <p:spPr>
+          <a:xfrm>
+            <a:off x="0" y="0"/>
+            <a:ext cx="2971800" cy="458788"/>
+          </a:xfrm>
+          <a:prstGeom prst="rect">
+            <a:avLst/>
+          </a:prstGeom>
+        </p:spPr>
+        <p:txBody>
+          <a:bodyPr vert="horz" lIns="91440" tIns="45720" rIns="91440" bIns="45720" rtlCol="0"/>
+          <a:lstStyle>
+            <a:lvl1pPr algn="l">
+              <a:defRPr sz="1200"/>
+            </a:lvl1pPr>
+          </a:lstStyle>
+          <a:p>
+            <a:endParaRPr lang="en-US"/>
+          </a:p>
+        </p:txBody>
+      </p:sp>
+      <p:sp>
+        <p:nvSpPr>
+          <p:cNvPr id="3" name="Date Placeholder 2"/>
+          <p:cNvSpPr>
+            <a:spLocks noGrp="1"/>
+          </p:cNvSpPr>
+          <p:nvPr>
+            <p:ph type="dt" idx="1"/>
+          </p:nvPr>
+        </p:nvSpPr>
+        <p:spPr>
+          <a:xfrm>
+            <a:off x="3884613" y="0"/>
+            <a:ext cx="2971800" cy="458788"/>
+          </a:xfrm>
+          <a:prstGeom prst="rect">
+            <a:avLst/>
+          </a:prstGeom>
+        </p:spPr>
+        <p:txBody>
+          <a:bodyPr vert="horz" lIns="91440" tIns="45720" rIns="91440" bIns="45720" rtlCol="0"/>
+          <a:lstStyle>
+            <a:lvl1pPr algn="r">
+              <a:defRPr sz="1200"/>
+            </a:lvl1pPr>
+          </a:lstStyle>
+          <a:p>
+            <a:fld id="{CFBF1520-B881-456E-8885-A9FFEBF25999}" type="datetimeFigureOut">
+              <a:rPr lang="en-US" smtClean="0"/>
+              <a:t>7/7/2014</a:t>
+            </a:fld>
+            <a:endParaRPr lang="en-US"/>
+          </a:p>
+        </p:txBody>
+      </p:sp>
+      <p:sp>
+        <p:nvSpPr>
+          <p:cNvPr id="4" name="Slide Image Placeholder 3"/>
+          <p:cNvSpPr>
+            <a:spLocks noGrp="1" noRot="1" noChangeAspect="1"/>
+          </p:cNvSpPr>
+          <p:nvPr>
+            <p:ph type="sldImg" idx="2"/>
+          </p:nvPr>
+        </p:nvSpPr>
+        <p:spPr>
+          <a:xfrm>
+            <a:off x="685800" y="1143000"/>
+            <a:ext cx="5486400" cy="3086100"/>
+          </a:xfrm>
+          <a:prstGeom prst="rect">
+            <a:avLst/>
+          </a:prstGeom>
+          <a:noFill/>
+          <a:ln w="12700">
+            <a:solidFill>
+              <a:prstClr val="black"/>
+            </a:solidFill>
+          </a:ln>
+        </p:spPr>
+        <p:txBody>
+          <a:bodyPr vert="horz" lIns="91440" tIns="45720" rIns="91440" bIns="45720" rtlCol="0" anchor="ctr"/>
+          <a:lstStyle/>
+          <a:p>
+            <a:endParaRPr lang="en-US"/>
+          </a:p>
+        </p:txBody>
+      </p:sp>
+      <p:sp>
+        <p:nvSpPr>
+          <p:cNvPr id="5" name="Notes Placeholder 4"/>
+          <p:cNvSpPr>
+            <a:spLocks noGrp="1"/>
+          </p:cNvSpPr>
+          <p:nvPr>
+            <p:ph type="body" sz="quarter" idx="3"/>
+          </p:nvPr>
+        </p:nvSpPr>
+        <p:spPr>
+          <a:xfrm>
+            <a:off x="685800" y="4400550"/>
+            <a:ext cx="5486400" cy="3600450"/>
+          </a:xfrm>
+          <a:prstGeom prst="rect">
+            <a:avLst/>
+          </a:prstGeom>
+        </p:spPr>
+        <p:txBody>
+          <a:bodyPr vert="horz" lIns="91440" tIns="45720" rIns="91440" bIns="45720" rtlCol="0"/>
+          <a:lstStyle/>
+          <a:p>
+            <a:pPr lvl="0"/>
+            <a:r>
+              <a:rPr lang="en-US" smtClean="0"/>
+              <a:t>Click to edit Master text styles</a:t>
+            </a:r>
+          </a:p>
+          <a:p>
+            <a:pPr lvl="1"/>
+            <a:r>
+              <a:rPr lang="en-US" smtClean="0"/>
+              <a:t>Second level</a:t>
+            </a:r>
+          </a:p>
+          <a:p>
+            <a:pPr lvl="2"/>
+            <a:r>
+              <a:rPr lang="en-US" smtClean="0"/>
+              <a:t>Third level</a:t>
+            </a:r>
+          </a:p>
+          <a:p>
+            <a:pPr lvl="3"/>
+            <a:r>
+              <a:rPr lang="en-US" smtClean="0"/>
+              <a:t>Fourth level</a:t>
+            </a:r>
+          </a:p>
+          <a:p>
+            <a:pPr lvl="4"/>
+            <a:r>
+              <a:rPr lang="en-US" smtClean="0"/>
+              <a:t>Fifth level</a:t>
+            </a:r>
+            <a:endParaRPr lang="en-US"/>
+          </a:p>
+        </p:txBody>
+      </p:sp>
+      <p:sp>
+        <p:nvSpPr>
+          <p:cNvPr id="6" name="Footer Placeholder 5"/>
+          <p:cNvSpPr>
+            <a:spLocks noGrp="1"/>
+          </p:cNvSpPr>
+          <p:nvPr>
+            <p:ph type="ftr" sz="quarter" idx="4"/>
+          </p:nvPr>
+        </p:nvSpPr>
+        <p:spPr>
+          <a:xfrm>
+            <a:off x="0" y="8685213"/>
+            <a:ext cx="2971800" cy="458787"/>
+          </a:xfrm>
+          <a:prstGeom prst="rect">
+            <a:avLst/>
+          </a:prstGeom>
+        </p:spPr>
+        <p:txBody>
+          <a:bodyPr vert="horz" lIns="91440" tIns="45720" rIns="91440" bIns="45720" rtlCol="0" anchor="b"/>
+          <a:lstStyle>
+            <a:lvl1pPr algn="l">
+              <a:defRPr sz="1200"/>
+            </a:lvl1pPr>
+          </a:lstStyle>
+          <a:p>
+            <a:endParaRPr lang="en-US"/>
+          </a:p>
+        </p:txBody>
+      </p:sp>
+      <p:sp>
+        <p:nvSpPr>
+          <p:cNvPr id="7" name="Slide Number Placeholder 6"/>
+          <p:cNvSpPr>
+            <a:spLocks noGrp="1"/>
+          </p:cNvSpPr>
+          <p:nvPr>
+            <p:ph type="sldNum" sz="quarter" idx="5"/>
+          </p:nvPr>
+        </p:nvSpPr>
+        <p:spPr>
+          <a:xfrm>
+            <a:off x="3884613" y="8685213"/>
+            <a:ext cx="2971800" cy="458787"/>
+          </a:xfrm>
+          <a:prstGeom prst="rect">
+            <a:avLst/>
+          </a:prstGeom>
+        </p:spPr>
+        <p:txBody>
+          <a:bodyPr vert="horz" lIns="91440" tIns="45720" rIns="91440" bIns="45720" rtlCol="0" anchor="b"/>
+          <a:lstStyle>
+            <a:lvl1pPr algn="r">
+              <a:defRPr sz="1200"/>
+            </a:lvl1pPr>
+          </a:lstStyle>
+          <a:p>
+            <a:fld id="{57650D56-AFFE-459E-A3F8-98041F4BA5A0}" type="slidenum">
+              <a:rPr lang="en-US" smtClean="0"/>
+              <a:t>‹#›</a:t>
+            </a:fld>
+            <a:endParaRPr lang="en-US"/>
+          </a:p>
+        </p:txBody>
+      </p:sp>
+    </p:spTree>
+    <p:extLst>
+      <p:ext uri="{BB962C8B-B14F-4D97-AF65-F5344CB8AC3E}">
+        <p14:creationId xmlns:p14="http://schemas.microsoft.com/office/powerpoint/2010/main" val="409335422"/>
+      </p:ext>
+    </p:extLst>
+  </p:cSld>
+  <p:clrMap bg1="lt1" tx1="dk1" bg2="lt2" tx2="dk2" accent1="accent1" accent2="accent2" accent3="accent3" accent4="accent4" accent5="accent5" accent6="accent6" hlink="hlink" folHlink="folHlink"/>
+  <p:notesStyle>
+    <a:lvl1pPr marL="0" algn="l" defTabSz="914400" rtl="0" eaLnBrk="1" latinLnBrk="0" hangingPunct="1">
+      <a:defRPr sz="1200" kern="1200">
+        <a:solidFill>
+          <a:schemeClr val="tx1"/>
+        </a:solidFill>
+        <a:latin typeface="+mn-lt"/>
+        <a:ea typeface="+mn-ea"/>
+        <a:cs typeface="+mn-cs"/>
+      </a:defRPr>
+    </a:lvl1pPr>
+    <a:lvl2pPr marL="457200" algn="l" defTabSz="914400" rtl="0" eaLnBrk="1" latinLnBrk="0" hangingPunct="1">
+      <a:defRPr sz="1200" kern="1200">
+        <a:solidFill>
+          <a:schemeClr val="tx1"/>
+        </a:solidFill>
+        <a:latin typeface="+mn-lt"/>
+        <a:ea typeface="+mn-ea"/>
+        <a:cs typeface="+mn-cs"/>
+      </a:defRPr>
+    </a:lvl2pPr>
+    <a:lvl3pPr marL="914400" algn="l" defTabSz="914400" rtl="0" eaLnBrk="1" latinLnBrk="0" hangingPunct="1">
+      <a:defRPr sz="1200" kern="1200">
+        <a:solidFill>
+          <a:schemeClr val="tx1"/>
+        </a:solidFill>
+        <a:latin typeface="+mn-lt"/>
+        <a:ea typeface="+mn-ea"/>
+        <a:cs typeface="+mn-cs"/>
+      </a:defRPr>
+    </a:lvl3pPr>
+    <a:lvl4pPr marL="1371600" algn="l" defTabSz="914400" rtl="0" eaLnBrk="1" latinLnBrk="0" hangingPunct="1">
+      <a:defRPr sz="1200" kern="1200">
+        <a:solidFill>
+          <a:schemeClr val="tx1"/>
+        </a:solidFill>
+        <a:latin typeface="+mn-lt"/>
+        <a:ea typeface="+mn-ea"/>
+        <a:cs typeface="+mn-cs"/>
+      </a:defRPr>
+    </a:lvl4pPr>
+    <a:lvl5pPr marL="1828800" algn="l" defTabSz="914400" rtl="0" eaLnBrk="1" latinLnBrk="0" hangingPunct="1">
+      <a:defRPr sz="1200" kern="1200">
+        <a:solidFill>
+          <a:schemeClr val="tx1"/>
+        </a:solidFill>
+        <a:latin typeface="+mn-lt"/>
+        <a:ea typeface="+mn-ea"/>
+        <a:cs typeface="+mn-cs"/>
+      </a:defRPr>
+    </a:lvl5pPr>
+    <a:lvl6pPr marL="2286000" algn="l" defTabSz="914400" rtl="0" eaLnBrk="1" latinLnBrk="0" hangingPunct="1">
+      <a:defRPr sz="1200" kern="1200">
+        <a:solidFill>
+          <a:schemeClr val="tx1"/>
+        </a:solidFill>
+        <a:latin typeface="+mn-lt"/>
+        <a:ea typeface="+mn-ea"/>
+        <a:cs typeface="+mn-cs"/>
+      </a:defRPr>
+    </a:lvl6pPr>
+    <a:lvl7pPr marL="2743200" algn="l" defTabSz="914400" rtl="0" eaLnBrk="1" latinLnBrk="0" hangingPunct="1">
+      <a:defRPr sz="1200" kern="1200">
+        <a:solidFill>
+          <a:schemeClr val="tx1"/>
+        </a:solidFill>
+        <a:latin typeface="+mn-lt"/>
+        <a:ea typeface="+mn-ea"/>
+        <a:cs typeface="+mn-cs"/>
+      </a:defRPr>
+    </a:lvl7pPr>
+    <a:lvl8pPr marL="3200400" algn="l" defTabSz="914400" rtl="0" eaLnBrk="1" latinLnBrk="0" hangingPunct="1">
+      <a:defRPr sz="1200" kern="1200">
+        <a:solidFill>
+          <a:schemeClr val="tx1"/>
+        </a:solidFill>
+        <a:latin typeface="+mn-lt"/>
+        <a:ea typeface="+mn-ea"/>
+        <a:cs typeface="+mn-cs"/>
+      </a:defRPr>
+    </a:lvl8pPr>
+    <a:lvl9pPr marL="3657600" algn="l" defTabSz="914400" rtl="0" eaLnBrk="1" latinLnBrk="0" hangingPunct="1">
+      <a:defRPr sz="1200" kern="1200">
+        <a:solidFill>
+          <a:schemeClr val="tx1"/>
+        </a:solidFill>
+        <a:latin typeface="+mn-lt"/>
+        <a:ea typeface="+mn-ea"/>
+        <a:cs typeface="+mn-cs"/>
+      </a:defRPr>
+    </a:lvl9pPr>
+  </p:notesStyle>
+</p:notesMaster>
+</file>
+
+<file path=ppt/notesSlides/notesSlide1.xml><?xml version="1.0" encoding="utf-8"?>
+<p:notes xmlns:a="http://schemas.openxmlformats.org/drawingml/2006/main" xmlns:r="http://schemas.openxmlformats.org/officeDocument/2006/relationships" xmlns:p="http://schemas.openxmlformats.org/presentationml/2006/main">
+  <p:cSld>
+    <p:spTree>
+      <p:nvGrpSpPr>
+        <p:cNvPr id="1" name=""/>
+        <p:cNvGrpSpPr/>
+        <p:nvPr/>
+      </p:nvGrpSpPr>
+      <p:grpSpPr>
+        <a:xfrm>
+          <a:off x="0" y="0"/>
+          <a:ext cx="0" cy="0"/>
+          <a:chOff x="0" y="0"/>
+          <a:chExt cx="0" cy="0"/>
+        </a:xfrm>
+      </p:grpSpPr>
+      <p:sp>
+        <p:nvSpPr>
+          <p:cNvPr id="2" name="Slide Image Placeholder 1"/>
+          <p:cNvSpPr>
+            <a:spLocks noGrp="1" noRot="1" noChangeAspect="1"/>
+          </p:cNvSpPr>
+          <p:nvPr>
+            <p:ph type="sldImg"/>
+          </p:nvPr>
+        </p:nvSpPr>
+        <p:spPr/>
+      </p:sp>
+      <p:sp>
+        <p:nvSpPr>
+          <p:cNvPr id="3" name="Notes Placeholder 2"/>
+          <p:cNvSpPr>
+            <a:spLocks noGrp="1"/>
+          </p:cNvSpPr>
+          <p:nvPr>
+            <p:ph type="body" idx="1"/>
+          </p:nvPr>
+        </p:nvSpPr>
+        <p:spPr/>
+        <p:txBody>
+          <a:bodyPr/>
+          <a:lstStyle/>
+          <a:p>
+            <a:endParaRPr lang="en-US"/>
+          </a:p>
+        </p:txBody>
+      </p:sp>
+      <p:sp>
+        <p:nvSpPr>
+          <p:cNvPr id="4" name="Slide Number Placeholder 3"/>
+          <p:cNvSpPr>
+            <a:spLocks noGrp="1"/>
+          </p:cNvSpPr>
+          <p:nvPr>
+            <p:ph type="sldNum" sz="quarter" idx="10"/>
+          </p:nvPr>
+        </p:nvSpPr>
+        <p:spPr/>
+        <p:txBody>
+          <a:bodyPr/>
+          <a:lstStyle/>
+          <a:p>
+            <a:fld id="{57650D56-AFFE-459E-A3F8-98041F4BA5A0}" type="slidenum">
+              <a:rPr lang="en-US" smtClean="0"/>
+              <a:t>1</a:t>
+            </a:fld>
+            <a:endParaRPr lang="en-US"/>
+          </a:p>
+        </p:txBody>
+      </p:sp>
+    </p:spTree>
+    <p:extLst>
+      <p:ext uri="{BB962C8B-B14F-4D97-AF65-F5344CB8AC3E}">
+        <p14:creationId xmlns:p14="http://schemas.microsoft.com/office/powerpoint/2010/main" val="3851563075"/>
+      </p:ext>
+    </p:extLst>
+  </p:cSld>
+  <p:clrMapOvr>
+    <a:masterClrMapping/>
+  </p:clrMapOvr>
+</p:notes>
+</file>
+
 <file path=ppt/slideLayouts/slideLayout1.xml><?xml version="1.0" encoding="utf-8"?>
 <p:sldLayout xmlns:a="http://schemas.openxmlformats.org/drawingml/2006/main" xmlns:r="http://schemas.openxmlformats.org/officeDocument/2006/relationships" xmlns:p="http://schemas.openxmlformats.org/presentationml/2006/main" type="title" preserve="1">
   <p:cSld name="Title Slide">
@@ -316,7 +753,7 @@
           <a:bodyPr/>
           <a:lstStyle/>
           <a:p>
-            <a:fld id="{A4A4BF8C-F7B3-4F9F-B0A2-43022B6A3DD2}" type="datetimeFigureOut">
+            <a:fld id="{8B4D29A5-BFAE-492D-AEFD-8D87834084A4}" type="datetime1">
               <a:rPr lang="en-US" smtClean="0"/>
               <a:t>7/7/2014</a:t>
             </a:fld>
@@ -591,7 +1028,7 @@
           <a:bodyPr/>
           <a:lstStyle/>
           <a:p>
-            <a:fld id="{A4A4BF8C-F7B3-4F9F-B0A2-43022B6A3DD2}" type="datetimeFigureOut">
+            <a:fld id="{BD53CF2E-8952-48D2-B55F-018EBECFE114}" type="datetime1">
               <a:rPr lang="en-US" smtClean="0"/>
               <a:t>7/7/2014</a:t>
             </a:fld>
@@ -785,7 +1222,7 @@
           <a:bodyPr/>
           <a:lstStyle/>
           <a:p>
-            <a:fld id="{A4A4BF8C-F7B3-4F9F-B0A2-43022B6A3DD2}" type="datetimeFigureOut">
+            <a:fld id="{C556D1B0-6837-46FA-895F-BF8501878B19}" type="datetime1">
               <a:rPr lang="en-US" smtClean="0"/>
               <a:t>7/7/2014</a:t>
             </a:fld>
@@ -1058,7 +1495,7 @@
           <a:bodyPr/>
           <a:lstStyle/>
           <a:p>
-            <a:fld id="{A4A4BF8C-F7B3-4F9F-B0A2-43022B6A3DD2}" type="datetimeFigureOut">
+            <a:fld id="{2BFC00F2-8F0A-4CCD-8219-43F405CD48DC}" type="datetime1">
               <a:rPr lang="en-US" smtClean="0"/>
               <a:t>7/7/2014</a:t>
             </a:fld>
@@ -1399,7 +1836,7 @@
           <a:bodyPr/>
           <a:lstStyle/>
           <a:p>
-            <a:fld id="{A4A4BF8C-F7B3-4F9F-B0A2-43022B6A3DD2}" type="datetimeFigureOut">
+            <a:fld id="{0192A32D-5590-4F90-BD96-D185943F573C}" type="datetime1">
               <a:rPr lang="en-US" smtClean="0"/>
               <a:t>7/7/2014</a:t>
             </a:fld>
@@ -2022,7 +2459,7 @@
           <a:bodyPr/>
           <a:lstStyle/>
           <a:p>
-            <a:fld id="{A4A4BF8C-F7B3-4F9F-B0A2-43022B6A3DD2}" type="datetimeFigureOut">
+            <a:fld id="{719A196C-BB13-46FC-9598-FC9AAACD5AE7}" type="datetime1">
               <a:rPr lang="en-US" smtClean="0"/>
               <a:t>7/7/2014</a:t>
             </a:fld>
@@ -2882,7 +3319,7 @@
           <a:bodyPr/>
           <a:lstStyle/>
           <a:p>
-            <a:fld id="{A4A4BF8C-F7B3-4F9F-B0A2-43022B6A3DD2}" type="datetimeFigureOut">
+            <a:fld id="{4504B4FE-94C1-47B1-8728-6C55E0879F85}" type="datetime1">
               <a:rPr lang="en-US" smtClean="0"/>
               <a:t>7/7/2014</a:t>
             </a:fld>
@@ -3052,7 +3489,7 @@
           <a:bodyPr/>
           <a:lstStyle/>
           <a:p>
-            <a:fld id="{A4A4BF8C-F7B3-4F9F-B0A2-43022B6A3DD2}" type="datetimeFigureOut">
+            <a:fld id="{020B0883-6A71-4064-99F6-66617CEA3EEA}" type="datetime1">
               <a:rPr lang="en-US" smtClean="0"/>
               <a:t>7/7/2014</a:t>
             </a:fld>
@@ -3232,7 +3669,7 @@
           <a:bodyPr/>
           <a:lstStyle/>
           <a:p>
-            <a:fld id="{A4A4BF8C-F7B3-4F9F-B0A2-43022B6A3DD2}" type="datetimeFigureOut">
+            <a:fld id="{1E0822A9-0285-4F06-B2A7-2024F024397A}" type="datetime1">
               <a:rPr lang="en-US" smtClean="0"/>
               <a:t>7/7/2014</a:t>
             </a:fld>
@@ -3402,7 +3839,7 @@
           <a:bodyPr/>
           <a:lstStyle/>
           <a:p>
-            <a:fld id="{A4A4BF8C-F7B3-4F9F-B0A2-43022B6A3DD2}" type="datetimeFigureOut">
+            <a:fld id="{9BA6F590-4840-4F73-AF26-6D1862209017}" type="datetime1">
               <a:rPr lang="en-US" smtClean="0"/>
               <a:t>7/7/2014</a:t>
             </a:fld>
@@ -3649,7 +4086,7 @@
           <a:bodyPr/>
           <a:lstStyle/>
           <a:p>
-            <a:fld id="{A4A4BF8C-F7B3-4F9F-B0A2-43022B6A3DD2}" type="datetimeFigureOut">
+            <a:fld id="{66270B44-285C-407A-B51B-8590373AB38B}" type="datetime1">
               <a:rPr lang="en-US" smtClean="0"/>
               <a:t>7/7/2014</a:t>
             </a:fld>
@@ -3941,7 +4378,7 @@
           <a:bodyPr/>
           <a:lstStyle/>
           <a:p>
-            <a:fld id="{A4A4BF8C-F7B3-4F9F-B0A2-43022B6A3DD2}" type="datetimeFigureOut">
+            <a:fld id="{7DA3CEF3-AA5C-462D-9A16-6724497557EB}" type="datetime1">
               <a:rPr lang="en-US" smtClean="0"/>
               <a:t>7/7/2014</a:t>
             </a:fld>
@@ -4385,7 +4822,7 @@
           <a:bodyPr/>
           <a:lstStyle/>
           <a:p>
-            <a:fld id="{A4A4BF8C-F7B3-4F9F-B0A2-43022B6A3DD2}" type="datetimeFigureOut">
+            <a:fld id="{AB10E196-A455-4A26-B7A2-BDB286C9DA16}" type="datetime1">
               <a:rPr lang="en-US" smtClean="0"/>
               <a:t>7/7/2014</a:t>
             </a:fld>
@@ -4503,7 +4940,7 @@
           <a:bodyPr/>
           <a:lstStyle/>
           <a:p>
-            <a:fld id="{A4A4BF8C-F7B3-4F9F-B0A2-43022B6A3DD2}" type="datetimeFigureOut">
+            <a:fld id="{6B6844CA-4AD3-499F-87FB-2807AF557D9C}" type="datetime1">
               <a:rPr lang="en-US" smtClean="0"/>
               <a:t>7/7/2014</a:t>
             </a:fld>
@@ -4598,7 +5035,7 @@
           <a:bodyPr/>
           <a:lstStyle/>
           <a:p>
-            <a:fld id="{A4A4BF8C-F7B3-4F9F-B0A2-43022B6A3DD2}" type="datetimeFigureOut">
+            <a:fld id="{D3A87FAD-F294-4397-B6BA-06257D307C42}" type="datetime1">
               <a:rPr lang="en-US" smtClean="0"/>
               <a:t>7/7/2014</a:t>
             </a:fld>
@@ -4877,7 +5314,7 @@
           <a:bodyPr/>
           <a:lstStyle/>
           <a:p>
-            <a:fld id="{A4A4BF8C-F7B3-4F9F-B0A2-43022B6A3DD2}" type="datetimeFigureOut">
+            <a:fld id="{03248AC5-0A47-4EA0-95D1-08C7E67DA7D3}" type="datetime1">
               <a:rPr lang="en-US" smtClean="0"/>
               <a:t>7/7/2014</a:t>
             </a:fld>
@@ -5152,7 +5589,7 @@
           <a:bodyPr/>
           <a:lstStyle/>
           <a:p>
-            <a:fld id="{A4A4BF8C-F7B3-4F9F-B0A2-43022B6A3DD2}" type="datetimeFigureOut">
+            <a:fld id="{89D2B6F4-F9AD-4BDB-8688-FCD4A8DCF721}" type="datetime1">
               <a:rPr lang="en-US" smtClean="0"/>
               <a:t>7/7/2014</a:t>
             </a:fld>
@@ -5581,7 +6018,7 @@
             </a:lvl1pPr>
           </a:lstStyle>
           <a:p>
-            <a:fld id="{A4A4BF8C-F7B3-4F9F-B0A2-43022B6A3DD2}" type="datetimeFigureOut">
+            <a:fld id="{E2F76448-2538-4D79-975C-961954E9E42B}" type="datetime1">
               <a:rPr lang="en-US" smtClean="0"/>
               <a:t>7/7/2014</a:t>
             </a:fld>
@@ -5695,6 +6132,7 @@
     <p:sldLayoutId id="2147483676" r:id="rId16"/>
     <p:sldLayoutId id="2147483677" r:id="rId17"/>
   </p:sldLayoutIdLst>
+  <p:hf hdr="0" ftr="0" dt="0"/>
   <p:txStyles>
     <p:titleStyle>
       <a:lvl1pPr algn="l" defTabSz="457200" rtl="0" eaLnBrk="1" latinLnBrk="0" hangingPunct="1">
@@ -6175,6 +6613,29 @@
           </a:p>
         </p:txBody>
       </p:sp>
+      <p:sp>
+        <p:nvSpPr>
+          <p:cNvPr id="4" name="Slide Number Placeholder 3"/>
+          <p:cNvSpPr>
+            <a:spLocks noGrp="1"/>
+          </p:cNvSpPr>
+          <p:nvPr>
+            <p:ph type="sldNum" sz="quarter" idx="12"/>
+          </p:nvPr>
+        </p:nvSpPr>
+        <p:spPr/>
+        <p:txBody>
+          <a:bodyPr/>
+          <a:lstStyle/>
+          <a:p>
+            <a:fld id="{C939F9F7-FBC1-4FE6-8703-87676DE9EA51}" type="slidenum">
+              <a:rPr lang="en-US" smtClean="0"/>
+              <a:t>1</a:t>
+            </a:fld>
+            <a:endParaRPr lang="en-US" dirty="0"/>
+          </a:p>
+        </p:txBody>
+      </p:sp>
     </p:spTree>
     <p:extLst>
       <p:ext uri="{BB962C8B-B14F-4D97-AF65-F5344CB8AC3E}">
@@ -6351,6 +6812,29 @@
           </a:effectLst>
         </p:spPr>
       </p:pic>
+      <p:sp>
+        <p:nvSpPr>
+          <p:cNvPr id="4" name="Slide Number Placeholder 3"/>
+          <p:cNvSpPr>
+            <a:spLocks noGrp="1"/>
+          </p:cNvSpPr>
+          <p:nvPr>
+            <p:ph type="sldNum" sz="quarter" idx="12"/>
+          </p:nvPr>
+        </p:nvSpPr>
+        <p:spPr/>
+        <p:txBody>
+          <a:bodyPr/>
+          <a:lstStyle/>
+          <a:p>
+            <a:fld id="{C939F9F7-FBC1-4FE6-8703-87676DE9EA51}" type="slidenum">
+              <a:rPr lang="en-US" smtClean="0"/>
+              <a:t>10</a:t>
+            </a:fld>
+            <a:endParaRPr lang="en-US" dirty="0"/>
+          </a:p>
+        </p:txBody>
+      </p:sp>
     </p:spTree>
     <p:extLst>
       <p:ext uri="{BB962C8B-B14F-4D97-AF65-F5344CB8AC3E}">
@@ -6587,6 +7071,29 @@
           </a:effectLst>
         </p:spPr>
       </p:pic>
+      <p:sp>
+        <p:nvSpPr>
+          <p:cNvPr id="6" name="Slide Number Placeholder 5"/>
+          <p:cNvSpPr>
+            <a:spLocks noGrp="1"/>
+          </p:cNvSpPr>
+          <p:nvPr>
+            <p:ph type="sldNum" sz="quarter" idx="12"/>
+          </p:nvPr>
+        </p:nvSpPr>
+        <p:spPr/>
+        <p:txBody>
+          <a:bodyPr/>
+          <a:lstStyle/>
+          <a:p>
+            <a:fld id="{C939F9F7-FBC1-4FE6-8703-87676DE9EA51}" type="slidenum">
+              <a:rPr lang="en-US" smtClean="0"/>
+              <a:t>11</a:t>
+            </a:fld>
+            <a:endParaRPr lang="en-US" dirty="0"/>
+          </a:p>
+        </p:txBody>
+      </p:sp>
     </p:spTree>
     <p:extLst>
       <p:ext uri="{BB962C8B-B14F-4D97-AF65-F5344CB8AC3E}">
@@ -6780,6 +7287,29 @@
           </a:effectLst>
         </p:spPr>
       </p:pic>
+      <p:sp>
+        <p:nvSpPr>
+          <p:cNvPr id="6" name="Slide Number Placeholder 5"/>
+          <p:cNvSpPr>
+            <a:spLocks noGrp="1"/>
+          </p:cNvSpPr>
+          <p:nvPr>
+            <p:ph type="sldNum" sz="quarter" idx="12"/>
+          </p:nvPr>
+        </p:nvSpPr>
+        <p:spPr/>
+        <p:txBody>
+          <a:bodyPr/>
+          <a:lstStyle/>
+          <a:p>
+            <a:fld id="{C939F9F7-FBC1-4FE6-8703-87676DE9EA51}" type="slidenum">
+              <a:rPr lang="en-US" smtClean="0"/>
+              <a:t>12</a:t>
+            </a:fld>
+            <a:endParaRPr lang="en-US" dirty="0"/>
+          </a:p>
+        </p:txBody>
+      </p:sp>
     </p:spTree>
     <p:extLst>
       <p:ext uri="{BB962C8B-B14F-4D97-AF65-F5344CB8AC3E}">
@@ -7617,6 +8147,29 @@
           </a:prstGeom>
         </p:spPr>
       </p:pic>
+      <p:sp>
+        <p:nvSpPr>
+          <p:cNvPr id="7" name="Slide Number Placeholder 6"/>
+          <p:cNvSpPr>
+            <a:spLocks noGrp="1"/>
+          </p:cNvSpPr>
+          <p:nvPr>
+            <p:ph type="sldNum" sz="quarter" idx="12"/>
+          </p:nvPr>
+        </p:nvSpPr>
+        <p:spPr/>
+        <p:txBody>
+          <a:bodyPr/>
+          <a:lstStyle/>
+          <a:p>
+            <a:fld id="{C939F9F7-FBC1-4FE6-8703-87676DE9EA51}" type="slidenum">
+              <a:rPr lang="en-US" smtClean="0"/>
+              <a:t>13</a:t>
+            </a:fld>
+            <a:endParaRPr lang="en-US" dirty="0"/>
+          </a:p>
+        </p:txBody>
+      </p:sp>
     </p:spTree>
     <p:extLst>
       <p:ext uri="{BB962C8B-B14F-4D97-AF65-F5344CB8AC3E}">
@@ -7758,6 +8311,29 @@
           </a:effectLst>
         </p:spPr>
       </p:pic>
+      <p:sp>
+        <p:nvSpPr>
+          <p:cNvPr id="5" name="Slide Number Placeholder 4"/>
+          <p:cNvSpPr>
+            <a:spLocks noGrp="1"/>
+          </p:cNvSpPr>
+          <p:nvPr>
+            <p:ph type="sldNum" sz="quarter" idx="12"/>
+          </p:nvPr>
+        </p:nvSpPr>
+        <p:spPr/>
+        <p:txBody>
+          <a:bodyPr/>
+          <a:lstStyle/>
+          <a:p>
+            <a:fld id="{C939F9F7-FBC1-4FE6-8703-87676DE9EA51}" type="slidenum">
+              <a:rPr lang="en-US" smtClean="0"/>
+              <a:t>14</a:t>
+            </a:fld>
+            <a:endParaRPr lang="en-US" dirty="0"/>
+          </a:p>
+        </p:txBody>
+      </p:sp>
     </p:spTree>
     <p:extLst>
       <p:ext uri="{BB962C8B-B14F-4D97-AF65-F5344CB8AC3E}">
@@ -7858,6 +8434,29 @@
           </a:effectLst>
         </p:spPr>
       </p:pic>
+      <p:sp>
+        <p:nvSpPr>
+          <p:cNvPr id="3" name="Slide Number Placeholder 2"/>
+          <p:cNvSpPr>
+            <a:spLocks noGrp="1"/>
+          </p:cNvSpPr>
+          <p:nvPr>
+            <p:ph type="sldNum" sz="quarter" idx="12"/>
+          </p:nvPr>
+        </p:nvSpPr>
+        <p:spPr/>
+        <p:txBody>
+          <a:bodyPr/>
+          <a:lstStyle/>
+          <a:p>
+            <a:fld id="{C939F9F7-FBC1-4FE6-8703-87676DE9EA51}" type="slidenum">
+              <a:rPr lang="en-US" smtClean="0"/>
+              <a:t>15</a:t>
+            </a:fld>
+            <a:endParaRPr lang="en-US" dirty="0"/>
+          </a:p>
+        </p:txBody>
+      </p:sp>
     </p:spTree>
     <p:extLst>
       <p:ext uri="{BB962C8B-B14F-4D97-AF65-F5344CB8AC3E}">
@@ -8265,6 +8864,29 @@
           </a:p>
         </p:txBody>
       </p:sp>
+      <p:sp>
+        <p:nvSpPr>
+          <p:cNvPr id="3" name="Slide Number Placeholder 2"/>
+          <p:cNvSpPr>
+            <a:spLocks noGrp="1"/>
+          </p:cNvSpPr>
+          <p:nvPr>
+            <p:ph type="sldNum" sz="quarter" idx="12"/>
+          </p:nvPr>
+        </p:nvSpPr>
+        <p:spPr/>
+        <p:txBody>
+          <a:bodyPr/>
+          <a:lstStyle/>
+          <a:p>
+            <a:fld id="{C939F9F7-FBC1-4FE6-8703-87676DE9EA51}" type="slidenum">
+              <a:rPr lang="en-US" smtClean="0"/>
+              <a:t>16</a:t>
+            </a:fld>
+            <a:endParaRPr lang="en-US" dirty="0"/>
+          </a:p>
+        </p:txBody>
+      </p:sp>
     </p:spTree>
     <p:extLst>
       <p:ext uri="{BB962C8B-B14F-4D97-AF65-F5344CB8AC3E}">
@@ -8398,6 +9020,29 @@
           </a:effectLst>
         </p:spPr>
       </p:pic>
+      <p:sp>
+        <p:nvSpPr>
+          <p:cNvPr id="5" name="Slide Number Placeholder 4"/>
+          <p:cNvSpPr>
+            <a:spLocks noGrp="1"/>
+          </p:cNvSpPr>
+          <p:nvPr>
+            <p:ph type="sldNum" sz="quarter" idx="12"/>
+          </p:nvPr>
+        </p:nvSpPr>
+        <p:spPr/>
+        <p:txBody>
+          <a:bodyPr/>
+          <a:lstStyle/>
+          <a:p>
+            <a:fld id="{C939F9F7-FBC1-4FE6-8703-87676DE9EA51}" type="slidenum">
+              <a:rPr lang="en-US" smtClean="0"/>
+              <a:t>17</a:t>
+            </a:fld>
+            <a:endParaRPr lang="en-US" dirty="0"/>
+          </a:p>
+        </p:txBody>
+      </p:sp>
     </p:spTree>
     <p:extLst>
       <p:ext uri="{BB962C8B-B14F-4D97-AF65-F5344CB8AC3E}">
@@ -8689,6 +9334,29 @@
           </a:prstGeom>
         </p:spPr>
       </p:pic>
+      <p:sp>
+        <p:nvSpPr>
+          <p:cNvPr id="6" name="Slide Number Placeholder 5"/>
+          <p:cNvSpPr>
+            <a:spLocks noGrp="1"/>
+          </p:cNvSpPr>
+          <p:nvPr>
+            <p:ph type="sldNum" sz="quarter" idx="12"/>
+          </p:nvPr>
+        </p:nvSpPr>
+        <p:spPr/>
+        <p:txBody>
+          <a:bodyPr/>
+          <a:lstStyle/>
+          <a:p>
+            <a:fld id="{C939F9F7-FBC1-4FE6-8703-87676DE9EA51}" type="slidenum">
+              <a:rPr lang="en-US" smtClean="0"/>
+              <a:t>18</a:t>
+            </a:fld>
+            <a:endParaRPr lang="en-US" dirty="0"/>
+          </a:p>
+        </p:txBody>
+      </p:sp>
     </p:spTree>
     <p:extLst>
       <p:ext uri="{BB962C8B-B14F-4D97-AF65-F5344CB8AC3E}">
@@ -8985,6 +9653,29 @@
           </a:p>
           <a:p>
             <a:endParaRPr lang="ro-RO" dirty="0" smtClean="0"/>
+          </a:p>
+        </p:txBody>
+      </p:sp>
+      <p:sp>
+        <p:nvSpPr>
+          <p:cNvPr id="4" name="Slide Number Placeholder 3"/>
+          <p:cNvSpPr>
+            <a:spLocks noGrp="1"/>
+          </p:cNvSpPr>
+          <p:nvPr>
+            <p:ph type="sldNum" sz="quarter" idx="12"/>
+          </p:nvPr>
+        </p:nvSpPr>
+        <p:spPr/>
+        <p:txBody>
+          <a:bodyPr/>
+          <a:lstStyle/>
+          <a:p>
+            <a:fld id="{C939F9F7-FBC1-4FE6-8703-87676DE9EA51}" type="slidenum">
+              <a:rPr lang="en-US" smtClean="0"/>
+              <a:t>19</a:t>
+            </a:fld>
+            <a:endParaRPr lang="en-US" dirty="0"/>
           </a:p>
         </p:txBody>
       </p:sp>
@@ -9188,6 +9879,29 @@
           </a:p>
         </p:txBody>
       </p:sp>
+      <p:sp>
+        <p:nvSpPr>
+          <p:cNvPr id="4" name="Slide Number Placeholder 3"/>
+          <p:cNvSpPr>
+            <a:spLocks noGrp="1"/>
+          </p:cNvSpPr>
+          <p:nvPr>
+            <p:ph type="sldNum" sz="quarter" idx="12"/>
+          </p:nvPr>
+        </p:nvSpPr>
+        <p:spPr/>
+        <p:txBody>
+          <a:bodyPr/>
+          <a:lstStyle/>
+          <a:p>
+            <a:fld id="{C939F9F7-FBC1-4FE6-8703-87676DE9EA51}" type="slidenum">
+              <a:rPr lang="en-US" smtClean="0"/>
+              <a:t>2</a:t>
+            </a:fld>
+            <a:endParaRPr lang="en-US" dirty="0"/>
+          </a:p>
+        </p:txBody>
+      </p:sp>
     </p:spTree>
     <p:extLst>
       <p:ext uri="{BB962C8B-B14F-4D97-AF65-F5344CB8AC3E}">
@@ -9364,6 +10078,29 @@
           </a:p>
           <a:p>
             <a:endParaRPr lang="ro-RO" dirty="0" smtClean="0"/>
+          </a:p>
+        </p:txBody>
+      </p:sp>
+      <p:sp>
+        <p:nvSpPr>
+          <p:cNvPr id="3" name="Slide Number Placeholder 2"/>
+          <p:cNvSpPr>
+            <a:spLocks noGrp="1"/>
+          </p:cNvSpPr>
+          <p:nvPr>
+            <p:ph type="sldNum" sz="quarter" idx="12"/>
+          </p:nvPr>
+        </p:nvSpPr>
+        <p:spPr/>
+        <p:txBody>
+          <a:bodyPr/>
+          <a:lstStyle/>
+          <a:p>
+            <a:fld id="{C939F9F7-FBC1-4FE6-8703-87676DE9EA51}" type="slidenum">
+              <a:rPr lang="en-US" smtClean="0"/>
+              <a:t>20</a:t>
+            </a:fld>
+            <a:endParaRPr lang="en-US" dirty="0"/>
           </a:p>
         </p:txBody>
       </p:sp>
@@ -9490,6 +10227,29 @@
           </a:extLst>
         </p:spPr>
       </p:pic>
+      <p:sp>
+        <p:nvSpPr>
+          <p:cNvPr id="3" name="Slide Number Placeholder 2"/>
+          <p:cNvSpPr>
+            <a:spLocks noGrp="1"/>
+          </p:cNvSpPr>
+          <p:nvPr>
+            <p:ph type="sldNum" sz="quarter" idx="12"/>
+          </p:nvPr>
+        </p:nvSpPr>
+        <p:spPr/>
+        <p:txBody>
+          <a:bodyPr/>
+          <a:lstStyle/>
+          <a:p>
+            <a:fld id="{C939F9F7-FBC1-4FE6-8703-87676DE9EA51}" type="slidenum">
+              <a:rPr lang="en-US" smtClean="0"/>
+              <a:t>21</a:t>
+            </a:fld>
+            <a:endParaRPr lang="en-US" dirty="0"/>
+          </a:p>
+        </p:txBody>
+      </p:sp>
     </p:spTree>
     <p:extLst>
       <p:ext uri="{BB962C8B-B14F-4D97-AF65-F5344CB8AC3E}">
@@ -9689,6 +10449,29 @@
           <a:p>
             <a:pPr lvl="1"/>
             <a:endParaRPr lang="en-US" dirty="0" smtClean="0"/>
+          </a:p>
+        </p:txBody>
+      </p:sp>
+      <p:sp>
+        <p:nvSpPr>
+          <p:cNvPr id="4" name="Slide Number Placeholder 3"/>
+          <p:cNvSpPr>
+            <a:spLocks noGrp="1"/>
+          </p:cNvSpPr>
+          <p:nvPr>
+            <p:ph type="sldNum" sz="quarter" idx="12"/>
+          </p:nvPr>
+        </p:nvSpPr>
+        <p:spPr/>
+        <p:txBody>
+          <a:bodyPr/>
+          <a:lstStyle/>
+          <a:p>
+            <a:fld id="{C939F9F7-FBC1-4FE6-8703-87676DE9EA51}" type="slidenum">
+              <a:rPr lang="en-US" smtClean="0"/>
+              <a:t>3</a:t>
+            </a:fld>
+            <a:endParaRPr lang="en-US" dirty="0"/>
           </a:p>
         </p:txBody>
       </p:sp>
@@ -10483,6 +11266,29 @@
           </a:p>
         </p:txBody>
       </p:sp>
+      <p:sp>
+        <p:nvSpPr>
+          <p:cNvPr id="4" name="Slide Number Placeholder 3"/>
+          <p:cNvSpPr>
+            <a:spLocks noGrp="1"/>
+          </p:cNvSpPr>
+          <p:nvPr>
+            <p:ph type="sldNum" sz="quarter" idx="12"/>
+          </p:nvPr>
+        </p:nvSpPr>
+        <p:spPr/>
+        <p:txBody>
+          <a:bodyPr/>
+          <a:lstStyle/>
+          <a:p>
+            <a:fld id="{C939F9F7-FBC1-4FE6-8703-87676DE9EA51}" type="slidenum">
+              <a:rPr lang="en-US" smtClean="0"/>
+              <a:t>4</a:t>
+            </a:fld>
+            <a:endParaRPr lang="en-US" dirty="0"/>
+          </a:p>
+        </p:txBody>
+      </p:sp>
     </p:spTree>
     <p:extLst>
       <p:ext uri="{BB962C8B-B14F-4D97-AF65-F5344CB8AC3E}">
@@ -10670,6 +11476,29 @@
           </a:effectLst>
         </p:spPr>
       </p:pic>
+      <p:sp>
+        <p:nvSpPr>
+          <p:cNvPr id="5" name="Slide Number Placeholder 4"/>
+          <p:cNvSpPr>
+            <a:spLocks noGrp="1"/>
+          </p:cNvSpPr>
+          <p:nvPr>
+            <p:ph type="sldNum" sz="quarter" idx="12"/>
+          </p:nvPr>
+        </p:nvSpPr>
+        <p:spPr/>
+        <p:txBody>
+          <a:bodyPr/>
+          <a:lstStyle/>
+          <a:p>
+            <a:fld id="{C939F9F7-FBC1-4FE6-8703-87676DE9EA51}" type="slidenum">
+              <a:rPr lang="en-US" smtClean="0"/>
+              <a:t>5</a:t>
+            </a:fld>
+            <a:endParaRPr lang="en-US" dirty="0"/>
+          </a:p>
+        </p:txBody>
+      </p:sp>
     </p:spTree>
     <p:extLst>
       <p:ext uri="{BB962C8B-B14F-4D97-AF65-F5344CB8AC3E}">
@@ -11294,6 +12123,29 @@
           </a:effectLst>
         </p:spPr>
       </p:pic>
+      <p:sp>
+        <p:nvSpPr>
+          <p:cNvPr id="4" name="Slide Number Placeholder 3"/>
+          <p:cNvSpPr>
+            <a:spLocks noGrp="1"/>
+          </p:cNvSpPr>
+          <p:nvPr>
+            <p:ph type="sldNum" sz="quarter" idx="12"/>
+          </p:nvPr>
+        </p:nvSpPr>
+        <p:spPr/>
+        <p:txBody>
+          <a:bodyPr/>
+          <a:lstStyle/>
+          <a:p>
+            <a:fld id="{C939F9F7-FBC1-4FE6-8703-87676DE9EA51}" type="slidenum">
+              <a:rPr lang="en-US" smtClean="0"/>
+              <a:t>6</a:t>
+            </a:fld>
+            <a:endParaRPr lang="en-US" dirty="0"/>
+          </a:p>
+        </p:txBody>
+      </p:sp>
     </p:spTree>
     <p:extLst>
       <p:ext uri="{BB962C8B-B14F-4D97-AF65-F5344CB8AC3E}">
@@ -11447,6 +12299,29 @@
           </a:effectLst>
         </p:spPr>
       </p:pic>
+      <p:sp>
+        <p:nvSpPr>
+          <p:cNvPr id="4" name="Slide Number Placeholder 3"/>
+          <p:cNvSpPr>
+            <a:spLocks noGrp="1"/>
+          </p:cNvSpPr>
+          <p:nvPr>
+            <p:ph type="sldNum" sz="quarter" idx="12"/>
+          </p:nvPr>
+        </p:nvSpPr>
+        <p:spPr/>
+        <p:txBody>
+          <a:bodyPr/>
+          <a:lstStyle/>
+          <a:p>
+            <a:fld id="{C939F9F7-FBC1-4FE6-8703-87676DE9EA51}" type="slidenum">
+              <a:rPr lang="en-US" smtClean="0"/>
+              <a:t>7</a:t>
+            </a:fld>
+            <a:endParaRPr lang="en-US" dirty="0"/>
+          </a:p>
+        </p:txBody>
+      </p:sp>
     </p:spTree>
     <p:extLst>
       <p:ext uri="{BB962C8B-B14F-4D97-AF65-F5344CB8AC3E}">
@@ -11643,6 +12518,29 @@
           </a:p>
         </p:txBody>
       </p:sp>
+      <p:sp>
+        <p:nvSpPr>
+          <p:cNvPr id="4" name="Slide Number Placeholder 3"/>
+          <p:cNvSpPr>
+            <a:spLocks noGrp="1"/>
+          </p:cNvSpPr>
+          <p:nvPr>
+            <p:ph type="sldNum" sz="quarter" idx="12"/>
+          </p:nvPr>
+        </p:nvSpPr>
+        <p:spPr/>
+        <p:txBody>
+          <a:bodyPr/>
+          <a:lstStyle/>
+          <a:p>
+            <a:fld id="{C939F9F7-FBC1-4FE6-8703-87676DE9EA51}" type="slidenum">
+              <a:rPr lang="en-US" smtClean="0"/>
+              <a:t>8</a:t>
+            </a:fld>
+            <a:endParaRPr lang="en-US" dirty="0"/>
+          </a:p>
+        </p:txBody>
+      </p:sp>
     </p:spTree>
     <p:extLst>
       <p:ext uri="{BB962C8B-B14F-4D97-AF65-F5344CB8AC3E}">
@@ -11785,6 +12683,29 @@
               <a:buNone/>
             </a:pPr>
             <a:endParaRPr lang="ro-RO" dirty="0"/>
+          </a:p>
+        </p:txBody>
+      </p:sp>
+      <p:sp>
+        <p:nvSpPr>
+          <p:cNvPr id="4" name="Slide Number Placeholder 3"/>
+          <p:cNvSpPr>
+            <a:spLocks noGrp="1"/>
+          </p:cNvSpPr>
+          <p:nvPr>
+            <p:ph type="sldNum" sz="quarter" idx="12"/>
+          </p:nvPr>
+        </p:nvSpPr>
+        <p:spPr/>
+        <p:txBody>
+          <a:bodyPr/>
+          <a:lstStyle/>
+          <a:p>
+            <a:fld id="{C939F9F7-FBC1-4FE6-8703-87676DE9EA51}" type="slidenum">
+              <a:rPr lang="en-US" smtClean="0"/>
+              <a:t>9</a:t>
+            </a:fld>
+            <a:endParaRPr lang="en-US" dirty="0"/>
           </a:p>
         </p:txBody>
       </p:sp>
@@ -12072,4 +12993,265 @@
     </a:ext>
   </a:extLst>
 </a:theme>
+</file>
+
+<file path=ppt/theme/theme2.xml><?xml version="1.0" encoding="utf-8"?>
+<a:theme xmlns:a="http://schemas.openxmlformats.org/drawingml/2006/main" name="Office Theme">
+  <a:themeElements>
+    <a:clrScheme name="Office">
+      <a:dk1>
+        <a:sysClr val="windowText" lastClr="000000"/>
+      </a:dk1>
+      <a:lt1>
+        <a:sysClr val="window" lastClr="FFFFFF"/>
+      </a:lt1>
+      <a:dk2>
+        <a:srgbClr val="44546A"/>
+      </a:dk2>
+      <a:lt2>
+        <a:srgbClr val="E7E6E6"/>
+      </a:lt2>
+      <a:accent1>
+        <a:srgbClr val="5B9BD5"/>
+      </a:accent1>
+      <a:accent2>
+        <a:srgbClr val="ED7D31"/>
+      </a:accent2>
+      <a:accent3>
+        <a:srgbClr val="A5A5A5"/>
+      </a:accent3>
+      <a:accent4>
+        <a:srgbClr val="FFC000"/>
+      </a:accent4>
+      <a:accent5>
+        <a:srgbClr val="4472C4"/>
+      </a:accent5>
+      <a:accent6>
+        <a:srgbClr val="70AD47"/>
+      </a:accent6>
+      <a:hlink>
+        <a:srgbClr val="0563C1"/>
+      </a:hlink>
+      <a:folHlink>
+        <a:srgbClr val="954F72"/>
+      </a:folHlink>
+    </a:clrScheme>
+    <a:fontScheme name="Office">
+      <a:majorFont>
+        <a:latin typeface="Calibri Light" panose="020F0302020204030204"/>
+        <a:ea typeface=""/>
+        <a:cs typeface=""/>
+        <a:font script="Jpan" typeface="ＭＳ Ｐゴシック"/>
+        <a:font script="Hang" typeface="맑은 고딕"/>
+        <a:font script="Hans" typeface="宋体"/>
+        <a:font script="Hant" typeface="新細明體"/>
+        <a:font script="Arab" typeface="Times New Roman"/>
+        <a:font script="Hebr" typeface="Times New Roman"/>
+        <a:font script="Thai" typeface="Angsana New"/>
+        <a:font script="Ethi" typeface="Nyala"/>
+        <a:font script="Beng" typeface="Vrinda"/>
+        <a:font script="Gujr" typeface="Shruti"/>
+        <a:font script="Khmr" typeface="MoolBoran"/>
+        <a:font script="Knda" typeface="Tunga"/>
+        <a:font script="Guru" typeface="Raavi"/>
+        <a:font script="Cans" typeface="Euphemia"/>
+        <a:font script="Cher" typeface="Plantagenet Cherokee"/>
+        <a:font script="Yiii" typeface="Microsoft Yi Baiti"/>
+        <a:font script="Tibt" typeface="Microsoft Himalaya"/>
+        <a:font script="Thaa" typeface="MV Boli"/>
+        <a:font script="Deva" typeface="Mangal"/>
+        <a:font script="Telu" typeface="Gautami"/>
+        <a:font script="Taml" typeface="Latha"/>
+        <a:font script="Syrc" typeface="Estrangelo Edessa"/>
+        <a:font script="Orya" typeface="Kalinga"/>
+        <a:font script="Mlym" typeface="Kartika"/>
+        <a:font script="Laoo" typeface="DokChampa"/>
+        <a:font script="Sinh" typeface="Iskoola Pota"/>
+        <a:font script="Mong" typeface="Mongolian Baiti"/>
+        <a:font script="Viet" typeface="Times New Roman"/>
+        <a:font script="Uigh" typeface="Microsoft Uighur"/>
+        <a:font script="Geor" typeface="Sylfaen"/>
+      </a:majorFont>
+      <a:minorFont>
+        <a:latin typeface="Calibri" panose="020F0502020204030204"/>
+        <a:ea typeface=""/>
+        <a:cs typeface=""/>
+        <a:font script="Jpan" typeface="ＭＳ Ｐゴシック"/>
+        <a:font script="Hang" typeface="맑은 고딕"/>
+        <a:font script="Hans" typeface="宋体"/>
+        <a:font script="Hant" typeface="新細明體"/>
+        <a:font script="Arab" typeface="Arial"/>
+        <a:font script="Hebr" typeface="Arial"/>
+        <a:font script="Thai" typeface="Cordia New"/>
+        <a:font script="Ethi" typeface="Nyala"/>
+        <a:font script="Beng" typeface="Vrinda"/>
+        <a:font script="Gujr" typeface="Shruti"/>
+        <a:font script="Khmr" typeface="DaunPenh"/>
+        <a:font script="Knda" typeface="Tunga"/>
+        <a:font script="Guru" typeface="Raavi"/>
+        <a:font script="Cans" typeface="Euphemia"/>
+        <a:font script="Cher" typeface="Plantagenet Cherokee"/>
+        <a:font script="Yiii" typeface="Microsoft Yi Baiti"/>
+        <a:font script="Tibt" typeface="Microsoft Himalaya"/>
+        <a:font script="Thaa" typeface="MV Boli"/>
+        <a:font script="Deva" typeface="Mangal"/>
+        <a:font script="Telu" typeface="Gautami"/>
+        <a:font script="Taml" typeface="Latha"/>
+        <a:font script="Syrc" typeface="Estrangelo Edessa"/>
+        <a:font script="Orya" typeface="Kalinga"/>
+        <a:font script="Mlym" typeface="Kartika"/>
+        <a:font script="Laoo" typeface="DokChampa"/>
+        <a:font script="Sinh" typeface="Iskoola Pota"/>
+        <a:font script="Mong" typeface="Mongolian Baiti"/>
+        <a:font script="Viet" typeface="Arial"/>
+        <a:font script="Uigh" typeface="Microsoft Uighur"/>
+        <a:font script="Geor" typeface="Sylfaen"/>
+      </a:minorFont>
+    </a:fontScheme>
+    <a:fmtScheme name="Office">
+      <a:fillStyleLst>
+        <a:solidFill>
+          <a:schemeClr val="phClr"/>
+        </a:solidFill>
+        <a:gradFill rotWithShape="1">
+          <a:gsLst>
+            <a:gs pos="0">
+              <a:schemeClr val="phClr">
+                <a:lumMod val="110000"/>
+                <a:satMod val="105000"/>
+                <a:tint val="67000"/>
+              </a:schemeClr>
+            </a:gs>
+            <a:gs pos="50000">
+              <a:schemeClr val="phClr">
+                <a:lumMod val="105000"/>
+                <a:satMod val="103000"/>
+                <a:tint val="73000"/>
+              </a:schemeClr>
+            </a:gs>
+            <a:gs pos="100000">
+              <a:schemeClr val="phClr">
+                <a:lumMod val="105000"/>
+                <a:satMod val="109000"/>
+                <a:tint val="81000"/>
+              </a:schemeClr>
+            </a:gs>
+          </a:gsLst>
+          <a:lin ang="5400000" scaled="0"/>
+        </a:gradFill>
+        <a:gradFill rotWithShape="1">
+          <a:gsLst>
+            <a:gs pos="0">
+              <a:schemeClr val="phClr">
+                <a:satMod val="103000"/>
+                <a:lumMod val="102000"/>
+                <a:tint val="94000"/>
+              </a:schemeClr>
+            </a:gs>
+            <a:gs pos="50000">
+              <a:schemeClr val="phClr">
+                <a:satMod val="110000"/>
+                <a:lumMod val="100000"/>
+                <a:shade val="100000"/>
+              </a:schemeClr>
+            </a:gs>
+            <a:gs pos="100000">
+              <a:schemeClr val="phClr">
+                <a:lumMod val="99000"/>
+                <a:satMod val="120000"/>
+                <a:shade val="78000"/>
+              </a:schemeClr>
+            </a:gs>
+          </a:gsLst>
+          <a:lin ang="5400000" scaled="0"/>
+        </a:gradFill>
+      </a:fillStyleLst>
+      <a:lnStyleLst>
+        <a:ln w="6350" cap="flat" cmpd="sng" algn="ctr">
+          <a:solidFill>
+            <a:schemeClr val="phClr"/>
+          </a:solidFill>
+          <a:prstDash val="solid"/>
+          <a:miter lim="800000"/>
+        </a:ln>
+        <a:ln w="12700" cap="flat" cmpd="sng" algn="ctr">
+          <a:solidFill>
+            <a:schemeClr val="phClr"/>
+          </a:solidFill>
+          <a:prstDash val="solid"/>
+          <a:miter lim="800000"/>
+        </a:ln>
+        <a:ln w="19050" cap="flat" cmpd="sng" algn="ctr">
+          <a:solidFill>
+            <a:schemeClr val="phClr"/>
+          </a:solidFill>
+          <a:prstDash val="solid"/>
+          <a:miter lim="800000"/>
+        </a:ln>
+      </a:lnStyleLst>
+      <a:effectStyleLst>
+        <a:effectStyle>
+          <a:effectLst/>
+        </a:effectStyle>
+        <a:effectStyle>
+          <a:effectLst/>
+        </a:effectStyle>
+        <a:effectStyle>
+          <a:effectLst>
+            <a:outerShdw blurRad="57150" dist="19050" dir="5400000" algn="ctr" rotWithShape="0">
+              <a:srgbClr val="000000">
+                <a:alpha val="63000"/>
+              </a:srgbClr>
+            </a:outerShdw>
+          </a:effectLst>
+        </a:effectStyle>
+      </a:effectStyleLst>
+      <a:bgFillStyleLst>
+        <a:solidFill>
+          <a:schemeClr val="phClr"/>
+        </a:solidFill>
+        <a:solidFill>
+          <a:schemeClr val="phClr">
+            <a:tint val="95000"/>
+            <a:satMod val="170000"/>
+          </a:schemeClr>
+        </a:solidFill>
+        <a:gradFill rotWithShape="1">
+          <a:gsLst>
+            <a:gs pos="0">
+              <a:schemeClr val="phClr">
+                <a:tint val="93000"/>
+                <a:satMod val="150000"/>
+                <a:shade val="98000"/>
+                <a:lumMod val="102000"/>
+              </a:schemeClr>
+            </a:gs>
+            <a:gs pos="50000">
+              <a:schemeClr val="phClr">
+                <a:tint val="98000"/>
+                <a:satMod val="130000"/>
+                <a:shade val="90000"/>
+                <a:lumMod val="103000"/>
+              </a:schemeClr>
+            </a:gs>
+            <a:gs pos="100000">
+              <a:schemeClr val="phClr">
+                <a:shade val="63000"/>
+                <a:satMod val="120000"/>
+              </a:schemeClr>
+            </a:gs>
+          </a:gsLst>
+          <a:lin ang="5400000" scaled="0"/>
+        </a:gradFill>
+      </a:bgFillStyleLst>
+    </a:fmtScheme>
+  </a:themeElements>
+  <a:objectDefaults/>
+  <a:extraClrSchemeLst/>
+  <a:extLst>
+    <a:ext uri="{05A4C25C-085E-4340-85A3-A5531E510DB2}">
+      <thm15:themeFamily xmlns:thm15="http://schemas.microsoft.com/office/thememl/2012/main" name="Office Theme" id="{62F939B6-93AF-4DB8-9C6B-D6C7DFDC589F}" vid="{4A3C46E8-61CC-4603-A589-7422A47A8E4A}"/>
+    </a:ext>
+  </a:extLst>
+</a:theme>
 </file>